--- a/Wang-Müller.pptx
+++ b/Wang-Müller.pptx
@@ -5,7 +5,7 @@
     <p:sldMasterId id="2147483954" r:id="rId1"/>
   </p:sldMasterIdLst>
   <p:notesMasterIdLst>
-    <p:notesMasterId r:id="rId17"/>
+    <p:notesMasterId r:id="rId18"/>
   </p:notesMasterIdLst>
   <p:sldIdLst>
     <p:sldId id="256" r:id="rId2"/>
@@ -17,12 +17,13 @@
     <p:sldId id="262" r:id="rId8"/>
     <p:sldId id="263" r:id="rId9"/>
     <p:sldId id="264" r:id="rId10"/>
-    <p:sldId id="266" r:id="rId11"/>
-    <p:sldId id="267" r:id="rId12"/>
-    <p:sldId id="265" r:id="rId13"/>
-    <p:sldId id="268" r:id="rId14"/>
-    <p:sldId id="270" r:id="rId15"/>
-    <p:sldId id="269" r:id="rId16"/>
+    <p:sldId id="271" r:id="rId11"/>
+    <p:sldId id="266" r:id="rId12"/>
+    <p:sldId id="267" r:id="rId13"/>
+    <p:sldId id="265" r:id="rId14"/>
+    <p:sldId id="268" r:id="rId15"/>
+    <p:sldId id="270" r:id="rId16"/>
+    <p:sldId id="269" r:id="rId17"/>
   </p:sldIdLst>
   <p:sldSz cx="12192000" cy="6858000"/>
   <p:notesSz cx="6858000" cy="9144000"/>
@@ -211,7 +212,7 @@
           <a:p>
             <a:fld id="{6A449840-315F-4FD4-A955-B6C99BE65166}" type="datetimeFigureOut">
               <a:rPr lang="de-DE" smtClean="0"/>
-              <a:t>25.06.2015</a:t>
+              <a:t>02.07.2015</a:t>
             </a:fld>
             <a:endParaRPr lang="de-DE"/>
           </a:p>
@@ -370,7 +371,7 @@
           <a:p>
             <a:fld id="{94626CDE-96AB-47F3-83F8-702B4FAB0956}" type="slidenum">
               <a:rPr lang="de-DE" smtClean="0"/>
-              <a:t>‹#›</a:t>
+              <a:t>‹Nr.›</a:t>
             </a:fld>
             <a:endParaRPr lang="de-DE"/>
           </a:p>
@@ -627,7 +628,7 @@
           <a:p>
             <a:fld id="{94626CDE-96AB-47F3-83F8-702B4FAB0956}" type="slidenum">
               <a:rPr lang="de-DE" smtClean="0"/>
-              <a:t>13</a:t>
+              <a:t>14</a:t>
             </a:fld>
             <a:endParaRPr lang="de-DE"/>
           </a:p>
@@ -794,7 +795,7 @@
           <a:p>
             <a:fld id="{94626CDE-96AB-47F3-83F8-702B4FAB0956}" type="slidenum">
               <a:rPr lang="de-DE" smtClean="0"/>
-              <a:t>14</a:t>
+              <a:t>15</a:t>
             </a:fld>
             <a:endParaRPr lang="de-DE"/>
           </a:p>
@@ -944,7 +945,7 @@
           <a:p>
             <a:fld id="{7AF8E37B-F5FD-4F9D-9B00-BC7C4776A7C3}" type="datetimeFigureOut">
               <a:rPr lang="en-US" smtClean="0"/>
-              <a:t>25/6/2015</a:t>
+              <a:t>7/2/2015</a:t>
             </a:fld>
             <a:endParaRPr lang="en-US"/>
           </a:p>
@@ -986,7 +987,7 @@
           <a:p>
             <a:fld id="{5B99597B-07E3-4F78-AC35-69A9544D51AD}" type="slidenum">
               <a:rPr lang="en-US" smtClean="0"/>
-              <a:t>‹#›</a:t>
+              <a:t>‹Nr.›</a:t>
             </a:fld>
             <a:endParaRPr lang="en-US"/>
           </a:p>
@@ -1114,7 +1115,7 @@
           <a:p>
             <a:fld id="{7AF8E37B-F5FD-4F9D-9B00-BC7C4776A7C3}" type="datetimeFigureOut">
               <a:rPr lang="en-US" smtClean="0"/>
-              <a:t>25/6/2015</a:t>
+              <a:t>7/2/2015</a:t>
             </a:fld>
             <a:endParaRPr lang="en-US"/>
           </a:p>
@@ -1156,7 +1157,7 @@
           <a:p>
             <a:fld id="{5B99597B-07E3-4F78-AC35-69A9544D51AD}" type="slidenum">
               <a:rPr lang="en-US" smtClean="0"/>
-              <a:t>‹#›</a:t>
+              <a:t>‹Nr.›</a:t>
             </a:fld>
             <a:endParaRPr lang="en-US"/>
           </a:p>
@@ -1294,7 +1295,7 @@
           <a:p>
             <a:fld id="{7AF8E37B-F5FD-4F9D-9B00-BC7C4776A7C3}" type="datetimeFigureOut">
               <a:rPr lang="en-US" smtClean="0"/>
-              <a:t>25/6/2015</a:t>
+              <a:t>7/2/2015</a:t>
             </a:fld>
             <a:endParaRPr lang="en-US"/>
           </a:p>
@@ -1336,7 +1337,7 @@
           <a:p>
             <a:fld id="{5B99597B-07E3-4F78-AC35-69A9544D51AD}" type="slidenum">
               <a:rPr lang="en-US" smtClean="0"/>
-              <a:t>‹#›</a:t>
+              <a:t>‹Nr.›</a:t>
             </a:fld>
             <a:endParaRPr lang="en-US"/>
           </a:p>
@@ -1464,7 +1465,7 @@
           <a:p>
             <a:fld id="{7AF8E37B-F5FD-4F9D-9B00-BC7C4776A7C3}" type="datetimeFigureOut">
               <a:rPr lang="en-US" smtClean="0"/>
-              <a:t>25/6/2015</a:t>
+              <a:t>7/2/2015</a:t>
             </a:fld>
             <a:endParaRPr lang="en-US"/>
           </a:p>
@@ -1506,7 +1507,7 @@
           <a:p>
             <a:fld id="{5B99597B-07E3-4F78-AC35-69A9544D51AD}" type="slidenum">
               <a:rPr lang="en-US" smtClean="0"/>
-              <a:t>‹#›</a:t>
+              <a:t>‹Nr.›</a:t>
             </a:fld>
             <a:endParaRPr lang="en-US"/>
           </a:p>
@@ -1710,7 +1711,7 @@
           <a:p>
             <a:fld id="{7AF8E37B-F5FD-4F9D-9B00-BC7C4776A7C3}" type="datetimeFigureOut">
               <a:rPr lang="en-US" smtClean="0"/>
-              <a:t>25/6/2015</a:t>
+              <a:t>7/2/2015</a:t>
             </a:fld>
             <a:endParaRPr lang="en-US"/>
           </a:p>
@@ -1752,7 +1753,7 @@
           <a:p>
             <a:fld id="{5B99597B-07E3-4F78-AC35-69A9544D51AD}" type="slidenum">
               <a:rPr lang="en-US" smtClean="0"/>
-              <a:t>‹#›</a:t>
+              <a:t>‹Nr.›</a:t>
             </a:fld>
             <a:endParaRPr lang="en-US"/>
           </a:p>
@@ -1942,7 +1943,7 @@
           <a:p>
             <a:fld id="{7AF8E37B-F5FD-4F9D-9B00-BC7C4776A7C3}" type="datetimeFigureOut">
               <a:rPr lang="en-US" smtClean="0"/>
-              <a:t>25/6/2015</a:t>
+              <a:t>7/2/2015</a:t>
             </a:fld>
             <a:endParaRPr lang="en-US"/>
           </a:p>
@@ -1984,7 +1985,7 @@
           <a:p>
             <a:fld id="{5B99597B-07E3-4F78-AC35-69A9544D51AD}" type="slidenum">
               <a:rPr lang="en-US" smtClean="0"/>
-              <a:t>‹#›</a:t>
+              <a:t>‹Nr.›</a:t>
             </a:fld>
             <a:endParaRPr lang="en-US"/>
           </a:p>
@@ -2309,7 +2310,7 @@
           <a:p>
             <a:fld id="{7AF8E37B-F5FD-4F9D-9B00-BC7C4776A7C3}" type="datetimeFigureOut">
               <a:rPr lang="en-US" smtClean="0"/>
-              <a:t>25/6/2015</a:t>
+              <a:t>7/2/2015</a:t>
             </a:fld>
             <a:endParaRPr lang="en-US"/>
           </a:p>
@@ -2351,7 +2352,7 @@
           <a:p>
             <a:fld id="{5B99597B-07E3-4F78-AC35-69A9544D51AD}" type="slidenum">
               <a:rPr lang="en-US" smtClean="0"/>
-              <a:t>‹#›</a:t>
+              <a:t>‹Nr.›</a:t>
             </a:fld>
             <a:endParaRPr lang="en-US"/>
           </a:p>
@@ -2427,7 +2428,7 @@
           <a:p>
             <a:fld id="{7AF8E37B-F5FD-4F9D-9B00-BC7C4776A7C3}" type="datetimeFigureOut">
               <a:rPr lang="en-US" smtClean="0"/>
-              <a:t>25/6/2015</a:t>
+              <a:t>7/2/2015</a:t>
             </a:fld>
             <a:endParaRPr lang="en-US"/>
           </a:p>
@@ -2469,7 +2470,7 @@
           <a:p>
             <a:fld id="{5B99597B-07E3-4F78-AC35-69A9544D51AD}" type="slidenum">
               <a:rPr lang="en-US" smtClean="0"/>
-              <a:t>‹#›</a:t>
+              <a:t>‹Nr.›</a:t>
             </a:fld>
             <a:endParaRPr lang="en-US"/>
           </a:p>
@@ -2522,7 +2523,7 @@
           <a:p>
             <a:fld id="{7AF8E37B-F5FD-4F9D-9B00-BC7C4776A7C3}" type="datetimeFigureOut">
               <a:rPr lang="en-US" smtClean="0"/>
-              <a:t>25/6/2015</a:t>
+              <a:t>7/2/2015</a:t>
             </a:fld>
             <a:endParaRPr lang="en-US"/>
           </a:p>
@@ -2564,7 +2565,7 @@
           <a:p>
             <a:fld id="{5B99597B-07E3-4F78-AC35-69A9544D51AD}" type="slidenum">
               <a:rPr lang="en-US" smtClean="0"/>
-              <a:t>‹#›</a:t>
+              <a:t>‹Nr.›</a:t>
             </a:fld>
             <a:endParaRPr lang="en-US"/>
           </a:p>
@@ -2799,7 +2800,7 @@
           <a:p>
             <a:fld id="{7AF8E37B-F5FD-4F9D-9B00-BC7C4776A7C3}" type="datetimeFigureOut">
               <a:rPr lang="en-US" smtClean="0"/>
-              <a:t>25/6/2015</a:t>
+              <a:t>7/2/2015</a:t>
             </a:fld>
             <a:endParaRPr lang="en-US"/>
           </a:p>
@@ -2841,7 +2842,7 @@
           <a:p>
             <a:fld id="{5B99597B-07E3-4F78-AC35-69A9544D51AD}" type="slidenum">
               <a:rPr lang="en-US" smtClean="0"/>
-              <a:t>‹#›</a:t>
+              <a:t>‹Nr.›</a:t>
             </a:fld>
             <a:endParaRPr lang="en-US"/>
           </a:p>
@@ -3052,7 +3053,7 @@
           <a:p>
             <a:fld id="{7AF8E37B-F5FD-4F9D-9B00-BC7C4776A7C3}" type="datetimeFigureOut">
               <a:rPr lang="en-US" smtClean="0"/>
-              <a:t>25/6/2015</a:t>
+              <a:t>7/2/2015</a:t>
             </a:fld>
             <a:endParaRPr lang="en-US"/>
           </a:p>
@@ -3094,7 +3095,7 @@
           <a:p>
             <a:fld id="{5B99597B-07E3-4F78-AC35-69A9544D51AD}" type="slidenum">
               <a:rPr lang="en-US" smtClean="0"/>
-              <a:t>‹#›</a:t>
+              <a:t>‹Nr.›</a:t>
             </a:fld>
             <a:endParaRPr lang="en-US"/>
           </a:p>
@@ -3265,7 +3266,7 @@
           <a:p>
             <a:fld id="{7AF8E37B-F5FD-4F9D-9B00-BC7C4776A7C3}" type="datetimeFigureOut">
               <a:rPr lang="en-US" smtClean="0"/>
-              <a:t>25/6/2015</a:t>
+              <a:t>7/2/2015</a:t>
             </a:fld>
             <a:endParaRPr lang="en-US"/>
           </a:p>
@@ -3343,7 +3344,7 @@
           <a:p>
             <a:fld id="{5B99597B-07E3-4F78-AC35-69A9544D51AD}" type="slidenum">
               <a:rPr lang="en-US" smtClean="0"/>
-              <a:t>‹#›</a:t>
+              <a:t>‹Nr.›</a:t>
             </a:fld>
             <a:endParaRPr lang="en-US"/>
           </a:p>
@@ -3726,6 +3727,13 @@
   <p:clrMapOvr>
     <a:masterClrMapping/>
   </p:clrMapOvr>
+  <p:timing>
+    <p:tnLst>
+      <p:par>
+        <p:cTn id="1" dur="indefinite" restart="never" nodeType="tmRoot"/>
+      </p:par>
+    </p:tnLst>
+  </p:timing>
 </p:sld>
 </file>
 
@@ -3748,7 +3756,7 @@
       </p:grpSpPr>
       <p:sp>
         <p:nvSpPr>
-          <p:cNvPr id="2" name="Title 1"/>
+          <p:cNvPr id="2" name="Titel 1"/>
           <p:cNvSpPr>
             <a:spLocks noGrp="1"/>
           </p:cNvSpPr>
@@ -3763,7 +3771,7 @@
           <a:p>
             <a:r>
               <a:rPr lang="de-DE" dirty="0" smtClean="0"/>
-              <a:t>Kombinierung</a:t>
+              <a:t>Elimination</a:t>
             </a:r>
             <a:endParaRPr lang="de-DE" dirty="0"/>
           </a:p>
@@ -3771,7 +3779,7 @@
       </p:sp>
       <p:sp>
         <p:nvSpPr>
-          <p:cNvPr id="3" name="Content Placeholder 2"/>
+          <p:cNvPr id="3" name="Inhaltsplatzhalter 2"/>
           <p:cNvSpPr>
             <a:spLocks noGrp="1"/>
           </p:cNvSpPr>
@@ -3786,55 +3794,448 @@
           <a:p>
             <a:r>
               <a:rPr lang="de-DE" dirty="0" smtClean="0"/>
-              <a:t>Zwei ähnliche </a:t>
-            </a:r>
-            <a:r>
-              <a:rPr lang="de-DE" i="1" dirty="0" err="1" smtClean="0"/>
-              <a:t>bends</a:t>
+              <a:t>Eine </a:t>
+            </a:r>
+            <a:r>
+              <a:rPr lang="de-DE" dirty="0" err="1" smtClean="0"/>
+              <a:t>bend</a:t>
             </a:r>
             <a:r>
               <a:rPr lang="de-DE" dirty="0" smtClean="0"/>
-              <a:t> mit einen kleineren </a:t>
-            </a:r>
-            <a:r>
-              <a:rPr lang="de-DE" i="1" dirty="0" err="1" smtClean="0"/>
-              <a:t>bend</a:t>
-            </a:r>
-            <a:r>
-              <a:rPr lang="de-DE" dirty="0" smtClean="0"/>
-              <a:t> dazwischen werden folgender weise kombiniert:</a:t>
-            </a:r>
-          </a:p>
-          <a:p>
-            <a:endParaRPr lang="de-DE" dirty="0" smtClean="0"/>
-          </a:p>
-          <a:p>
-            <a:r>
-              <a:rPr lang="de-DE" dirty="0" smtClean="0"/>
-              <a:t>(</a:t>
-            </a:r>
-            <a:r>
-              <a:rPr lang="de-DE" dirty="0" err="1" smtClean="0"/>
-              <a:t>bild</a:t>
-            </a:r>
-            <a:r>
-              <a:rPr lang="de-DE" dirty="0" smtClean="0"/>
-              <a:t>)</a:t>
+              <a:t> wird gelöscht</a:t>
             </a:r>
             <a:endParaRPr lang="de-DE" dirty="0"/>
           </a:p>
         </p:txBody>
       </p:sp>
+      <p:cxnSp>
+        <p:nvCxnSpPr>
+          <p:cNvPr id="4" name="Gerader Verbinder 3"/>
+          <p:cNvCxnSpPr/>
+          <p:nvPr/>
+        </p:nvCxnSpPr>
+        <p:spPr>
+          <a:xfrm flipV="1">
+            <a:off x="3793519" y="4850631"/>
+            <a:ext cx="797356" cy="870508"/>
+          </a:xfrm>
+          <a:prstGeom prst="line">
+            <a:avLst/>
+          </a:prstGeom>
+          <a:ln w="57150">
+            <a:headEnd type="none" w="med" len="med"/>
+            <a:tailEnd type="none" w="med" len="med"/>
+          </a:ln>
+        </p:spPr>
+        <p:style>
+          <a:lnRef idx="3">
+            <a:schemeClr val="accent1"/>
+          </a:lnRef>
+          <a:fillRef idx="0">
+            <a:schemeClr val="accent1"/>
+          </a:fillRef>
+          <a:effectRef idx="2">
+            <a:schemeClr val="accent1"/>
+          </a:effectRef>
+          <a:fontRef idx="minor">
+            <a:schemeClr val="tx1"/>
+          </a:fontRef>
+        </p:style>
+      </p:cxnSp>
+      <p:cxnSp>
+        <p:nvCxnSpPr>
+          <p:cNvPr id="5" name="Gerader Verbinder 4"/>
+          <p:cNvCxnSpPr/>
+          <p:nvPr/>
+        </p:nvCxnSpPr>
+        <p:spPr>
+          <a:xfrm flipV="1">
+            <a:off x="4578559" y="3259576"/>
+            <a:ext cx="216855" cy="1605685"/>
+          </a:xfrm>
+          <a:prstGeom prst="line">
+            <a:avLst/>
+          </a:prstGeom>
+          <a:ln w="57150">
+            <a:headEnd type="none" w="med" len="med"/>
+            <a:tailEnd type="none" w="med" len="med"/>
+          </a:ln>
+        </p:spPr>
+        <p:style>
+          <a:lnRef idx="3">
+            <a:schemeClr val="accent1"/>
+          </a:lnRef>
+          <a:fillRef idx="0">
+            <a:schemeClr val="accent1"/>
+          </a:fillRef>
+          <a:effectRef idx="2">
+            <a:schemeClr val="accent1"/>
+          </a:effectRef>
+          <a:fontRef idx="minor">
+            <a:schemeClr val="tx1"/>
+          </a:fontRef>
+        </p:style>
+      </p:cxnSp>
+      <p:cxnSp>
+        <p:nvCxnSpPr>
+          <p:cNvPr id="6" name="Gerader Verbinder 5"/>
+          <p:cNvCxnSpPr/>
+          <p:nvPr/>
+        </p:nvCxnSpPr>
+        <p:spPr>
+          <a:xfrm flipV="1">
+            <a:off x="4788386" y="2904787"/>
+            <a:ext cx="446227" cy="358445"/>
+          </a:xfrm>
+          <a:prstGeom prst="line">
+            <a:avLst/>
+          </a:prstGeom>
+          <a:ln w="57150">
+            <a:headEnd type="none" w="med" len="med"/>
+            <a:tailEnd type="none" w="med" len="med"/>
+          </a:ln>
+        </p:spPr>
+        <p:style>
+          <a:lnRef idx="3">
+            <a:schemeClr val="accent1"/>
+          </a:lnRef>
+          <a:fillRef idx="0">
+            <a:schemeClr val="accent1"/>
+          </a:fillRef>
+          <a:effectRef idx="2">
+            <a:schemeClr val="accent1"/>
+          </a:effectRef>
+          <a:fontRef idx="minor">
+            <a:schemeClr val="tx1"/>
+          </a:fontRef>
+        </p:style>
+      </p:cxnSp>
+      <p:cxnSp>
+        <p:nvCxnSpPr>
+          <p:cNvPr id="7" name="Gerader Verbinder 6"/>
+          <p:cNvCxnSpPr/>
+          <p:nvPr/>
+        </p:nvCxnSpPr>
+        <p:spPr>
+          <a:xfrm>
+            <a:off x="5205352" y="2912103"/>
+            <a:ext cx="526695" cy="387705"/>
+          </a:xfrm>
+          <a:prstGeom prst="line">
+            <a:avLst/>
+          </a:prstGeom>
+          <a:ln w="57150">
+            <a:headEnd type="none" w="med" len="med"/>
+            <a:tailEnd type="none" w="med" len="med"/>
+          </a:ln>
+        </p:spPr>
+        <p:style>
+          <a:lnRef idx="3">
+            <a:schemeClr val="accent1"/>
+          </a:lnRef>
+          <a:fillRef idx="0">
+            <a:schemeClr val="accent1"/>
+          </a:fillRef>
+          <a:effectRef idx="2">
+            <a:schemeClr val="accent1"/>
+          </a:effectRef>
+          <a:fontRef idx="minor">
+            <a:schemeClr val="tx1"/>
+          </a:fontRef>
+        </p:style>
+      </p:cxnSp>
+      <p:cxnSp>
+        <p:nvCxnSpPr>
+          <p:cNvPr id="8" name="Gerader Verbinder 7"/>
+          <p:cNvCxnSpPr/>
+          <p:nvPr/>
+        </p:nvCxnSpPr>
+        <p:spPr>
+          <a:xfrm>
+            <a:off x="5699931" y="3259575"/>
+            <a:ext cx="450451" cy="1605686"/>
+          </a:xfrm>
+          <a:prstGeom prst="line">
+            <a:avLst/>
+          </a:prstGeom>
+          <a:ln w="57150">
+            <a:headEnd type="none" w="med" len="med"/>
+            <a:tailEnd type="none" w="med" len="med"/>
+          </a:ln>
+        </p:spPr>
+        <p:style>
+          <a:lnRef idx="3">
+            <a:schemeClr val="accent1"/>
+          </a:lnRef>
+          <a:fillRef idx="0">
+            <a:schemeClr val="accent1"/>
+          </a:fillRef>
+          <a:effectRef idx="2">
+            <a:schemeClr val="accent1"/>
+          </a:effectRef>
+          <a:fontRef idx="minor">
+            <a:schemeClr val="tx1"/>
+          </a:fontRef>
+        </p:style>
+      </p:cxnSp>
+      <p:cxnSp>
+        <p:nvCxnSpPr>
+          <p:cNvPr id="9" name="Gerader Verbinder 8"/>
+          <p:cNvCxnSpPr/>
+          <p:nvPr/>
+        </p:nvCxnSpPr>
+        <p:spPr>
+          <a:xfrm>
+            <a:off x="6149013" y="4865261"/>
+            <a:ext cx="418335" cy="420624"/>
+          </a:xfrm>
+          <a:prstGeom prst="line">
+            <a:avLst/>
+          </a:prstGeom>
+          <a:ln w="57150">
+            <a:headEnd type="none" w="med" len="med"/>
+            <a:tailEnd type="none" w="med" len="med"/>
+          </a:ln>
+        </p:spPr>
+        <p:style>
+          <a:lnRef idx="3">
+            <a:schemeClr val="accent1"/>
+          </a:lnRef>
+          <a:fillRef idx="0">
+            <a:schemeClr val="accent1"/>
+          </a:fillRef>
+          <a:effectRef idx="2">
+            <a:schemeClr val="accent1"/>
+          </a:effectRef>
+          <a:fontRef idx="minor">
+            <a:schemeClr val="tx1"/>
+          </a:fontRef>
+        </p:style>
+      </p:cxnSp>
+      <p:cxnSp>
+        <p:nvCxnSpPr>
+          <p:cNvPr id="11" name="Gerader Verbinder 10"/>
+          <p:cNvCxnSpPr/>
+          <p:nvPr/>
+        </p:nvCxnSpPr>
+        <p:spPr>
+          <a:xfrm>
+            <a:off x="4590875" y="4850631"/>
+            <a:ext cx="1558138" cy="0"/>
+          </a:xfrm>
+          <a:prstGeom prst="line">
+            <a:avLst/>
+          </a:prstGeom>
+          <a:ln w="57150"/>
+        </p:spPr>
+        <p:style>
+          <a:lnRef idx="1">
+            <a:schemeClr val="accent1"/>
+          </a:lnRef>
+          <a:fillRef idx="0">
+            <a:schemeClr val="accent1"/>
+          </a:fillRef>
+          <a:effectRef idx="0">
+            <a:schemeClr val="accent1"/>
+          </a:effectRef>
+          <a:fontRef idx="minor">
+            <a:schemeClr val="tx1"/>
+          </a:fontRef>
+        </p:style>
+      </p:cxnSp>
     </p:spTree>
     <p:extLst>
       <p:ext uri="{BB962C8B-B14F-4D97-AF65-F5344CB8AC3E}">
-        <p14:creationId xmlns:p14="http://schemas.microsoft.com/office/powerpoint/2010/main" val="110468713"/>
+        <p14:creationId xmlns:p14="http://schemas.microsoft.com/office/powerpoint/2010/main" val="4023819077"/>
       </p:ext>
     </p:extLst>
   </p:cSld>
   <p:clrMapOvr>
     <a:masterClrMapping/>
   </p:clrMapOvr>
+  <p:timing>
+    <p:tnLst>
+      <p:par>
+        <p:cTn id="1" dur="indefinite" restart="never" nodeType="tmRoot">
+          <p:childTnLst>
+            <p:seq concurrent="1" nextAc="seek">
+              <p:cTn id="2" dur="indefinite" nodeType="mainSeq">
+                <p:childTnLst>
+                  <p:par>
+                    <p:cTn id="3" fill="hold">
+                      <p:stCondLst>
+                        <p:cond delay="indefinite"/>
+                      </p:stCondLst>
+                      <p:childTnLst>
+                        <p:par>
+                          <p:cTn id="4" fill="hold">
+                            <p:stCondLst>
+                              <p:cond delay="0"/>
+                            </p:stCondLst>
+                            <p:childTnLst>
+                              <p:par>
+                                <p:cTn id="5" presetID="1" presetClass="exit" presetSubtype="0" fill="hold" nodeType="clickEffect">
+                                  <p:stCondLst>
+                                    <p:cond delay="0"/>
+                                  </p:stCondLst>
+                                  <p:childTnLst>
+                                    <p:set>
+                                      <p:cBhvr>
+                                        <p:cTn id="6" dur="1" fill="hold">
+                                          <p:stCondLst>
+                                            <p:cond delay="0"/>
+                                          </p:stCondLst>
+                                        </p:cTn>
+                                        <p:tgtEl>
+                                          <p:spTgt spid="5"/>
+                                        </p:tgtEl>
+                                        <p:attrNameLst>
+                                          <p:attrName>style.visibility</p:attrName>
+                                        </p:attrNameLst>
+                                      </p:cBhvr>
+                                      <p:to>
+                                        <p:strVal val="hidden"/>
+                                      </p:to>
+                                    </p:set>
+                                  </p:childTnLst>
+                                </p:cTn>
+                              </p:par>
+                              <p:par>
+                                <p:cTn id="7" presetID="1" presetClass="exit" presetSubtype="0" fill="hold" nodeType="withEffect">
+                                  <p:stCondLst>
+                                    <p:cond delay="0"/>
+                                  </p:stCondLst>
+                                  <p:childTnLst>
+                                    <p:set>
+                                      <p:cBhvr>
+                                        <p:cTn id="8" dur="1" fill="hold">
+                                          <p:stCondLst>
+                                            <p:cond delay="0"/>
+                                          </p:stCondLst>
+                                        </p:cTn>
+                                        <p:tgtEl>
+                                          <p:spTgt spid="6"/>
+                                        </p:tgtEl>
+                                        <p:attrNameLst>
+                                          <p:attrName>style.visibility</p:attrName>
+                                        </p:attrNameLst>
+                                      </p:cBhvr>
+                                      <p:to>
+                                        <p:strVal val="hidden"/>
+                                      </p:to>
+                                    </p:set>
+                                  </p:childTnLst>
+                                </p:cTn>
+                              </p:par>
+                              <p:par>
+                                <p:cTn id="9" presetID="1" presetClass="exit" presetSubtype="0" fill="hold" nodeType="withEffect">
+                                  <p:stCondLst>
+                                    <p:cond delay="0"/>
+                                  </p:stCondLst>
+                                  <p:childTnLst>
+                                    <p:set>
+                                      <p:cBhvr>
+                                        <p:cTn id="10" dur="1" fill="hold">
+                                          <p:stCondLst>
+                                            <p:cond delay="0"/>
+                                          </p:stCondLst>
+                                        </p:cTn>
+                                        <p:tgtEl>
+                                          <p:spTgt spid="7"/>
+                                        </p:tgtEl>
+                                        <p:attrNameLst>
+                                          <p:attrName>style.visibility</p:attrName>
+                                        </p:attrNameLst>
+                                      </p:cBhvr>
+                                      <p:to>
+                                        <p:strVal val="hidden"/>
+                                      </p:to>
+                                    </p:set>
+                                  </p:childTnLst>
+                                </p:cTn>
+                              </p:par>
+                              <p:par>
+                                <p:cTn id="11" presetID="1" presetClass="exit" presetSubtype="0" fill="hold" nodeType="withEffect">
+                                  <p:stCondLst>
+                                    <p:cond delay="0"/>
+                                  </p:stCondLst>
+                                  <p:childTnLst>
+                                    <p:set>
+                                      <p:cBhvr>
+                                        <p:cTn id="12" dur="1" fill="hold">
+                                          <p:stCondLst>
+                                            <p:cond delay="0"/>
+                                          </p:stCondLst>
+                                        </p:cTn>
+                                        <p:tgtEl>
+                                          <p:spTgt spid="8"/>
+                                        </p:tgtEl>
+                                        <p:attrNameLst>
+                                          <p:attrName>style.visibility</p:attrName>
+                                        </p:attrNameLst>
+                                      </p:cBhvr>
+                                      <p:to>
+                                        <p:strVal val="hidden"/>
+                                      </p:to>
+                                    </p:set>
+                                  </p:childTnLst>
+                                </p:cTn>
+                              </p:par>
+                              <p:par>
+                                <p:cTn id="13" presetID="1" presetClass="entr" presetSubtype="0" fill="hold" nodeType="withEffect">
+                                  <p:stCondLst>
+                                    <p:cond delay="0"/>
+                                  </p:stCondLst>
+                                  <p:childTnLst>
+                                    <p:set>
+                                      <p:cBhvr>
+                                        <p:cTn id="14" dur="1" fill="hold">
+                                          <p:stCondLst>
+                                            <p:cond delay="0"/>
+                                          </p:stCondLst>
+                                        </p:cTn>
+                                        <p:tgtEl>
+                                          <p:spTgt spid="11"/>
+                                        </p:tgtEl>
+                                        <p:attrNameLst>
+                                          <p:attrName>style.visibility</p:attrName>
+                                        </p:attrNameLst>
+                                      </p:cBhvr>
+                                      <p:to>
+                                        <p:strVal val="visible"/>
+                                      </p:to>
+                                    </p:set>
+                                  </p:childTnLst>
+                                </p:cTn>
+                              </p:par>
+                            </p:childTnLst>
+                          </p:cTn>
+                        </p:par>
+                      </p:childTnLst>
+                    </p:cTn>
+                  </p:par>
+                </p:childTnLst>
+              </p:cTn>
+              <p:prevCondLst>
+                <p:cond evt="onPrev" delay="0">
+                  <p:tgtEl>
+                    <p:sldTgt/>
+                  </p:tgtEl>
+                </p:cond>
+              </p:prevCondLst>
+              <p:nextCondLst>
+                <p:cond evt="onNext" delay="0">
+                  <p:tgtEl>
+                    <p:sldTgt/>
+                  </p:tgtEl>
+                </p:cond>
+              </p:nextCondLst>
+            </p:seq>
+          </p:childTnLst>
+        </p:cTn>
+      </p:par>
+    </p:tnLst>
+  </p:timing>
 </p:sld>
 </file>
 
@@ -3872,7 +4273,7 @@
           <a:p>
             <a:r>
               <a:rPr lang="de-DE" dirty="0" smtClean="0"/>
-              <a:t>Vergrößerung</a:t>
+              <a:t>Kombination</a:t>
             </a:r>
             <a:endParaRPr lang="de-DE" dirty="0"/>
           </a:p>
@@ -3895,7 +4296,15 @@
           <a:p>
             <a:r>
               <a:rPr lang="de-DE" dirty="0" smtClean="0"/>
-              <a:t>Ein isolierter </a:t>
+              <a:t>Zwei ähnliche </a:t>
+            </a:r>
+            <a:r>
+              <a:rPr lang="de-DE" i="1" dirty="0" err="1" smtClean="0"/>
+              <a:t>bends</a:t>
+            </a:r>
+            <a:r>
+              <a:rPr lang="de-DE" dirty="0" smtClean="0"/>
+              <a:t> mit einen kleineren </a:t>
             </a:r>
             <a:r>
               <a:rPr lang="de-DE" i="1" dirty="0" err="1" smtClean="0"/>
@@ -3903,53 +4312,1555 @@
             </a:r>
             <a:r>
               <a:rPr lang="de-DE" dirty="0" smtClean="0"/>
-              <a:t>—das heißt, die benachbarten </a:t>
-            </a:r>
-            <a:r>
-              <a:rPr lang="de-DE" i="1" dirty="0" err="1" smtClean="0"/>
-              <a:t>bends</a:t>
+              <a:t> dazwischen werden folgender weise kombiniert</a:t>
             </a:r>
             <a:r>
               <a:rPr lang="de-DE" dirty="0" smtClean="0"/>
-              <a:t> haben eine viel kleinere durchschnittliche Krümmung—wird vergrößert dadurch dass…</a:t>
-            </a:r>
-          </a:p>
-          <a:p>
-            <a:r>
-              <a:rPr lang="de-DE" dirty="0" smtClean="0"/>
-              <a:t>(?)</a:t>
-            </a:r>
-          </a:p>
-          <a:p>
+              <a:t>:</a:t>
+            </a:r>
             <a:endParaRPr lang="de-DE" dirty="0" smtClean="0"/>
-          </a:p>
-          <a:p>
-            <a:r>
-              <a:rPr lang="de-DE" dirty="0" smtClean="0"/>
-              <a:t>(</a:t>
-            </a:r>
-            <a:r>
-              <a:rPr lang="de-DE" dirty="0" err="1" smtClean="0"/>
-              <a:t>bild</a:t>
-            </a:r>
-            <a:r>
-              <a:rPr lang="de-DE" dirty="0" smtClean="0"/>
-              <a:t>)</a:t>
-            </a:r>
-            <a:endParaRPr lang="de-DE" dirty="0"/>
           </a:p>
         </p:txBody>
       </p:sp>
+      <p:cxnSp>
+        <p:nvCxnSpPr>
+          <p:cNvPr id="30" name="Gerader Verbinder 29"/>
+          <p:cNvCxnSpPr/>
+          <p:nvPr/>
+        </p:nvCxnSpPr>
+        <p:spPr>
+          <a:xfrm flipV="1">
+            <a:off x="2339534" y="5441392"/>
+            <a:ext cx="797356" cy="870508"/>
+          </a:xfrm>
+          <a:prstGeom prst="line">
+            <a:avLst/>
+          </a:prstGeom>
+          <a:ln w="38100"/>
+        </p:spPr>
+        <p:style>
+          <a:lnRef idx="3">
+            <a:schemeClr val="accent1"/>
+          </a:lnRef>
+          <a:fillRef idx="0">
+            <a:schemeClr val="accent1"/>
+          </a:fillRef>
+          <a:effectRef idx="2">
+            <a:schemeClr val="accent1"/>
+          </a:effectRef>
+          <a:fontRef idx="minor">
+            <a:schemeClr val="tx1"/>
+          </a:fontRef>
+        </p:style>
+      </p:cxnSp>
+      <p:cxnSp>
+        <p:nvCxnSpPr>
+          <p:cNvPr id="31" name="Gerader Verbinder 30"/>
+          <p:cNvCxnSpPr/>
+          <p:nvPr/>
+        </p:nvCxnSpPr>
+        <p:spPr>
+          <a:xfrm flipV="1">
+            <a:off x="3124574" y="3850337"/>
+            <a:ext cx="216855" cy="1605685"/>
+          </a:xfrm>
+          <a:prstGeom prst="line">
+            <a:avLst/>
+          </a:prstGeom>
+          <a:ln w="38100">
+            <a:tailEnd type="none"/>
+          </a:ln>
+        </p:spPr>
+        <p:style>
+          <a:lnRef idx="3">
+            <a:schemeClr val="accent1"/>
+          </a:lnRef>
+          <a:fillRef idx="0">
+            <a:schemeClr val="accent1"/>
+          </a:fillRef>
+          <a:effectRef idx="2">
+            <a:schemeClr val="accent1"/>
+          </a:effectRef>
+          <a:fontRef idx="minor">
+            <a:schemeClr val="tx1"/>
+          </a:fontRef>
+        </p:style>
+      </p:cxnSp>
+      <p:cxnSp>
+        <p:nvCxnSpPr>
+          <p:cNvPr id="32" name="Gerader Verbinder 31"/>
+          <p:cNvCxnSpPr/>
+          <p:nvPr/>
+        </p:nvCxnSpPr>
+        <p:spPr>
+          <a:xfrm flipV="1">
+            <a:off x="3334401" y="3495548"/>
+            <a:ext cx="446227" cy="358445"/>
+          </a:xfrm>
+          <a:prstGeom prst="line">
+            <a:avLst/>
+          </a:prstGeom>
+          <a:ln w="38100"/>
+        </p:spPr>
+        <p:style>
+          <a:lnRef idx="3">
+            <a:schemeClr val="accent1"/>
+          </a:lnRef>
+          <a:fillRef idx="0">
+            <a:schemeClr val="accent1"/>
+          </a:fillRef>
+          <a:effectRef idx="2">
+            <a:schemeClr val="accent1"/>
+          </a:effectRef>
+          <a:fontRef idx="minor">
+            <a:schemeClr val="tx1"/>
+          </a:fontRef>
+        </p:style>
+      </p:cxnSp>
+      <p:grpSp>
+        <p:nvGrpSpPr>
+          <p:cNvPr id="33" name="Gruppieren 32"/>
+          <p:cNvGrpSpPr/>
+          <p:nvPr/>
+        </p:nvGrpSpPr>
+        <p:grpSpPr>
+          <a:xfrm>
+            <a:off x="3751367" y="3502864"/>
+            <a:ext cx="2435962" cy="2373782"/>
+            <a:chOff x="4250131" y="2765146"/>
+            <a:chExt cx="2435962" cy="2373782"/>
+          </a:xfrm>
+        </p:grpSpPr>
+        <p:cxnSp>
+          <p:nvCxnSpPr>
+            <p:cNvPr id="34" name="Gerader Verbinder 33"/>
+            <p:cNvCxnSpPr/>
+            <p:nvPr/>
+          </p:nvCxnSpPr>
+          <p:spPr>
+            <a:xfrm>
+              <a:off x="4250131" y="2765146"/>
+              <a:ext cx="526695" cy="387705"/>
+            </a:xfrm>
+            <a:prstGeom prst="line">
+              <a:avLst/>
+            </a:prstGeom>
+            <a:ln w="38100"/>
+          </p:spPr>
+          <p:style>
+            <a:lnRef idx="3">
+              <a:schemeClr val="accent1"/>
+            </a:lnRef>
+            <a:fillRef idx="0">
+              <a:schemeClr val="accent1"/>
+            </a:fillRef>
+            <a:effectRef idx="2">
+              <a:schemeClr val="accent1"/>
+            </a:effectRef>
+            <a:fontRef idx="minor">
+              <a:schemeClr val="tx1"/>
+            </a:fontRef>
+          </p:style>
+        </p:cxnSp>
+        <p:cxnSp>
+          <p:nvCxnSpPr>
+            <p:cNvPr id="35" name="Gerader Verbinder 34"/>
+            <p:cNvCxnSpPr/>
+            <p:nvPr/>
+          </p:nvCxnSpPr>
+          <p:spPr>
+            <a:xfrm>
+              <a:off x="4744710" y="3112618"/>
+              <a:ext cx="450451" cy="1605686"/>
+            </a:xfrm>
+            <a:prstGeom prst="line">
+              <a:avLst/>
+            </a:prstGeom>
+            <a:ln w="38100"/>
+          </p:spPr>
+          <p:style>
+            <a:lnRef idx="3">
+              <a:schemeClr val="accent1"/>
+            </a:lnRef>
+            <a:fillRef idx="0">
+              <a:schemeClr val="accent1"/>
+            </a:fillRef>
+            <a:effectRef idx="2">
+              <a:schemeClr val="accent1"/>
+            </a:effectRef>
+            <a:fontRef idx="minor">
+              <a:schemeClr val="tx1"/>
+            </a:fontRef>
+          </p:style>
+        </p:cxnSp>
+        <p:cxnSp>
+          <p:nvCxnSpPr>
+            <p:cNvPr id="36" name="Gerader Verbinder 35"/>
+            <p:cNvCxnSpPr/>
+            <p:nvPr/>
+          </p:nvCxnSpPr>
+          <p:spPr>
+            <a:xfrm>
+              <a:off x="5193792" y="4718304"/>
+              <a:ext cx="418335" cy="420624"/>
+            </a:xfrm>
+            <a:prstGeom prst="line">
+              <a:avLst/>
+            </a:prstGeom>
+            <a:ln w="38100">
+              <a:tailEnd type="oval" w="lg" len="lg"/>
+            </a:ln>
+          </p:spPr>
+          <p:style>
+            <a:lnRef idx="3">
+              <a:schemeClr val="accent1"/>
+            </a:lnRef>
+            <a:fillRef idx="0">
+              <a:schemeClr val="accent1"/>
+            </a:fillRef>
+            <a:effectRef idx="2">
+              <a:schemeClr val="accent1"/>
+            </a:effectRef>
+            <a:fontRef idx="minor">
+              <a:schemeClr val="tx1"/>
+            </a:fontRef>
+          </p:style>
+        </p:cxnSp>
+        <p:cxnSp>
+          <p:nvCxnSpPr>
+            <p:cNvPr id="37" name="Gerader Verbinder 36"/>
+            <p:cNvCxnSpPr/>
+            <p:nvPr/>
+          </p:nvCxnSpPr>
+          <p:spPr>
+            <a:xfrm flipV="1">
+              <a:off x="5603443" y="4703674"/>
+              <a:ext cx="492557" cy="435254"/>
+            </a:xfrm>
+            <a:prstGeom prst="line">
+              <a:avLst/>
+            </a:prstGeom>
+            <a:ln w="38100"/>
+          </p:spPr>
+          <p:style>
+            <a:lnRef idx="3">
+              <a:schemeClr val="accent1"/>
+            </a:lnRef>
+            <a:fillRef idx="0">
+              <a:schemeClr val="accent1"/>
+            </a:fillRef>
+            <a:effectRef idx="2">
+              <a:schemeClr val="accent1"/>
+            </a:effectRef>
+            <a:fontRef idx="minor">
+              <a:schemeClr val="tx1"/>
+            </a:fontRef>
+          </p:style>
+        </p:cxnSp>
+        <p:cxnSp>
+          <p:nvCxnSpPr>
+            <p:cNvPr id="38" name="Gerader Verbinder 37"/>
+            <p:cNvCxnSpPr/>
+            <p:nvPr/>
+          </p:nvCxnSpPr>
+          <p:spPr>
+            <a:xfrm flipV="1">
+              <a:off x="6102246" y="3533242"/>
+              <a:ext cx="137620" cy="1185062"/>
+            </a:xfrm>
+            <a:prstGeom prst="line">
+              <a:avLst/>
+            </a:prstGeom>
+            <a:ln w="38100"/>
+          </p:spPr>
+          <p:style>
+            <a:lnRef idx="3">
+              <a:schemeClr val="accent1"/>
+            </a:lnRef>
+            <a:fillRef idx="0">
+              <a:schemeClr val="accent1"/>
+            </a:fillRef>
+            <a:effectRef idx="2">
+              <a:schemeClr val="accent1"/>
+            </a:effectRef>
+            <a:fontRef idx="minor">
+              <a:schemeClr val="tx1"/>
+            </a:fontRef>
+          </p:style>
+        </p:cxnSp>
+        <p:cxnSp>
+          <p:nvCxnSpPr>
+            <p:cNvPr id="39" name="Gerader Verbinder 38"/>
+            <p:cNvCxnSpPr/>
+            <p:nvPr/>
+          </p:nvCxnSpPr>
+          <p:spPr>
+            <a:xfrm flipV="1">
+              <a:off x="6225235" y="3112618"/>
+              <a:ext cx="460858" cy="413309"/>
+            </a:xfrm>
+            <a:prstGeom prst="line">
+              <a:avLst/>
+            </a:prstGeom>
+            <a:ln w="38100"/>
+          </p:spPr>
+          <p:style>
+            <a:lnRef idx="3">
+              <a:schemeClr val="accent1"/>
+            </a:lnRef>
+            <a:fillRef idx="0">
+              <a:schemeClr val="accent1"/>
+            </a:fillRef>
+            <a:effectRef idx="2">
+              <a:schemeClr val="accent1"/>
+            </a:effectRef>
+            <a:fontRef idx="minor">
+              <a:schemeClr val="tx1"/>
+            </a:fontRef>
+          </p:style>
+        </p:cxnSp>
+      </p:grpSp>
+      <p:cxnSp>
+        <p:nvCxnSpPr>
+          <p:cNvPr id="40" name="Gerader Verbinder 39"/>
+          <p:cNvCxnSpPr/>
+          <p:nvPr/>
+        </p:nvCxnSpPr>
+        <p:spPr>
+          <a:xfrm>
+            <a:off x="6187329" y="3850336"/>
+            <a:ext cx="526694" cy="742492"/>
+          </a:xfrm>
+          <a:prstGeom prst="line">
+            <a:avLst/>
+          </a:prstGeom>
+          <a:ln w="38100"/>
+        </p:spPr>
+        <p:style>
+          <a:lnRef idx="3">
+            <a:schemeClr val="accent1"/>
+          </a:lnRef>
+          <a:fillRef idx="0">
+            <a:schemeClr val="accent1"/>
+          </a:fillRef>
+          <a:effectRef idx="2">
+            <a:schemeClr val="accent1"/>
+          </a:effectRef>
+          <a:fontRef idx="minor">
+            <a:schemeClr val="tx1"/>
+          </a:fontRef>
+        </p:style>
+      </p:cxnSp>
+      <p:cxnSp>
+        <p:nvCxnSpPr>
+          <p:cNvPr id="41" name="Gerader Verbinder 40"/>
+          <p:cNvCxnSpPr/>
+          <p:nvPr/>
+        </p:nvCxnSpPr>
+        <p:spPr>
+          <a:xfrm>
+            <a:off x="6714023" y="4592828"/>
+            <a:ext cx="380678" cy="848564"/>
+          </a:xfrm>
+          <a:prstGeom prst="line">
+            <a:avLst/>
+          </a:prstGeom>
+          <a:ln w="38100"/>
+        </p:spPr>
+        <p:style>
+          <a:lnRef idx="3">
+            <a:schemeClr val="accent1"/>
+          </a:lnRef>
+          <a:fillRef idx="0">
+            <a:schemeClr val="accent1"/>
+          </a:fillRef>
+          <a:effectRef idx="2">
+            <a:schemeClr val="accent1"/>
+          </a:effectRef>
+          <a:fontRef idx="minor">
+            <a:schemeClr val="tx1"/>
+          </a:fontRef>
+        </p:style>
+      </p:cxnSp>
+      <p:cxnSp>
+        <p:nvCxnSpPr>
+          <p:cNvPr id="42" name="Gerader Verbinder 41"/>
+          <p:cNvCxnSpPr/>
+          <p:nvPr/>
+        </p:nvCxnSpPr>
+        <p:spPr>
+          <a:xfrm>
+            <a:off x="7094701" y="5441392"/>
+            <a:ext cx="475201" cy="468458"/>
+          </a:xfrm>
+          <a:prstGeom prst="line">
+            <a:avLst/>
+          </a:prstGeom>
+          <a:ln w="38100"/>
+        </p:spPr>
+        <p:style>
+          <a:lnRef idx="3">
+            <a:schemeClr val="accent1"/>
+          </a:lnRef>
+          <a:fillRef idx="0">
+            <a:schemeClr val="accent1"/>
+          </a:fillRef>
+          <a:effectRef idx="2">
+            <a:schemeClr val="accent1"/>
+          </a:effectRef>
+          <a:fontRef idx="minor">
+            <a:schemeClr val="tx1"/>
+          </a:fontRef>
+        </p:style>
+      </p:cxnSp>
+      <p:cxnSp>
+        <p:nvCxnSpPr>
+          <p:cNvPr id="43" name="Gerader Verbinder 42"/>
+          <p:cNvCxnSpPr/>
+          <p:nvPr/>
+        </p:nvCxnSpPr>
+        <p:spPr>
+          <a:xfrm>
+            <a:off x="3751367" y="3502864"/>
+            <a:ext cx="2428647" cy="373075"/>
+          </a:xfrm>
+          <a:prstGeom prst="line">
+            <a:avLst/>
+          </a:prstGeom>
+          <a:ln w="38100">
+            <a:prstDash val="sysDash"/>
+            <a:headEnd type="oval" w="lg" len="lg"/>
+            <a:tailEnd type="oval" w="lg" len="lg"/>
+          </a:ln>
+        </p:spPr>
+        <p:style>
+          <a:lnRef idx="3">
+            <a:schemeClr val="accent1"/>
+          </a:lnRef>
+          <a:fillRef idx="0">
+            <a:schemeClr val="accent1"/>
+          </a:fillRef>
+          <a:effectRef idx="2">
+            <a:schemeClr val="accent1"/>
+          </a:effectRef>
+          <a:fontRef idx="minor">
+            <a:schemeClr val="tx1"/>
+          </a:fontRef>
+        </p:style>
+      </p:cxnSp>
+      <p:cxnSp>
+        <p:nvCxnSpPr>
+          <p:cNvPr id="44" name="Gerader Verbinder 43"/>
+          <p:cNvCxnSpPr/>
+          <p:nvPr/>
+        </p:nvCxnSpPr>
+        <p:spPr>
+          <a:xfrm flipV="1">
+            <a:off x="3144205" y="3766211"/>
+            <a:ext cx="526695" cy="1675181"/>
+          </a:xfrm>
+          <a:prstGeom prst="line">
+            <a:avLst/>
+          </a:prstGeom>
+          <a:ln w="38100">
+            <a:headEnd type="none" w="med" len="med"/>
+            <a:tailEnd type="none" w="med" len="med"/>
+          </a:ln>
+        </p:spPr>
+        <p:style>
+          <a:lnRef idx="3">
+            <a:schemeClr val="accent1"/>
+          </a:lnRef>
+          <a:fillRef idx="0">
+            <a:schemeClr val="accent1"/>
+          </a:fillRef>
+          <a:effectRef idx="2">
+            <a:schemeClr val="accent1"/>
+          </a:effectRef>
+          <a:fontRef idx="minor">
+            <a:schemeClr val="tx1"/>
+          </a:fontRef>
+        </p:style>
+      </p:cxnSp>
+      <p:cxnSp>
+        <p:nvCxnSpPr>
+          <p:cNvPr id="45" name="Gerader Verbinder 44"/>
+          <p:cNvCxnSpPr/>
+          <p:nvPr/>
+        </p:nvCxnSpPr>
+        <p:spPr>
+          <a:xfrm flipV="1">
+            <a:off x="3670900" y="3257160"/>
+            <a:ext cx="1240610" cy="516366"/>
+          </a:xfrm>
+          <a:prstGeom prst="line">
+            <a:avLst/>
+          </a:prstGeom>
+          <a:ln w="38100"/>
+        </p:spPr>
+        <p:style>
+          <a:lnRef idx="3">
+            <a:schemeClr val="accent1"/>
+          </a:lnRef>
+          <a:fillRef idx="0">
+            <a:schemeClr val="accent1"/>
+          </a:fillRef>
+          <a:effectRef idx="2">
+            <a:schemeClr val="accent1"/>
+          </a:effectRef>
+          <a:fontRef idx="minor">
+            <a:schemeClr val="tx1"/>
+          </a:fontRef>
+        </p:style>
+      </p:cxnSp>
+      <p:cxnSp>
+        <p:nvCxnSpPr>
+          <p:cNvPr id="46" name="Gerader Verbinder 45"/>
+          <p:cNvCxnSpPr/>
+          <p:nvPr/>
+        </p:nvCxnSpPr>
+        <p:spPr>
+          <a:xfrm>
+            <a:off x="4897107" y="3241636"/>
+            <a:ext cx="1370916" cy="1013800"/>
+          </a:xfrm>
+          <a:prstGeom prst="line">
+            <a:avLst/>
+          </a:prstGeom>
+          <a:ln w="38100"/>
+        </p:spPr>
+        <p:style>
+          <a:lnRef idx="3">
+            <a:schemeClr val="accent1"/>
+          </a:lnRef>
+          <a:fillRef idx="0">
+            <a:schemeClr val="accent1"/>
+          </a:fillRef>
+          <a:effectRef idx="2">
+            <a:schemeClr val="accent1"/>
+          </a:effectRef>
+          <a:fontRef idx="minor">
+            <a:schemeClr val="tx1"/>
+          </a:fontRef>
+        </p:style>
+      </p:cxnSp>
+      <p:cxnSp>
+        <p:nvCxnSpPr>
+          <p:cNvPr id="47" name="Gerader Verbinder 46"/>
+          <p:cNvCxnSpPr/>
+          <p:nvPr/>
+        </p:nvCxnSpPr>
+        <p:spPr>
+          <a:xfrm>
+            <a:off x="6275111" y="4263645"/>
+            <a:ext cx="819590" cy="1177747"/>
+          </a:xfrm>
+          <a:prstGeom prst="line">
+            <a:avLst/>
+          </a:prstGeom>
+          <a:ln w="38100">
+            <a:headEnd type="none" w="med" len="med"/>
+            <a:tailEnd type="none" w="med" len="med"/>
+          </a:ln>
+        </p:spPr>
+        <p:style>
+          <a:lnRef idx="3">
+            <a:schemeClr val="accent1"/>
+          </a:lnRef>
+          <a:fillRef idx="0">
+            <a:schemeClr val="accent1"/>
+          </a:fillRef>
+          <a:effectRef idx="2">
+            <a:schemeClr val="accent1"/>
+          </a:effectRef>
+          <a:fontRef idx="minor">
+            <a:schemeClr val="tx1"/>
+          </a:fontRef>
+        </p:style>
+      </p:cxnSp>
+      <p:grpSp>
+        <p:nvGrpSpPr>
+          <p:cNvPr id="48" name="Gruppieren 47"/>
+          <p:cNvGrpSpPr/>
+          <p:nvPr/>
+        </p:nvGrpSpPr>
+        <p:grpSpPr>
+          <a:xfrm>
+            <a:off x="3593288" y="3045104"/>
+            <a:ext cx="2749087" cy="3266516"/>
+            <a:chOff x="4092052" y="2307386"/>
+            <a:chExt cx="2749087" cy="3266516"/>
+          </a:xfrm>
+        </p:grpSpPr>
+        <p:sp>
+          <p:nvSpPr>
+            <p:cNvPr id="49" name="Textfeld 48"/>
+            <p:cNvSpPr txBox="1"/>
+            <p:nvPr/>
+          </p:nvSpPr>
+          <p:spPr>
+            <a:xfrm>
+              <a:off x="4092052" y="2307386"/>
+              <a:ext cx="304384" cy="369332"/>
+            </a:xfrm>
+            <a:prstGeom prst="rect">
+              <a:avLst/>
+            </a:prstGeom>
+            <a:noFill/>
+            <a:ln w="38100">
+              <a:noFill/>
+            </a:ln>
+          </p:spPr>
+          <p:txBody>
+            <a:bodyPr wrap="square" rtlCol="0">
+              <a:spAutoFit/>
+            </a:bodyPr>
+            <a:lstStyle/>
+            <a:p>
+              <a:r>
+                <a:rPr lang="de-DE" dirty="0" smtClean="0"/>
+                <a:t>A</a:t>
+              </a:r>
+              <a:endParaRPr lang="de-DE" dirty="0"/>
+            </a:p>
+          </p:txBody>
+        </p:sp>
+        <p:sp>
+          <p:nvSpPr>
+            <p:cNvPr id="50" name="Textfeld 49"/>
+            <p:cNvSpPr txBox="1"/>
+            <p:nvPr/>
+          </p:nvSpPr>
+          <p:spPr>
+            <a:xfrm>
+              <a:off x="6536755" y="2666476"/>
+              <a:ext cx="304384" cy="369332"/>
+            </a:xfrm>
+            <a:prstGeom prst="rect">
+              <a:avLst/>
+            </a:prstGeom>
+            <a:noFill/>
+            <a:ln w="38100">
+              <a:noFill/>
+            </a:ln>
+          </p:spPr>
+          <p:txBody>
+            <a:bodyPr wrap="square" rtlCol="0">
+              <a:spAutoFit/>
+            </a:bodyPr>
+            <a:lstStyle/>
+            <a:p>
+              <a:r>
+                <a:rPr lang="de-DE" dirty="0"/>
+                <a:t>C</a:t>
+              </a:r>
+            </a:p>
+          </p:txBody>
+        </p:sp>
+        <p:sp>
+          <p:nvSpPr>
+            <p:cNvPr id="51" name="Textfeld 50"/>
+            <p:cNvSpPr txBox="1"/>
+            <p:nvPr/>
+          </p:nvSpPr>
+          <p:spPr>
+            <a:xfrm>
+              <a:off x="5462367" y="5204570"/>
+              <a:ext cx="304384" cy="369332"/>
+            </a:xfrm>
+            <a:prstGeom prst="rect">
+              <a:avLst/>
+            </a:prstGeom>
+            <a:noFill/>
+            <a:ln w="38100">
+              <a:noFill/>
+            </a:ln>
+          </p:spPr>
+          <p:txBody>
+            <a:bodyPr wrap="square" rtlCol="0">
+              <a:spAutoFit/>
+            </a:bodyPr>
+            <a:lstStyle/>
+            <a:p>
+              <a:r>
+                <a:rPr lang="de-DE" dirty="0"/>
+                <a:t>B</a:t>
+              </a:r>
+            </a:p>
+          </p:txBody>
+        </p:sp>
+      </p:grpSp>
+      <p:cxnSp>
+        <p:nvCxnSpPr>
+          <p:cNvPr id="52" name="Gerader Verbinder 51"/>
+          <p:cNvCxnSpPr>
+            <a:stCxn id="51" idx="0"/>
+          </p:cNvCxnSpPr>
+          <p:nvPr/>
+        </p:nvCxnSpPr>
+        <p:spPr>
+          <a:xfrm flipH="1" flipV="1">
+            <a:off x="4933192" y="3674770"/>
+            <a:ext cx="182603" cy="2267518"/>
+          </a:xfrm>
+          <a:prstGeom prst="line">
+            <a:avLst/>
+          </a:prstGeom>
+          <a:ln w="38100">
+            <a:prstDash val="sysDash"/>
+            <a:tailEnd type="oval" w="lg" len="lg"/>
+          </a:ln>
+        </p:spPr>
+        <p:style>
+          <a:lnRef idx="3">
+            <a:schemeClr val="accent1"/>
+          </a:lnRef>
+          <a:fillRef idx="0">
+            <a:schemeClr val="accent1"/>
+          </a:fillRef>
+          <a:effectRef idx="2">
+            <a:schemeClr val="accent1"/>
+          </a:effectRef>
+          <a:fontRef idx="minor">
+            <a:schemeClr val="tx1"/>
+          </a:fontRef>
+        </p:style>
+      </p:cxnSp>
+      <p:cxnSp>
+        <p:nvCxnSpPr>
+          <p:cNvPr id="53" name="Gerader Verbinder 52"/>
+          <p:cNvCxnSpPr/>
+          <p:nvPr/>
+        </p:nvCxnSpPr>
+        <p:spPr>
+          <a:xfrm flipH="1" flipV="1">
+            <a:off x="4904196" y="3229770"/>
+            <a:ext cx="36311" cy="504136"/>
+          </a:xfrm>
+          <a:prstGeom prst="line">
+            <a:avLst/>
+          </a:prstGeom>
+          <a:ln w="38100">
+            <a:prstDash val="sysDash"/>
+            <a:tailEnd type="oval" w="lg" len="lg"/>
+          </a:ln>
+        </p:spPr>
+        <p:style>
+          <a:lnRef idx="3">
+            <a:schemeClr val="accent1"/>
+          </a:lnRef>
+          <a:fillRef idx="0">
+            <a:schemeClr val="accent1"/>
+          </a:fillRef>
+          <a:effectRef idx="2">
+            <a:schemeClr val="accent1"/>
+          </a:effectRef>
+          <a:fontRef idx="minor">
+            <a:schemeClr val="tx1"/>
+          </a:fontRef>
+        </p:style>
+      </p:cxnSp>
+      <p:sp>
+        <p:nvSpPr>
+          <p:cNvPr id="54" name="Textfeld 53"/>
+          <p:cNvSpPr txBox="1"/>
+          <p:nvPr/>
+        </p:nvSpPr>
+        <p:spPr>
+          <a:xfrm>
+            <a:off x="4917744" y="2801875"/>
+            <a:ext cx="435651" cy="369332"/>
+          </a:xfrm>
+          <a:prstGeom prst="rect">
+            <a:avLst/>
+          </a:prstGeom>
+          <a:noFill/>
+          <a:ln w="38100">
+            <a:noFill/>
+          </a:ln>
+        </p:spPr>
+        <p:txBody>
+          <a:bodyPr wrap="square" rtlCol="0">
+            <a:spAutoFit/>
+          </a:bodyPr>
+          <a:lstStyle/>
+          <a:p>
+            <a:r>
+              <a:rPr lang="de-DE" dirty="0" smtClean="0"/>
+              <a:t>D‘</a:t>
+            </a:r>
+            <a:endParaRPr lang="de-DE" dirty="0"/>
+          </a:p>
+        </p:txBody>
+      </p:sp>
+      <p:grpSp>
+        <p:nvGrpSpPr>
+          <p:cNvPr id="55" name="Gruppieren 54"/>
+          <p:cNvGrpSpPr/>
+          <p:nvPr/>
+        </p:nvGrpSpPr>
+        <p:grpSpPr>
+          <a:xfrm>
+            <a:off x="3331546" y="3245835"/>
+            <a:ext cx="3372594" cy="1335668"/>
+            <a:chOff x="3840193" y="2519442"/>
+            <a:chExt cx="3372594" cy="1335668"/>
+          </a:xfrm>
+        </p:grpSpPr>
+        <p:cxnSp>
+          <p:nvCxnSpPr>
+            <p:cNvPr id="56" name="Gerader Verbinder 55"/>
+            <p:cNvCxnSpPr/>
+            <p:nvPr/>
+          </p:nvCxnSpPr>
+          <p:spPr>
+            <a:xfrm flipV="1">
+              <a:off x="3840193" y="2519442"/>
+              <a:ext cx="1570081" cy="593176"/>
+            </a:xfrm>
+            <a:prstGeom prst="line">
+              <a:avLst/>
+            </a:prstGeom>
+            <a:ln w="38100"/>
+          </p:spPr>
+          <p:style>
+            <a:lnRef idx="3">
+              <a:schemeClr val="accent1"/>
+            </a:lnRef>
+            <a:fillRef idx="0">
+              <a:schemeClr val="accent1"/>
+            </a:fillRef>
+            <a:effectRef idx="2">
+              <a:schemeClr val="accent1"/>
+            </a:effectRef>
+            <a:fontRef idx="minor">
+              <a:schemeClr val="tx1"/>
+            </a:fontRef>
+          </p:style>
+        </p:cxnSp>
+        <p:cxnSp>
+          <p:nvCxnSpPr>
+            <p:cNvPr id="57" name="Gerader Verbinder 56"/>
+            <p:cNvCxnSpPr/>
+            <p:nvPr/>
+          </p:nvCxnSpPr>
+          <p:spPr>
+            <a:xfrm flipH="1" flipV="1">
+              <a:off x="5410274" y="2519442"/>
+              <a:ext cx="1802513" cy="1335668"/>
+            </a:xfrm>
+            <a:prstGeom prst="line">
+              <a:avLst/>
+            </a:prstGeom>
+            <a:ln w="38100"/>
+          </p:spPr>
+          <p:style>
+            <a:lnRef idx="3">
+              <a:schemeClr val="accent1"/>
+            </a:lnRef>
+            <a:fillRef idx="0">
+              <a:schemeClr val="accent1"/>
+            </a:fillRef>
+            <a:effectRef idx="2">
+              <a:schemeClr val="accent1"/>
+            </a:effectRef>
+            <a:fontRef idx="minor">
+              <a:schemeClr val="tx1"/>
+            </a:fontRef>
+          </p:style>
+        </p:cxnSp>
+      </p:grpSp>
     </p:spTree>
     <p:extLst>
       <p:ext uri="{BB962C8B-B14F-4D97-AF65-F5344CB8AC3E}">
-        <p14:creationId xmlns:p14="http://schemas.microsoft.com/office/powerpoint/2010/main" val="1860159726"/>
+        <p14:creationId xmlns:p14="http://schemas.microsoft.com/office/powerpoint/2010/main" val="110468713"/>
       </p:ext>
     </p:extLst>
   </p:cSld>
   <p:clrMapOvr>
     <a:masterClrMapping/>
   </p:clrMapOvr>
+  <p:timing>
+    <p:tnLst>
+      <p:par>
+        <p:cTn id="1" dur="indefinite" restart="never" nodeType="tmRoot">
+          <p:childTnLst>
+            <p:seq concurrent="1" nextAc="seek">
+              <p:cTn id="2" dur="indefinite" nodeType="mainSeq">
+                <p:childTnLst>
+                  <p:par>
+                    <p:cTn id="3" fill="hold">
+                      <p:stCondLst>
+                        <p:cond delay="indefinite"/>
+                      </p:stCondLst>
+                      <p:childTnLst>
+                        <p:par>
+                          <p:cTn id="4" fill="hold">
+                            <p:stCondLst>
+                              <p:cond delay="0"/>
+                            </p:stCondLst>
+                            <p:childTnLst>
+                              <p:par>
+                                <p:cTn id="5" presetID="1" presetClass="entr" presetSubtype="0" fill="hold" nodeType="clickEffect">
+                                  <p:stCondLst>
+                                    <p:cond delay="0"/>
+                                  </p:stCondLst>
+                                  <p:childTnLst>
+                                    <p:set>
+                                      <p:cBhvr>
+                                        <p:cTn id="6" dur="1" fill="hold">
+                                          <p:stCondLst>
+                                            <p:cond delay="0"/>
+                                          </p:stCondLst>
+                                        </p:cTn>
+                                        <p:tgtEl>
+                                          <p:spTgt spid="48"/>
+                                        </p:tgtEl>
+                                        <p:attrNameLst>
+                                          <p:attrName>style.visibility</p:attrName>
+                                        </p:attrNameLst>
+                                      </p:cBhvr>
+                                      <p:to>
+                                        <p:strVal val="visible"/>
+                                      </p:to>
+                                    </p:set>
+                                  </p:childTnLst>
+                                </p:cTn>
+                              </p:par>
+                              <p:par>
+                                <p:cTn id="7" presetID="1" presetClass="entr" presetSubtype="0" fill="hold" nodeType="withEffect">
+                                  <p:stCondLst>
+                                    <p:cond delay="0"/>
+                                  </p:stCondLst>
+                                  <p:childTnLst>
+                                    <p:set>
+                                      <p:cBhvr>
+                                        <p:cTn id="8" dur="1" fill="hold">
+                                          <p:stCondLst>
+                                            <p:cond delay="0"/>
+                                          </p:stCondLst>
+                                        </p:cTn>
+                                        <p:tgtEl>
+                                          <p:spTgt spid="43"/>
+                                        </p:tgtEl>
+                                        <p:attrNameLst>
+                                          <p:attrName>style.visibility</p:attrName>
+                                        </p:attrNameLst>
+                                      </p:cBhvr>
+                                      <p:to>
+                                        <p:strVal val="visible"/>
+                                      </p:to>
+                                    </p:set>
+                                  </p:childTnLst>
+                                </p:cTn>
+                              </p:par>
+                            </p:childTnLst>
+                          </p:cTn>
+                        </p:par>
+                      </p:childTnLst>
+                    </p:cTn>
+                  </p:par>
+                  <p:par>
+                    <p:cTn id="9" fill="hold">
+                      <p:stCondLst>
+                        <p:cond delay="indefinite"/>
+                      </p:stCondLst>
+                      <p:childTnLst>
+                        <p:par>
+                          <p:cTn id="10" fill="hold">
+                            <p:stCondLst>
+                              <p:cond delay="0"/>
+                            </p:stCondLst>
+                            <p:childTnLst>
+                              <p:par>
+                                <p:cTn id="11" presetID="1" presetClass="entr" presetSubtype="0" fill="hold" nodeType="clickEffect">
+                                  <p:stCondLst>
+                                    <p:cond delay="0"/>
+                                  </p:stCondLst>
+                                  <p:childTnLst>
+                                    <p:set>
+                                      <p:cBhvr>
+                                        <p:cTn id="12" dur="1" fill="hold">
+                                          <p:stCondLst>
+                                            <p:cond delay="0"/>
+                                          </p:stCondLst>
+                                        </p:cTn>
+                                        <p:tgtEl>
+                                          <p:spTgt spid="52"/>
+                                        </p:tgtEl>
+                                        <p:attrNameLst>
+                                          <p:attrName>style.visibility</p:attrName>
+                                        </p:attrNameLst>
+                                      </p:cBhvr>
+                                      <p:to>
+                                        <p:strVal val="visible"/>
+                                      </p:to>
+                                    </p:set>
+                                  </p:childTnLst>
+                                </p:cTn>
+                              </p:par>
+                            </p:childTnLst>
+                          </p:cTn>
+                        </p:par>
+                      </p:childTnLst>
+                    </p:cTn>
+                  </p:par>
+                  <p:par>
+                    <p:cTn id="13" fill="hold">
+                      <p:stCondLst>
+                        <p:cond delay="indefinite"/>
+                      </p:stCondLst>
+                      <p:childTnLst>
+                        <p:par>
+                          <p:cTn id="14" fill="hold">
+                            <p:stCondLst>
+                              <p:cond delay="0"/>
+                            </p:stCondLst>
+                            <p:childTnLst>
+                              <p:par>
+                                <p:cTn id="15" presetID="1" presetClass="entr" presetSubtype="0" fill="hold" nodeType="clickEffect">
+                                  <p:stCondLst>
+                                    <p:cond delay="0"/>
+                                  </p:stCondLst>
+                                  <p:childTnLst>
+                                    <p:set>
+                                      <p:cBhvr>
+                                        <p:cTn id="16" dur="1" fill="hold">
+                                          <p:stCondLst>
+                                            <p:cond delay="0"/>
+                                          </p:stCondLst>
+                                        </p:cTn>
+                                        <p:tgtEl>
+                                          <p:spTgt spid="53"/>
+                                        </p:tgtEl>
+                                        <p:attrNameLst>
+                                          <p:attrName>style.visibility</p:attrName>
+                                        </p:attrNameLst>
+                                      </p:cBhvr>
+                                      <p:to>
+                                        <p:strVal val="visible"/>
+                                      </p:to>
+                                    </p:set>
+                                  </p:childTnLst>
+                                </p:cTn>
+                              </p:par>
+                              <p:par>
+                                <p:cTn id="17" presetID="1" presetClass="entr" presetSubtype="0" fill="hold" grpId="0" nodeType="withEffect">
+                                  <p:stCondLst>
+                                    <p:cond delay="0"/>
+                                  </p:stCondLst>
+                                  <p:childTnLst>
+                                    <p:set>
+                                      <p:cBhvr>
+                                        <p:cTn id="18" dur="1" fill="hold">
+                                          <p:stCondLst>
+                                            <p:cond delay="0"/>
+                                          </p:stCondLst>
+                                        </p:cTn>
+                                        <p:tgtEl>
+                                          <p:spTgt spid="54"/>
+                                        </p:tgtEl>
+                                        <p:attrNameLst>
+                                          <p:attrName>style.visibility</p:attrName>
+                                        </p:attrNameLst>
+                                      </p:cBhvr>
+                                      <p:to>
+                                        <p:strVal val="visible"/>
+                                      </p:to>
+                                    </p:set>
+                                  </p:childTnLst>
+                                </p:cTn>
+                              </p:par>
+                            </p:childTnLst>
+                          </p:cTn>
+                        </p:par>
+                      </p:childTnLst>
+                    </p:cTn>
+                  </p:par>
+                  <p:par>
+                    <p:cTn id="19" fill="hold">
+                      <p:stCondLst>
+                        <p:cond delay="indefinite"/>
+                      </p:stCondLst>
+                      <p:childTnLst>
+                        <p:par>
+                          <p:cTn id="20" fill="hold">
+                            <p:stCondLst>
+                              <p:cond delay="0"/>
+                            </p:stCondLst>
+                            <p:childTnLst>
+                              <p:par>
+                                <p:cTn id="21" presetID="1" presetClass="exit" presetSubtype="0" fill="hold" nodeType="clickEffect">
+                                  <p:stCondLst>
+                                    <p:cond delay="0"/>
+                                  </p:stCondLst>
+                                  <p:childTnLst>
+                                    <p:set>
+                                      <p:cBhvr>
+                                        <p:cTn id="22" dur="1" fill="hold">
+                                          <p:stCondLst>
+                                            <p:cond delay="0"/>
+                                          </p:stCondLst>
+                                        </p:cTn>
+                                        <p:tgtEl>
+                                          <p:spTgt spid="33"/>
+                                        </p:tgtEl>
+                                        <p:attrNameLst>
+                                          <p:attrName>style.visibility</p:attrName>
+                                        </p:attrNameLst>
+                                      </p:cBhvr>
+                                      <p:to>
+                                        <p:strVal val="hidden"/>
+                                      </p:to>
+                                    </p:set>
+                                  </p:childTnLst>
+                                </p:cTn>
+                              </p:par>
+                            </p:childTnLst>
+                          </p:cTn>
+                        </p:par>
+                      </p:childTnLst>
+                    </p:cTn>
+                  </p:par>
+                  <p:par>
+                    <p:cTn id="23" fill="hold">
+                      <p:stCondLst>
+                        <p:cond delay="indefinite"/>
+                      </p:stCondLst>
+                      <p:childTnLst>
+                        <p:par>
+                          <p:cTn id="24" fill="hold">
+                            <p:stCondLst>
+                              <p:cond delay="0"/>
+                            </p:stCondLst>
+                            <p:childTnLst>
+                              <p:par>
+                                <p:cTn id="25" presetID="1" presetClass="entr" presetSubtype="0" fill="hold" nodeType="clickEffect">
+                                  <p:stCondLst>
+                                    <p:cond delay="0"/>
+                                  </p:stCondLst>
+                                  <p:childTnLst>
+                                    <p:set>
+                                      <p:cBhvr>
+                                        <p:cTn id="26" dur="1" fill="hold">
+                                          <p:stCondLst>
+                                            <p:cond delay="0"/>
+                                          </p:stCondLst>
+                                        </p:cTn>
+                                        <p:tgtEl>
+                                          <p:spTgt spid="55"/>
+                                        </p:tgtEl>
+                                        <p:attrNameLst>
+                                          <p:attrName>style.visibility</p:attrName>
+                                        </p:attrNameLst>
+                                      </p:cBhvr>
+                                      <p:to>
+                                        <p:strVal val="visible"/>
+                                      </p:to>
+                                    </p:set>
+                                  </p:childTnLst>
+                                </p:cTn>
+                              </p:par>
+                              <p:par>
+                                <p:cTn id="27" presetID="1" presetClass="exit" presetSubtype="0" fill="hold" nodeType="withEffect">
+                                  <p:stCondLst>
+                                    <p:cond delay="0"/>
+                                  </p:stCondLst>
+                                  <p:childTnLst>
+                                    <p:set>
+                                      <p:cBhvr>
+                                        <p:cTn id="28" dur="1" fill="hold">
+                                          <p:stCondLst>
+                                            <p:cond delay="0"/>
+                                          </p:stCondLst>
+                                        </p:cTn>
+                                        <p:tgtEl>
+                                          <p:spTgt spid="32"/>
+                                        </p:tgtEl>
+                                        <p:attrNameLst>
+                                          <p:attrName>style.visibility</p:attrName>
+                                        </p:attrNameLst>
+                                      </p:cBhvr>
+                                      <p:to>
+                                        <p:strVal val="hidden"/>
+                                      </p:to>
+                                    </p:set>
+                                  </p:childTnLst>
+                                </p:cTn>
+                              </p:par>
+                              <p:par>
+                                <p:cTn id="29" presetID="1" presetClass="exit" presetSubtype="0" fill="hold" nodeType="withEffect">
+                                  <p:stCondLst>
+                                    <p:cond delay="0"/>
+                                  </p:stCondLst>
+                                  <p:childTnLst>
+                                    <p:set>
+                                      <p:cBhvr>
+                                        <p:cTn id="30" dur="1" fill="hold">
+                                          <p:stCondLst>
+                                            <p:cond delay="0"/>
+                                          </p:stCondLst>
+                                        </p:cTn>
+                                        <p:tgtEl>
+                                          <p:spTgt spid="40"/>
+                                        </p:tgtEl>
+                                        <p:attrNameLst>
+                                          <p:attrName>style.visibility</p:attrName>
+                                        </p:attrNameLst>
+                                      </p:cBhvr>
+                                      <p:to>
+                                        <p:strVal val="hidden"/>
+                                      </p:to>
+                                    </p:set>
+                                  </p:childTnLst>
+                                </p:cTn>
+                              </p:par>
+                              <p:par>
+                                <p:cTn id="31" presetID="1" presetClass="exit" presetSubtype="0" fill="hold" nodeType="withEffect">
+                                  <p:stCondLst>
+                                    <p:cond delay="0"/>
+                                  </p:stCondLst>
+                                  <p:childTnLst>
+                                    <p:set>
+                                      <p:cBhvr>
+                                        <p:cTn id="32" dur="1" fill="hold">
+                                          <p:stCondLst>
+                                            <p:cond delay="0"/>
+                                          </p:stCondLst>
+                                        </p:cTn>
+                                        <p:tgtEl>
+                                          <p:spTgt spid="43"/>
+                                        </p:tgtEl>
+                                        <p:attrNameLst>
+                                          <p:attrName>style.visibility</p:attrName>
+                                        </p:attrNameLst>
+                                      </p:cBhvr>
+                                      <p:to>
+                                        <p:strVal val="hidden"/>
+                                      </p:to>
+                                    </p:set>
+                                  </p:childTnLst>
+                                </p:cTn>
+                              </p:par>
+                            </p:childTnLst>
+                          </p:cTn>
+                        </p:par>
+                      </p:childTnLst>
+                    </p:cTn>
+                  </p:par>
+                  <p:par>
+                    <p:cTn id="33" fill="hold">
+                      <p:stCondLst>
+                        <p:cond delay="indefinite"/>
+                      </p:stCondLst>
+                      <p:childTnLst>
+                        <p:par>
+                          <p:cTn id="34" fill="hold">
+                            <p:stCondLst>
+                              <p:cond delay="0"/>
+                            </p:stCondLst>
+                            <p:childTnLst>
+                              <p:par>
+                                <p:cTn id="35" presetID="1" presetClass="entr" presetSubtype="0" fill="hold" nodeType="clickEffect">
+                                  <p:stCondLst>
+                                    <p:cond delay="0"/>
+                                  </p:stCondLst>
+                                  <p:childTnLst>
+                                    <p:set>
+                                      <p:cBhvr>
+                                        <p:cTn id="36" dur="1" fill="hold">
+                                          <p:stCondLst>
+                                            <p:cond delay="0"/>
+                                          </p:stCondLst>
+                                        </p:cTn>
+                                        <p:tgtEl>
+                                          <p:spTgt spid="44"/>
+                                        </p:tgtEl>
+                                        <p:attrNameLst>
+                                          <p:attrName>style.visibility</p:attrName>
+                                        </p:attrNameLst>
+                                      </p:cBhvr>
+                                      <p:to>
+                                        <p:strVal val="visible"/>
+                                      </p:to>
+                                    </p:set>
+                                  </p:childTnLst>
+                                </p:cTn>
+                              </p:par>
+                              <p:par>
+                                <p:cTn id="37" presetID="1" presetClass="entr" presetSubtype="0" fill="hold" nodeType="withEffect">
+                                  <p:stCondLst>
+                                    <p:cond delay="0"/>
+                                  </p:stCondLst>
+                                  <p:childTnLst>
+                                    <p:set>
+                                      <p:cBhvr>
+                                        <p:cTn id="38" dur="1" fill="hold">
+                                          <p:stCondLst>
+                                            <p:cond delay="0"/>
+                                          </p:stCondLst>
+                                        </p:cTn>
+                                        <p:tgtEl>
+                                          <p:spTgt spid="45"/>
+                                        </p:tgtEl>
+                                        <p:attrNameLst>
+                                          <p:attrName>style.visibility</p:attrName>
+                                        </p:attrNameLst>
+                                      </p:cBhvr>
+                                      <p:to>
+                                        <p:strVal val="visible"/>
+                                      </p:to>
+                                    </p:set>
+                                  </p:childTnLst>
+                                </p:cTn>
+                              </p:par>
+                              <p:par>
+                                <p:cTn id="39" presetID="1" presetClass="entr" presetSubtype="0" fill="hold" nodeType="withEffect">
+                                  <p:stCondLst>
+                                    <p:cond delay="0"/>
+                                  </p:stCondLst>
+                                  <p:childTnLst>
+                                    <p:set>
+                                      <p:cBhvr>
+                                        <p:cTn id="40" dur="1" fill="hold">
+                                          <p:stCondLst>
+                                            <p:cond delay="0"/>
+                                          </p:stCondLst>
+                                        </p:cTn>
+                                        <p:tgtEl>
+                                          <p:spTgt spid="46"/>
+                                        </p:tgtEl>
+                                        <p:attrNameLst>
+                                          <p:attrName>style.visibility</p:attrName>
+                                        </p:attrNameLst>
+                                      </p:cBhvr>
+                                      <p:to>
+                                        <p:strVal val="visible"/>
+                                      </p:to>
+                                    </p:set>
+                                  </p:childTnLst>
+                                </p:cTn>
+                              </p:par>
+                              <p:par>
+                                <p:cTn id="41" presetID="1" presetClass="entr" presetSubtype="0" fill="hold" nodeType="withEffect">
+                                  <p:stCondLst>
+                                    <p:cond delay="0"/>
+                                  </p:stCondLst>
+                                  <p:childTnLst>
+                                    <p:set>
+                                      <p:cBhvr>
+                                        <p:cTn id="42" dur="1" fill="hold">
+                                          <p:stCondLst>
+                                            <p:cond delay="0"/>
+                                          </p:stCondLst>
+                                        </p:cTn>
+                                        <p:tgtEl>
+                                          <p:spTgt spid="47"/>
+                                        </p:tgtEl>
+                                        <p:attrNameLst>
+                                          <p:attrName>style.visibility</p:attrName>
+                                        </p:attrNameLst>
+                                      </p:cBhvr>
+                                      <p:to>
+                                        <p:strVal val="visible"/>
+                                      </p:to>
+                                    </p:set>
+                                  </p:childTnLst>
+                                </p:cTn>
+                              </p:par>
+                              <p:par>
+                                <p:cTn id="43" presetID="1" presetClass="exit" presetSubtype="0" fill="hold" nodeType="withEffect">
+                                  <p:stCondLst>
+                                    <p:cond delay="0"/>
+                                  </p:stCondLst>
+                                  <p:childTnLst>
+                                    <p:set>
+                                      <p:cBhvr>
+                                        <p:cTn id="44" dur="1" fill="hold">
+                                          <p:stCondLst>
+                                            <p:cond delay="0"/>
+                                          </p:stCondLst>
+                                        </p:cTn>
+                                        <p:tgtEl>
+                                          <p:spTgt spid="55"/>
+                                        </p:tgtEl>
+                                        <p:attrNameLst>
+                                          <p:attrName>style.visibility</p:attrName>
+                                        </p:attrNameLst>
+                                      </p:cBhvr>
+                                      <p:to>
+                                        <p:strVal val="hidden"/>
+                                      </p:to>
+                                    </p:set>
+                                  </p:childTnLst>
+                                </p:cTn>
+                              </p:par>
+                              <p:par>
+                                <p:cTn id="45" presetID="1" presetClass="exit" presetSubtype="0" fill="hold" nodeType="withEffect">
+                                  <p:stCondLst>
+                                    <p:cond delay="0"/>
+                                  </p:stCondLst>
+                                  <p:childTnLst>
+                                    <p:set>
+                                      <p:cBhvr>
+                                        <p:cTn id="46" dur="1" fill="hold">
+                                          <p:stCondLst>
+                                            <p:cond delay="0"/>
+                                          </p:stCondLst>
+                                        </p:cTn>
+                                        <p:tgtEl>
+                                          <p:spTgt spid="31"/>
+                                        </p:tgtEl>
+                                        <p:attrNameLst>
+                                          <p:attrName>style.visibility</p:attrName>
+                                        </p:attrNameLst>
+                                      </p:cBhvr>
+                                      <p:to>
+                                        <p:strVal val="hidden"/>
+                                      </p:to>
+                                    </p:set>
+                                  </p:childTnLst>
+                                </p:cTn>
+                              </p:par>
+                              <p:par>
+                                <p:cTn id="47" presetID="1" presetClass="exit" presetSubtype="0" fill="hold" nodeType="withEffect">
+                                  <p:stCondLst>
+                                    <p:cond delay="0"/>
+                                  </p:stCondLst>
+                                  <p:childTnLst>
+                                    <p:set>
+                                      <p:cBhvr>
+                                        <p:cTn id="48" dur="1" fill="hold">
+                                          <p:stCondLst>
+                                            <p:cond delay="0"/>
+                                          </p:stCondLst>
+                                        </p:cTn>
+                                        <p:tgtEl>
+                                          <p:spTgt spid="41"/>
+                                        </p:tgtEl>
+                                        <p:attrNameLst>
+                                          <p:attrName>style.visibility</p:attrName>
+                                        </p:attrNameLst>
+                                      </p:cBhvr>
+                                      <p:to>
+                                        <p:strVal val="hidden"/>
+                                      </p:to>
+                                    </p:set>
+                                  </p:childTnLst>
+                                </p:cTn>
+                              </p:par>
+                              <p:par>
+                                <p:cTn id="49" presetID="1" presetClass="exit" presetSubtype="0" fill="hold" nodeType="withEffect">
+                                  <p:stCondLst>
+                                    <p:cond delay="0"/>
+                                  </p:stCondLst>
+                                  <p:childTnLst>
+                                    <p:set>
+                                      <p:cBhvr>
+                                        <p:cTn id="50" dur="1" fill="hold">
+                                          <p:stCondLst>
+                                            <p:cond delay="0"/>
+                                          </p:stCondLst>
+                                        </p:cTn>
+                                        <p:tgtEl>
+                                          <p:spTgt spid="52"/>
+                                        </p:tgtEl>
+                                        <p:attrNameLst>
+                                          <p:attrName>style.visibility</p:attrName>
+                                        </p:attrNameLst>
+                                      </p:cBhvr>
+                                      <p:to>
+                                        <p:strVal val="hidden"/>
+                                      </p:to>
+                                    </p:set>
+                                  </p:childTnLst>
+                                </p:cTn>
+                              </p:par>
+                              <p:par>
+                                <p:cTn id="51" presetID="1" presetClass="exit" presetSubtype="0" fill="hold" nodeType="withEffect">
+                                  <p:stCondLst>
+                                    <p:cond delay="0"/>
+                                  </p:stCondLst>
+                                  <p:childTnLst>
+                                    <p:set>
+                                      <p:cBhvr>
+                                        <p:cTn id="52" dur="1" fill="hold">
+                                          <p:stCondLst>
+                                            <p:cond delay="0"/>
+                                          </p:stCondLst>
+                                        </p:cTn>
+                                        <p:tgtEl>
+                                          <p:spTgt spid="53"/>
+                                        </p:tgtEl>
+                                        <p:attrNameLst>
+                                          <p:attrName>style.visibility</p:attrName>
+                                        </p:attrNameLst>
+                                      </p:cBhvr>
+                                      <p:to>
+                                        <p:strVal val="hidden"/>
+                                      </p:to>
+                                    </p:set>
+                                  </p:childTnLst>
+                                </p:cTn>
+                              </p:par>
+                              <p:par>
+                                <p:cTn id="53" presetID="1" presetClass="exit" presetSubtype="0" fill="hold" nodeType="withEffect">
+                                  <p:stCondLst>
+                                    <p:cond delay="0"/>
+                                  </p:stCondLst>
+                                  <p:childTnLst>
+                                    <p:set>
+                                      <p:cBhvr>
+                                        <p:cTn id="54" dur="1" fill="hold">
+                                          <p:stCondLst>
+                                            <p:cond delay="0"/>
+                                          </p:stCondLst>
+                                        </p:cTn>
+                                        <p:tgtEl>
+                                          <p:spTgt spid="48"/>
+                                        </p:tgtEl>
+                                        <p:attrNameLst>
+                                          <p:attrName>style.visibility</p:attrName>
+                                        </p:attrNameLst>
+                                      </p:cBhvr>
+                                      <p:to>
+                                        <p:strVal val="hidden"/>
+                                      </p:to>
+                                    </p:set>
+                                  </p:childTnLst>
+                                </p:cTn>
+                              </p:par>
+                            </p:childTnLst>
+                          </p:cTn>
+                        </p:par>
+                      </p:childTnLst>
+                    </p:cTn>
+                  </p:par>
+                </p:childTnLst>
+              </p:cTn>
+              <p:prevCondLst>
+                <p:cond evt="onPrev" delay="0">
+                  <p:tgtEl>
+                    <p:sldTgt/>
+                  </p:tgtEl>
+                </p:cond>
+              </p:prevCondLst>
+              <p:nextCondLst>
+                <p:cond evt="onNext" delay="0">
+                  <p:tgtEl>
+                    <p:sldTgt/>
+                  </p:tgtEl>
+                </p:cond>
+              </p:nextCondLst>
+            </p:seq>
+          </p:childTnLst>
+        </p:cTn>
+      </p:par>
+    </p:tnLst>
+    <p:bldLst>
+      <p:bldP spid="54" grpId="0"/>
+    </p:bldLst>
+  </p:timing>
 </p:sld>
 </file>
 
@@ -3987,6 +5898,1648 @@
           <a:p>
             <a:r>
               <a:rPr lang="de-DE" dirty="0" smtClean="0"/>
+              <a:t>Vergrößerung</a:t>
+            </a:r>
+            <a:endParaRPr lang="de-DE" dirty="0"/>
+          </a:p>
+        </p:txBody>
+      </p:sp>
+      <p:sp>
+        <p:nvSpPr>
+          <p:cNvPr id="3" name="Content Placeholder 2"/>
+          <p:cNvSpPr>
+            <a:spLocks noGrp="1"/>
+          </p:cNvSpPr>
+          <p:nvPr>
+            <p:ph idx="1"/>
+          </p:nvPr>
+        </p:nvSpPr>
+        <p:spPr/>
+        <p:txBody>
+          <a:bodyPr/>
+          <a:lstStyle/>
+          <a:p>
+            <a:r>
+              <a:rPr lang="de-DE" dirty="0" smtClean="0"/>
+              <a:t>Ein isolierter </a:t>
+            </a:r>
+            <a:r>
+              <a:rPr lang="de-DE" i="1" dirty="0" err="1" smtClean="0"/>
+              <a:t>bend</a:t>
+            </a:r>
+            <a:r>
+              <a:rPr lang="de-DE" dirty="0" smtClean="0"/>
+              <a:t>—das heißt, die benachbarten </a:t>
+            </a:r>
+            <a:r>
+              <a:rPr lang="de-DE" i="1" dirty="0" err="1" smtClean="0"/>
+              <a:t>bends</a:t>
+            </a:r>
+            <a:r>
+              <a:rPr lang="de-DE" dirty="0" smtClean="0"/>
+              <a:t> haben eine viel kleinere durchschnittliche Krümmung—wird </a:t>
+            </a:r>
+            <a:r>
+              <a:rPr lang="de-DE" dirty="0" smtClean="0"/>
+              <a:t>anhand einer Gaußverteilung </a:t>
+            </a:r>
+            <a:r>
+              <a:rPr lang="de-DE" dirty="0" err="1" smtClean="0"/>
+              <a:t>vergößert</a:t>
+            </a:r>
+            <a:endParaRPr lang="de-DE" dirty="0" smtClean="0"/>
+          </a:p>
+          <a:p>
+            <a:pPr marL="0" indent="0">
+              <a:buNone/>
+            </a:pPr>
+            <a:endParaRPr lang="de-DE" dirty="0"/>
+          </a:p>
+          <a:p>
+            <a:pPr marL="0" indent="0">
+              <a:buNone/>
+            </a:pPr>
+            <a:endParaRPr lang="de-DE" dirty="0" smtClean="0"/>
+          </a:p>
+        </p:txBody>
+      </p:sp>
+      <p:cxnSp>
+        <p:nvCxnSpPr>
+          <p:cNvPr id="18" name="Gerader Verbinder 17"/>
+          <p:cNvCxnSpPr/>
+          <p:nvPr/>
+        </p:nvCxnSpPr>
+        <p:spPr>
+          <a:xfrm flipV="1">
+            <a:off x="3278332" y="5951764"/>
+            <a:ext cx="289461" cy="89807"/>
+          </a:xfrm>
+          <a:prstGeom prst="line">
+            <a:avLst/>
+          </a:prstGeom>
+          <a:ln w="57150"/>
+        </p:spPr>
+        <p:style>
+          <a:lnRef idx="1">
+            <a:schemeClr val="accent1"/>
+          </a:lnRef>
+          <a:fillRef idx="0">
+            <a:schemeClr val="accent1"/>
+          </a:fillRef>
+          <a:effectRef idx="0">
+            <a:schemeClr val="accent1"/>
+          </a:effectRef>
+          <a:fontRef idx="minor">
+            <a:schemeClr val="tx1"/>
+          </a:fontRef>
+        </p:style>
+      </p:cxnSp>
+      <p:cxnSp>
+        <p:nvCxnSpPr>
+          <p:cNvPr id="22" name="Gerader Verbinder 21"/>
+          <p:cNvCxnSpPr/>
+          <p:nvPr/>
+        </p:nvCxnSpPr>
+        <p:spPr>
+          <a:xfrm flipV="1">
+            <a:off x="3567793" y="5578125"/>
+            <a:ext cx="334736" cy="365475"/>
+          </a:xfrm>
+          <a:prstGeom prst="line">
+            <a:avLst/>
+          </a:prstGeom>
+          <a:ln w="57150"/>
+        </p:spPr>
+        <p:style>
+          <a:lnRef idx="1">
+            <a:schemeClr val="accent1"/>
+          </a:lnRef>
+          <a:fillRef idx="0">
+            <a:schemeClr val="accent1"/>
+          </a:fillRef>
+          <a:effectRef idx="0">
+            <a:schemeClr val="accent1"/>
+          </a:effectRef>
+          <a:fontRef idx="minor">
+            <a:schemeClr val="tx1"/>
+          </a:fontRef>
+        </p:style>
+      </p:cxnSp>
+      <p:cxnSp>
+        <p:nvCxnSpPr>
+          <p:cNvPr id="24" name="Gerader Verbinder 23"/>
+          <p:cNvCxnSpPr/>
+          <p:nvPr/>
+        </p:nvCxnSpPr>
+        <p:spPr>
+          <a:xfrm flipV="1">
+            <a:off x="3902529" y="4196443"/>
+            <a:ext cx="465364" cy="1381682"/>
+          </a:xfrm>
+          <a:prstGeom prst="line">
+            <a:avLst/>
+          </a:prstGeom>
+          <a:ln w="57150"/>
+        </p:spPr>
+        <p:style>
+          <a:lnRef idx="1">
+            <a:schemeClr val="accent1"/>
+          </a:lnRef>
+          <a:fillRef idx="0">
+            <a:schemeClr val="accent1"/>
+          </a:fillRef>
+          <a:effectRef idx="0">
+            <a:schemeClr val="accent1"/>
+          </a:effectRef>
+          <a:fontRef idx="minor">
+            <a:schemeClr val="tx1"/>
+          </a:fontRef>
+        </p:style>
+      </p:cxnSp>
+      <p:cxnSp>
+        <p:nvCxnSpPr>
+          <p:cNvPr id="28" name="Gerader Verbinder 27"/>
+          <p:cNvCxnSpPr/>
+          <p:nvPr/>
+        </p:nvCxnSpPr>
+        <p:spPr>
+          <a:xfrm flipV="1">
+            <a:off x="4367893" y="3809083"/>
+            <a:ext cx="563336" cy="382597"/>
+          </a:xfrm>
+          <a:prstGeom prst="line">
+            <a:avLst/>
+          </a:prstGeom>
+          <a:ln w="57150"/>
+        </p:spPr>
+        <p:style>
+          <a:lnRef idx="1">
+            <a:schemeClr val="accent1"/>
+          </a:lnRef>
+          <a:fillRef idx="0">
+            <a:schemeClr val="accent1"/>
+          </a:fillRef>
+          <a:effectRef idx="0">
+            <a:schemeClr val="accent1"/>
+          </a:effectRef>
+          <a:fontRef idx="minor">
+            <a:schemeClr val="tx1"/>
+          </a:fontRef>
+        </p:style>
+      </p:cxnSp>
+      <p:cxnSp>
+        <p:nvCxnSpPr>
+          <p:cNvPr id="30" name="Gerader Verbinder 29"/>
+          <p:cNvCxnSpPr/>
+          <p:nvPr/>
+        </p:nvCxnSpPr>
+        <p:spPr>
+          <a:xfrm>
+            <a:off x="4931229" y="3822804"/>
+            <a:ext cx="204107" cy="102064"/>
+          </a:xfrm>
+          <a:prstGeom prst="line">
+            <a:avLst/>
+          </a:prstGeom>
+          <a:ln w="57150"/>
+        </p:spPr>
+        <p:style>
+          <a:lnRef idx="1">
+            <a:schemeClr val="accent1"/>
+          </a:lnRef>
+          <a:fillRef idx="0">
+            <a:schemeClr val="accent1"/>
+          </a:fillRef>
+          <a:effectRef idx="0">
+            <a:schemeClr val="accent1"/>
+          </a:effectRef>
+          <a:fontRef idx="minor">
+            <a:schemeClr val="tx1"/>
+          </a:fontRef>
+        </p:style>
+      </p:cxnSp>
+      <p:cxnSp>
+        <p:nvCxnSpPr>
+          <p:cNvPr id="32" name="Gerader Verbinder 31"/>
+          <p:cNvCxnSpPr/>
+          <p:nvPr/>
+        </p:nvCxnSpPr>
+        <p:spPr>
+          <a:xfrm>
+            <a:off x="5135336" y="3924868"/>
+            <a:ext cx="0" cy="465364"/>
+          </a:xfrm>
+          <a:prstGeom prst="line">
+            <a:avLst/>
+          </a:prstGeom>
+          <a:ln w="57150"/>
+        </p:spPr>
+        <p:style>
+          <a:lnRef idx="1">
+            <a:schemeClr val="accent1"/>
+          </a:lnRef>
+          <a:fillRef idx="0">
+            <a:schemeClr val="accent1"/>
+          </a:fillRef>
+          <a:effectRef idx="0">
+            <a:schemeClr val="accent1"/>
+          </a:effectRef>
+          <a:fontRef idx="minor">
+            <a:schemeClr val="tx1"/>
+          </a:fontRef>
+        </p:style>
+      </p:cxnSp>
+      <p:cxnSp>
+        <p:nvCxnSpPr>
+          <p:cNvPr id="34" name="Gerader Verbinder 33"/>
+          <p:cNvCxnSpPr/>
+          <p:nvPr/>
+        </p:nvCxnSpPr>
+        <p:spPr>
+          <a:xfrm flipH="1">
+            <a:off x="4792436" y="4400550"/>
+            <a:ext cx="342900" cy="563336"/>
+          </a:xfrm>
+          <a:prstGeom prst="line">
+            <a:avLst/>
+          </a:prstGeom>
+          <a:ln w="57150"/>
+        </p:spPr>
+        <p:style>
+          <a:lnRef idx="1">
+            <a:schemeClr val="accent1"/>
+          </a:lnRef>
+          <a:fillRef idx="0">
+            <a:schemeClr val="accent1"/>
+          </a:fillRef>
+          <a:effectRef idx="0">
+            <a:schemeClr val="accent1"/>
+          </a:effectRef>
+          <a:fontRef idx="minor">
+            <a:schemeClr val="tx1"/>
+          </a:fontRef>
+        </p:style>
+      </p:cxnSp>
+      <p:cxnSp>
+        <p:nvCxnSpPr>
+          <p:cNvPr id="36" name="Gerader Verbinder 35"/>
+          <p:cNvCxnSpPr/>
+          <p:nvPr/>
+        </p:nvCxnSpPr>
+        <p:spPr>
+          <a:xfrm flipH="1">
+            <a:off x="4612822" y="4963886"/>
+            <a:ext cx="179614" cy="440871"/>
+          </a:xfrm>
+          <a:prstGeom prst="line">
+            <a:avLst/>
+          </a:prstGeom>
+          <a:ln w="57150"/>
+        </p:spPr>
+        <p:style>
+          <a:lnRef idx="1">
+            <a:schemeClr val="accent1"/>
+          </a:lnRef>
+          <a:fillRef idx="0">
+            <a:schemeClr val="accent1"/>
+          </a:fillRef>
+          <a:effectRef idx="0">
+            <a:schemeClr val="accent1"/>
+          </a:effectRef>
+          <a:fontRef idx="minor">
+            <a:schemeClr val="tx1"/>
+          </a:fontRef>
+        </p:style>
+      </p:cxnSp>
+      <p:cxnSp>
+        <p:nvCxnSpPr>
+          <p:cNvPr id="39" name="Gerader Verbinder 38"/>
+          <p:cNvCxnSpPr/>
+          <p:nvPr/>
+        </p:nvCxnSpPr>
+        <p:spPr>
+          <a:xfrm>
+            <a:off x="4621851" y="5396469"/>
+            <a:ext cx="309378" cy="547131"/>
+          </a:xfrm>
+          <a:prstGeom prst="line">
+            <a:avLst/>
+          </a:prstGeom>
+          <a:ln w="57150"/>
+        </p:spPr>
+        <p:style>
+          <a:lnRef idx="1">
+            <a:schemeClr val="accent1"/>
+          </a:lnRef>
+          <a:fillRef idx="0">
+            <a:schemeClr val="accent1"/>
+          </a:fillRef>
+          <a:effectRef idx="0">
+            <a:schemeClr val="accent1"/>
+          </a:effectRef>
+          <a:fontRef idx="minor">
+            <a:schemeClr val="tx1"/>
+          </a:fontRef>
+        </p:style>
+      </p:cxnSp>
+      <p:cxnSp>
+        <p:nvCxnSpPr>
+          <p:cNvPr id="41" name="Gerader Verbinder 40"/>
+          <p:cNvCxnSpPr/>
+          <p:nvPr/>
+        </p:nvCxnSpPr>
+        <p:spPr>
+          <a:xfrm>
+            <a:off x="4931229" y="5943600"/>
+            <a:ext cx="367393" cy="172069"/>
+          </a:xfrm>
+          <a:prstGeom prst="line">
+            <a:avLst/>
+          </a:prstGeom>
+          <a:ln w="57150"/>
+        </p:spPr>
+        <p:style>
+          <a:lnRef idx="1">
+            <a:schemeClr val="accent1"/>
+          </a:lnRef>
+          <a:fillRef idx="0">
+            <a:schemeClr val="accent1"/>
+          </a:fillRef>
+          <a:effectRef idx="0">
+            <a:schemeClr val="accent1"/>
+          </a:effectRef>
+          <a:fontRef idx="minor">
+            <a:schemeClr val="tx1"/>
+          </a:fontRef>
+        </p:style>
+      </p:cxnSp>
+      <p:cxnSp>
+        <p:nvCxnSpPr>
+          <p:cNvPr id="43" name="Gerader Verbinder 42"/>
+          <p:cNvCxnSpPr/>
+          <p:nvPr/>
+        </p:nvCxnSpPr>
+        <p:spPr>
+          <a:xfrm flipV="1">
+            <a:off x="5298622" y="6009656"/>
+            <a:ext cx="439882" cy="106013"/>
+          </a:xfrm>
+          <a:prstGeom prst="line">
+            <a:avLst/>
+          </a:prstGeom>
+          <a:ln w="57150"/>
+        </p:spPr>
+        <p:style>
+          <a:lnRef idx="1">
+            <a:schemeClr val="accent1"/>
+          </a:lnRef>
+          <a:fillRef idx="0">
+            <a:schemeClr val="accent1"/>
+          </a:fillRef>
+          <a:effectRef idx="0">
+            <a:schemeClr val="accent1"/>
+          </a:effectRef>
+          <a:fontRef idx="minor">
+            <a:schemeClr val="tx1"/>
+          </a:fontRef>
+        </p:style>
+      </p:cxnSp>
+      <p:cxnSp>
+        <p:nvCxnSpPr>
+          <p:cNvPr id="48" name="Gerader Verbinder 47"/>
+          <p:cNvCxnSpPr/>
+          <p:nvPr/>
+        </p:nvCxnSpPr>
+        <p:spPr>
+          <a:xfrm flipV="1">
+            <a:off x="2843893" y="5996667"/>
+            <a:ext cx="434439" cy="32967"/>
+          </a:xfrm>
+          <a:prstGeom prst="line">
+            <a:avLst/>
+          </a:prstGeom>
+          <a:ln w="57150"/>
+        </p:spPr>
+        <p:style>
+          <a:lnRef idx="1">
+            <a:schemeClr val="accent1"/>
+          </a:lnRef>
+          <a:fillRef idx="0">
+            <a:schemeClr val="accent1"/>
+          </a:fillRef>
+          <a:effectRef idx="0">
+            <a:schemeClr val="accent1"/>
+          </a:effectRef>
+          <a:fontRef idx="minor">
+            <a:schemeClr val="tx1"/>
+          </a:fontRef>
+        </p:style>
+      </p:cxnSp>
+      <p:cxnSp>
+        <p:nvCxnSpPr>
+          <p:cNvPr id="50" name="Gerader Verbinder 49"/>
+          <p:cNvCxnSpPr/>
+          <p:nvPr/>
+        </p:nvCxnSpPr>
+        <p:spPr>
+          <a:xfrm flipV="1">
+            <a:off x="3278332" y="5760862"/>
+            <a:ext cx="197457" cy="235805"/>
+          </a:xfrm>
+          <a:prstGeom prst="line">
+            <a:avLst/>
+          </a:prstGeom>
+          <a:ln w="57150"/>
+        </p:spPr>
+        <p:style>
+          <a:lnRef idx="1">
+            <a:schemeClr val="accent1"/>
+          </a:lnRef>
+          <a:fillRef idx="0">
+            <a:schemeClr val="accent1"/>
+          </a:fillRef>
+          <a:effectRef idx="0">
+            <a:schemeClr val="accent1"/>
+          </a:effectRef>
+          <a:fontRef idx="minor">
+            <a:schemeClr val="tx1"/>
+          </a:fontRef>
+        </p:style>
+      </p:cxnSp>
+      <p:cxnSp>
+        <p:nvCxnSpPr>
+          <p:cNvPr id="52" name="Gerader Verbinder 51"/>
+          <p:cNvCxnSpPr/>
+          <p:nvPr/>
+        </p:nvCxnSpPr>
+        <p:spPr>
+          <a:xfrm flipV="1">
+            <a:off x="3476239" y="3670340"/>
+            <a:ext cx="932476" cy="2090522"/>
+          </a:xfrm>
+          <a:prstGeom prst="line">
+            <a:avLst/>
+          </a:prstGeom>
+          <a:ln w="57150"/>
+        </p:spPr>
+        <p:style>
+          <a:lnRef idx="1">
+            <a:schemeClr val="accent1"/>
+          </a:lnRef>
+          <a:fillRef idx="0">
+            <a:schemeClr val="accent1"/>
+          </a:fillRef>
+          <a:effectRef idx="0">
+            <a:schemeClr val="accent1"/>
+          </a:effectRef>
+          <a:fontRef idx="minor">
+            <a:schemeClr val="tx1"/>
+          </a:fontRef>
+        </p:style>
+      </p:cxnSp>
+      <p:cxnSp>
+        <p:nvCxnSpPr>
+          <p:cNvPr id="54" name="Gerader Verbinder 53"/>
+          <p:cNvCxnSpPr/>
+          <p:nvPr/>
+        </p:nvCxnSpPr>
+        <p:spPr>
+          <a:xfrm flipV="1">
+            <a:off x="4396144" y="3420836"/>
+            <a:ext cx="567742" cy="249504"/>
+          </a:xfrm>
+          <a:prstGeom prst="line">
+            <a:avLst/>
+          </a:prstGeom>
+          <a:ln w="57150"/>
+        </p:spPr>
+        <p:style>
+          <a:lnRef idx="1">
+            <a:schemeClr val="accent1"/>
+          </a:lnRef>
+          <a:fillRef idx="0">
+            <a:schemeClr val="accent1"/>
+          </a:fillRef>
+          <a:effectRef idx="0">
+            <a:schemeClr val="accent1"/>
+          </a:effectRef>
+          <a:fontRef idx="minor">
+            <a:schemeClr val="tx1"/>
+          </a:fontRef>
+        </p:style>
+      </p:cxnSp>
+      <p:cxnSp>
+        <p:nvCxnSpPr>
+          <p:cNvPr id="57" name="Gerader Verbinder 56"/>
+          <p:cNvCxnSpPr/>
+          <p:nvPr/>
+        </p:nvCxnSpPr>
+        <p:spPr>
+          <a:xfrm>
+            <a:off x="4963886" y="3420836"/>
+            <a:ext cx="334736" cy="179377"/>
+          </a:xfrm>
+          <a:prstGeom prst="line">
+            <a:avLst/>
+          </a:prstGeom>
+          <a:ln w="57150"/>
+        </p:spPr>
+        <p:style>
+          <a:lnRef idx="1">
+            <a:schemeClr val="accent1"/>
+          </a:lnRef>
+          <a:fillRef idx="0">
+            <a:schemeClr val="accent1"/>
+          </a:fillRef>
+          <a:effectRef idx="0">
+            <a:schemeClr val="accent1"/>
+          </a:effectRef>
+          <a:fontRef idx="minor">
+            <a:schemeClr val="tx1"/>
+          </a:fontRef>
+        </p:style>
+      </p:cxnSp>
+      <p:cxnSp>
+        <p:nvCxnSpPr>
+          <p:cNvPr id="59" name="Gerader Verbinder 58"/>
+          <p:cNvCxnSpPr/>
+          <p:nvPr/>
+        </p:nvCxnSpPr>
+        <p:spPr>
+          <a:xfrm>
+            <a:off x="5298622" y="3597339"/>
+            <a:ext cx="80831" cy="370628"/>
+          </a:xfrm>
+          <a:prstGeom prst="line">
+            <a:avLst/>
+          </a:prstGeom>
+          <a:ln w="57150"/>
+        </p:spPr>
+        <p:style>
+          <a:lnRef idx="1">
+            <a:schemeClr val="accent1"/>
+          </a:lnRef>
+          <a:fillRef idx="0">
+            <a:schemeClr val="accent1"/>
+          </a:fillRef>
+          <a:effectRef idx="0">
+            <a:schemeClr val="accent1"/>
+          </a:effectRef>
+          <a:fontRef idx="minor">
+            <a:schemeClr val="tx1"/>
+          </a:fontRef>
+        </p:style>
+      </p:cxnSp>
+      <p:cxnSp>
+        <p:nvCxnSpPr>
+          <p:cNvPr id="61" name="Gerader Verbinder 60"/>
+          <p:cNvCxnSpPr/>
+          <p:nvPr/>
+        </p:nvCxnSpPr>
+        <p:spPr>
+          <a:xfrm flipH="1">
+            <a:off x="5120659" y="3924057"/>
+            <a:ext cx="258794" cy="645157"/>
+          </a:xfrm>
+          <a:prstGeom prst="line">
+            <a:avLst/>
+          </a:prstGeom>
+          <a:ln w="57150"/>
+        </p:spPr>
+        <p:style>
+          <a:lnRef idx="1">
+            <a:schemeClr val="accent1"/>
+          </a:lnRef>
+          <a:fillRef idx="0">
+            <a:schemeClr val="accent1"/>
+          </a:fillRef>
+          <a:effectRef idx="0">
+            <a:schemeClr val="accent1"/>
+          </a:effectRef>
+          <a:fontRef idx="minor">
+            <a:schemeClr val="tx1"/>
+          </a:fontRef>
+        </p:style>
+      </p:cxnSp>
+      <p:cxnSp>
+        <p:nvCxnSpPr>
+          <p:cNvPr id="63" name="Gerader Verbinder 62"/>
+          <p:cNvCxnSpPr/>
+          <p:nvPr/>
+        </p:nvCxnSpPr>
+        <p:spPr>
+          <a:xfrm flipH="1">
+            <a:off x="5017895" y="4553565"/>
+            <a:ext cx="102764" cy="1084168"/>
+          </a:xfrm>
+          <a:prstGeom prst="line">
+            <a:avLst/>
+          </a:prstGeom>
+          <a:ln w="57150"/>
+        </p:spPr>
+        <p:style>
+          <a:lnRef idx="1">
+            <a:schemeClr val="accent1"/>
+          </a:lnRef>
+          <a:fillRef idx="0">
+            <a:schemeClr val="accent1"/>
+          </a:fillRef>
+          <a:effectRef idx="0">
+            <a:schemeClr val="accent1"/>
+          </a:effectRef>
+          <a:fontRef idx="minor">
+            <a:schemeClr val="tx1"/>
+          </a:fontRef>
+        </p:style>
+      </p:cxnSp>
+      <p:cxnSp>
+        <p:nvCxnSpPr>
+          <p:cNvPr id="65" name="Gerader Verbinder 64"/>
+          <p:cNvCxnSpPr/>
+          <p:nvPr/>
+        </p:nvCxnSpPr>
+        <p:spPr>
+          <a:xfrm>
+            <a:off x="5033282" y="5637733"/>
+            <a:ext cx="209753" cy="391901"/>
+          </a:xfrm>
+          <a:prstGeom prst="line">
+            <a:avLst/>
+          </a:prstGeom>
+          <a:ln w="57150"/>
+        </p:spPr>
+        <p:style>
+          <a:lnRef idx="1">
+            <a:schemeClr val="accent1"/>
+          </a:lnRef>
+          <a:fillRef idx="0">
+            <a:schemeClr val="accent1"/>
+          </a:fillRef>
+          <a:effectRef idx="0">
+            <a:schemeClr val="accent1"/>
+          </a:effectRef>
+          <a:fontRef idx="minor">
+            <a:schemeClr val="tx1"/>
+          </a:fontRef>
+        </p:style>
+      </p:cxnSp>
+      <p:cxnSp>
+        <p:nvCxnSpPr>
+          <p:cNvPr id="67" name="Gerader Verbinder 66"/>
+          <p:cNvCxnSpPr/>
+          <p:nvPr/>
+        </p:nvCxnSpPr>
+        <p:spPr>
+          <a:xfrm>
+            <a:off x="5243035" y="6009656"/>
+            <a:ext cx="320090" cy="124290"/>
+          </a:xfrm>
+          <a:prstGeom prst="line">
+            <a:avLst/>
+          </a:prstGeom>
+          <a:ln w="57150"/>
+        </p:spPr>
+        <p:style>
+          <a:lnRef idx="1">
+            <a:schemeClr val="accent1"/>
+          </a:lnRef>
+          <a:fillRef idx="0">
+            <a:schemeClr val="accent1"/>
+          </a:fillRef>
+          <a:effectRef idx="0">
+            <a:schemeClr val="accent1"/>
+          </a:effectRef>
+          <a:fontRef idx="minor">
+            <a:schemeClr val="tx1"/>
+          </a:fontRef>
+        </p:style>
+      </p:cxnSp>
+      <p:cxnSp>
+        <p:nvCxnSpPr>
+          <p:cNvPr id="69" name="Gerader Verbinder 68"/>
+          <p:cNvCxnSpPr/>
+          <p:nvPr/>
+        </p:nvCxnSpPr>
+        <p:spPr>
+          <a:xfrm flipV="1">
+            <a:off x="5573486" y="6041571"/>
+            <a:ext cx="275754" cy="74098"/>
+          </a:xfrm>
+          <a:prstGeom prst="line">
+            <a:avLst/>
+          </a:prstGeom>
+          <a:ln w="57150"/>
+        </p:spPr>
+        <p:style>
+          <a:lnRef idx="1">
+            <a:schemeClr val="accent1"/>
+          </a:lnRef>
+          <a:fillRef idx="0">
+            <a:schemeClr val="accent1"/>
+          </a:fillRef>
+          <a:effectRef idx="0">
+            <a:schemeClr val="accent1"/>
+          </a:effectRef>
+          <a:fontRef idx="minor">
+            <a:schemeClr val="tx1"/>
+          </a:fontRef>
+        </p:style>
+      </p:cxnSp>
+      <p:cxnSp>
+        <p:nvCxnSpPr>
+          <p:cNvPr id="73" name="Gerader Verbinder 72"/>
+          <p:cNvCxnSpPr/>
+          <p:nvPr/>
+        </p:nvCxnSpPr>
+        <p:spPr>
+          <a:xfrm flipV="1">
+            <a:off x="3902529" y="5396469"/>
+            <a:ext cx="710293" cy="181656"/>
+          </a:xfrm>
+          <a:prstGeom prst="line">
+            <a:avLst/>
+          </a:prstGeom>
+          <a:ln w="57150">
+            <a:prstDash val="sysDot"/>
+          </a:ln>
+        </p:spPr>
+        <p:style>
+          <a:lnRef idx="1">
+            <a:schemeClr val="accent1"/>
+          </a:lnRef>
+          <a:fillRef idx="0">
+            <a:schemeClr val="accent1"/>
+          </a:fillRef>
+          <a:effectRef idx="0">
+            <a:schemeClr val="accent1"/>
+          </a:effectRef>
+          <a:fontRef idx="minor">
+            <a:schemeClr val="tx1"/>
+          </a:fontRef>
+        </p:style>
+      </p:cxnSp>
+      <p:sp>
+        <p:nvSpPr>
+          <p:cNvPr id="74" name="Ellipse 73"/>
+          <p:cNvSpPr/>
+          <p:nvPr/>
+        </p:nvSpPr>
+        <p:spPr>
+          <a:xfrm>
+            <a:off x="4257675" y="5404757"/>
+            <a:ext cx="110218" cy="124422"/>
+          </a:xfrm>
+          <a:prstGeom prst="ellipse">
+            <a:avLst/>
+          </a:prstGeom>
+          <a:ln>
+            <a:noFill/>
+          </a:ln>
+        </p:spPr>
+        <p:style>
+          <a:lnRef idx="2">
+            <a:schemeClr val="accent1">
+              <a:shade val="50000"/>
+            </a:schemeClr>
+          </a:lnRef>
+          <a:fillRef idx="1">
+            <a:schemeClr val="accent1"/>
+          </a:fillRef>
+          <a:effectRef idx="0">
+            <a:schemeClr val="accent1"/>
+          </a:effectRef>
+          <a:fontRef idx="minor">
+            <a:schemeClr val="lt1"/>
+          </a:fontRef>
+        </p:style>
+        <p:txBody>
+          <a:bodyPr rtlCol="0" anchor="ctr"/>
+          <a:lstStyle/>
+          <a:p>
+            <a:pPr algn="ctr"/>
+            <a:endParaRPr lang="de-DE"/>
+          </a:p>
+        </p:txBody>
+      </p:sp>
+    </p:spTree>
+    <p:extLst>
+      <p:ext uri="{BB962C8B-B14F-4D97-AF65-F5344CB8AC3E}">
+        <p14:creationId xmlns:p14="http://schemas.microsoft.com/office/powerpoint/2010/main" val="1860159726"/>
+      </p:ext>
+    </p:extLst>
+  </p:cSld>
+  <p:clrMapOvr>
+    <a:masterClrMapping/>
+  </p:clrMapOvr>
+  <p:timing>
+    <p:tnLst>
+      <p:par>
+        <p:cTn id="1" dur="indefinite" restart="never" nodeType="tmRoot">
+          <p:childTnLst>
+            <p:seq concurrent="1" nextAc="seek">
+              <p:cTn id="2" dur="indefinite" nodeType="mainSeq">
+                <p:childTnLst>
+                  <p:par>
+                    <p:cTn id="3" fill="hold">
+                      <p:stCondLst>
+                        <p:cond delay="indefinite"/>
+                      </p:stCondLst>
+                      <p:childTnLst>
+                        <p:par>
+                          <p:cTn id="4" fill="hold">
+                            <p:stCondLst>
+                              <p:cond delay="0"/>
+                            </p:stCondLst>
+                            <p:childTnLst>
+                              <p:par>
+                                <p:cTn id="5" presetID="1" presetClass="entr" presetSubtype="0" fill="hold" nodeType="clickEffect">
+                                  <p:stCondLst>
+                                    <p:cond delay="0"/>
+                                  </p:stCondLst>
+                                  <p:childTnLst>
+                                    <p:set>
+                                      <p:cBhvr>
+                                        <p:cTn id="6" dur="1" fill="hold">
+                                          <p:stCondLst>
+                                            <p:cond delay="0"/>
+                                          </p:stCondLst>
+                                        </p:cTn>
+                                        <p:tgtEl>
+                                          <p:spTgt spid="73"/>
+                                        </p:tgtEl>
+                                        <p:attrNameLst>
+                                          <p:attrName>style.visibility</p:attrName>
+                                        </p:attrNameLst>
+                                      </p:cBhvr>
+                                      <p:to>
+                                        <p:strVal val="visible"/>
+                                      </p:to>
+                                    </p:set>
+                                  </p:childTnLst>
+                                </p:cTn>
+                              </p:par>
+                              <p:par>
+                                <p:cTn id="7" presetID="1" presetClass="entr" presetSubtype="0" fill="hold" grpId="0" nodeType="withEffect">
+                                  <p:stCondLst>
+                                    <p:cond delay="0"/>
+                                  </p:stCondLst>
+                                  <p:childTnLst>
+                                    <p:set>
+                                      <p:cBhvr>
+                                        <p:cTn id="8" dur="1" fill="hold">
+                                          <p:stCondLst>
+                                            <p:cond delay="0"/>
+                                          </p:stCondLst>
+                                        </p:cTn>
+                                        <p:tgtEl>
+                                          <p:spTgt spid="74"/>
+                                        </p:tgtEl>
+                                        <p:attrNameLst>
+                                          <p:attrName>style.visibility</p:attrName>
+                                        </p:attrNameLst>
+                                      </p:cBhvr>
+                                      <p:to>
+                                        <p:strVal val="visible"/>
+                                      </p:to>
+                                    </p:set>
+                                  </p:childTnLst>
+                                </p:cTn>
+                              </p:par>
+                            </p:childTnLst>
+                          </p:cTn>
+                        </p:par>
+                      </p:childTnLst>
+                    </p:cTn>
+                  </p:par>
+                  <p:par>
+                    <p:cTn id="9" fill="hold">
+                      <p:stCondLst>
+                        <p:cond delay="indefinite"/>
+                      </p:stCondLst>
+                      <p:childTnLst>
+                        <p:par>
+                          <p:cTn id="10" fill="hold">
+                            <p:stCondLst>
+                              <p:cond delay="0"/>
+                            </p:stCondLst>
+                            <p:childTnLst>
+                              <p:par>
+                                <p:cTn id="11" presetID="1" presetClass="exit" presetSubtype="0" fill="hold" nodeType="clickEffect">
+                                  <p:stCondLst>
+                                    <p:cond delay="0"/>
+                                  </p:stCondLst>
+                                  <p:childTnLst>
+                                    <p:set>
+                                      <p:cBhvr>
+                                        <p:cTn id="12" dur="1" fill="hold">
+                                          <p:stCondLst>
+                                            <p:cond delay="0"/>
+                                          </p:stCondLst>
+                                        </p:cTn>
+                                        <p:tgtEl>
+                                          <p:spTgt spid="18"/>
+                                        </p:tgtEl>
+                                        <p:attrNameLst>
+                                          <p:attrName>style.visibility</p:attrName>
+                                        </p:attrNameLst>
+                                      </p:cBhvr>
+                                      <p:to>
+                                        <p:strVal val="hidden"/>
+                                      </p:to>
+                                    </p:set>
+                                  </p:childTnLst>
+                                </p:cTn>
+                              </p:par>
+                              <p:par>
+                                <p:cTn id="13" presetID="1" presetClass="exit" presetSubtype="0" fill="hold" nodeType="withEffect">
+                                  <p:stCondLst>
+                                    <p:cond delay="0"/>
+                                  </p:stCondLst>
+                                  <p:childTnLst>
+                                    <p:set>
+                                      <p:cBhvr>
+                                        <p:cTn id="14" dur="1" fill="hold">
+                                          <p:stCondLst>
+                                            <p:cond delay="0"/>
+                                          </p:stCondLst>
+                                        </p:cTn>
+                                        <p:tgtEl>
+                                          <p:spTgt spid="22"/>
+                                        </p:tgtEl>
+                                        <p:attrNameLst>
+                                          <p:attrName>style.visibility</p:attrName>
+                                        </p:attrNameLst>
+                                      </p:cBhvr>
+                                      <p:to>
+                                        <p:strVal val="hidden"/>
+                                      </p:to>
+                                    </p:set>
+                                  </p:childTnLst>
+                                </p:cTn>
+                              </p:par>
+                              <p:par>
+                                <p:cTn id="15" presetID="1" presetClass="exit" presetSubtype="0" fill="hold" nodeType="withEffect">
+                                  <p:stCondLst>
+                                    <p:cond delay="0"/>
+                                  </p:stCondLst>
+                                  <p:childTnLst>
+                                    <p:set>
+                                      <p:cBhvr>
+                                        <p:cTn id="16" dur="1" fill="hold">
+                                          <p:stCondLst>
+                                            <p:cond delay="0"/>
+                                          </p:stCondLst>
+                                        </p:cTn>
+                                        <p:tgtEl>
+                                          <p:spTgt spid="24"/>
+                                        </p:tgtEl>
+                                        <p:attrNameLst>
+                                          <p:attrName>style.visibility</p:attrName>
+                                        </p:attrNameLst>
+                                      </p:cBhvr>
+                                      <p:to>
+                                        <p:strVal val="hidden"/>
+                                      </p:to>
+                                    </p:set>
+                                  </p:childTnLst>
+                                </p:cTn>
+                              </p:par>
+                              <p:par>
+                                <p:cTn id="17" presetID="1" presetClass="exit" presetSubtype="0" fill="hold" nodeType="withEffect">
+                                  <p:stCondLst>
+                                    <p:cond delay="0"/>
+                                  </p:stCondLst>
+                                  <p:childTnLst>
+                                    <p:set>
+                                      <p:cBhvr>
+                                        <p:cTn id="18" dur="1" fill="hold">
+                                          <p:stCondLst>
+                                            <p:cond delay="0"/>
+                                          </p:stCondLst>
+                                        </p:cTn>
+                                        <p:tgtEl>
+                                          <p:spTgt spid="28"/>
+                                        </p:tgtEl>
+                                        <p:attrNameLst>
+                                          <p:attrName>style.visibility</p:attrName>
+                                        </p:attrNameLst>
+                                      </p:cBhvr>
+                                      <p:to>
+                                        <p:strVal val="hidden"/>
+                                      </p:to>
+                                    </p:set>
+                                  </p:childTnLst>
+                                </p:cTn>
+                              </p:par>
+                              <p:par>
+                                <p:cTn id="19" presetID="1" presetClass="exit" presetSubtype="0" fill="hold" nodeType="withEffect">
+                                  <p:stCondLst>
+                                    <p:cond delay="0"/>
+                                  </p:stCondLst>
+                                  <p:childTnLst>
+                                    <p:set>
+                                      <p:cBhvr>
+                                        <p:cTn id="20" dur="1" fill="hold">
+                                          <p:stCondLst>
+                                            <p:cond delay="0"/>
+                                          </p:stCondLst>
+                                        </p:cTn>
+                                        <p:tgtEl>
+                                          <p:spTgt spid="30"/>
+                                        </p:tgtEl>
+                                        <p:attrNameLst>
+                                          <p:attrName>style.visibility</p:attrName>
+                                        </p:attrNameLst>
+                                      </p:cBhvr>
+                                      <p:to>
+                                        <p:strVal val="hidden"/>
+                                      </p:to>
+                                    </p:set>
+                                  </p:childTnLst>
+                                </p:cTn>
+                              </p:par>
+                              <p:par>
+                                <p:cTn id="21" presetID="1" presetClass="exit" presetSubtype="0" fill="hold" nodeType="withEffect">
+                                  <p:stCondLst>
+                                    <p:cond delay="0"/>
+                                  </p:stCondLst>
+                                  <p:childTnLst>
+                                    <p:set>
+                                      <p:cBhvr>
+                                        <p:cTn id="22" dur="1" fill="hold">
+                                          <p:stCondLst>
+                                            <p:cond delay="0"/>
+                                          </p:stCondLst>
+                                        </p:cTn>
+                                        <p:tgtEl>
+                                          <p:spTgt spid="32"/>
+                                        </p:tgtEl>
+                                        <p:attrNameLst>
+                                          <p:attrName>style.visibility</p:attrName>
+                                        </p:attrNameLst>
+                                      </p:cBhvr>
+                                      <p:to>
+                                        <p:strVal val="hidden"/>
+                                      </p:to>
+                                    </p:set>
+                                  </p:childTnLst>
+                                </p:cTn>
+                              </p:par>
+                              <p:par>
+                                <p:cTn id="23" presetID="1" presetClass="exit" presetSubtype="0" fill="hold" nodeType="withEffect">
+                                  <p:stCondLst>
+                                    <p:cond delay="0"/>
+                                  </p:stCondLst>
+                                  <p:childTnLst>
+                                    <p:set>
+                                      <p:cBhvr>
+                                        <p:cTn id="24" dur="1" fill="hold">
+                                          <p:stCondLst>
+                                            <p:cond delay="0"/>
+                                          </p:stCondLst>
+                                        </p:cTn>
+                                        <p:tgtEl>
+                                          <p:spTgt spid="34"/>
+                                        </p:tgtEl>
+                                        <p:attrNameLst>
+                                          <p:attrName>style.visibility</p:attrName>
+                                        </p:attrNameLst>
+                                      </p:cBhvr>
+                                      <p:to>
+                                        <p:strVal val="hidden"/>
+                                      </p:to>
+                                    </p:set>
+                                  </p:childTnLst>
+                                </p:cTn>
+                              </p:par>
+                              <p:par>
+                                <p:cTn id="25" presetID="1" presetClass="exit" presetSubtype="0" fill="hold" nodeType="withEffect">
+                                  <p:stCondLst>
+                                    <p:cond delay="0"/>
+                                  </p:stCondLst>
+                                  <p:childTnLst>
+                                    <p:set>
+                                      <p:cBhvr>
+                                        <p:cTn id="26" dur="1" fill="hold">
+                                          <p:stCondLst>
+                                            <p:cond delay="0"/>
+                                          </p:stCondLst>
+                                        </p:cTn>
+                                        <p:tgtEl>
+                                          <p:spTgt spid="36"/>
+                                        </p:tgtEl>
+                                        <p:attrNameLst>
+                                          <p:attrName>style.visibility</p:attrName>
+                                        </p:attrNameLst>
+                                      </p:cBhvr>
+                                      <p:to>
+                                        <p:strVal val="hidden"/>
+                                      </p:to>
+                                    </p:set>
+                                  </p:childTnLst>
+                                </p:cTn>
+                              </p:par>
+                              <p:par>
+                                <p:cTn id="27" presetID="1" presetClass="exit" presetSubtype="0" fill="hold" nodeType="withEffect">
+                                  <p:stCondLst>
+                                    <p:cond delay="0"/>
+                                  </p:stCondLst>
+                                  <p:childTnLst>
+                                    <p:set>
+                                      <p:cBhvr>
+                                        <p:cTn id="28" dur="1" fill="hold">
+                                          <p:stCondLst>
+                                            <p:cond delay="0"/>
+                                          </p:stCondLst>
+                                        </p:cTn>
+                                        <p:tgtEl>
+                                          <p:spTgt spid="39"/>
+                                        </p:tgtEl>
+                                        <p:attrNameLst>
+                                          <p:attrName>style.visibility</p:attrName>
+                                        </p:attrNameLst>
+                                      </p:cBhvr>
+                                      <p:to>
+                                        <p:strVal val="hidden"/>
+                                      </p:to>
+                                    </p:set>
+                                  </p:childTnLst>
+                                </p:cTn>
+                              </p:par>
+                              <p:par>
+                                <p:cTn id="29" presetID="1" presetClass="exit" presetSubtype="0" fill="hold" nodeType="withEffect">
+                                  <p:stCondLst>
+                                    <p:cond delay="0"/>
+                                  </p:stCondLst>
+                                  <p:childTnLst>
+                                    <p:set>
+                                      <p:cBhvr>
+                                        <p:cTn id="30" dur="1" fill="hold">
+                                          <p:stCondLst>
+                                            <p:cond delay="0"/>
+                                          </p:stCondLst>
+                                        </p:cTn>
+                                        <p:tgtEl>
+                                          <p:spTgt spid="41"/>
+                                        </p:tgtEl>
+                                        <p:attrNameLst>
+                                          <p:attrName>style.visibility</p:attrName>
+                                        </p:attrNameLst>
+                                      </p:cBhvr>
+                                      <p:to>
+                                        <p:strVal val="hidden"/>
+                                      </p:to>
+                                    </p:set>
+                                  </p:childTnLst>
+                                </p:cTn>
+                              </p:par>
+                              <p:par>
+                                <p:cTn id="31" presetID="1" presetClass="exit" presetSubtype="0" fill="hold" nodeType="withEffect">
+                                  <p:stCondLst>
+                                    <p:cond delay="0"/>
+                                  </p:stCondLst>
+                                  <p:childTnLst>
+                                    <p:set>
+                                      <p:cBhvr>
+                                        <p:cTn id="32" dur="1" fill="hold">
+                                          <p:stCondLst>
+                                            <p:cond delay="0"/>
+                                          </p:stCondLst>
+                                        </p:cTn>
+                                        <p:tgtEl>
+                                          <p:spTgt spid="43"/>
+                                        </p:tgtEl>
+                                        <p:attrNameLst>
+                                          <p:attrName>style.visibility</p:attrName>
+                                        </p:attrNameLst>
+                                      </p:cBhvr>
+                                      <p:to>
+                                        <p:strVal val="hidden"/>
+                                      </p:to>
+                                    </p:set>
+                                  </p:childTnLst>
+                                </p:cTn>
+                              </p:par>
+                              <p:par>
+                                <p:cTn id="33" presetID="1" presetClass="entr" presetSubtype="0" fill="hold" nodeType="withEffect">
+                                  <p:stCondLst>
+                                    <p:cond delay="0"/>
+                                  </p:stCondLst>
+                                  <p:childTnLst>
+                                    <p:set>
+                                      <p:cBhvr>
+                                        <p:cTn id="34" dur="1" fill="hold">
+                                          <p:stCondLst>
+                                            <p:cond delay="0"/>
+                                          </p:stCondLst>
+                                        </p:cTn>
+                                        <p:tgtEl>
+                                          <p:spTgt spid="48"/>
+                                        </p:tgtEl>
+                                        <p:attrNameLst>
+                                          <p:attrName>style.visibility</p:attrName>
+                                        </p:attrNameLst>
+                                      </p:cBhvr>
+                                      <p:to>
+                                        <p:strVal val="visible"/>
+                                      </p:to>
+                                    </p:set>
+                                  </p:childTnLst>
+                                </p:cTn>
+                              </p:par>
+                              <p:par>
+                                <p:cTn id="35" presetID="1" presetClass="entr" presetSubtype="0" fill="hold" nodeType="withEffect">
+                                  <p:stCondLst>
+                                    <p:cond delay="0"/>
+                                  </p:stCondLst>
+                                  <p:childTnLst>
+                                    <p:set>
+                                      <p:cBhvr>
+                                        <p:cTn id="36" dur="1" fill="hold">
+                                          <p:stCondLst>
+                                            <p:cond delay="0"/>
+                                          </p:stCondLst>
+                                        </p:cTn>
+                                        <p:tgtEl>
+                                          <p:spTgt spid="50"/>
+                                        </p:tgtEl>
+                                        <p:attrNameLst>
+                                          <p:attrName>style.visibility</p:attrName>
+                                        </p:attrNameLst>
+                                      </p:cBhvr>
+                                      <p:to>
+                                        <p:strVal val="visible"/>
+                                      </p:to>
+                                    </p:set>
+                                  </p:childTnLst>
+                                </p:cTn>
+                              </p:par>
+                              <p:par>
+                                <p:cTn id="37" presetID="1" presetClass="entr" presetSubtype="0" fill="hold" nodeType="withEffect">
+                                  <p:stCondLst>
+                                    <p:cond delay="0"/>
+                                  </p:stCondLst>
+                                  <p:childTnLst>
+                                    <p:set>
+                                      <p:cBhvr>
+                                        <p:cTn id="38" dur="1" fill="hold">
+                                          <p:stCondLst>
+                                            <p:cond delay="0"/>
+                                          </p:stCondLst>
+                                        </p:cTn>
+                                        <p:tgtEl>
+                                          <p:spTgt spid="52"/>
+                                        </p:tgtEl>
+                                        <p:attrNameLst>
+                                          <p:attrName>style.visibility</p:attrName>
+                                        </p:attrNameLst>
+                                      </p:cBhvr>
+                                      <p:to>
+                                        <p:strVal val="visible"/>
+                                      </p:to>
+                                    </p:set>
+                                  </p:childTnLst>
+                                </p:cTn>
+                              </p:par>
+                              <p:par>
+                                <p:cTn id="39" presetID="1" presetClass="entr" presetSubtype="0" fill="hold" nodeType="withEffect">
+                                  <p:stCondLst>
+                                    <p:cond delay="0"/>
+                                  </p:stCondLst>
+                                  <p:childTnLst>
+                                    <p:set>
+                                      <p:cBhvr>
+                                        <p:cTn id="40" dur="1" fill="hold">
+                                          <p:stCondLst>
+                                            <p:cond delay="0"/>
+                                          </p:stCondLst>
+                                        </p:cTn>
+                                        <p:tgtEl>
+                                          <p:spTgt spid="54"/>
+                                        </p:tgtEl>
+                                        <p:attrNameLst>
+                                          <p:attrName>style.visibility</p:attrName>
+                                        </p:attrNameLst>
+                                      </p:cBhvr>
+                                      <p:to>
+                                        <p:strVal val="visible"/>
+                                      </p:to>
+                                    </p:set>
+                                  </p:childTnLst>
+                                </p:cTn>
+                              </p:par>
+                              <p:par>
+                                <p:cTn id="41" presetID="1" presetClass="entr" presetSubtype="0" fill="hold" nodeType="withEffect">
+                                  <p:stCondLst>
+                                    <p:cond delay="0"/>
+                                  </p:stCondLst>
+                                  <p:childTnLst>
+                                    <p:set>
+                                      <p:cBhvr>
+                                        <p:cTn id="42" dur="1" fill="hold">
+                                          <p:stCondLst>
+                                            <p:cond delay="0"/>
+                                          </p:stCondLst>
+                                        </p:cTn>
+                                        <p:tgtEl>
+                                          <p:spTgt spid="57"/>
+                                        </p:tgtEl>
+                                        <p:attrNameLst>
+                                          <p:attrName>style.visibility</p:attrName>
+                                        </p:attrNameLst>
+                                      </p:cBhvr>
+                                      <p:to>
+                                        <p:strVal val="visible"/>
+                                      </p:to>
+                                    </p:set>
+                                  </p:childTnLst>
+                                </p:cTn>
+                              </p:par>
+                              <p:par>
+                                <p:cTn id="43" presetID="1" presetClass="entr" presetSubtype="0" fill="hold" nodeType="withEffect">
+                                  <p:stCondLst>
+                                    <p:cond delay="0"/>
+                                  </p:stCondLst>
+                                  <p:childTnLst>
+                                    <p:set>
+                                      <p:cBhvr>
+                                        <p:cTn id="44" dur="1" fill="hold">
+                                          <p:stCondLst>
+                                            <p:cond delay="0"/>
+                                          </p:stCondLst>
+                                        </p:cTn>
+                                        <p:tgtEl>
+                                          <p:spTgt spid="59"/>
+                                        </p:tgtEl>
+                                        <p:attrNameLst>
+                                          <p:attrName>style.visibility</p:attrName>
+                                        </p:attrNameLst>
+                                      </p:cBhvr>
+                                      <p:to>
+                                        <p:strVal val="visible"/>
+                                      </p:to>
+                                    </p:set>
+                                  </p:childTnLst>
+                                </p:cTn>
+                              </p:par>
+                              <p:par>
+                                <p:cTn id="45" presetID="1" presetClass="entr" presetSubtype="0" fill="hold" nodeType="withEffect">
+                                  <p:stCondLst>
+                                    <p:cond delay="0"/>
+                                  </p:stCondLst>
+                                  <p:childTnLst>
+                                    <p:set>
+                                      <p:cBhvr>
+                                        <p:cTn id="46" dur="1" fill="hold">
+                                          <p:stCondLst>
+                                            <p:cond delay="0"/>
+                                          </p:stCondLst>
+                                        </p:cTn>
+                                        <p:tgtEl>
+                                          <p:spTgt spid="61"/>
+                                        </p:tgtEl>
+                                        <p:attrNameLst>
+                                          <p:attrName>style.visibility</p:attrName>
+                                        </p:attrNameLst>
+                                      </p:cBhvr>
+                                      <p:to>
+                                        <p:strVal val="visible"/>
+                                      </p:to>
+                                    </p:set>
+                                  </p:childTnLst>
+                                </p:cTn>
+                              </p:par>
+                              <p:par>
+                                <p:cTn id="47" presetID="1" presetClass="entr" presetSubtype="0" fill="hold" nodeType="withEffect">
+                                  <p:stCondLst>
+                                    <p:cond delay="0"/>
+                                  </p:stCondLst>
+                                  <p:childTnLst>
+                                    <p:set>
+                                      <p:cBhvr>
+                                        <p:cTn id="48" dur="1" fill="hold">
+                                          <p:stCondLst>
+                                            <p:cond delay="0"/>
+                                          </p:stCondLst>
+                                        </p:cTn>
+                                        <p:tgtEl>
+                                          <p:spTgt spid="63"/>
+                                        </p:tgtEl>
+                                        <p:attrNameLst>
+                                          <p:attrName>style.visibility</p:attrName>
+                                        </p:attrNameLst>
+                                      </p:cBhvr>
+                                      <p:to>
+                                        <p:strVal val="visible"/>
+                                      </p:to>
+                                    </p:set>
+                                  </p:childTnLst>
+                                </p:cTn>
+                              </p:par>
+                              <p:par>
+                                <p:cTn id="49" presetID="1" presetClass="entr" presetSubtype="0" fill="hold" nodeType="withEffect">
+                                  <p:stCondLst>
+                                    <p:cond delay="0"/>
+                                  </p:stCondLst>
+                                  <p:childTnLst>
+                                    <p:set>
+                                      <p:cBhvr>
+                                        <p:cTn id="50" dur="1" fill="hold">
+                                          <p:stCondLst>
+                                            <p:cond delay="0"/>
+                                          </p:stCondLst>
+                                        </p:cTn>
+                                        <p:tgtEl>
+                                          <p:spTgt spid="65"/>
+                                        </p:tgtEl>
+                                        <p:attrNameLst>
+                                          <p:attrName>style.visibility</p:attrName>
+                                        </p:attrNameLst>
+                                      </p:cBhvr>
+                                      <p:to>
+                                        <p:strVal val="visible"/>
+                                      </p:to>
+                                    </p:set>
+                                  </p:childTnLst>
+                                </p:cTn>
+                              </p:par>
+                              <p:par>
+                                <p:cTn id="51" presetID="1" presetClass="entr" presetSubtype="0" fill="hold" nodeType="withEffect">
+                                  <p:stCondLst>
+                                    <p:cond delay="0"/>
+                                  </p:stCondLst>
+                                  <p:childTnLst>
+                                    <p:set>
+                                      <p:cBhvr>
+                                        <p:cTn id="52" dur="1" fill="hold">
+                                          <p:stCondLst>
+                                            <p:cond delay="0"/>
+                                          </p:stCondLst>
+                                        </p:cTn>
+                                        <p:tgtEl>
+                                          <p:spTgt spid="67"/>
+                                        </p:tgtEl>
+                                        <p:attrNameLst>
+                                          <p:attrName>style.visibility</p:attrName>
+                                        </p:attrNameLst>
+                                      </p:cBhvr>
+                                      <p:to>
+                                        <p:strVal val="visible"/>
+                                      </p:to>
+                                    </p:set>
+                                  </p:childTnLst>
+                                </p:cTn>
+                              </p:par>
+                              <p:par>
+                                <p:cTn id="53" presetID="1" presetClass="entr" presetSubtype="0" fill="hold" nodeType="withEffect">
+                                  <p:stCondLst>
+                                    <p:cond delay="0"/>
+                                  </p:stCondLst>
+                                  <p:childTnLst>
+                                    <p:set>
+                                      <p:cBhvr>
+                                        <p:cTn id="54" dur="1" fill="hold">
+                                          <p:stCondLst>
+                                            <p:cond delay="0"/>
+                                          </p:stCondLst>
+                                        </p:cTn>
+                                        <p:tgtEl>
+                                          <p:spTgt spid="69"/>
+                                        </p:tgtEl>
+                                        <p:attrNameLst>
+                                          <p:attrName>style.visibility</p:attrName>
+                                        </p:attrNameLst>
+                                      </p:cBhvr>
+                                      <p:to>
+                                        <p:strVal val="visible"/>
+                                      </p:to>
+                                    </p:set>
+                                  </p:childTnLst>
+                                </p:cTn>
+                              </p:par>
+                              <p:par>
+                                <p:cTn id="55" presetID="1" presetClass="exit" presetSubtype="0" fill="hold" nodeType="withEffect">
+                                  <p:stCondLst>
+                                    <p:cond delay="0"/>
+                                  </p:stCondLst>
+                                  <p:childTnLst>
+                                    <p:set>
+                                      <p:cBhvr>
+                                        <p:cTn id="56" dur="1" fill="hold">
+                                          <p:stCondLst>
+                                            <p:cond delay="0"/>
+                                          </p:stCondLst>
+                                        </p:cTn>
+                                        <p:tgtEl>
+                                          <p:spTgt spid="73"/>
+                                        </p:tgtEl>
+                                        <p:attrNameLst>
+                                          <p:attrName>style.visibility</p:attrName>
+                                        </p:attrNameLst>
+                                      </p:cBhvr>
+                                      <p:to>
+                                        <p:strVal val="hidden"/>
+                                      </p:to>
+                                    </p:set>
+                                  </p:childTnLst>
+                                </p:cTn>
+                              </p:par>
+                              <p:par>
+                                <p:cTn id="57" presetID="1" presetClass="exit" presetSubtype="0" fill="hold" grpId="1" nodeType="withEffect">
+                                  <p:stCondLst>
+                                    <p:cond delay="0"/>
+                                  </p:stCondLst>
+                                  <p:childTnLst>
+                                    <p:set>
+                                      <p:cBhvr>
+                                        <p:cTn id="58" dur="1" fill="hold">
+                                          <p:stCondLst>
+                                            <p:cond delay="0"/>
+                                          </p:stCondLst>
+                                        </p:cTn>
+                                        <p:tgtEl>
+                                          <p:spTgt spid="74"/>
+                                        </p:tgtEl>
+                                        <p:attrNameLst>
+                                          <p:attrName>style.visibility</p:attrName>
+                                        </p:attrNameLst>
+                                      </p:cBhvr>
+                                      <p:to>
+                                        <p:strVal val="hidden"/>
+                                      </p:to>
+                                    </p:set>
+                                  </p:childTnLst>
+                                </p:cTn>
+                              </p:par>
+                            </p:childTnLst>
+                          </p:cTn>
+                        </p:par>
+                      </p:childTnLst>
+                    </p:cTn>
+                  </p:par>
+                </p:childTnLst>
+              </p:cTn>
+              <p:prevCondLst>
+                <p:cond evt="onPrev" delay="0">
+                  <p:tgtEl>
+                    <p:sldTgt/>
+                  </p:tgtEl>
+                </p:cond>
+              </p:prevCondLst>
+              <p:nextCondLst>
+                <p:cond evt="onNext" delay="0">
+                  <p:tgtEl>
+                    <p:sldTgt/>
+                  </p:tgtEl>
+                </p:cond>
+              </p:nextCondLst>
+            </p:seq>
+          </p:childTnLst>
+        </p:cTn>
+      </p:par>
+    </p:tnLst>
+    <p:bldLst>
+      <p:bldP spid="74" grpId="0" animBg="1"/>
+      <p:bldP spid="74" grpId="1" animBg="1"/>
+    </p:bldLst>
+  </p:timing>
+</p:sld>
+</file>
+
+<file path=ppt/slides/slide13.xml><?xml version="1.0" encoding="utf-8"?>
+<p:sld xmlns:a="http://schemas.openxmlformats.org/drawingml/2006/main" xmlns:r="http://schemas.openxmlformats.org/officeDocument/2006/relationships" xmlns:p="http://schemas.openxmlformats.org/presentationml/2006/main">
+  <p:cSld>
+    <p:spTree>
+      <p:nvGrpSpPr>
+        <p:cNvPr id="1" name=""/>
+        <p:cNvGrpSpPr/>
+        <p:nvPr/>
+      </p:nvGrpSpPr>
+      <p:grpSpPr>
+        <a:xfrm>
+          <a:off x="0" y="0"/>
+          <a:ext cx="0" cy="0"/>
+          <a:chOff x="0" y="0"/>
+          <a:chExt cx="0" cy="0"/>
+        </a:xfrm>
+      </p:grpSpPr>
+      <p:sp>
+        <p:nvSpPr>
+          <p:cNvPr id="2" name="Title 1"/>
+          <p:cNvSpPr>
+            <a:spLocks noGrp="1"/>
+          </p:cNvSpPr>
+          <p:nvPr>
+            <p:ph type="title"/>
+          </p:nvPr>
+        </p:nvSpPr>
+        <p:spPr/>
+        <p:txBody>
+          <a:bodyPr/>
+          <a:lstStyle/>
+          <a:p>
+            <a:r>
+              <a:rPr lang="de-DE" dirty="0" smtClean="0"/>
               <a:t>Unsere Änderungen</a:t>
             </a:r>
             <a:endParaRPr lang="de-DE" dirty="0"/>
@@ -4075,10 +7628,17 @@
   <p:clrMapOvr>
     <a:masterClrMapping/>
   </p:clrMapOvr>
+  <p:timing>
+    <p:tnLst>
+      <p:par>
+        <p:cTn id="1" dur="indefinite" restart="never" nodeType="tmRoot"/>
+      </p:par>
+    </p:tnLst>
+  </p:timing>
 </p:sld>
 </file>
 
-<file path=ppt/slides/slide13.xml><?xml version="1.0" encoding="utf-8"?>
+<file path=ppt/slides/slide14.xml><?xml version="1.0" encoding="utf-8"?>
 <p:sld xmlns:a="http://schemas.openxmlformats.org/drawingml/2006/main" xmlns:r="http://schemas.openxmlformats.org/officeDocument/2006/relationships" xmlns:p="http://schemas.openxmlformats.org/presentationml/2006/main">
   <p:cSld>
     <p:spTree>
@@ -4190,10 +7750,17 @@
   <p:clrMapOvr>
     <a:masterClrMapping/>
   </p:clrMapOvr>
+  <p:timing>
+    <p:tnLst>
+      <p:par>
+        <p:cTn id="1" dur="indefinite" restart="never" nodeType="tmRoot"/>
+      </p:par>
+    </p:tnLst>
+  </p:timing>
 </p:sld>
 </file>
 
-<file path=ppt/slides/slide14.xml><?xml version="1.0" encoding="utf-8"?>
+<file path=ppt/slides/slide15.xml><?xml version="1.0" encoding="utf-8"?>
 <p:sld xmlns:a="http://schemas.openxmlformats.org/drawingml/2006/main" xmlns:r="http://schemas.openxmlformats.org/officeDocument/2006/relationships" xmlns:p="http://schemas.openxmlformats.org/presentationml/2006/main">
   <p:cSld>
     <p:spTree>
@@ -4308,7 +7875,7 @@
 </p:sld>
 </file>
 
-<file path=ppt/slides/slide15.xml><?xml version="1.0" encoding="utf-8"?>
+<file path=ppt/slides/slide16.xml><?xml version="1.0" encoding="utf-8"?>
 <p:sld xmlns:a="http://schemas.openxmlformats.org/drawingml/2006/main" xmlns:r="http://schemas.openxmlformats.org/officeDocument/2006/relationships" xmlns:p="http://schemas.openxmlformats.org/presentationml/2006/main">
   <p:cSld>
     <p:spTree>
@@ -4440,11 +8007,7 @@
           <a:p>
             <a:r>
               <a:rPr lang="de-DE" noProof="0" dirty="0" smtClean="0"/>
-              <a:t>Kartenvereinfachung so wie Kartographen es </a:t>
-            </a:r>
-            <a:r>
-              <a:rPr lang="de-DE" noProof="0" dirty="0" smtClean="0"/>
-              <a:t>machen</a:t>
+              <a:t>Kartenvereinfachung so wie Kartographen es machen</a:t>
             </a:r>
           </a:p>
           <a:p>
@@ -4501,7 +8064,6 @@
               <a:rPr lang="de-DE" noProof="0" dirty="0" smtClean="0"/>
               <a:t>nicht Eckpunkte</a:t>
             </a:r>
-            <a:endParaRPr lang="de-DE" noProof="0" dirty="0" smtClean="0"/>
           </a:p>
           <a:p>
             <a:endParaRPr lang="de-DE" noProof="0" dirty="0"/>
@@ -4518,6 +8080,13 @@
   <p:clrMapOvr>
     <a:masterClrMapping/>
   </p:clrMapOvr>
+  <p:timing>
+    <p:tnLst>
+      <p:par>
+        <p:cTn id="1" dur="indefinite" restart="never" nodeType="tmRoot"/>
+      </p:par>
+    </p:tnLst>
+  </p:timing>
 </p:sld>
 </file>
 
@@ -4586,29 +8155,8 @@
             </a:r>
             <a:r>
               <a:rPr lang="de-DE" noProof="0" dirty="0" smtClean="0"/>
-              <a:t> ist </a:t>
-            </a:r>
-            <a:r>
-              <a:rPr lang="de-DE" noProof="0" dirty="0" smtClean="0"/>
-              <a:t>ein Intervall </a:t>
-            </a:r>
-            <a:r>
-              <a:rPr lang="de-DE" noProof="0" dirty="0" smtClean="0"/>
-              <a:t>auf dem Linienzug </a:t>
-            </a:r>
-            <a:r>
-              <a:rPr lang="de-DE" noProof="0" dirty="0" smtClean="0"/>
-              <a:t>die </a:t>
-            </a:r>
-            <a:r>
-              <a:rPr lang="de-DE" noProof="0" dirty="0" smtClean="0"/>
-              <a:t>zwei </a:t>
-            </a:r>
-            <a:r>
-              <a:rPr lang="de-DE" noProof="0" dirty="0" smtClean="0"/>
-              <a:t>Wendepunkten als Endpunkte hat und sonst keine Wendepunkten enthält</a:t>
-            </a:r>
-            <a:endParaRPr lang="de-DE" noProof="0" dirty="0" smtClean="0"/>
+              <a:t> ist ein Intervall auf dem Linienzug die zwei Wendepunkten als Endpunkte hat und sonst keine Wendepunkten enthält</a:t>
+            </a:r>
           </a:p>
           <a:p>
             <a:endParaRPr lang="de-DE" noProof="0" dirty="0"/>
@@ -4625,6 +8173,13 @@
   <p:clrMapOvr>
     <a:masterClrMapping/>
   </p:clrMapOvr>
+  <p:timing>
+    <p:tnLst>
+      <p:par>
+        <p:cTn id="1" dur="indefinite" restart="never" nodeType="tmRoot"/>
+      </p:par>
+    </p:tnLst>
+  </p:timing>
 </p:sld>
 </file>
 
@@ -4754,6 +8309,13 @@
   <p:clrMapOvr>
     <a:masterClrMapping/>
   </p:clrMapOvr>
+  <p:timing>
+    <p:tnLst>
+      <p:par>
+        <p:cTn id="1" dur="indefinite" restart="never" nodeType="tmRoot"/>
+      </p:par>
+    </p:tnLst>
+  </p:timing>
 </p:sld>
 </file>
 
@@ -4797,8 +8359,8 @@
           </a:p>
         </p:txBody>
       </p:sp>
-      <mc:AlternateContent xmlns:mc="http://schemas.openxmlformats.org/markup-compatibility/2006">
-        <mc:Choice xmlns:a14="http://schemas.microsoft.com/office/drawing/2010/main" Requires="a14">
+      <mc:AlternateContent xmlns:mc="http://schemas.openxmlformats.org/markup-compatibility/2006" xmlns:a14="http://schemas.microsoft.com/office/drawing/2010/main">
+        <mc:Choice Requires="a14">
           <p:sp>
             <p:nvSpPr>
               <p:cNvPr id="3" name="Content Placeholder 2"/>
@@ -4944,7 +8506,7 @@
             </p:txBody>
           </p:sp>
         </mc:Choice>
-        <mc:Fallback>
+        <mc:Fallback xmlns="">
           <p:sp>
             <p:nvSpPr>
               <p:cNvPr id="3" name="Content Placeholder 2"/>
@@ -4988,6 +8550,13 @@
   <p:clrMapOvr>
     <a:masterClrMapping/>
   </p:clrMapOvr>
+  <p:timing>
+    <p:tnLst>
+      <p:par>
+        <p:cTn id="1" dur="indefinite" restart="never" nodeType="tmRoot"/>
+      </p:par>
+    </p:tnLst>
+  </p:timing>
 </p:sld>
 </file>
 
@@ -5031,8 +8600,8 @@
           </a:p>
         </p:txBody>
       </p:sp>
-      <mc:AlternateContent xmlns:mc="http://schemas.openxmlformats.org/markup-compatibility/2006">
-        <mc:Choice xmlns:a14="http://schemas.microsoft.com/office/drawing/2010/main" Requires="a14">
+      <mc:AlternateContent xmlns:mc="http://schemas.openxmlformats.org/markup-compatibility/2006" xmlns:a14="http://schemas.microsoft.com/office/drawing/2010/main">
+        <mc:Choice Requires="a14">
           <p:sp>
             <p:nvSpPr>
               <p:cNvPr id="3" name="Content Placeholder 2"/>
@@ -5104,15 +8673,7 @@
               <a:p>
                 <a:r>
                   <a:rPr lang="de-DE" noProof="0" dirty="0" smtClean="0"/>
-                  <a:t>Die Fläche wird durch </a:t>
-                </a:r>
-                <a:r>
-                  <a:rPr lang="de-DE" noProof="0" dirty="0" smtClean="0"/>
-                  <a:t>Kompaktheit </a:t>
-                </a:r>
-                <a:r>
-                  <a:rPr lang="de-DE" noProof="0" dirty="0" smtClean="0"/>
-                  <a:t>geteilt um fast-gerade </a:t>
+                  <a:t>Die Fläche wird durch Kompaktheit geteilt um fast-gerade </a:t>
                 </a:r>
                 <a:r>
                   <a:rPr lang="de-DE" i="1" noProof="0" dirty="0" err="1" smtClean="0"/>
@@ -5120,41 +8681,13 @@
                 </a:r>
                 <a:r>
                   <a:rPr lang="de-DE" noProof="0" dirty="0" smtClean="0"/>
-                  <a:t> vor </a:t>
-                </a:r>
-                <a:r>
-                  <a:rPr lang="de-DE" noProof="0" dirty="0" smtClean="0"/>
-                  <a:t>Elimination </a:t>
-                </a:r>
-                <a:r>
-                  <a:rPr lang="de-DE" noProof="0" dirty="0" smtClean="0"/>
-                  <a:t>zu schützen</a:t>
+                  <a:t> vor Elimination zu schützen</a:t>
                 </a:r>
               </a:p>
               <a:p>
                 <a:r>
                   <a:rPr lang="de-DE" noProof="0" dirty="0" smtClean="0"/>
-                  <a:t>Das </a:t>
-                </a:r>
-                <a:r>
-                  <a:rPr lang="de-DE" noProof="0" dirty="0" smtClean="0"/>
-                  <a:t>ganze </a:t>
-                </a:r>
-                <a:r>
-                  <a:rPr lang="de-DE" noProof="0" dirty="0" smtClean="0"/>
-                  <a:t>wird mit </a:t>
-                </a:r>
-                <a:r>
-                  <a:rPr lang="de-DE" noProof="0" dirty="0" smtClean="0"/>
-                  <a:t>.</a:t>
-                </a:r>
-                <a:r>
-                  <a:rPr lang="de-DE" noProof="0" dirty="0" smtClean="0"/>
-                  <a:t>75 multipliziert weil das </a:t>
-                </a:r>
-                <a:r>
-                  <a:rPr lang="de-DE" noProof="0" dirty="0" smtClean="0"/>
-                  <a:t>die </a:t>
+                  <a:t>Das ganze wird mit .75 multipliziert weil das die </a:t>
                 </a:r>
                 <a:r>
                   <a:rPr lang="de-DE" dirty="0" smtClean="0"/>
@@ -5173,7 +8706,7 @@
             </p:txBody>
           </p:sp>
         </mc:Choice>
-        <mc:Fallback>
+        <mc:Fallback xmlns="">
           <p:sp>
             <p:nvSpPr>
               <p:cNvPr id="3" name="Content Placeholder 2"/>
@@ -5217,6 +8750,13 @@
   <p:clrMapOvr>
     <a:masterClrMapping/>
   </p:clrMapOvr>
+  <p:timing>
+    <p:tnLst>
+      <p:par>
+        <p:cTn id="1" dur="indefinite" restart="never" nodeType="tmRoot"/>
+      </p:par>
+    </p:tnLst>
+  </p:timing>
 </p:sld>
 </file>
 
@@ -5260,8 +8800,8 @@
           </a:p>
         </p:txBody>
       </p:sp>
-      <mc:AlternateContent xmlns:mc="http://schemas.openxmlformats.org/markup-compatibility/2006">
-        <mc:Choice xmlns:a14="http://schemas.microsoft.com/office/drawing/2010/main" Requires="a14">
+      <mc:AlternateContent xmlns:mc="http://schemas.openxmlformats.org/markup-compatibility/2006" xmlns:a14="http://schemas.microsoft.com/office/drawing/2010/main">
+        <mc:Choice Requires="a14">
           <p:sp>
             <p:nvSpPr>
               <p:cNvPr id="3" name="Content Placeholder 2"/>
@@ -5291,19 +8831,11 @@
                 </a:r>
                 <a:r>
                   <a:rPr lang="de-DE" dirty="0" smtClean="0"/>
-                  <a:t>ist d</a:t>
-                </a:r>
-                <a:r>
-                  <a:rPr lang="de-DE" dirty="0" smtClean="0"/>
-                  <a:t>ie euklidische Distanz zwischen die </a:t>
+                  <a:t>ist die euklidische Distanz zwischen die </a:t>
                 </a:r>
                 <a:r>
                   <a:rPr lang="de-DE" dirty="0" err="1" smtClean="0"/>
-                  <a:t>T</a:t>
-                </a:r>
-                <a:r>
-                  <a:rPr lang="de-DE" dirty="0" err="1" smtClean="0"/>
-                  <a:t>upeln</a:t>
+                  <a:t>Tupeln</a:t>
                 </a:r>
                 <a:r>
                   <a:rPr lang="de-DE" dirty="0" smtClean="0"/>
@@ -5547,7 +9079,7 @@
             </p:txBody>
           </p:sp>
         </mc:Choice>
-        <mc:Fallback>
+        <mc:Fallback xmlns="">
           <p:sp>
             <p:nvSpPr>
               <p:cNvPr id="3" name="Content Placeholder 2"/>
@@ -5591,6 +9123,13 @@
   <p:clrMapOvr>
     <a:masterClrMapping/>
   </p:clrMapOvr>
+  <p:timing>
+    <p:tnLst>
+      <p:par>
+        <p:cTn id="1" dur="indefinite" restart="never" nodeType="tmRoot"/>
+      </p:par>
+    </p:tnLst>
+  </p:timing>
 </p:sld>
 </file>
 
@@ -5636,20 +9175,450 @@
       </p:sp>
       <p:sp>
         <p:nvSpPr>
-          <p:cNvPr id="3" name="Content Placeholder 2"/>
-          <p:cNvSpPr>
-            <a:spLocks noGrp="1"/>
-          </p:cNvSpPr>
-          <p:nvPr>
-            <p:ph idx="1"/>
-          </p:nvPr>
+          <p:cNvPr id="4" name="Rechteck 3"/>
+          <p:cNvSpPr/>
+          <p:nvPr/>
         </p:nvSpPr>
-        <p:spPr/>
+        <p:spPr>
+          <a:xfrm>
+            <a:off x="3999588" y="1946304"/>
+            <a:ext cx="1814170" cy="490119"/>
+          </a:xfrm>
+          <a:prstGeom prst="rect">
+            <a:avLst/>
+          </a:prstGeom>
+        </p:spPr>
+        <p:style>
+          <a:lnRef idx="2">
+            <a:schemeClr val="accent1">
+              <a:shade val="50000"/>
+            </a:schemeClr>
+          </a:lnRef>
+          <a:fillRef idx="1">
+            <a:schemeClr val="accent1"/>
+          </a:fillRef>
+          <a:effectRef idx="0">
+            <a:schemeClr val="accent1"/>
+          </a:effectRef>
+          <a:fontRef idx="minor">
+            <a:schemeClr val="lt1"/>
+          </a:fontRef>
+        </p:style>
         <p:txBody>
-          <a:bodyPr/>
+          <a:bodyPr rtlCol="0" anchor="ctr"/>
           <a:lstStyle/>
           <a:p>
-            <a:endParaRPr lang="de-DE" dirty="0"/>
+            <a:pPr algn="ctr"/>
+            <a:r>
+              <a:rPr lang="de-DE" sz="1400" dirty="0" smtClean="0"/>
+              <a:t>Finden der </a:t>
+            </a:r>
+            <a:r>
+              <a:rPr lang="de-DE" sz="1400" dirty="0" err="1" smtClean="0"/>
+              <a:t>Bends</a:t>
+            </a:r>
+            <a:endParaRPr lang="de-DE" sz="1400" dirty="0"/>
+          </a:p>
+        </p:txBody>
+      </p:sp>
+      <p:sp>
+        <p:nvSpPr>
+          <p:cNvPr id="5" name="Raute 4"/>
+          <p:cNvSpPr/>
+          <p:nvPr/>
+        </p:nvSpPr>
+        <p:spPr>
+          <a:xfrm>
+            <a:off x="3657602" y="3755439"/>
+            <a:ext cx="2498141" cy="855879"/>
+          </a:xfrm>
+          <a:prstGeom prst="diamond">
+            <a:avLst/>
+          </a:prstGeom>
+        </p:spPr>
+        <p:style>
+          <a:lnRef idx="2">
+            <a:schemeClr val="accent1">
+              <a:shade val="50000"/>
+            </a:schemeClr>
+          </a:lnRef>
+          <a:fillRef idx="1">
+            <a:schemeClr val="accent1"/>
+          </a:fillRef>
+          <a:effectRef idx="0">
+            <a:schemeClr val="accent1"/>
+          </a:effectRef>
+          <a:fontRef idx="minor">
+            <a:schemeClr val="lt1"/>
+          </a:fontRef>
+        </p:style>
+        <p:txBody>
+          <a:bodyPr rtlCol="0" anchor="ctr"/>
+          <a:lstStyle/>
+          <a:p>
+            <a:pPr algn="ctr"/>
+            <a:r>
+              <a:rPr lang="de-DE" sz="1400" dirty="0" smtClean="0"/>
+              <a:t>Minimale </a:t>
+            </a:r>
+            <a:r>
+              <a:rPr lang="de-DE" sz="1400" dirty="0" err="1" smtClean="0"/>
+              <a:t>Bend</a:t>
+            </a:r>
+            <a:r>
+              <a:rPr lang="de-DE" sz="1400" dirty="0" smtClean="0"/>
+              <a:t> zu groß?</a:t>
+            </a:r>
+            <a:endParaRPr lang="de-DE" sz="1400" dirty="0"/>
+          </a:p>
+        </p:txBody>
+      </p:sp>
+      <p:sp>
+        <p:nvSpPr>
+          <p:cNvPr id="6" name="Rechteck 5"/>
+          <p:cNvSpPr/>
+          <p:nvPr/>
+        </p:nvSpPr>
+        <p:spPr>
+          <a:xfrm>
+            <a:off x="3999588" y="2728343"/>
+            <a:ext cx="1814170" cy="490119"/>
+          </a:xfrm>
+          <a:prstGeom prst="rect">
+            <a:avLst/>
+          </a:prstGeom>
+        </p:spPr>
+        <p:style>
+          <a:lnRef idx="2">
+            <a:schemeClr val="accent1">
+              <a:shade val="50000"/>
+            </a:schemeClr>
+          </a:lnRef>
+          <a:fillRef idx="1">
+            <a:schemeClr val="accent1"/>
+          </a:fillRef>
+          <a:effectRef idx="0">
+            <a:schemeClr val="accent1"/>
+          </a:effectRef>
+          <a:fontRef idx="minor">
+            <a:schemeClr val="lt1"/>
+          </a:fontRef>
+        </p:style>
+        <p:txBody>
+          <a:bodyPr rtlCol="0" anchor="ctr"/>
+          <a:lstStyle/>
+          <a:p>
+            <a:pPr algn="ctr"/>
+            <a:r>
+              <a:rPr lang="de-DE" sz="1400" dirty="0" smtClean="0"/>
+              <a:t>Eigenschaften berechnen</a:t>
+            </a:r>
+            <a:endParaRPr lang="de-DE" sz="1400" dirty="0"/>
+          </a:p>
+        </p:txBody>
+      </p:sp>
+      <p:sp>
+        <p:nvSpPr>
+          <p:cNvPr id="7" name="Rechteck 6"/>
+          <p:cNvSpPr/>
+          <p:nvPr/>
+        </p:nvSpPr>
+        <p:spPr>
+          <a:xfrm>
+            <a:off x="7159205" y="3938320"/>
+            <a:ext cx="1814170" cy="490119"/>
+          </a:xfrm>
+          <a:prstGeom prst="rect">
+            <a:avLst/>
+          </a:prstGeom>
+        </p:spPr>
+        <p:style>
+          <a:lnRef idx="2">
+            <a:schemeClr val="accent1">
+              <a:shade val="50000"/>
+            </a:schemeClr>
+          </a:lnRef>
+          <a:fillRef idx="1">
+            <a:schemeClr val="accent1"/>
+          </a:fillRef>
+          <a:effectRef idx="0">
+            <a:schemeClr val="accent1"/>
+          </a:effectRef>
+          <a:fontRef idx="minor">
+            <a:schemeClr val="lt1"/>
+          </a:fontRef>
+        </p:style>
+        <p:txBody>
+          <a:bodyPr rtlCol="0" anchor="ctr"/>
+          <a:lstStyle/>
+          <a:p>
+            <a:pPr algn="ctr"/>
+            <a:r>
+              <a:rPr lang="de-DE" sz="1400" dirty="0" smtClean="0"/>
+              <a:t>Abbruch</a:t>
+            </a:r>
+            <a:endParaRPr lang="de-DE" sz="1400" dirty="0"/>
+          </a:p>
+        </p:txBody>
+      </p:sp>
+      <p:sp>
+        <p:nvSpPr>
+          <p:cNvPr id="8" name="Rechteck 7"/>
+          <p:cNvSpPr/>
+          <p:nvPr/>
+        </p:nvSpPr>
+        <p:spPr>
+          <a:xfrm>
+            <a:off x="3999588" y="5305543"/>
+            <a:ext cx="1814170" cy="490119"/>
+          </a:xfrm>
+          <a:prstGeom prst="rect">
+            <a:avLst/>
+          </a:prstGeom>
+        </p:spPr>
+        <p:style>
+          <a:lnRef idx="2">
+            <a:schemeClr val="accent1">
+              <a:shade val="50000"/>
+            </a:schemeClr>
+          </a:lnRef>
+          <a:fillRef idx="1">
+            <a:schemeClr val="accent1"/>
+          </a:fillRef>
+          <a:effectRef idx="0">
+            <a:schemeClr val="accent1"/>
+          </a:effectRef>
+          <a:fontRef idx="minor">
+            <a:schemeClr val="lt1"/>
+          </a:fontRef>
+        </p:style>
+        <p:txBody>
+          <a:bodyPr rtlCol="0" anchor="ctr"/>
+          <a:lstStyle/>
+          <a:p>
+            <a:pPr algn="ctr"/>
+            <a:r>
+              <a:rPr lang="de-DE" sz="1400" dirty="0" smtClean="0"/>
+              <a:t>Verarbeite </a:t>
+            </a:r>
+            <a:r>
+              <a:rPr lang="de-DE" sz="1400" dirty="0" err="1" smtClean="0"/>
+              <a:t>Bends</a:t>
+            </a:r>
+            <a:endParaRPr lang="de-DE" sz="1400" dirty="0"/>
+          </a:p>
+        </p:txBody>
+      </p:sp>
+      <p:cxnSp>
+        <p:nvCxnSpPr>
+          <p:cNvPr id="9" name="Gerade Verbindung mit Pfeil 8"/>
+          <p:cNvCxnSpPr>
+            <a:stCxn id="4" idx="2"/>
+            <a:endCxn id="6" idx="0"/>
+          </p:cNvCxnSpPr>
+          <p:nvPr/>
+        </p:nvCxnSpPr>
+        <p:spPr>
+          <a:xfrm>
+            <a:off x="4906673" y="2436423"/>
+            <a:ext cx="0" cy="291920"/>
+          </a:xfrm>
+          <a:prstGeom prst="straightConnector1">
+            <a:avLst/>
+          </a:prstGeom>
+          <a:ln>
+            <a:tailEnd type="triangle"/>
+          </a:ln>
+        </p:spPr>
+        <p:style>
+          <a:lnRef idx="3">
+            <a:schemeClr val="accent1"/>
+          </a:lnRef>
+          <a:fillRef idx="0">
+            <a:schemeClr val="accent1"/>
+          </a:fillRef>
+          <a:effectRef idx="2">
+            <a:schemeClr val="accent1"/>
+          </a:effectRef>
+          <a:fontRef idx="minor">
+            <a:schemeClr val="tx1"/>
+          </a:fontRef>
+        </p:style>
+      </p:cxnSp>
+      <p:cxnSp>
+        <p:nvCxnSpPr>
+          <p:cNvPr id="10" name="Gerade Verbindung mit Pfeil 9"/>
+          <p:cNvCxnSpPr>
+            <a:stCxn id="6" idx="2"/>
+            <a:endCxn id="5" idx="0"/>
+          </p:cNvCxnSpPr>
+          <p:nvPr/>
+        </p:nvCxnSpPr>
+        <p:spPr>
+          <a:xfrm>
+            <a:off x="4906673" y="3218462"/>
+            <a:ext cx="0" cy="536977"/>
+          </a:xfrm>
+          <a:prstGeom prst="straightConnector1">
+            <a:avLst/>
+          </a:prstGeom>
+          <a:ln>
+            <a:tailEnd type="triangle"/>
+          </a:ln>
+        </p:spPr>
+        <p:style>
+          <a:lnRef idx="3">
+            <a:schemeClr val="accent1"/>
+          </a:lnRef>
+          <a:fillRef idx="0">
+            <a:schemeClr val="accent1"/>
+          </a:fillRef>
+          <a:effectRef idx="2">
+            <a:schemeClr val="accent1"/>
+          </a:effectRef>
+          <a:fontRef idx="minor">
+            <a:schemeClr val="tx1"/>
+          </a:fontRef>
+        </p:style>
+      </p:cxnSp>
+      <p:cxnSp>
+        <p:nvCxnSpPr>
+          <p:cNvPr id="11" name="Gerade Verbindung mit Pfeil 10"/>
+          <p:cNvCxnSpPr>
+            <a:stCxn id="5" idx="3"/>
+            <a:endCxn id="7" idx="1"/>
+          </p:cNvCxnSpPr>
+          <p:nvPr/>
+        </p:nvCxnSpPr>
+        <p:spPr>
+          <a:xfrm>
+            <a:off x="6155743" y="4183379"/>
+            <a:ext cx="1003462" cy="1"/>
+          </a:xfrm>
+          <a:prstGeom prst="straightConnector1">
+            <a:avLst/>
+          </a:prstGeom>
+          <a:ln>
+            <a:tailEnd type="triangle"/>
+          </a:ln>
+        </p:spPr>
+        <p:style>
+          <a:lnRef idx="3">
+            <a:schemeClr val="accent1"/>
+          </a:lnRef>
+          <a:fillRef idx="0">
+            <a:schemeClr val="accent1"/>
+          </a:fillRef>
+          <a:effectRef idx="2">
+            <a:schemeClr val="accent1"/>
+          </a:effectRef>
+          <a:fontRef idx="minor">
+            <a:schemeClr val="tx1"/>
+          </a:fontRef>
+        </p:style>
+      </p:cxnSp>
+      <p:cxnSp>
+        <p:nvCxnSpPr>
+          <p:cNvPr id="12" name="Gerade Verbindung mit Pfeil 11"/>
+          <p:cNvCxnSpPr>
+            <a:stCxn id="5" idx="2"/>
+            <a:endCxn id="8" idx="0"/>
+          </p:cNvCxnSpPr>
+          <p:nvPr/>
+        </p:nvCxnSpPr>
+        <p:spPr>
+          <a:xfrm>
+            <a:off x="4906673" y="4611318"/>
+            <a:ext cx="0" cy="694225"/>
+          </a:xfrm>
+          <a:prstGeom prst="straightConnector1">
+            <a:avLst/>
+          </a:prstGeom>
+          <a:ln>
+            <a:tailEnd type="triangle"/>
+          </a:ln>
+        </p:spPr>
+        <p:style>
+          <a:lnRef idx="3">
+            <a:schemeClr val="accent1"/>
+          </a:lnRef>
+          <a:fillRef idx="0">
+            <a:schemeClr val="accent1"/>
+          </a:fillRef>
+          <a:effectRef idx="2">
+            <a:schemeClr val="accent1"/>
+          </a:effectRef>
+          <a:fontRef idx="minor">
+            <a:schemeClr val="tx1"/>
+          </a:fontRef>
+        </p:style>
+      </p:cxnSp>
+      <p:cxnSp>
+        <p:nvCxnSpPr>
+          <p:cNvPr id="13" name="Gewinkelte Verbindung 12"/>
+          <p:cNvCxnSpPr>
+            <a:stCxn id="8" idx="2"/>
+            <a:endCxn id="4" idx="1"/>
+          </p:cNvCxnSpPr>
+          <p:nvPr/>
+        </p:nvCxnSpPr>
+        <p:spPr>
+          <a:xfrm rot="5400000" flipH="1">
+            <a:off x="2650982" y="3539971"/>
+            <a:ext cx="3604298" cy="907085"/>
+          </a:xfrm>
+          <a:prstGeom prst="bentConnector4">
+            <a:avLst>
+              <a:gd name="adj1" fmla="val -6342"/>
+              <a:gd name="adj2" fmla="val 221039"/>
+            </a:avLst>
+          </a:prstGeom>
+          <a:ln>
+            <a:tailEnd type="triangle"/>
+          </a:ln>
+        </p:spPr>
+        <p:style>
+          <a:lnRef idx="3">
+            <a:schemeClr val="accent1"/>
+          </a:lnRef>
+          <a:fillRef idx="0">
+            <a:schemeClr val="accent1"/>
+          </a:fillRef>
+          <a:effectRef idx="2">
+            <a:schemeClr val="accent1"/>
+          </a:effectRef>
+          <a:fontRef idx="minor">
+            <a:schemeClr val="tx1"/>
+          </a:fontRef>
+        </p:style>
+      </p:cxnSp>
+      <p:sp>
+        <p:nvSpPr>
+          <p:cNvPr id="14" name="Textfeld 13"/>
+          <p:cNvSpPr txBox="1"/>
+          <p:nvPr/>
+        </p:nvSpPr>
+        <p:spPr>
+          <a:xfrm>
+            <a:off x="6390344" y="3875601"/>
+            <a:ext cx="437882" cy="307777"/>
+          </a:xfrm>
+          <a:prstGeom prst="rect">
+            <a:avLst/>
+          </a:prstGeom>
+          <a:noFill/>
+        </p:spPr>
+        <p:txBody>
+          <a:bodyPr wrap="square" rtlCol="0">
+            <a:spAutoFit/>
+          </a:bodyPr>
+          <a:lstStyle/>
+          <a:p>
+            <a:r>
+              <a:rPr lang="de-DE" sz="1400" dirty="0" smtClean="0"/>
+              <a:t>ja</a:t>
+            </a:r>
+            <a:endParaRPr lang="de-DE" sz="1400" dirty="0"/>
           </a:p>
         </p:txBody>
       </p:sp>
@@ -5663,6 +9632,13 @@
   <p:clrMapOvr>
     <a:masterClrMapping/>
   </p:clrMapOvr>
+  <p:timing>
+    <p:tnLst>
+      <p:par>
+        <p:cTn id="1" dur="indefinite" restart="never" nodeType="tmRoot"/>
+      </p:par>
+    </p:tnLst>
+  </p:timing>
 </p:sld>
 </file>
 
@@ -5706,22 +9682,949 @@
           </a:p>
         </p:txBody>
       </p:sp>
+      <p:grpSp>
+        <p:nvGrpSpPr>
+          <p:cNvPr id="5" name="Gruppieren 4"/>
+          <p:cNvGrpSpPr/>
+          <p:nvPr/>
+        </p:nvGrpSpPr>
+        <p:grpSpPr>
+          <a:xfrm>
+            <a:off x="3570465" y="1883172"/>
+            <a:ext cx="6344991" cy="4413665"/>
+            <a:chOff x="1841678" y="740172"/>
+            <a:chExt cx="6344991" cy="4413665"/>
+          </a:xfrm>
+        </p:grpSpPr>
+        <p:sp>
+          <p:nvSpPr>
+            <p:cNvPr id="6" name="Rechteck 5"/>
+            <p:cNvSpPr/>
+            <p:nvPr/>
+          </p:nvSpPr>
+          <p:spPr>
+            <a:xfrm>
+              <a:off x="5356159" y="923052"/>
+              <a:ext cx="1814170" cy="490119"/>
+            </a:xfrm>
+            <a:prstGeom prst="rect">
+              <a:avLst/>
+            </a:prstGeom>
+          </p:spPr>
+          <p:style>
+            <a:lnRef idx="2">
+              <a:schemeClr val="accent1">
+                <a:shade val="50000"/>
+              </a:schemeClr>
+            </a:lnRef>
+            <a:fillRef idx="1">
+              <a:schemeClr val="accent1"/>
+            </a:fillRef>
+            <a:effectRef idx="0">
+              <a:schemeClr val="accent1"/>
+            </a:effectRef>
+            <a:fontRef idx="minor">
+              <a:schemeClr val="lt1"/>
+            </a:fontRef>
+          </p:style>
+          <p:txBody>
+            <a:bodyPr rtlCol="0" anchor="ctr"/>
+            <a:lstStyle/>
+            <a:p>
+              <a:pPr algn="ctr"/>
+              <a:r>
+                <a:rPr lang="de-DE" sz="1400" dirty="0" smtClean="0"/>
+                <a:t>Vergrößerung (</a:t>
+              </a:r>
+              <a:r>
+                <a:rPr lang="de-DE" sz="1400" dirty="0" err="1" smtClean="0"/>
+                <a:t>Exaggeration</a:t>
+              </a:r>
+              <a:r>
+                <a:rPr lang="de-DE" sz="1400" dirty="0" smtClean="0"/>
+                <a:t>)</a:t>
+              </a:r>
+              <a:endParaRPr lang="de-DE" sz="1400" dirty="0"/>
+            </a:p>
+          </p:txBody>
+        </p:sp>
+        <p:sp>
+          <p:nvSpPr>
+            <p:cNvPr id="7" name="Raute 6"/>
+            <p:cNvSpPr/>
+            <p:nvPr/>
+          </p:nvSpPr>
+          <p:spPr>
+            <a:xfrm>
+              <a:off x="1841678" y="740172"/>
+              <a:ext cx="2498141" cy="855879"/>
+            </a:xfrm>
+            <a:prstGeom prst="diamond">
+              <a:avLst/>
+            </a:prstGeom>
+          </p:spPr>
+          <p:style>
+            <a:lnRef idx="2">
+              <a:schemeClr val="accent1">
+                <a:shade val="50000"/>
+              </a:schemeClr>
+            </a:lnRef>
+            <a:fillRef idx="1">
+              <a:schemeClr val="accent1"/>
+            </a:fillRef>
+            <a:effectRef idx="0">
+              <a:schemeClr val="accent1"/>
+            </a:effectRef>
+            <a:fontRef idx="minor">
+              <a:schemeClr val="lt1"/>
+            </a:fontRef>
+          </p:style>
+          <p:txBody>
+            <a:bodyPr rtlCol="0" anchor="ctr"/>
+            <a:lstStyle/>
+            <a:p>
+              <a:pPr algn="ctr"/>
+              <a:r>
+                <a:rPr lang="de-DE" sz="1400" dirty="0" smtClean="0"/>
+                <a:t>Isolierte </a:t>
+              </a:r>
+              <a:r>
+                <a:rPr lang="de-DE" sz="1400" dirty="0" err="1" smtClean="0"/>
+                <a:t>bend</a:t>
+              </a:r>
+              <a:r>
+                <a:rPr lang="de-DE" sz="1400" dirty="0" smtClean="0"/>
+                <a:t>?</a:t>
+              </a:r>
+              <a:endParaRPr lang="de-DE" sz="1400" dirty="0"/>
+            </a:p>
+          </p:txBody>
+        </p:sp>
+        <p:sp>
+          <p:nvSpPr>
+            <p:cNvPr id="8" name="Raute 7"/>
+            <p:cNvSpPr/>
+            <p:nvPr/>
+          </p:nvSpPr>
+          <p:spPr>
+            <a:xfrm>
+              <a:off x="1841678" y="1926101"/>
+              <a:ext cx="2498141" cy="855879"/>
+            </a:xfrm>
+            <a:prstGeom prst="diamond">
+              <a:avLst/>
+            </a:prstGeom>
+          </p:spPr>
+          <p:style>
+            <a:lnRef idx="2">
+              <a:schemeClr val="accent1">
+                <a:shade val="50000"/>
+              </a:schemeClr>
+            </a:lnRef>
+            <a:fillRef idx="1">
+              <a:schemeClr val="accent1"/>
+            </a:fillRef>
+            <a:effectRef idx="0">
+              <a:schemeClr val="accent1"/>
+            </a:effectRef>
+            <a:fontRef idx="minor">
+              <a:schemeClr val="lt1"/>
+            </a:fontRef>
+          </p:style>
+          <p:txBody>
+            <a:bodyPr rtlCol="0" anchor="ctr"/>
+            <a:lstStyle/>
+            <a:p>
+              <a:pPr algn="ctr"/>
+              <a:r>
+                <a:rPr lang="de-DE" sz="1400" dirty="0" smtClean="0"/>
+                <a:t>Ähnliche </a:t>
+              </a:r>
+              <a:r>
+                <a:rPr lang="de-DE" sz="1400" dirty="0" err="1" smtClean="0"/>
+                <a:t>bends</a:t>
+              </a:r>
+              <a:r>
+                <a:rPr lang="de-DE" sz="1400" dirty="0" smtClean="0"/>
+                <a:t>?</a:t>
+              </a:r>
+              <a:endParaRPr lang="de-DE" sz="1400" dirty="0"/>
+            </a:p>
+          </p:txBody>
+        </p:sp>
+        <p:sp>
+          <p:nvSpPr>
+            <p:cNvPr id="9" name="Raute 8"/>
+            <p:cNvSpPr/>
+            <p:nvPr/>
+          </p:nvSpPr>
+          <p:spPr>
+            <a:xfrm>
+              <a:off x="1841678" y="3112030"/>
+              <a:ext cx="2498141" cy="855879"/>
+            </a:xfrm>
+            <a:prstGeom prst="diamond">
+              <a:avLst/>
+            </a:prstGeom>
+          </p:spPr>
+          <p:style>
+            <a:lnRef idx="2">
+              <a:schemeClr val="accent1">
+                <a:shade val="50000"/>
+              </a:schemeClr>
+            </a:lnRef>
+            <a:fillRef idx="1">
+              <a:schemeClr val="accent1"/>
+            </a:fillRef>
+            <a:effectRef idx="0">
+              <a:schemeClr val="accent1"/>
+            </a:effectRef>
+            <a:fontRef idx="minor">
+              <a:schemeClr val="lt1"/>
+            </a:fontRef>
+          </p:style>
+          <p:txBody>
+            <a:bodyPr rtlCol="0" anchor="ctr"/>
+            <a:lstStyle/>
+            <a:p>
+              <a:pPr algn="ctr"/>
+              <a:r>
+                <a:rPr lang="de-DE" sz="1400" dirty="0" smtClean="0"/>
+                <a:t>Zu kleine </a:t>
+              </a:r>
+              <a:r>
+                <a:rPr lang="de-DE" sz="1400" dirty="0" err="1" smtClean="0"/>
+                <a:t>bend</a:t>
+              </a:r>
+              <a:r>
+                <a:rPr lang="de-DE" sz="1400" dirty="0" smtClean="0"/>
+                <a:t>?</a:t>
+              </a:r>
+              <a:endParaRPr lang="de-DE" sz="1400" dirty="0"/>
+            </a:p>
+          </p:txBody>
+        </p:sp>
+        <p:cxnSp>
+          <p:nvCxnSpPr>
+            <p:cNvPr id="10" name="Gerade Verbindung mit Pfeil 9"/>
+            <p:cNvCxnSpPr>
+              <a:stCxn id="6" idx="2"/>
+            </p:cNvCxnSpPr>
+            <p:nvPr/>
+          </p:nvCxnSpPr>
+          <p:spPr>
+            <a:xfrm flipH="1" flipV="1">
+              <a:off x="5889937" y="1071176"/>
+              <a:ext cx="373307" cy="341995"/>
+            </a:xfrm>
+            <a:prstGeom prst="straightConnector1">
+              <a:avLst/>
+            </a:prstGeom>
+            <a:ln>
+              <a:tailEnd type="triangle"/>
+            </a:ln>
+          </p:spPr>
+          <p:style>
+            <a:lnRef idx="1">
+              <a:schemeClr val="accent1"/>
+            </a:lnRef>
+            <a:fillRef idx="0">
+              <a:schemeClr val="accent1"/>
+            </a:fillRef>
+            <a:effectRef idx="0">
+              <a:schemeClr val="accent1"/>
+            </a:effectRef>
+            <a:fontRef idx="minor">
+              <a:schemeClr val="tx1"/>
+            </a:fontRef>
+          </p:style>
+        </p:cxnSp>
+        <p:cxnSp>
+          <p:nvCxnSpPr>
+            <p:cNvPr id="11" name="Gerade Verbindung mit Pfeil 10"/>
+            <p:cNvCxnSpPr>
+              <a:stCxn id="7" idx="2"/>
+              <a:endCxn id="8" idx="0"/>
+            </p:cNvCxnSpPr>
+            <p:nvPr/>
+          </p:nvCxnSpPr>
+          <p:spPr>
+            <a:xfrm>
+              <a:off x="3090749" y="1596051"/>
+              <a:ext cx="0" cy="330050"/>
+            </a:xfrm>
+            <a:prstGeom prst="straightConnector1">
+              <a:avLst/>
+            </a:prstGeom>
+            <a:ln>
+              <a:tailEnd type="triangle"/>
+            </a:ln>
+          </p:spPr>
+          <p:style>
+            <a:lnRef idx="3">
+              <a:schemeClr val="accent1"/>
+            </a:lnRef>
+            <a:fillRef idx="0">
+              <a:schemeClr val="accent1"/>
+            </a:fillRef>
+            <a:effectRef idx="2">
+              <a:schemeClr val="accent1"/>
+            </a:effectRef>
+            <a:fontRef idx="minor">
+              <a:schemeClr val="tx1"/>
+            </a:fontRef>
+          </p:style>
+        </p:cxnSp>
+        <p:cxnSp>
+          <p:nvCxnSpPr>
+            <p:cNvPr id="12" name="Gerade Verbindung mit Pfeil 11"/>
+            <p:cNvCxnSpPr>
+              <a:stCxn id="8" idx="2"/>
+              <a:endCxn id="9" idx="0"/>
+            </p:cNvCxnSpPr>
+            <p:nvPr/>
+          </p:nvCxnSpPr>
+          <p:spPr>
+            <a:xfrm>
+              <a:off x="3090749" y="2781980"/>
+              <a:ext cx="0" cy="330050"/>
+            </a:xfrm>
+            <a:prstGeom prst="straightConnector1">
+              <a:avLst/>
+            </a:prstGeom>
+            <a:ln>
+              <a:tailEnd type="triangle"/>
+            </a:ln>
+          </p:spPr>
+          <p:style>
+            <a:lnRef idx="3">
+              <a:schemeClr val="accent1"/>
+            </a:lnRef>
+            <a:fillRef idx="0">
+              <a:schemeClr val="accent1"/>
+            </a:fillRef>
+            <a:effectRef idx="2">
+              <a:schemeClr val="accent1"/>
+            </a:effectRef>
+            <a:fontRef idx="minor">
+              <a:schemeClr val="tx1"/>
+            </a:fontRef>
+          </p:style>
+        </p:cxnSp>
+        <p:sp>
+          <p:nvSpPr>
+            <p:cNvPr id="13" name="Rechteck 12"/>
+            <p:cNvSpPr/>
+            <p:nvPr/>
+          </p:nvSpPr>
+          <p:spPr>
+            <a:xfrm>
+              <a:off x="5356159" y="2108980"/>
+              <a:ext cx="1814170" cy="490119"/>
+            </a:xfrm>
+            <a:prstGeom prst="rect">
+              <a:avLst/>
+            </a:prstGeom>
+          </p:spPr>
+          <p:style>
+            <a:lnRef idx="2">
+              <a:schemeClr val="accent1">
+                <a:shade val="50000"/>
+              </a:schemeClr>
+            </a:lnRef>
+            <a:fillRef idx="1">
+              <a:schemeClr val="accent1"/>
+            </a:fillRef>
+            <a:effectRef idx="0">
+              <a:schemeClr val="accent1"/>
+            </a:effectRef>
+            <a:fontRef idx="minor">
+              <a:schemeClr val="lt1"/>
+            </a:fontRef>
+          </p:style>
+          <p:txBody>
+            <a:bodyPr rtlCol="0" anchor="ctr"/>
+            <a:lstStyle/>
+            <a:p>
+              <a:pPr algn="ctr"/>
+              <a:r>
+                <a:rPr lang="de-DE" sz="1400" dirty="0" smtClean="0"/>
+                <a:t>Kombination</a:t>
+              </a:r>
+              <a:endParaRPr lang="de-DE" sz="1400" dirty="0"/>
+            </a:p>
+          </p:txBody>
+        </p:sp>
+        <p:sp>
+          <p:nvSpPr>
+            <p:cNvPr id="14" name="Rechteck 13"/>
+            <p:cNvSpPr/>
+            <p:nvPr/>
+          </p:nvSpPr>
+          <p:spPr>
+            <a:xfrm>
+              <a:off x="5356159" y="3294909"/>
+              <a:ext cx="1814170" cy="490119"/>
+            </a:xfrm>
+            <a:prstGeom prst="rect">
+              <a:avLst/>
+            </a:prstGeom>
+          </p:spPr>
+          <p:style>
+            <a:lnRef idx="2">
+              <a:schemeClr val="accent1">
+                <a:shade val="50000"/>
+              </a:schemeClr>
+            </a:lnRef>
+            <a:fillRef idx="1">
+              <a:schemeClr val="accent1"/>
+            </a:fillRef>
+            <a:effectRef idx="0">
+              <a:schemeClr val="accent1"/>
+            </a:effectRef>
+            <a:fontRef idx="minor">
+              <a:schemeClr val="lt1"/>
+            </a:fontRef>
+          </p:style>
+          <p:txBody>
+            <a:bodyPr rtlCol="0" anchor="ctr"/>
+            <a:lstStyle/>
+            <a:p>
+              <a:pPr algn="ctr"/>
+              <a:r>
+                <a:rPr lang="de-DE" sz="1400" dirty="0" smtClean="0"/>
+                <a:t>Elimination</a:t>
+              </a:r>
+              <a:endParaRPr lang="de-DE" sz="1400" dirty="0"/>
+            </a:p>
+          </p:txBody>
+        </p:sp>
+        <p:cxnSp>
+          <p:nvCxnSpPr>
+            <p:cNvPr id="15" name="Gerade Verbindung mit Pfeil 14"/>
+            <p:cNvCxnSpPr>
+              <a:stCxn id="7" idx="3"/>
+              <a:endCxn id="6" idx="1"/>
+            </p:cNvCxnSpPr>
+            <p:nvPr/>
+          </p:nvCxnSpPr>
+          <p:spPr>
+            <a:xfrm>
+              <a:off x="4339819" y="1168112"/>
+              <a:ext cx="1016340" cy="0"/>
+            </a:xfrm>
+            <a:prstGeom prst="straightConnector1">
+              <a:avLst/>
+            </a:prstGeom>
+            <a:ln>
+              <a:tailEnd type="triangle"/>
+            </a:ln>
+          </p:spPr>
+          <p:style>
+            <a:lnRef idx="3">
+              <a:schemeClr val="accent1"/>
+            </a:lnRef>
+            <a:fillRef idx="0">
+              <a:schemeClr val="accent1"/>
+            </a:fillRef>
+            <a:effectRef idx="2">
+              <a:schemeClr val="accent1"/>
+            </a:effectRef>
+            <a:fontRef idx="minor">
+              <a:schemeClr val="tx1"/>
+            </a:fontRef>
+          </p:style>
+        </p:cxnSp>
+        <p:cxnSp>
+          <p:nvCxnSpPr>
+            <p:cNvPr id="16" name="Gerade Verbindung mit Pfeil 15"/>
+            <p:cNvCxnSpPr>
+              <a:stCxn id="8" idx="3"/>
+              <a:endCxn id="13" idx="1"/>
+            </p:cNvCxnSpPr>
+            <p:nvPr/>
+          </p:nvCxnSpPr>
+          <p:spPr>
+            <a:xfrm flipV="1">
+              <a:off x="4339819" y="2354040"/>
+              <a:ext cx="1016340" cy="1"/>
+            </a:xfrm>
+            <a:prstGeom prst="straightConnector1">
+              <a:avLst/>
+            </a:prstGeom>
+            <a:ln>
+              <a:tailEnd type="triangle"/>
+            </a:ln>
+          </p:spPr>
+          <p:style>
+            <a:lnRef idx="3">
+              <a:schemeClr val="accent1"/>
+            </a:lnRef>
+            <a:fillRef idx="0">
+              <a:schemeClr val="accent1"/>
+            </a:fillRef>
+            <a:effectRef idx="2">
+              <a:schemeClr val="accent1"/>
+            </a:effectRef>
+            <a:fontRef idx="minor">
+              <a:schemeClr val="tx1"/>
+            </a:fontRef>
+          </p:style>
+        </p:cxnSp>
+        <p:cxnSp>
+          <p:nvCxnSpPr>
+            <p:cNvPr id="17" name="Gerade Verbindung mit Pfeil 16"/>
+            <p:cNvCxnSpPr>
+              <a:stCxn id="9" idx="3"/>
+              <a:endCxn id="14" idx="1"/>
+            </p:cNvCxnSpPr>
+            <p:nvPr/>
+          </p:nvCxnSpPr>
+          <p:spPr>
+            <a:xfrm flipV="1">
+              <a:off x="4339819" y="3539969"/>
+              <a:ext cx="1016340" cy="1"/>
+            </a:xfrm>
+            <a:prstGeom prst="straightConnector1">
+              <a:avLst/>
+            </a:prstGeom>
+            <a:ln>
+              <a:tailEnd type="triangle"/>
+            </a:ln>
+          </p:spPr>
+          <p:style>
+            <a:lnRef idx="3">
+              <a:schemeClr val="accent1"/>
+            </a:lnRef>
+            <a:fillRef idx="0">
+              <a:schemeClr val="accent1"/>
+            </a:fillRef>
+            <a:effectRef idx="2">
+              <a:schemeClr val="accent1"/>
+            </a:effectRef>
+            <a:fontRef idx="minor">
+              <a:schemeClr val="tx1"/>
+            </a:fontRef>
+          </p:style>
+        </p:cxnSp>
+        <p:sp>
+          <p:nvSpPr>
+            <p:cNvPr id="18" name="Raute 17"/>
+            <p:cNvSpPr/>
+            <p:nvPr/>
+          </p:nvSpPr>
+          <p:spPr>
+            <a:xfrm>
+              <a:off x="1841678" y="4297958"/>
+              <a:ext cx="2498141" cy="855879"/>
+            </a:xfrm>
+            <a:prstGeom prst="diamond">
+              <a:avLst/>
+            </a:prstGeom>
+          </p:spPr>
+          <p:style>
+            <a:lnRef idx="2">
+              <a:schemeClr val="accent1">
+                <a:shade val="50000"/>
+              </a:schemeClr>
+            </a:lnRef>
+            <a:fillRef idx="1">
+              <a:schemeClr val="accent1"/>
+            </a:fillRef>
+            <a:effectRef idx="0">
+              <a:schemeClr val="accent1"/>
+            </a:effectRef>
+            <a:fontRef idx="minor">
+              <a:schemeClr val="lt1"/>
+            </a:fontRef>
+          </p:style>
+          <p:txBody>
+            <a:bodyPr rtlCol="0" anchor="ctr"/>
+            <a:lstStyle/>
+            <a:p>
+              <a:pPr algn="ctr"/>
+              <a:r>
+                <a:rPr lang="de-DE" sz="1400" dirty="0" smtClean="0"/>
+                <a:t>Weitere </a:t>
+              </a:r>
+              <a:r>
+                <a:rPr lang="de-DE" sz="1400" dirty="0" err="1" smtClean="0"/>
+                <a:t>bends</a:t>
+              </a:r>
+              <a:r>
+                <a:rPr lang="de-DE" sz="1400" dirty="0" smtClean="0"/>
+                <a:t> vorhanden?</a:t>
+              </a:r>
+              <a:endParaRPr lang="de-DE" sz="1400" dirty="0"/>
+            </a:p>
+          </p:txBody>
+        </p:sp>
+        <p:cxnSp>
+          <p:nvCxnSpPr>
+            <p:cNvPr id="19" name="Gerade Verbindung mit Pfeil 18"/>
+            <p:cNvCxnSpPr>
+              <a:stCxn id="9" idx="2"/>
+              <a:endCxn id="18" idx="0"/>
+            </p:cNvCxnSpPr>
+            <p:nvPr/>
+          </p:nvCxnSpPr>
+          <p:spPr>
+            <a:xfrm>
+              <a:off x="3090749" y="3967909"/>
+              <a:ext cx="0" cy="330049"/>
+            </a:xfrm>
+            <a:prstGeom prst="straightConnector1">
+              <a:avLst/>
+            </a:prstGeom>
+            <a:ln>
+              <a:tailEnd type="triangle"/>
+            </a:ln>
+          </p:spPr>
+          <p:style>
+            <a:lnRef idx="3">
+              <a:schemeClr val="accent1"/>
+            </a:lnRef>
+            <a:fillRef idx="0">
+              <a:schemeClr val="accent1"/>
+            </a:fillRef>
+            <a:effectRef idx="2">
+              <a:schemeClr val="accent1"/>
+            </a:effectRef>
+            <a:fontRef idx="minor">
+              <a:schemeClr val="tx1"/>
+            </a:fontRef>
+          </p:style>
+        </p:cxnSp>
+        <p:cxnSp>
+          <p:nvCxnSpPr>
+            <p:cNvPr id="20" name="Gewinkelte Verbindung 19"/>
+            <p:cNvCxnSpPr>
+              <a:stCxn id="6" idx="3"/>
+              <a:endCxn id="18" idx="3"/>
+            </p:cNvCxnSpPr>
+            <p:nvPr/>
+          </p:nvCxnSpPr>
+          <p:spPr>
+            <a:xfrm flipH="1">
+              <a:off x="4339819" y="1168112"/>
+              <a:ext cx="2830510" cy="3557786"/>
+            </a:xfrm>
+            <a:prstGeom prst="bentConnector3">
+              <a:avLst>
+                <a:gd name="adj1" fmla="val -34466"/>
+              </a:avLst>
+            </a:prstGeom>
+            <a:ln>
+              <a:tailEnd type="triangle"/>
+            </a:ln>
+          </p:spPr>
+          <p:style>
+            <a:lnRef idx="3">
+              <a:schemeClr val="accent1"/>
+            </a:lnRef>
+            <a:fillRef idx="0">
+              <a:schemeClr val="accent1"/>
+            </a:fillRef>
+            <a:effectRef idx="2">
+              <a:schemeClr val="accent1"/>
+            </a:effectRef>
+            <a:fontRef idx="minor">
+              <a:schemeClr val="tx1"/>
+            </a:fontRef>
+          </p:style>
+        </p:cxnSp>
+        <p:cxnSp>
+          <p:nvCxnSpPr>
+            <p:cNvPr id="21" name="Gerade Verbindung mit Pfeil 20"/>
+            <p:cNvCxnSpPr/>
+            <p:nvPr/>
+          </p:nvCxnSpPr>
+          <p:spPr>
+            <a:xfrm flipV="1">
+              <a:off x="7138134" y="2354039"/>
+              <a:ext cx="1016340" cy="1"/>
+            </a:xfrm>
+            <a:prstGeom prst="straightConnector1">
+              <a:avLst/>
+            </a:prstGeom>
+            <a:ln>
+              <a:tailEnd type="triangle"/>
+            </a:ln>
+          </p:spPr>
+          <p:style>
+            <a:lnRef idx="3">
+              <a:schemeClr val="accent1"/>
+            </a:lnRef>
+            <a:fillRef idx="0">
+              <a:schemeClr val="accent1"/>
+            </a:fillRef>
+            <a:effectRef idx="2">
+              <a:schemeClr val="accent1"/>
+            </a:effectRef>
+            <a:fontRef idx="minor">
+              <a:schemeClr val="tx1"/>
+            </a:fontRef>
+          </p:style>
+        </p:cxnSp>
+        <p:cxnSp>
+          <p:nvCxnSpPr>
+            <p:cNvPr id="22" name="Gerade Verbindung mit Pfeil 21"/>
+            <p:cNvCxnSpPr/>
+            <p:nvPr/>
+          </p:nvCxnSpPr>
+          <p:spPr>
+            <a:xfrm flipV="1">
+              <a:off x="7170329" y="3539966"/>
+              <a:ext cx="1016340" cy="1"/>
+            </a:xfrm>
+            <a:prstGeom prst="straightConnector1">
+              <a:avLst/>
+            </a:prstGeom>
+            <a:ln>
+              <a:tailEnd type="triangle"/>
+            </a:ln>
+          </p:spPr>
+          <p:style>
+            <a:lnRef idx="3">
+              <a:schemeClr val="accent1"/>
+            </a:lnRef>
+            <a:fillRef idx="0">
+              <a:schemeClr val="accent1"/>
+            </a:fillRef>
+            <a:effectRef idx="2">
+              <a:schemeClr val="accent1"/>
+            </a:effectRef>
+            <a:fontRef idx="minor">
+              <a:schemeClr val="tx1"/>
+            </a:fontRef>
+          </p:style>
+        </p:cxnSp>
+      </p:grpSp>
+      <p:cxnSp>
+        <p:nvCxnSpPr>
+          <p:cNvPr id="23" name="Gerade Verbindung mit Pfeil 22"/>
+          <p:cNvCxnSpPr>
+            <a:endCxn id="7" idx="0"/>
+          </p:cNvCxnSpPr>
+          <p:nvPr/>
+        </p:nvCxnSpPr>
+        <p:spPr>
+          <a:xfrm>
+            <a:off x="4819536" y="1432775"/>
+            <a:ext cx="0" cy="450397"/>
+          </a:xfrm>
+          <a:prstGeom prst="straightConnector1">
+            <a:avLst/>
+          </a:prstGeom>
+          <a:ln>
+            <a:tailEnd type="triangle"/>
+          </a:ln>
+        </p:spPr>
+        <p:style>
+          <a:lnRef idx="3">
+            <a:schemeClr val="accent1"/>
+          </a:lnRef>
+          <a:fillRef idx="0">
+            <a:schemeClr val="accent1"/>
+          </a:fillRef>
+          <a:effectRef idx="2">
+            <a:schemeClr val="accent1"/>
+          </a:effectRef>
+          <a:fontRef idx="minor">
+            <a:schemeClr val="tx1"/>
+          </a:fontRef>
+        </p:style>
+      </p:cxnSp>
+      <p:cxnSp>
+        <p:nvCxnSpPr>
+          <p:cNvPr id="24" name="Gerade Verbindung mit Pfeil 23"/>
+          <p:cNvCxnSpPr>
+            <a:stCxn id="18" idx="2"/>
+          </p:cNvCxnSpPr>
+          <p:nvPr/>
+        </p:nvCxnSpPr>
+        <p:spPr>
+          <a:xfrm>
+            <a:off x="4819536" y="6296837"/>
+            <a:ext cx="0" cy="429155"/>
+          </a:xfrm>
+          <a:prstGeom prst="straightConnector1">
+            <a:avLst/>
+          </a:prstGeom>
+          <a:ln>
+            <a:tailEnd type="triangle"/>
+          </a:ln>
+        </p:spPr>
+        <p:style>
+          <a:lnRef idx="3">
+            <a:schemeClr val="accent1"/>
+          </a:lnRef>
+          <a:fillRef idx="0">
+            <a:schemeClr val="accent1"/>
+          </a:fillRef>
+          <a:effectRef idx="2">
+            <a:schemeClr val="accent1"/>
+          </a:effectRef>
+          <a:fontRef idx="minor">
+            <a:schemeClr val="tx1"/>
+          </a:fontRef>
+        </p:style>
+      </p:cxnSp>
+      <p:cxnSp>
+        <p:nvCxnSpPr>
+          <p:cNvPr id="25" name="Gewinkelte Verbindung 24"/>
+          <p:cNvCxnSpPr>
+            <a:stCxn id="18" idx="1"/>
+            <a:endCxn id="7" idx="1"/>
+          </p:cNvCxnSpPr>
+          <p:nvPr/>
+        </p:nvCxnSpPr>
+        <p:spPr>
+          <a:xfrm rot="10800000">
+            <a:off x="3570465" y="2311112"/>
+            <a:ext cx="12700" cy="3557786"/>
+          </a:xfrm>
+          <a:prstGeom prst="bentConnector3">
+            <a:avLst>
+              <a:gd name="adj1" fmla="val 5907039"/>
+            </a:avLst>
+          </a:prstGeom>
+          <a:ln>
+            <a:tailEnd type="triangle"/>
+          </a:ln>
+        </p:spPr>
+        <p:style>
+          <a:lnRef idx="3">
+            <a:schemeClr val="accent1"/>
+          </a:lnRef>
+          <a:fillRef idx="0">
+            <a:schemeClr val="accent1"/>
+          </a:fillRef>
+          <a:effectRef idx="2">
+            <a:schemeClr val="accent1"/>
+          </a:effectRef>
+          <a:fontRef idx="minor">
+            <a:schemeClr val="tx1"/>
+          </a:fontRef>
+        </p:style>
+      </p:cxnSp>
       <p:sp>
         <p:nvSpPr>
-          <p:cNvPr id="3" name="Content Placeholder 2"/>
-          <p:cNvSpPr>
-            <a:spLocks noGrp="1"/>
-          </p:cNvSpPr>
-          <p:nvPr>
-            <p:ph idx="1"/>
-          </p:nvPr>
+          <p:cNvPr id="26" name="Textfeld 25"/>
+          <p:cNvSpPr txBox="1"/>
+          <p:nvPr/>
         </p:nvSpPr>
-        <p:spPr/>
+        <p:spPr>
+          <a:xfrm>
+            <a:off x="6405783" y="4424871"/>
+            <a:ext cx="437882" cy="307777"/>
+          </a:xfrm>
+          <a:prstGeom prst="rect">
+            <a:avLst/>
+          </a:prstGeom>
+          <a:noFill/>
+        </p:spPr>
         <p:txBody>
-          <a:bodyPr/>
+          <a:bodyPr wrap="square" rtlCol="0">
+            <a:spAutoFit/>
+          </a:bodyPr>
           <a:lstStyle/>
           <a:p>
-            <a:endParaRPr lang="de-DE" dirty="0"/>
+            <a:r>
+              <a:rPr lang="de-DE" sz="1400" dirty="0" smtClean="0"/>
+              <a:t>ja</a:t>
+            </a:r>
+            <a:endParaRPr lang="de-DE" sz="1400" dirty="0"/>
+          </a:p>
+        </p:txBody>
+      </p:sp>
+      <p:sp>
+        <p:nvSpPr>
+          <p:cNvPr id="27" name="Textfeld 26"/>
+          <p:cNvSpPr txBox="1"/>
+          <p:nvPr/>
+        </p:nvSpPr>
+        <p:spPr>
+          <a:xfrm>
+            <a:off x="6405783" y="3189264"/>
+            <a:ext cx="437882" cy="307777"/>
+          </a:xfrm>
+          <a:prstGeom prst="rect">
+            <a:avLst/>
+          </a:prstGeom>
+          <a:noFill/>
+        </p:spPr>
+        <p:txBody>
+          <a:bodyPr wrap="square" rtlCol="0">
+            <a:spAutoFit/>
+          </a:bodyPr>
+          <a:lstStyle/>
+          <a:p>
+            <a:r>
+              <a:rPr lang="de-DE" sz="1400" dirty="0" smtClean="0"/>
+              <a:t>ja</a:t>
+            </a:r>
+            <a:endParaRPr lang="de-DE" sz="1400" dirty="0"/>
+          </a:p>
+        </p:txBody>
+      </p:sp>
+      <p:sp>
+        <p:nvSpPr>
+          <p:cNvPr id="28" name="Textfeld 27"/>
+          <p:cNvSpPr txBox="1"/>
+          <p:nvPr/>
+        </p:nvSpPr>
+        <p:spPr>
+          <a:xfrm>
+            <a:off x="6405783" y="1971977"/>
+            <a:ext cx="437882" cy="307777"/>
+          </a:xfrm>
+          <a:prstGeom prst="rect">
+            <a:avLst/>
+          </a:prstGeom>
+          <a:noFill/>
+        </p:spPr>
+        <p:txBody>
+          <a:bodyPr wrap="square" rtlCol="0">
+            <a:spAutoFit/>
+          </a:bodyPr>
+          <a:lstStyle/>
+          <a:p>
+            <a:r>
+              <a:rPr lang="de-DE" sz="1400" dirty="0" smtClean="0"/>
+              <a:t>ja</a:t>
+            </a:r>
+            <a:endParaRPr lang="de-DE" sz="1400" dirty="0"/>
+          </a:p>
+        </p:txBody>
+      </p:sp>
+      <p:sp>
+        <p:nvSpPr>
+          <p:cNvPr id="29" name="Textfeld 28"/>
+          <p:cNvSpPr txBox="1"/>
+          <p:nvPr/>
+        </p:nvSpPr>
+        <p:spPr>
+          <a:xfrm>
+            <a:off x="2930816" y="5440958"/>
+            <a:ext cx="437882" cy="307777"/>
+          </a:xfrm>
+          <a:prstGeom prst="rect">
+            <a:avLst/>
+          </a:prstGeom>
+          <a:noFill/>
+        </p:spPr>
+        <p:txBody>
+          <a:bodyPr wrap="square" rtlCol="0">
+            <a:spAutoFit/>
+          </a:bodyPr>
+          <a:lstStyle/>
+          <a:p>
+            <a:r>
+              <a:rPr lang="de-DE" sz="1400" dirty="0" smtClean="0"/>
+              <a:t>ja</a:t>
+            </a:r>
+            <a:endParaRPr lang="de-DE" sz="1400" dirty="0"/>
           </a:p>
         </p:txBody>
       </p:sp>
@@ -5735,6 +10638,13 @@
   <p:clrMapOvr>
     <a:masterClrMapping/>
   </p:clrMapOvr>
+  <p:timing>
+    <p:tnLst>
+      <p:par>
+        <p:cTn id="1" dur="indefinite" restart="never" nodeType="tmRoot"/>
+      </p:par>
+    </p:tnLst>
+  </p:timing>
 </p:sld>
 </file>
 

--- a/Wang-Müller.pptx
+++ b/Wang-Müller.pptx
@@ -2,7 +2,7 @@
 <file path=ppt/presentation.xml><?xml version="1.0" encoding="utf-8"?>
 <p:presentation xmlns:a="http://schemas.openxmlformats.org/drawingml/2006/main" xmlns:r="http://schemas.openxmlformats.org/officeDocument/2006/relationships" xmlns:p="http://schemas.openxmlformats.org/presentationml/2006/main" saveSubsetFonts="1">
   <p:sldMasterIdLst>
-    <p:sldMasterId id="2147483954" r:id="rId1"/>
+    <p:sldMasterId id="2147483966" r:id="rId1"/>
   </p:sldMasterIdLst>
   <p:notesMasterIdLst>
     <p:notesMasterId r:id="rId18"/>
@@ -815,8 +815,8 @@
 </file>
 
 <file path=ppt/slideLayouts/slideLayout1.xml><?xml version="1.0" encoding="utf-8"?>
-<p:sldLayout xmlns:a="http://schemas.openxmlformats.org/drawingml/2006/main" xmlns:r="http://schemas.openxmlformats.org/officeDocument/2006/relationships" xmlns:p="http://schemas.openxmlformats.org/presentationml/2006/main" type="title" preserve="1">
-  <p:cSld name="Title Slide">
+<p:sldLayout xmlns:a="http://schemas.openxmlformats.org/drawingml/2006/main" xmlns:r="http://schemas.openxmlformats.org/officeDocument/2006/relationships" xmlns:p="http://schemas.openxmlformats.org/presentationml/2006/main" showMasterSp="0" type="title" preserve="1">
+  <p:cSld name="Titelfolie">
     <p:spTree>
       <p:nvGrpSpPr>
         <p:cNvPr id="1" name=""/>
@@ -831,6 +831,536 @@
           <a:chExt cx="0" cy="0"/>
         </a:xfrm>
       </p:grpSpPr>
+      <p:grpSp>
+        <p:nvGrpSpPr>
+          <p:cNvPr id="7" name="Group 6"/>
+          <p:cNvGrpSpPr/>
+          <p:nvPr/>
+        </p:nvGrpSpPr>
+        <p:grpSpPr>
+          <a:xfrm>
+            <a:off x="0" y="-8467"/>
+            <a:ext cx="12192000" cy="6866467"/>
+            <a:chOff x="0" y="-8467"/>
+            <a:chExt cx="12192000" cy="6866467"/>
+          </a:xfrm>
+        </p:grpSpPr>
+        <p:cxnSp>
+          <p:nvCxnSpPr>
+            <p:cNvPr id="32" name="Straight Connector 31"/>
+            <p:cNvCxnSpPr/>
+            <p:nvPr/>
+          </p:nvCxnSpPr>
+          <p:spPr>
+            <a:xfrm>
+              <a:off x="9371012" y="0"/>
+              <a:ext cx="1219200" cy="6858000"/>
+            </a:xfrm>
+            <a:prstGeom prst="line">
+              <a:avLst/>
+            </a:prstGeom>
+            <a:ln w="9525">
+              <a:solidFill>
+                <a:schemeClr val="bg1">
+                  <a:lumMod val="75000"/>
+                </a:schemeClr>
+              </a:solidFill>
+            </a:ln>
+          </p:spPr>
+          <p:style>
+            <a:lnRef idx="2">
+              <a:schemeClr val="accent1"/>
+            </a:lnRef>
+            <a:fillRef idx="0">
+              <a:schemeClr val="accent1"/>
+            </a:fillRef>
+            <a:effectRef idx="1">
+              <a:schemeClr val="accent1"/>
+            </a:effectRef>
+            <a:fontRef idx="minor">
+              <a:schemeClr val="tx1"/>
+            </a:fontRef>
+          </p:style>
+        </p:cxnSp>
+        <p:cxnSp>
+          <p:nvCxnSpPr>
+            <p:cNvPr id="21" name="Straight Connector 20"/>
+            <p:cNvCxnSpPr/>
+            <p:nvPr/>
+          </p:nvCxnSpPr>
+          <p:spPr>
+            <a:xfrm flipH="1">
+              <a:off x="7425267" y="3681413"/>
+              <a:ext cx="4763558" cy="3176587"/>
+            </a:xfrm>
+            <a:prstGeom prst="line">
+              <a:avLst/>
+            </a:prstGeom>
+            <a:ln w="9525">
+              <a:solidFill>
+                <a:schemeClr val="bg1">
+                  <a:lumMod val="85000"/>
+                </a:schemeClr>
+              </a:solidFill>
+            </a:ln>
+          </p:spPr>
+          <p:style>
+            <a:lnRef idx="2">
+              <a:schemeClr val="accent1"/>
+            </a:lnRef>
+            <a:fillRef idx="0">
+              <a:schemeClr val="accent1"/>
+            </a:fillRef>
+            <a:effectRef idx="1">
+              <a:schemeClr val="accent1"/>
+            </a:effectRef>
+            <a:fontRef idx="minor">
+              <a:schemeClr val="tx1"/>
+            </a:fontRef>
+          </p:style>
+        </p:cxnSp>
+        <p:sp>
+          <p:nvSpPr>
+            <p:cNvPr id="24" name="Rectangle 23"/>
+            <p:cNvSpPr/>
+            <p:nvPr/>
+          </p:nvSpPr>
+          <p:spPr>
+            <a:xfrm>
+              <a:off x="9181476" y="-8467"/>
+              <a:ext cx="3007349" cy="6866467"/>
+            </a:xfrm>
+            <a:custGeom>
+              <a:avLst/>
+              <a:gdLst/>
+              <a:ahLst/>
+              <a:cxnLst/>
+              <a:rect l="l" t="t" r="r" b="b"/>
+              <a:pathLst>
+                <a:path w="3007349" h="6866467">
+                  <a:moveTo>
+                    <a:pt x="2045532" y="0"/>
+                  </a:moveTo>
+                  <a:lnTo>
+                    <a:pt x="3007349" y="0"/>
+                  </a:lnTo>
+                  <a:lnTo>
+                    <a:pt x="3007349" y="6866467"/>
+                  </a:lnTo>
+                  <a:lnTo>
+                    <a:pt x="0" y="6866467"/>
+                  </a:lnTo>
+                  <a:lnTo>
+                    <a:pt x="2045532" y="0"/>
+                  </a:lnTo>
+                  <a:close/>
+                </a:path>
+              </a:pathLst>
+            </a:custGeom>
+            <a:solidFill>
+              <a:schemeClr val="accent1">
+                <a:alpha val="30000"/>
+              </a:schemeClr>
+            </a:solidFill>
+            <a:ln>
+              <a:noFill/>
+            </a:ln>
+            <a:effectLst/>
+          </p:spPr>
+          <p:style>
+            <a:lnRef idx="1">
+              <a:schemeClr val="accent1"/>
+            </a:lnRef>
+            <a:fillRef idx="3">
+              <a:schemeClr val="accent1"/>
+            </a:fillRef>
+            <a:effectRef idx="2">
+              <a:schemeClr val="accent1"/>
+            </a:effectRef>
+            <a:fontRef idx="minor">
+              <a:schemeClr val="lt1"/>
+            </a:fontRef>
+          </p:style>
+        </p:sp>
+        <p:sp>
+          <p:nvSpPr>
+            <p:cNvPr id="26" name="Rectangle 25"/>
+            <p:cNvSpPr/>
+            <p:nvPr/>
+          </p:nvSpPr>
+          <p:spPr>
+            <a:xfrm>
+              <a:off x="9603442" y="-8467"/>
+              <a:ext cx="2588558" cy="6866467"/>
+            </a:xfrm>
+            <a:custGeom>
+              <a:avLst/>
+              <a:gdLst/>
+              <a:ahLst/>
+              <a:cxnLst/>
+              <a:rect l="l" t="t" r="r" b="b"/>
+              <a:pathLst>
+                <a:path w="2573311" h="6866467">
+                  <a:moveTo>
+                    <a:pt x="0" y="0"/>
+                  </a:moveTo>
+                  <a:lnTo>
+                    <a:pt x="2573311" y="0"/>
+                  </a:lnTo>
+                  <a:lnTo>
+                    <a:pt x="2573311" y="6866467"/>
+                  </a:lnTo>
+                  <a:lnTo>
+                    <a:pt x="1202336" y="6866467"/>
+                  </a:lnTo>
+                  <a:lnTo>
+                    <a:pt x="0" y="0"/>
+                  </a:lnTo>
+                  <a:close/>
+                </a:path>
+              </a:pathLst>
+            </a:custGeom>
+            <a:solidFill>
+              <a:schemeClr val="accent1">
+                <a:alpha val="20000"/>
+              </a:schemeClr>
+            </a:solidFill>
+            <a:ln>
+              <a:noFill/>
+            </a:ln>
+            <a:effectLst/>
+          </p:spPr>
+          <p:style>
+            <a:lnRef idx="1">
+              <a:schemeClr val="accent1"/>
+            </a:lnRef>
+            <a:fillRef idx="3">
+              <a:schemeClr val="accent1"/>
+            </a:fillRef>
+            <a:effectRef idx="2">
+              <a:schemeClr val="accent1"/>
+            </a:effectRef>
+            <a:fontRef idx="minor">
+              <a:schemeClr val="lt1"/>
+            </a:fontRef>
+          </p:style>
+        </p:sp>
+        <p:sp>
+          <p:nvSpPr>
+            <p:cNvPr id="27" name="Isosceles Triangle 26"/>
+            <p:cNvSpPr/>
+            <p:nvPr/>
+          </p:nvSpPr>
+          <p:spPr>
+            <a:xfrm>
+              <a:off x="8932333" y="3048000"/>
+              <a:ext cx="3259667" cy="3810000"/>
+            </a:xfrm>
+            <a:prstGeom prst="triangle">
+              <a:avLst>
+                <a:gd name="adj" fmla="val 100000"/>
+              </a:avLst>
+            </a:prstGeom>
+            <a:solidFill>
+              <a:schemeClr val="accent2">
+                <a:alpha val="72000"/>
+              </a:schemeClr>
+            </a:solidFill>
+            <a:ln>
+              <a:noFill/>
+            </a:ln>
+            <a:effectLst/>
+          </p:spPr>
+          <p:style>
+            <a:lnRef idx="1">
+              <a:schemeClr val="accent1"/>
+            </a:lnRef>
+            <a:fillRef idx="3">
+              <a:schemeClr val="accent1"/>
+            </a:fillRef>
+            <a:effectRef idx="2">
+              <a:schemeClr val="accent1"/>
+            </a:effectRef>
+            <a:fontRef idx="minor">
+              <a:schemeClr val="lt1"/>
+            </a:fontRef>
+          </p:style>
+        </p:sp>
+        <p:sp>
+          <p:nvSpPr>
+            <p:cNvPr id="28" name="Rectangle 27"/>
+            <p:cNvSpPr/>
+            <p:nvPr/>
+          </p:nvSpPr>
+          <p:spPr>
+            <a:xfrm>
+              <a:off x="9334500" y="-8467"/>
+              <a:ext cx="2854326" cy="6866467"/>
+            </a:xfrm>
+            <a:custGeom>
+              <a:avLst/>
+              <a:gdLst/>
+              <a:ahLst/>
+              <a:cxnLst/>
+              <a:rect l="l" t="t" r="r" b="b"/>
+              <a:pathLst>
+                <a:path w="2858013" h="6866467">
+                  <a:moveTo>
+                    <a:pt x="0" y="0"/>
+                  </a:moveTo>
+                  <a:lnTo>
+                    <a:pt x="2858013" y="0"/>
+                  </a:lnTo>
+                  <a:lnTo>
+                    <a:pt x="2858013" y="6866467"/>
+                  </a:lnTo>
+                  <a:lnTo>
+                    <a:pt x="2473942" y="6866467"/>
+                  </a:lnTo>
+                  <a:lnTo>
+                    <a:pt x="0" y="0"/>
+                  </a:lnTo>
+                  <a:close/>
+                </a:path>
+              </a:pathLst>
+            </a:custGeom>
+            <a:solidFill>
+              <a:schemeClr val="accent2">
+                <a:lumMod val="75000"/>
+                <a:alpha val="70000"/>
+              </a:schemeClr>
+            </a:solidFill>
+            <a:ln>
+              <a:noFill/>
+            </a:ln>
+            <a:effectLst/>
+          </p:spPr>
+          <p:style>
+            <a:lnRef idx="1">
+              <a:schemeClr val="accent1"/>
+            </a:lnRef>
+            <a:fillRef idx="3">
+              <a:schemeClr val="accent1"/>
+            </a:fillRef>
+            <a:effectRef idx="2">
+              <a:schemeClr val="accent1"/>
+            </a:effectRef>
+            <a:fontRef idx="minor">
+              <a:schemeClr val="lt1"/>
+            </a:fontRef>
+          </p:style>
+        </p:sp>
+        <p:sp>
+          <p:nvSpPr>
+            <p:cNvPr id="29" name="Rectangle 28"/>
+            <p:cNvSpPr/>
+            <p:nvPr/>
+          </p:nvSpPr>
+          <p:spPr>
+            <a:xfrm>
+              <a:off x="10898730" y="-8467"/>
+              <a:ext cx="1290094" cy="6866467"/>
+            </a:xfrm>
+            <a:custGeom>
+              <a:avLst/>
+              <a:gdLst/>
+              <a:ahLst/>
+              <a:cxnLst/>
+              <a:rect l="l" t="t" r="r" b="b"/>
+              <a:pathLst>
+                <a:path w="1290094" h="6858000">
+                  <a:moveTo>
+                    <a:pt x="1019735" y="0"/>
+                  </a:moveTo>
+                  <a:lnTo>
+                    <a:pt x="1290094" y="0"/>
+                  </a:lnTo>
+                  <a:lnTo>
+                    <a:pt x="1290094" y="6858000"/>
+                  </a:lnTo>
+                  <a:lnTo>
+                    <a:pt x="0" y="6858000"/>
+                  </a:lnTo>
+                  <a:lnTo>
+                    <a:pt x="1019735" y="0"/>
+                  </a:lnTo>
+                  <a:close/>
+                </a:path>
+              </a:pathLst>
+            </a:custGeom>
+            <a:solidFill>
+              <a:schemeClr val="accent1">
+                <a:lumMod val="60000"/>
+                <a:lumOff val="40000"/>
+                <a:alpha val="70000"/>
+              </a:schemeClr>
+            </a:solidFill>
+            <a:ln>
+              <a:noFill/>
+            </a:ln>
+            <a:effectLst/>
+          </p:spPr>
+          <p:style>
+            <a:lnRef idx="1">
+              <a:schemeClr val="accent1"/>
+            </a:lnRef>
+            <a:fillRef idx="3">
+              <a:schemeClr val="accent1"/>
+            </a:fillRef>
+            <a:effectRef idx="2">
+              <a:schemeClr val="accent1"/>
+            </a:effectRef>
+            <a:fontRef idx="minor">
+              <a:schemeClr val="lt1"/>
+            </a:fontRef>
+          </p:style>
+        </p:sp>
+        <p:sp>
+          <p:nvSpPr>
+            <p:cNvPr id="30" name="Rectangle 29"/>
+            <p:cNvSpPr/>
+            <p:nvPr/>
+          </p:nvSpPr>
+          <p:spPr>
+            <a:xfrm>
+              <a:off x="10938999" y="-8467"/>
+              <a:ext cx="1249825" cy="6866467"/>
+            </a:xfrm>
+            <a:custGeom>
+              <a:avLst/>
+              <a:gdLst/>
+              <a:ahLst/>
+              <a:cxnLst/>
+              <a:rect l="l" t="t" r="r" b="b"/>
+              <a:pathLst>
+                <a:path w="1249825" h="6858000">
+                  <a:moveTo>
+                    <a:pt x="0" y="0"/>
+                  </a:moveTo>
+                  <a:lnTo>
+                    <a:pt x="1249825" y="0"/>
+                  </a:lnTo>
+                  <a:lnTo>
+                    <a:pt x="1249825" y="6858000"/>
+                  </a:lnTo>
+                  <a:lnTo>
+                    <a:pt x="1109382" y="6858000"/>
+                  </a:lnTo>
+                  <a:lnTo>
+                    <a:pt x="0" y="0"/>
+                  </a:lnTo>
+                  <a:close/>
+                </a:path>
+              </a:pathLst>
+            </a:custGeom>
+            <a:solidFill>
+              <a:schemeClr val="accent1">
+                <a:alpha val="65000"/>
+              </a:schemeClr>
+            </a:solidFill>
+            <a:ln>
+              <a:noFill/>
+            </a:ln>
+            <a:effectLst/>
+          </p:spPr>
+          <p:style>
+            <a:lnRef idx="1">
+              <a:schemeClr val="accent1"/>
+            </a:lnRef>
+            <a:fillRef idx="3">
+              <a:schemeClr val="accent1"/>
+            </a:fillRef>
+            <a:effectRef idx="2">
+              <a:schemeClr val="accent1"/>
+            </a:effectRef>
+            <a:fontRef idx="minor">
+              <a:schemeClr val="lt1"/>
+            </a:fontRef>
+          </p:style>
+        </p:sp>
+        <p:sp>
+          <p:nvSpPr>
+            <p:cNvPr id="31" name="Isosceles Triangle 30"/>
+            <p:cNvSpPr/>
+            <p:nvPr/>
+          </p:nvSpPr>
+          <p:spPr>
+            <a:xfrm>
+              <a:off x="10371666" y="3589867"/>
+              <a:ext cx="1817159" cy="3268133"/>
+            </a:xfrm>
+            <a:prstGeom prst="triangle">
+              <a:avLst>
+                <a:gd name="adj" fmla="val 100000"/>
+              </a:avLst>
+            </a:prstGeom>
+            <a:solidFill>
+              <a:schemeClr val="accent1">
+                <a:alpha val="80000"/>
+              </a:schemeClr>
+            </a:solidFill>
+            <a:ln>
+              <a:noFill/>
+            </a:ln>
+            <a:effectLst/>
+          </p:spPr>
+          <p:style>
+            <a:lnRef idx="1">
+              <a:schemeClr val="accent1"/>
+            </a:lnRef>
+            <a:fillRef idx="3">
+              <a:schemeClr val="accent1"/>
+            </a:fillRef>
+            <a:effectRef idx="2">
+              <a:schemeClr val="accent1"/>
+            </a:effectRef>
+            <a:fontRef idx="minor">
+              <a:schemeClr val="lt1"/>
+            </a:fontRef>
+          </p:style>
+        </p:sp>
+        <p:sp>
+          <p:nvSpPr>
+            <p:cNvPr id="19" name="Isosceles Triangle 18"/>
+            <p:cNvSpPr/>
+            <p:nvPr/>
+          </p:nvSpPr>
+          <p:spPr>
+            <a:xfrm rot="10800000">
+              <a:off x="0" y="0"/>
+              <a:ext cx="842596" cy="5666154"/>
+            </a:xfrm>
+            <a:prstGeom prst="triangle">
+              <a:avLst>
+                <a:gd name="adj" fmla="val 100000"/>
+              </a:avLst>
+            </a:prstGeom>
+            <a:solidFill>
+              <a:schemeClr val="accent1">
+                <a:alpha val="85000"/>
+              </a:schemeClr>
+            </a:solidFill>
+            <a:ln>
+              <a:noFill/>
+            </a:ln>
+            <a:effectLst/>
+          </p:spPr>
+          <p:style>
+            <a:lnRef idx="1">
+              <a:schemeClr val="accent1"/>
+            </a:lnRef>
+            <a:fillRef idx="3">
+              <a:schemeClr val="accent1"/>
+            </a:fillRef>
+            <a:effectRef idx="2">
+              <a:schemeClr val="accent1"/>
+            </a:effectRef>
+            <a:fontRef idx="minor">
+              <a:schemeClr val="lt1"/>
+            </a:fontRef>
+          </p:style>
+        </p:sp>
+      </p:grpSp>
       <p:sp>
         <p:nvSpPr>
           <p:cNvPr id="2" name="Title 1"/>
@@ -843,23 +1373,29 @@
         </p:nvSpPr>
         <p:spPr>
           <a:xfrm>
-            <a:off x="1524000" y="1122363"/>
-            <a:ext cx="9144000" cy="2387600"/>
+            <a:off x="1507067" y="2404534"/>
+            <a:ext cx="7766936" cy="1646302"/>
           </a:xfrm>
         </p:spPr>
         <p:txBody>
-          <a:bodyPr anchor="b"/>
+          <a:bodyPr anchor="b">
+            <a:noAutofit/>
+          </a:bodyPr>
           <a:lstStyle>
-            <a:lvl1pPr algn="ctr">
-              <a:defRPr sz="6000"/>
+            <a:lvl1pPr algn="r">
+              <a:defRPr sz="5400">
+                <a:solidFill>
+                  <a:schemeClr val="accent1"/>
+                </a:solidFill>
+              </a:defRPr>
             </a:lvl1pPr>
           </a:lstStyle>
           <a:p>
             <a:r>
-              <a:rPr lang="en-US" smtClean="0"/>
-              <a:t>Click to edit Master title style</a:t>
-            </a:r>
-            <a:endParaRPr lang="de-DE"/>
+              <a:rPr lang="de-DE" smtClean="0"/>
+              <a:t>Titelmasterformat durch Klicken bearbeiten</a:t>
+            </a:r>
+            <a:endParaRPr lang="en-US" dirty="0"/>
           </a:p>
         </p:txBody>
       </p:sp>
@@ -875,56 +1411,111 @@
         </p:nvSpPr>
         <p:spPr>
           <a:xfrm>
-            <a:off x="1524000" y="3602038"/>
-            <a:ext cx="9144000" cy="1655762"/>
+            <a:off x="1507067" y="4050833"/>
+            <a:ext cx="7766936" cy="1096899"/>
           </a:xfrm>
         </p:spPr>
         <p:txBody>
-          <a:bodyPr/>
+          <a:bodyPr anchor="t"/>
           <a:lstStyle>
-            <a:lvl1pPr marL="0" indent="0" algn="ctr">
+            <a:lvl1pPr marL="0" indent="0" algn="r">
               <a:buNone/>
-              <a:defRPr sz="2400"/>
+              <a:defRPr>
+                <a:solidFill>
+                  <a:schemeClr val="tx1">
+                    <a:lumMod val="50000"/>
+                    <a:lumOff val="50000"/>
+                  </a:schemeClr>
+                </a:solidFill>
+              </a:defRPr>
             </a:lvl1pPr>
             <a:lvl2pPr marL="457200" indent="0" algn="ctr">
               <a:buNone/>
-              <a:defRPr sz="2000"/>
+              <a:defRPr>
+                <a:solidFill>
+                  <a:schemeClr val="tx1">
+                    <a:tint val="75000"/>
+                  </a:schemeClr>
+                </a:solidFill>
+              </a:defRPr>
             </a:lvl2pPr>
             <a:lvl3pPr marL="914400" indent="0" algn="ctr">
               <a:buNone/>
-              <a:defRPr sz="1800"/>
+              <a:defRPr>
+                <a:solidFill>
+                  <a:schemeClr val="tx1">
+                    <a:tint val="75000"/>
+                  </a:schemeClr>
+                </a:solidFill>
+              </a:defRPr>
             </a:lvl3pPr>
             <a:lvl4pPr marL="1371600" indent="0" algn="ctr">
               <a:buNone/>
-              <a:defRPr sz="1600"/>
+              <a:defRPr>
+                <a:solidFill>
+                  <a:schemeClr val="tx1">
+                    <a:tint val="75000"/>
+                  </a:schemeClr>
+                </a:solidFill>
+              </a:defRPr>
             </a:lvl4pPr>
             <a:lvl5pPr marL="1828800" indent="0" algn="ctr">
               <a:buNone/>
-              <a:defRPr sz="1600"/>
+              <a:defRPr>
+                <a:solidFill>
+                  <a:schemeClr val="tx1">
+                    <a:tint val="75000"/>
+                  </a:schemeClr>
+                </a:solidFill>
+              </a:defRPr>
             </a:lvl5pPr>
             <a:lvl6pPr marL="2286000" indent="0" algn="ctr">
               <a:buNone/>
-              <a:defRPr sz="1600"/>
+              <a:defRPr>
+                <a:solidFill>
+                  <a:schemeClr val="tx1">
+                    <a:tint val="75000"/>
+                  </a:schemeClr>
+                </a:solidFill>
+              </a:defRPr>
             </a:lvl6pPr>
             <a:lvl7pPr marL="2743200" indent="0" algn="ctr">
               <a:buNone/>
-              <a:defRPr sz="1600"/>
+              <a:defRPr>
+                <a:solidFill>
+                  <a:schemeClr val="tx1">
+                    <a:tint val="75000"/>
+                  </a:schemeClr>
+                </a:solidFill>
+              </a:defRPr>
             </a:lvl7pPr>
             <a:lvl8pPr marL="3200400" indent="0" algn="ctr">
               <a:buNone/>
-              <a:defRPr sz="1600"/>
+              <a:defRPr>
+                <a:solidFill>
+                  <a:schemeClr val="tx1">
+                    <a:tint val="75000"/>
+                  </a:schemeClr>
+                </a:solidFill>
+              </a:defRPr>
             </a:lvl8pPr>
             <a:lvl9pPr marL="3657600" indent="0" algn="ctr">
               <a:buNone/>
-              <a:defRPr sz="1600"/>
+              <a:defRPr>
+                <a:solidFill>
+                  <a:schemeClr val="tx1">
+                    <a:tint val="75000"/>
+                  </a:schemeClr>
+                </a:solidFill>
+              </a:defRPr>
             </a:lvl9pPr>
           </a:lstStyle>
           <a:p>
             <a:r>
-              <a:rPr lang="en-US" smtClean="0"/>
-              <a:t>Click to edit Master subtitle style</a:t>
-            </a:r>
-            <a:endParaRPr lang="de-DE"/>
+              <a:rPr lang="de-DE" smtClean="0"/>
+              <a:t>Formatvorlage des Untertitelmasters durch Klicken bearbeiten</a:t>
+            </a:r>
+            <a:endParaRPr lang="en-US" dirty="0"/>
           </a:p>
         </p:txBody>
       </p:sp>
@@ -996,7 +1587,7 @@
     </p:spTree>
     <p:extLst>
       <p:ext uri="{BB962C8B-B14F-4D97-AF65-F5344CB8AC3E}">
-        <p14:creationId xmlns:p14="http://schemas.microsoft.com/office/powerpoint/2010/main" val="30285109"/>
+        <p14:creationId xmlns:p14="http://schemas.microsoft.com/office/powerpoint/2010/main" val="3405619804"/>
       </p:ext>
     </p:extLst>
   </p:cSld>
@@ -1007,8 +1598,8 @@
 </file>
 
 <file path=ppt/slideLayouts/slideLayout10.xml><?xml version="1.0" encoding="utf-8"?>
-<p:sldLayout xmlns:a="http://schemas.openxmlformats.org/drawingml/2006/main" xmlns:r="http://schemas.openxmlformats.org/officeDocument/2006/relationships" xmlns:p="http://schemas.openxmlformats.org/presentationml/2006/main" type="vertTx" preserve="1">
-  <p:cSld name="Title and Vertical Text">
+<p:sldLayout xmlns:a="http://schemas.openxmlformats.org/drawingml/2006/main" xmlns:r="http://schemas.openxmlformats.org/officeDocument/2006/relationships" xmlns:p="http://schemas.openxmlformats.org/presentationml/2006/main" preserve="1">
+  <p:cSld name="Titel und Beschriftung">
     <p:spTree>
       <p:nvGrpSpPr>
         <p:cNvPr id="1" name=""/>
@@ -1033,68 +1624,149 @@
             <p:ph type="title"/>
           </p:nvPr>
         </p:nvSpPr>
-        <p:spPr/>
-        <p:txBody>
-          <a:bodyPr/>
-          <a:lstStyle/>
-          <a:p>
-            <a:r>
-              <a:rPr lang="en-US" smtClean="0"/>
-              <a:t>Click to edit Master title style</a:t>
-            </a:r>
-            <a:endParaRPr lang="de-DE"/>
-          </a:p>
-        </p:txBody>
-      </p:sp>
-      <p:sp>
-        <p:nvSpPr>
-          <p:cNvPr id="3" name="Vertical Text Placeholder 2"/>
+        <p:spPr>
+          <a:xfrm>
+            <a:off x="677335" y="609600"/>
+            <a:ext cx="8596668" cy="3403600"/>
+          </a:xfrm>
+        </p:spPr>
+        <p:txBody>
+          <a:bodyPr anchor="ctr">
+            <a:normAutofit/>
+          </a:bodyPr>
+          <a:lstStyle>
+            <a:lvl1pPr algn="l">
+              <a:defRPr sz="4400" b="0" cap="none"/>
+            </a:lvl1pPr>
+          </a:lstStyle>
+          <a:p>
+            <a:r>
+              <a:rPr lang="de-DE" smtClean="0"/>
+              <a:t>Titelmasterformat durch Klicken bearbeiten</a:t>
+            </a:r>
+            <a:endParaRPr lang="en-US" dirty="0"/>
+          </a:p>
+        </p:txBody>
+      </p:sp>
+      <p:sp>
+        <p:nvSpPr>
+          <p:cNvPr id="3" name="Text Placeholder 2"/>
           <p:cNvSpPr>
             <a:spLocks noGrp="1"/>
           </p:cNvSpPr>
           <p:nvPr>
-            <p:ph type="body" orient="vert" idx="1"/>
+            <p:ph type="body" idx="1"/>
           </p:nvPr>
         </p:nvSpPr>
-        <p:spPr/>
-        <p:txBody>
-          <a:bodyPr vert="eaVert"/>
-          <a:lstStyle/>
+        <p:spPr>
+          <a:xfrm>
+            <a:off x="677335" y="4470400"/>
+            <a:ext cx="8596668" cy="1570962"/>
+          </a:xfrm>
+        </p:spPr>
+        <p:txBody>
+          <a:bodyPr anchor="ctr">
+            <a:normAutofit/>
+          </a:bodyPr>
+          <a:lstStyle>
+            <a:lvl1pPr marL="0" indent="0" algn="l">
+              <a:buNone/>
+              <a:defRPr sz="1800">
+                <a:solidFill>
+                  <a:schemeClr val="tx1">
+                    <a:lumMod val="75000"/>
+                    <a:lumOff val="25000"/>
+                  </a:schemeClr>
+                </a:solidFill>
+              </a:defRPr>
+            </a:lvl1pPr>
+            <a:lvl2pPr marL="457200" indent="0">
+              <a:buNone/>
+              <a:defRPr sz="1800">
+                <a:solidFill>
+                  <a:schemeClr val="tx1">
+                    <a:tint val="75000"/>
+                  </a:schemeClr>
+                </a:solidFill>
+              </a:defRPr>
+            </a:lvl2pPr>
+            <a:lvl3pPr marL="914400" indent="0">
+              <a:buNone/>
+              <a:defRPr sz="1600">
+                <a:solidFill>
+                  <a:schemeClr val="tx1">
+                    <a:tint val="75000"/>
+                  </a:schemeClr>
+                </a:solidFill>
+              </a:defRPr>
+            </a:lvl3pPr>
+            <a:lvl4pPr marL="1371600" indent="0">
+              <a:buNone/>
+              <a:defRPr sz="1400">
+                <a:solidFill>
+                  <a:schemeClr val="tx1">
+                    <a:tint val="75000"/>
+                  </a:schemeClr>
+                </a:solidFill>
+              </a:defRPr>
+            </a:lvl4pPr>
+            <a:lvl5pPr marL="1828800" indent="0">
+              <a:buNone/>
+              <a:defRPr sz="1400">
+                <a:solidFill>
+                  <a:schemeClr val="tx1">
+                    <a:tint val="75000"/>
+                  </a:schemeClr>
+                </a:solidFill>
+              </a:defRPr>
+            </a:lvl5pPr>
+            <a:lvl6pPr marL="2286000" indent="0">
+              <a:buNone/>
+              <a:defRPr sz="1400">
+                <a:solidFill>
+                  <a:schemeClr val="tx1">
+                    <a:tint val="75000"/>
+                  </a:schemeClr>
+                </a:solidFill>
+              </a:defRPr>
+            </a:lvl6pPr>
+            <a:lvl7pPr marL="2743200" indent="0">
+              <a:buNone/>
+              <a:defRPr sz="1400">
+                <a:solidFill>
+                  <a:schemeClr val="tx1">
+                    <a:tint val="75000"/>
+                  </a:schemeClr>
+                </a:solidFill>
+              </a:defRPr>
+            </a:lvl7pPr>
+            <a:lvl8pPr marL="3200400" indent="0">
+              <a:buNone/>
+              <a:defRPr sz="1400">
+                <a:solidFill>
+                  <a:schemeClr val="tx1">
+                    <a:tint val="75000"/>
+                  </a:schemeClr>
+                </a:solidFill>
+              </a:defRPr>
+            </a:lvl8pPr>
+            <a:lvl9pPr marL="3657600" indent="0">
+              <a:buNone/>
+              <a:defRPr sz="1400">
+                <a:solidFill>
+                  <a:schemeClr val="tx1">
+                    <a:tint val="75000"/>
+                  </a:schemeClr>
+                </a:solidFill>
+              </a:defRPr>
+            </a:lvl9pPr>
+          </a:lstStyle>
           <a:p>
             <a:pPr lvl="0"/>
             <a:r>
-              <a:rPr lang="en-US" smtClean="0"/>
-              <a:t>Click to edit Master text styles</a:t>
-            </a:r>
-          </a:p>
-          <a:p>
-            <a:pPr lvl="1"/>
-            <a:r>
-              <a:rPr lang="en-US" smtClean="0"/>
-              <a:t>Second level</a:t>
-            </a:r>
-          </a:p>
-          <a:p>
-            <a:pPr lvl="2"/>
-            <a:r>
-              <a:rPr lang="en-US" smtClean="0"/>
-              <a:t>Third level</a:t>
-            </a:r>
-          </a:p>
-          <a:p>
-            <a:pPr lvl="3"/>
-            <a:r>
-              <a:rPr lang="en-US" smtClean="0"/>
-              <a:t>Fourth level</a:t>
-            </a:r>
-          </a:p>
-          <a:p>
-            <a:pPr lvl="4"/>
-            <a:r>
-              <a:rPr lang="en-US" smtClean="0"/>
-              <a:t>Fifth level</a:t>
-            </a:r>
-            <a:endParaRPr lang="de-DE"/>
+              <a:rPr lang="de-DE" smtClean="0"/>
+              <a:t>Textmasterformat bearbeiten</a:t>
+            </a:r>
           </a:p>
         </p:txBody>
       </p:sp>
@@ -1166,7 +1838,7 @@
     </p:spTree>
     <p:extLst>
       <p:ext uri="{BB962C8B-B14F-4D97-AF65-F5344CB8AC3E}">
-        <p14:creationId xmlns:p14="http://schemas.microsoft.com/office/powerpoint/2010/main" val="2677881822"/>
+        <p14:creationId xmlns:p14="http://schemas.microsoft.com/office/powerpoint/2010/main" val="4252725189"/>
       </p:ext>
     </p:extLst>
   </p:cSld>
@@ -1177,8 +1849,8 @@
 </file>
 
 <file path=ppt/slideLayouts/slideLayout11.xml><?xml version="1.0" encoding="utf-8"?>
-<p:sldLayout xmlns:a="http://schemas.openxmlformats.org/drawingml/2006/main" xmlns:r="http://schemas.openxmlformats.org/officeDocument/2006/relationships" xmlns:p="http://schemas.openxmlformats.org/presentationml/2006/main" type="vertTitleAndTx" preserve="1">
-  <p:cSld name="Vertical Title and Text">
+<p:sldLayout xmlns:a="http://schemas.openxmlformats.org/drawingml/2006/main" xmlns:r="http://schemas.openxmlformats.org/officeDocument/2006/relationships" xmlns:p="http://schemas.openxmlformats.org/presentationml/2006/main" preserve="1">
+  <p:cSld name="Zitat mit Beschriftung">
     <p:spTree>
       <p:nvGrpSpPr>
         <p:cNvPr id="1" name=""/>
@@ -1195,86 +1867,220 @@
       </p:grpSpPr>
       <p:sp>
         <p:nvSpPr>
-          <p:cNvPr id="2" name="Vertical Title 1"/>
+          <p:cNvPr id="2" name="Title 1"/>
           <p:cNvSpPr>
             <a:spLocks noGrp="1"/>
           </p:cNvSpPr>
           <p:nvPr>
-            <p:ph type="title" orient="vert"/>
+            <p:ph type="title"/>
           </p:nvPr>
         </p:nvSpPr>
         <p:spPr>
           <a:xfrm>
-            <a:off x="8724900" y="365125"/>
-            <a:ext cx="2628900" cy="5811838"/>
+            <a:off x="931334" y="609600"/>
+            <a:ext cx="8094134" cy="3022600"/>
           </a:xfrm>
         </p:spPr>
         <p:txBody>
-          <a:bodyPr vert="eaVert"/>
-          <a:lstStyle/>
-          <a:p>
-            <a:r>
-              <a:rPr lang="en-US" smtClean="0"/>
-              <a:t>Click to edit Master title style</a:t>
-            </a:r>
-            <a:endParaRPr lang="de-DE"/>
-          </a:p>
-        </p:txBody>
-      </p:sp>
-      <p:sp>
-        <p:nvSpPr>
-          <p:cNvPr id="3" name="Vertical Text Placeholder 2"/>
+          <a:bodyPr anchor="ctr">
+            <a:normAutofit/>
+          </a:bodyPr>
+          <a:lstStyle>
+            <a:lvl1pPr algn="l">
+              <a:defRPr sz="4400" b="0" cap="none"/>
+            </a:lvl1pPr>
+          </a:lstStyle>
+          <a:p>
+            <a:r>
+              <a:rPr lang="de-DE" smtClean="0"/>
+              <a:t>Titelmasterformat durch Klicken bearbeiten</a:t>
+            </a:r>
+            <a:endParaRPr lang="en-US" dirty="0"/>
+          </a:p>
+        </p:txBody>
+      </p:sp>
+      <p:sp>
+        <p:nvSpPr>
+          <p:cNvPr id="23" name="Text Placeholder 9"/>
           <p:cNvSpPr>
             <a:spLocks noGrp="1"/>
           </p:cNvSpPr>
           <p:nvPr>
-            <p:ph type="body" orient="vert" idx="1"/>
+            <p:ph type="body" sz="quarter" idx="13"/>
           </p:nvPr>
         </p:nvSpPr>
         <p:spPr>
           <a:xfrm>
-            <a:off x="838200" y="365125"/>
-            <a:ext cx="7734300" cy="5811838"/>
+            <a:off x="1366139" y="3632200"/>
+            <a:ext cx="7224524" cy="381000"/>
           </a:xfrm>
         </p:spPr>
         <p:txBody>
-          <a:bodyPr vert="eaVert"/>
-          <a:lstStyle/>
+          <a:bodyPr anchor="ctr">
+            <a:noAutofit/>
+          </a:bodyPr>
+          <a:lstStyle>
+            <a:lvl1pPr marL="0" indent="0">
+              <a:buFontTx/>
+              <a:buNone/>
+              <a:defRPr sz="1600">
+                <a:solidFill>
+                  <a:schemeClr val="tx1">
+                    <a:lumMod val="50000"/>
+                    <a:lumOff val="50000"/>
+                  </a:schemeClr>
+                </a:solidFill>
+              </a:defRPr>
+            </a:lvl1pPr>
+            <a:lvl2pPr marL="457200" indent="0">
+              <a:buFontTx/>
+              <a:buNone/>
+              <a:defRPr/>
+            </a:lvl2pPr>
+            <a:lvl3pPr marL="914400" indent="0">
+              <a:buFontTx/>
+              <a:buNone/>
+              <a:defRPr/>
+            </a:lvl3pPr>
+            <a:lvl4pPr marL="1371600" indent="0">
+              <a:buFontTx/>
+              <a:buNone/>
+              <a:defRPr/>
+            </a:lvl4pPr>
+            <a:lvl5pPr marL="1828800" indent="0">
+              <a:buFontTx/>
+              <a:buNone/>
+              <a:defRPr/>
+            </a:lvl5pPr>
+          </a:lstStyle>
           <a:p>
             <a:pPr lvl="0"/>
             <a:r>
-              <a:rPr lang="en-US" smtClean="0"/>
-              <a:t>Click to edit Master text styles</a:t>
-            </a:r>
-          </a:p>
-          <a:p>
-            <a:pPr lvl="1"/>
-            <a:r>
-              <a:rPr lang="en-US" smtClean="0"/>
-              <a:t>Second level</a:t>
-            </a:r>
-          </a:p>
-          <a:p>
-            <a:pPr lvl="2"/>
-            <a:r>
-              <a:rPr lang="en-US" smtClean="0"/>
-              <a:t>Third level</a:t>
-            </a:r>
-          </a:p>
-          <a:p>
-            <a:pPr lvl="3"/>
-            <a:r>
-              <a:rPr lang="en-US" smtClean="0"/>
-              <a:t>Fourth level</a:t>
-            </a:r>
-          </a:p>
-          <a:p>
-            <a:pPr lvl="4"/>
-            <a:r>
-              <a:rPr lang="en-US" smtClean="0"/>
-              <a:t>Fifth level</a:t>
-            </a:r>
-            <a:endParaRPr lang="de-DE"/>
+              <a:rPr lang="de-DE" smtClean="0"/>
+              <a:t>Textmasterformat bearbeiten</a:t>
+            </a:r>
+          </a:p>
+        </p:txBody>
+      </p:sp>
+      <p:sp>
+        <p:nvSpPr>
+          <p:cNvPr id="3" name="Text Placeholder 2"/>
+          <p:cNvSpPr>
+            <a:spLocks noGrp="1"/>
+          </p:cNvSpPr>
+          <p:nvPr>
+            <p:ph type="body" idx="1"/>
+          </p:nvPr>
+        </p:nvSpPr>
+        <p:spPr>
+          <a:xfrm>
+            <a:off x="677335" y="4470400"/>
+            <a:ext cx="8596668" cy="1570962"/>
+          </a:xfrm>
+        </p:spPr>
+        <p:txBody>
+          <a:bodyPr anchor="ctr">
+            <a:normAutofit/>
+          </a:bodyPr>
+          <a:lstStyle>
+            <a:lvl1pPr marL="0" indent="0" algn="l">
+              <a:buNone/>
+              <a:defRPr sz="1800">
+                <a:solidFill>
+                  <a:schemeClr val="tx1">
+                    <a:lumMod val="75000"/>
+                    <a:lumOff val="25000"/>
+                  </a:schemeClr>
+                </a:solidFill>
+              </a:defRPr>
+            </a:lvl1pPr>
+            <a:lvl2pPr marL="457200" indent="0">
+              <a:buNone/>
+              <a:defRPr sz="1800">
+                <a:solidFill>
+                  <a:schemeClr val="tx1">
+                    <a:tint val="75000"/>
+                  </a:schemeClr>
+                </a:solidFill>
+              </a:defRPr>
+            </a:lvl2pPr>
+            <a:lvl3pPr marL="914400" indent="0">
+              <a:buNone/>
+              <a:defRPr sz="1600">
+                <a:solidFill>
+                  <a:schemeClr val="tx1">
+                    <a:tint val="75000"/>
+                  </a:schemeClr>
+                </a:solidFill>
+              </a:defRPr>
+            </a:lvl3pPr>
+            <a:lvl4pPr marL="1371600" indent="0">
+              <a:buNone/>
+              <a:defRPr sz="1400">
+                <a:solidFill>
+                  <a:schemeClr val="tx1">
+                    <a:tint val="75000"/>
+                  </a:schemeClr>
+                </a:solidFill>
+              </a:defRPr>
+            </a:lvl4pPr>
+            <a:lvl5pPr marL="1828800" indent="0">
+              <a:buNone/>
+              <a:defRPr sz="1400">
+                <a:solidFill>
+                  <a:schemeClr val="tx1">
+                    <a:tint val="75000"/>
+                  </a:schemeClr>
+                </a:solidFill>
+              </a:defRPr>
+            </a:lvl5pPr>
+            <a:lvl6pPr marL="2286000" indent="0">
+              <a:buNone/>
+              <a:defRPr sz="1400">
+                <a:solidFill>
+                  <a:schemeClr val="tx1">
+                    <a:tint val="75000"/>
+                  </a:schemeClr>
+                </a:solidFill>
+              </a:defRPr>
+            </a:lvl6pPr>
+            <a:lvl7pPr marL="2743200" indent="0">
+              <a:buNone/>
+              <a:defRPr sz="1400">
+                <a:solidFill>
+                  <a:schemeClr val="tx1">
+                    <a:tint val="75000"/>
+                  </a:schemeClr>
+                </a:solidFill>
+              </a:defRPr>
+            </a:lvl7pPr>
+            <a:lvl8pPr marL="3200400" indent="0">
+              <a:buNone/>
+              <a:defRPr sz="1400">
+                <a:solidFill>
+                  <a:schemeClr val="tx1">
+                    <a:tint val="75000"/>
+                  </a:schemeClr>
+                </a:solidFill>
+              </a:defRPr>
+            </a:lvl8pPr>
+            <a:lvl9pPr marL="3657600" indent="0">
+              <a:buNone/>
+              <a:defRPr sz="1400">
+                <a:solidFill>
+                  <a:schemeClr val="tx1">
+                    <a:tint val="75000"/>
+                  </a:schemeClr>
+                </a:solidFill>
+              </a:defRPr>
+            </a:lvl9pPr>
+          </a:lstStyle>
+          <a:p>
+            <a:pPr lvl="0"/>
+            <a:r>
+              <a:rPr lang="de-DE" smtClean="0"/>
+              <a:t>Textmasterformat bearbeiten</a:t>
+            </a:r>
           </a:p>
         </p:txBody>
       </p:sp>
@@ -1343,10 +2149,100 @@
           </a:p>
         </p:txBody>
       </p:sp>
+      <p:sp>
+        <p:nvSpPr>
+          <p:cNvPr id="20" name="TextBox 19"/>
+          <p:cNvSpPr txBox="1"/>
+          <p:nvPr/>
+        </p:nvSpPr>
+        <p:spPr>
+          <a:xfrm>
+            <a:off x="541870" y="790378"/>
+            <a:ext cx="609600" cy="584776"/>
+          </a:xfrm>
+          <a:prstGeom prst="rect">
+            <a:avLst/>
+          </a:prstGeom>
+        </p:spPr>
+        <p:txBody>
+          <a:bodyPr vert="horz" lIns="91440" tIns="45720" rIns="91440" bIns="45720" rtlCol="0" anchor="ctr">
+            <a:noAutofit/>
+          </a:bodyPr>
+          <a:lstStyle/>
+          <a:p>
+            <a:pPr lvl="0"/>
+            <a:r>
+              <a:rPr lang="en-US" sz="8000" baseline="0" dirty="0">
+                <a:ln w="3175" cmpd="sng">
+                  <a:noFill/>
+                </a:ln>
+                <a:solidFill>
+                  <a:schemeClr val="accent1">
+                    <a:lumMod val="60000"/>
+                    <a:lumOff val="40000"/>
+                  </a:schemeClr>
+                </a:solidFill>
+                <a:effectLst/>
+                <a:latin typeface="Arial"/>
+              </a:rPr>
+              <a:t>“</a:t>
+            </a:r>
+          </a:p>
+        </p:txBody>
+      </p:sp>
+      <p:sp>
+        <p:nvSpPr>
+          <p:cNvPr id="22" name="TextBox 21"/>
+          <p:cNvSpPr txBox="1"/>
+          <p:nvPr/>
+        </p:nvSpPr>
+        <p:spPr>
+          <a:xfrm>
+            <a:off x="8893011" y="2886556"/>
+            <a:ext cx="609600" cy="584776"/>
+          </a:xfrm>
+          <a:prstGeom prst="rect">
+            <a:avLst/>
+          </a:prstGeom>
+        </p:spPr>
+        <p:txBody>
+          <a:bodyPr vert="horz" lIns="91440" tIns="45720" rIns="91440" bIns="45720" rtlCol="0" anchor="ctr">
+            <a:noAutofit/>
+          </a:bodyPr>
+          <a:lstStyle/>
+          <a:p>
+            <a:pPr lvl="0"/>
+            <a:r>
+              <a:rPr lang="en-US" sz="8000" baseline="0" dirty="0">
+                <a:ln w="3175" cmpd="sng">
+                  <a:noFill/>
+                </a:ln>
+                <a:solidFill>
+                  <a:schemeClr val="accent1">
+                    <a:lumMod val="60000"/>
+                    <a:lumOff val="40000"/>
+                  </a:schemeClr>
+                </a:solidFill>
+                <a:latin typeface="Arial"/>
+              </a:rPr>
+              <a:t>”</a:t>
+            </a:r>
+            <a:endParaRPr lang="en-US" dirty="0">
+              <a:solidFill>
+                <a:schemeClr val="accent1">
+                  <a:lumMod val="60000"/>
+                  <a:lumOff val="40000"/>
+                </a:schemeClr>
+              </a:solidFill>
+              <a:latin typeface="Arial"/>
+            </a:endParaRPr>
+          </a:p>
+        </p:txBody>
+      </p:sp>
     </p:spTree>
     <p:extLst>
       <p:ext uri="{BB962C8B-B14F-4D97-AF65-F5344CB8AC3E}">
-        <p14:creationId xmlns:p14="http://schemas.microsoft.com/office/powerpoint/2010/main" val="1179474575"/>
+        <p14:creationId xmlns:p14="http://schemas.microsoft.com/office/powerpoint/2010/main" val="3309050006"/>
       </p:ext>
     </p:extLst>
   </p:cSld>
@@ -1356,9 +2252,9 @@
 </p:sldLayout>
 </file>
 
-<file path=ppt/slideLayouts/slideLayout2.xml><?xml version="1.0" encoding="utf-8"?>
-<p:sldLayout xmlns:a="http://schemas.openxmlformats.org/drawingml/2006/main" xmlns:r="http://schemas.openxmlformats.org/officeDocument/2006/relationships" xmlns:p="http://schemas.openxmlformats.org/presentationml/2006/main" type="obj" preserve="1">
-  <p:cSld name="Title and Content">
+<file path=ppt/slideLayouts/slideLayout12.xml><?xml version="1.0" encoding="utf-8"?>
+<p:sldLayout xmlns:a="http://schemas.openxmlformats.org/drawingml/2006/main" xmlns:r="http://schemas.openxmlformats.org/officeDocument/2006/relationships" xmlns:p="http://schemas.openxmlformats.org/presentationml/2006/main" preserve="1">
+  <p:cSld name="Namenskarte">
     <p:spTree>
       <p:nvGrpSpPr>
         <p:cNvPr id="1" name=""/>
@@ -1383,68 +2279,149 @@
             <p:ph type="title"/>
           </p:nvPr>
         </p:nvSpPr>
-        <p:spPr/>
-        <p:txBody>
-          <a:bodyPr/>
-          <a:lstStyle/>
-          <a:p>
-            <a:r>
-              <a:rPr lang="en-US" smtClean="0"/>
-              <a:t>Click to edit Master title style</a:t>
-            </a:r>
-            <a:endParaRPr lang="de-DE"/>
-          </a:p>
-        </p:txBody>
-      </p:sp>
-      <p:sp>
-        <p:nvSpPr>
-          <p:cNvPr id="3" name="Content Placeholder 2"/>
+        <p:spPr>
+          <a:xfrm>
+            <a:off x="677335" y="1931988"/>
+            <a:ext cx="8596668" cy="2595460"/>
+          </a:xfrm>
+        </p:spPr>
+        <p:txBody>
+          <a:bodyPr anchor="b">
+            <a:normAutofit/>
+          </a:bodyPr>
+          <a:lstStyle>
+            <a:lvl1pPr algn="l">
+              <a:defRPr sz="4400" b="0" cap="none"/>
+            </a:lvl1pPr>
+          </a:lstStyle>
+          <a:p>
+            <a:r>
+              <a:rPr lang="de-DE" smtClean="0"/>
+              <a:t>Titelmasterformat durch Klicken bearbeiten</a:t>
+            </a:r>
+            <a:endParaRPr lang="en-US" dirty="0"/>
+          </a:p>
+        </p:txBody>
+      </p:sp>
+      <p:sp>
+        <p:nvSpPr>
+          <p:cNvPr id="3" name="Text Placeholder 2"/>
           <p:cNvSpPr>
             <a:spLocks noGrp="1"/>
           </p:cNvSpPr>
           <p:nvPr>
-            <p:ph idx="1"/>
+            <p:ph type="body" idx="1"/>
           </p:nvPr>
         </p:nvSpPr>
-        <p:spPr/>
-        <p:txBody>
-          <a:bodyPr/>
-          <a:lstStyle/>
+        <p:spPr>
+          <a:xfrm>
+            <a:off x="677335" y="4527448"/>
+            <a:ext cx="8596668" cy="1513914"/>
+          </a:xfrm>
+        </p:spPr>
+        <p:txBody>
+          <a:bodyPr anchor="t">
+            <a:normAutofit/>
+          </a:bodyPr>
+          <a:lstStyle>
+            <a:lvl1pPr marL="0" indent="0" algn="l">
+              <a:buNone/>
+              <a:defRPr sz="1800">
+                <a:solidFill>
+                  <a:schemeClr val="tx1">
+                    <a:lumMod val="75000"/>
+                    <a:lumOff val="25000"/>
+                  </a:schemeClr>
+                </a:solidFill>
+              </a:defRPr>
+            </a:lvl1pPr>
+            <a:lvl2pPr marL="457200" indent="0">
+              <a:buNone/>
+              <a:defRPr sz="1800">
+                <a:solidFill>
+                  <a:schemeClr val="tx1">
+                    <a:tint val="75000"/>
+                  </a:schemeClr>
+                </a:solidFill>
+              </a:defRPr>
+            </a:lvl2pPr>
+            <a:lvl3pPr marL="914400" indent="0">
+              <a:buNone/>
+              <a:defRPr sz="1600">
+                <a:solidFill>
+                  <a:schemeClr val="tx1">
+                    <a:tint val="75000"/>
+                  </a:schemeClr>
+                </a:solidFill>
+              </a:defRPr>
+            </a:lvl3pPr>
+            <a:lvl4pPr marL="1371600" indent="0">
+              <a:buNone/>
+              <a:defRPr sz="1400">
+                <a:solidFill>
+                  <a:schemeClr val="tx1">
+                    <a:tint val="75000"/>
+                  </a:schemeClr>
+                </a:solidFill>
+              </a:defRPr>
+            </a:lvl4pPr>
+            <a:lvl5pPr marL="1828800" indent="0">
+              <a:buNone/>
+              <a:defRPr sz="1400">
+                <a:solidFill>
+                  <a:schemeClr val="tx1">
+                    <a:tint val="75000"/>
+                  </a:schemeClr>
+                </a:solidFill>
+              </a:defRPr>
+            </a:lvl5pPr>
+            <a:lvl6pPr marL="2286000" indent="0">
+              <a:buNone/>
+              <a:defRPr sz="1400">
+                <a:solidFill>
+                  <a:schemeClr val="tx1">
+                    <a:tint val="75000"/>
+                  </a:schemeClr>
+                </a:solidFill>
+              </a:defRPr>
+            </a:lvl6pPr>
+            <a:lvl7pPr marL="2743200" indent="0">
+              <a:buNone/>
+              <a:defRPr sz="1400">
+                <a:solidFill>
+                  <a:schemeClr val="tx1">
+                    <a:tint val="75000"/>
+                  </a:schemeClr>
+                </a:solidFill>
+              </a:defRPr>
+            </a:lvl7pPr>
+            <a:lvl8pPr marL="3200400" indent="0">
+              <a:buNone/>
+              <a:defRPr sz="1400">
+                <a:solidFill>
+                  <a:schemeClr val="tx1">
+                    <a:tint val="75000"/>
+                  </a:schemeClr>
+                </a:solidFill>
+              </a:defRPr>
+            </a:lvl8pPr>
+            <a:lvl9pPr marL="3657600" indent="0">
+              <a:buNone/>
+              <a:defRPr sz="1400">
+                <a:solidFill>
+                  <a:schemeClr val="tx1">
+                    <a:tint val="75000"/>
+                  </a:schemeClr>
+                </a:solidFill>
+              </a:defRPr>
+            </a:lvl9pPr>
+          </a:lstStyle>
           <a:p>
             <a:pPr lvl="0"/>
             <a:r>
-              <a:rPr lang="en-US" smtClean="0"/>
-              <a:t>Click to edit Master text styles</a:t>
-            </a:r>
-          </a:p>
-          <a:p>
-            <a:pPr lvl="1"/>
-            <a:r>
-              <a:rPr lang="en-US" smtClean="0"/>
-              <a:t>Second level</a:t>
-            </a:r>
-          </a:p>
-          <a:p>
-            <a:pPr lvl="2"/>
-            <a:r>
-              <a:rPr lang="en-US" smtClean="0"/>
-              <a:t>Third level</a:t>
-            </a:r>
-          </a:p>
-          <a:p>
-            <a:pPr lvl="3"/>
-            <a:r>
-              <a:rPr lang="en-US" smtClean="0"/>
-              <a:t>Fourth level</a:t>
-            </a:r>
-          </a:p>
-          <a:p>
-            <a:pPr lvl="4"/>
-            <a:r>
-              <a:rPr lang="en-US" smtClean="0"/>
-              <a:t>Fifth level</a:t>
-            </a:r>
-            <a:endParaRPr lang="de-DE"/>
+              <a:rPr lang="de-DE" smtClean="0"/>
+              <a:t>Textmasterformat bearbeiten</a:t>
+            </a:r>
           </a:p>
         </p:txBody>
       </p:sp>
@@ -1516,7 +2493,7 @@
     </p:spTree>
     <p:extLst>
       <p:ext uri="{BB962C8B-B14F-4D97-AF65-F5344CB8AC3E}">
-        <p14:creationId xmlns:p14="http://schemas.microsoft.com/office/powerpoint/2010/main" val="2058164165"/>
+        <p14:creationId xmlns:p14="http://schemas.microsoft.com/office/powerpoint/2010/main" val="2237310114"/>
       </p:ext>
     </p:extLst>
   </p:cSld>
@@ -1526,9 +2503,9 @@
 </p:sldLayout>
 </file>
 
-<file path=ppt/slideLayouts/slideLayout3.xml><?xml version="1.0" encoding="utf-8"?>
-<p:sldLayout xmlns:a="http://schemas.openxmlformats.org/drawingml/2006/main" xmlns:r="http://schemas.openxmlformats.org/officeDocument/2006/relationships" xmlns:p="http://schemas.openxmlformats.org/presentationml/2006/main" type="secHead" preserve="1">
-  <p:cSld name="Section Header">
+<file path=ppt/slideLayouts/slideLayout13.xml><?xml version="1.0" encoding="utf-8"?>
+<p:sldLayout xmlns:a="http://schemas.openxmlformats.org/drawingml/2006/main" xmlns:r="http://schemas.openxmlformats.org/officeDocument/2006/relationships" xmlns:p="http://schemas.openxmlformats.org/presentationml/2006/main" preserve="1">
+  <p:cSld name="Namenskarte für Zitat">
     <p:spTree>
       <p:nvGrpSpPr>
         <p:cNvPr id="1" name=""/>
@@ -1555,23 +2532,88 @@
         </p:nvSpPr>
         <p:spPr>
           <a:xfrm>
-            <a:off x="831850" y="1709738"/>
-            <a:ext cx="10515600" cy="2852737"/>
+            <a:off x="931334" y="609600"/>
+            <a:ext cx="8094134" cy="3022600"/>
           </a:xfrm>
         </p:spPr>
         <p:txBody>
-          <a:bodyPr anchor="b"/>
+          <a:bodyPr anchor="ctr">
+            <a:normAutofit/>
+          </a:bodyPr>
           <a:lstStyle>
-            <a:lvl1pPr>
-              <a:defRPr sz="6000"/>
+            <a:lvl1pPr algn="l">
+              <a:defRPr sz="4400" b="0" cap="none"/>
             </a:lvl1pPr>
           </a:lstStyle>
           <a:p>
             <a:r>
-              <a:rPr lang="en-US" smtClean="0"/>
-              <a:t>Click to edit Master title style</a:t>
-            </a:r>
-            <a:endParaRPr lang="de-DE"/>
+              <a:rPr lang="de-DE" smtClean="0"/>
+              <a:t>Titelmasterformat durch Klicken bearbeiten</a:t>
+            </a:r>
+            <a:endParaRPr lang="en-US" dirty="0"/>
+          </a:p>
+        </p:txBody>
+      </p:sp>
+      <p:sp>
+        <p:nvSpPr>
+          <p:cNvPr id="23" name="Text Placeholder 9"/>
+          <p:cNvSpPr>
+            <a:spLocks noGrp="1"/>
+          </p:cNvSpPr>
+          <p:nvPr>
+            <p:ph type="body" sz="quarter" idx="13"/>
+          </p:nvPr>
+        </p:nvSpPr>
+        <p:spPr>
+          <a:xfrm>
+            <a:off x="677332" y="4013200"/>
+            <a:ext cx="8596669" cy="514248"/>
+          </a:xfrm>
+        </p:spPr>
+        <p:txBody>
+          <a:bodyPr anchor="b">
+            <a:noAutofit/>
+          </a:bodyPr>
+          <a:lstStyle>
+            <a:lvl1pPr marL="0" indent="0">
+              <a:buFontTx/>
+              <a:buNone/>
+              <a:defRPr sz="2400">
+                <a:solidFill>
+                  <a:schemeClr val="tx1">
+                    <a:lumMod val="75000"/>
+                    <a:lumOff val="25000"/>
+                  </a:schemeClr>
+                </a:solidFill>
+              </a:defRPr>
+            </a:lvl1pPr>
+            <a:lvl2pPr marL="457200" indent="0">
+              <a:buFontTx/>
+              <a:buNone/>
+              <a:defRPr/>
+            </a:lvl2pPr>
+            <a:lvl3pPr marL="914400" indent="0">
+              <a:buFontTx/>
+              <a:buNone/>
+              <a:defRPr/>
+            </a:lvl3pPr>
+            <a:lvl4pPr marL="1371600" indent="0">
+              <a:buFontTx/>
+              <a:buNone/>
+              <a:defRPr/>
+            </a:lvl4pPr>
+            <a:lvl5pPr marL="1828800" indent="0">
+              <a:buFontTx/>
+              <a:buNone/>
+              <a:defRPr/>
+            </a:lvl5pPr>
+          </a:lstStyle>
+          <a:p>
+            <a:pPr lvl="0"/>
+            <a:r>
+              <a:rPr lang="de-DE" smtClean="0"/>
+              <a:t>Textmasterformat bearbeiten</a:t>
+            </a:r>
           </a:p>
         </p:txBody>
       </p:sp>
@@ -1587,26 +2629,29 @@
         </p:nvSpPr>
         <p:spPr>
           <a:xfrm>
-            <a:off x="831850" y="4589463"/>
-            <a:ext cx="10515600" cy="1500187"/>
+            <a:off x="677335" y="4527448"/>
+            <a:ext cx="8596668" cy="1513914"/>
           </a:xfrm>
         </p:spPr>
         <p:txBody>
-          <a:bodyPr/>
+          <a:bodyPr anchor="t">
+            <a:normAutofit/>
+          </a:bodyPr>
           <a:lstStyle>
-            <a:lvl1pPr marL="0" indent="0">
+            <a:lvl1pPr marL="0" indent="0" algn="l">
               <a:buNone/>
-              <a:defRPr sz="2400">
+              <a:defRPr sz="1800">
                 <a:solidFill>
                   <a:schemeClr val="tx1">
-                    <a:tint val="75000"/>
+                    <a:lumMod val="50000"/>
+                    <a:lumOff val="50000"/>
                   </a:schemeClr>
                 </a:solidFill>
               </a:defRPr>
             </a:lvl1pPr>
             <a:lvl2pPr marL="457200" indent="0">
               <a:buNone/>
-              <a:defRPr sz="2000">
+              <a:defRPr sz="1800">
                 <a:solidFill>
                   <a:schemeClr val="tx1">
                     <a:tint val="75000"/>
@@ -1616,7 +2661,7 @@
             </a:lvl2pPr>
             <a:lvl3pPr marL="914400" indent="0">
               <a:buNone/>
-              <a:defRPr sz="1800">
+              <a:defRPr sz="1600">
                 <a:solidFill>
                   <a:schemeClr val="tx1">
                     <a:tint val="75000"/>
@@ -1626,7 +2671,7 @@
             </a:lvl3pPr>
             <a:lvl4pPr marL="1371600" indent="0">
               <a:buNone/>
-              <a:defRPr sz="1600">
+              <a:defRPr sz="1400">
                 <a:solidFill>
                   <a:schemeClr val="tx1">
                     <a:tint val="75000"/>
@@ -1636,7 +2681,7 @@
             </a:lvl4pPr>
             <a:lvl5pPr marL="1828800" indent="0">
               <a:buNone/>
-              <a:defRPr sz="1600">
+              <a:defRPr sz="1400">
                 <a:solidFill>
                   <a:schemeClr val="tx1">
                     <a:tint val="75000"/>
@@ -1646,7 +2691,7 @@
             </a:lvl5pPr>
             <a:lvl6pPr marL="2286000" indent="0">
               <a:buNone/>
-              <a:defRPr sz="1600">
+              <a:defRPr sz="1400">
                 <a:solidFill>
                   <a:schemeClr val="tx1">
                     <a:tint val="75000"/>
@@ -1656,7 +2701,7 @@
             </a:lvl6pPr>
             <a:lvl7pPr marL="2743200" indent="0">
               <a:buNone/>
-              <a:defRPr sz="1600">
+              <a:defRPr sz="1400">
                 <a:solidFill>
                   <a:schemeClr val="tx1">
                     <a:tint val="75000"/>
@@ -1666,7 +2711,7 @@
             </a:lvl7pPr>
             <a:lvl8pPr marL="3200400" indent="0">
               <a:buNone/>
-              <a:defRPr sz="1600">
+              <a:defRPr sz="1400">
                 <a:solidFill>
                   <a:schemeClr val="tx1">
                     <a:tint val="75000"/>
@@ -1676,7 +2721,7 @@
             </a:lvl8pPr>
             <a:lvl9pPr marL="3657600" indent="0">
               <a:buNone/>
-              <a:defRPr sz="1600">
+              <a:defRPr sz="1400">
                 <a:solidFill>
                   <a:schemeClr val="tx1">
                     <a:tint val="75000"/>
@@ -1688,8 +2733,8 @@
           <a:p>
             <a:pPr lvl="0"/>
             <a:r>
-              <a:rPr lang="en-US" smtClean="0"/>
-              <a:t>Click to edit Master text styles</a:t>
+              <a:rPr lang="de-DE" smtClean="0"/>
+              <a:t>Textmasterformat bearbeiten</a:t>
             </a:r>
           </a:p>
         </p:txBody>
@@ -1759,10 +2804,92 @@
           </a:p>
         </p:txBody>
       </p:sp>
+      <p:sp>
+        <p:nvSpPr>
+          <p:cNvPr id="24" name="TextBox 23"/>
+          <p:cNvSpPr txBox="1"/>
+          <p:nvPr/>
+        </p:nvSpPr>
+        <p:spPr>
+          <a:xfrm>
+            <a:off x="541870" y="790378"/>
+            <a:ext cx="609600" cy="584776"/>
+          </a:xfrm>
+          <a:prstGeom prst="rect">
+            <a:avLst/>
+          </a:prstGeom>
+        </p:spPr>
+        <p:txBody>
+          <a:bodyPr vert="horz" lIns="91440" tIns="45720" rIns="91440" bIns="45720" rtlCol="0" anchor="ctr">
+            <a:noAutofit/>
+          </a:bodyPr>
+          <a:lstStyle/>
+          <a:p>
+            <a:pPr lvl="0"/>
+            <a:r>
+              <a:rPr lang="en-US" sz="8000" baseline="0" dirty="0">
+                <a:ln w="3175" cmpd="sng">
+                  <a:noFill/>
+                </a:ln>
+                <a:solidFill>
+                  <a:schemeClr val="accent1">
+                    <a:lumMod val="60000"/>
+                    <a:lumOff val="40000"/>
+                  </a:schemeClr>
+                </a:solidFill>
+                <a:effectLst/>
+                <a:latin typeface="Arial"/>
+              </a:rPr>
+              <a:t>“</a:t>
+            </a:r>
+          </a:p>
+        </p:txBody>
+      </p:sp>
+      <p:sp>
+        <p:nvSpPr>
+          <p:cNvPr id="25" name="TextBox 24"/>
+          <p:cNvSpPr txBox="1"/>
+          <p:nvPr/>
+        </p:nvSpPr>
+        <p:spPr>
+          <a:xfrm>
+            <a:off x="8893011" y="2886556"/>
+            <a:ext cx="609600" cy="584776"/>
+          </a:xfrm>
+          <a:prstGeom prst="rect">
+            <a:avLst/>
+          </a:prstGeom>
+        </p:spPr>
+        <p:txBody>
+          <a:bodyPr vert="horz" lIns="91440" tIns="45720" rIns="91440" bIns="45720" rtlCol="0" anchor="ctr">
+            <a:noAutofit/>
+          </a:bodyPr>
+          <a:lstStyle/>
+          <a:p>
+            <a:pPr lvl="0"/>
+            <a:r>
+              <a:rPr lang="en-US" sz="8000" baseline="0" dirty="0">
+                <a:ln w="3175" cmpd="sng">
+                  <a:noFill/>
+                </a:ln>
+                <a:solidFill>
+                  <a:schemeClr val="accent1">
+                    <a:lumMod val="60000"/>
+                    <a:lumOff val="40000"/>
+                  </a:schemeClr>
+                </a:solidFill>
+                <a:effectLst/>
+                <a:latin typeface="Arial"/>
+              </a:rPr>
+              <a:t>”</a:t>
+            </a:r>
+          </a:p>
+        </p:txBody>
+      </p:sp>
     </p:spTree>
     <p:extLst>
       <p:ext uri="{BB962C8B-B14F-4D97-AF65-F5344CB8AC3E}">
-        <p14:creationId xmlns:p14="http://schemas.microsoft.com/office/powerpoint/2010/main" val="3577826280"/>
+        <p14:creationId xmlns:p14="http://schemas.microsoft.com/office/powerpoint/2010/main" val="3122586973"/>
       </p:ext>
     </p:extLst>
   </p:cSld>
@@ -1772,9 +2899,9 @@
 </p:sldLayout>
 </file>
 
-<file path=ppt/slideLayouts/slideLayout4.xml><?xml version="1.0" encoding="utf-8"?>
-<p:sldLayout xmlns:a="http://schemas.openxmlformats.org/drawingml/2006/main" xmlns:r="http://schemas.openxmlformats.org/officeDocument/2006/relationships" xmlns:p="http://schemas.openxmlformats.org/presentationml/2006/main" type="twoObj" preserve="1">
-  <p:cSld name="Two Content">
+<file path=ppt/slideLayouts/slideLayout14.xml><?xml version="1.0" encoding="utf-8"?>
+<p:sldLayout xmlns:a="http://schemas.openxmlformats.org/drawingml/2006/main" xmlns:r="http://schemas.openxmlformats.org/officeDocument/2006/relationships" xmlns:p="http://schemas.openxmlformats.org/presentationml/2006/main" preserve="1">
+  <p:cSld name="Wahr oder Falsch">
     <p:spTree>
       <p:nvGrpSpPr>
         <p:cNvPr id="1" name=""/>
@@ -1799,136 +2926,215 @@
             <p:ph type="title"/>
           </p:nvPr>
         </p:nvSpPr>
-        <p:spPr/>
-        <p:txBody>
-          <a:bodyPr/>
-          <a:lstStyle/>
-          <a:p>
-            <a:r>
-              <a:rPr lang="en-US" smtClean="0"/>
-              <a:t>Click to edit Master title style</a:t>
-            </a:r>
-            <a:endParaRPr lang="de-DE"/>
-          </a:p>
-        </p:txBody>
-      </p:sp>
-      <p:sp>
-        <p:nvSpPr>
-          <p:cNvPr id="3" name="Content Placeholder 2"/>
+        <p:spPr>
+          <a:xfrm>
+            <a:off x="685799" y="609600"/>
+            <a:ext cx="8588203" cy="3022600"/>
+          </a:xfrm>
+        </p:spPr>
+        <p:txBody>
+          <a:bodyPr anchor="ctr">
+            <a:normAutofit/>
+          </a:bodyPr>
+          <a:lstStyle>
+            <a:lvl1pPr algn="l">
+              <a:defRPr sz="4400" b="0" cap="none"/>
+            </a:lvl1pPr>
+          </a:lstStyle>
+          <a:p>
+            <a:r>
+              <a:rPr lang="de-DE" smtClean="0"/>
+              <a:t>Titelmasterformat durch Klicken bearbeiten</a:t>
+            </a:r>
+            <a:endParaRPr lang="en-US" dirty="0"/>
+          </a:p>
+        </p:txBody>
+      </p:sp>
+      <p:sp>
+        <p:nvSpPr>
+          <p:cNvPr id="23" name="Text Placeholder 9"/>
           <p:cNvSpPr>
             <a:spLocks noGrp="1"/>
           </p:cNvSpPr>
           <p:nvPr>
-            <p:ph sz="half" idx="1"/>
+            <p:ph type="body" sz="quarter" idx="13"/>
           </p:nvPr>
         </p:nvSpPr>
         <p:spPr>
           <a:xfrm>
-            <a:off x="838200" y="1825625"/>
-            <a:ext cx="5181600" cy="4351338"/>
+            <a:off x="677332" y="4013200"/>
+            <a:ext cx="8596669" cy="514248"/>
           </a:xfrm>
         </p:spPr>
         <p:txBody>
-          <a:bodyPr/>
-          <a:lstStyle/>
+          <a:bodyPr anchor="b">
+            <a:noAutofit/>
+          </a:bodyPr>
+          <a:lstStyle>
+            <a:lvl1pPr marL="0" indent="0">
+              <a:buFontTx/>
+              <a:buNone/>
+              <a:defRPr sz="2400">
+                <a:solidFill>
+                  <a:schemeClr val="accent1"/>
+                </a:solidFill>
+              </a:defRPr>
+            </a:lvl1pPr>
+            <a:lvl2pPr marL="457200" indent="0">
+              <a:buFontTx/>
+              <a:buNone/>
+              <a:defRPr/>
+            </a:lvl2pPr>
+            <a:lvl3pPr marL="914400" indent="0">
+              <a:buFontTx/>
+              <a:buNone/>
+              <a:defRPr/>
+            </a:lvl3pPr>
+            <a:lvl4pPr marL="1371600" indent="0">
+              <a:buFontTx/>
+              <a:buNone/>
+              <a:defRPr/>
+            </a:lvl4pPr>
+            <a:lvl5pPr marL="1828800" indent="0">
+              <a:buFontTx/>
+              <a:buNone/>
+              <a:defRPr/>
+            </a:lvl5pPr>
+          </a:lstStyle>
           <a:p>
             <a:pPr lvl="0"/>
             <a:r>
-              <a:rPr lang="en-US" smtClean="0"/>
-              <a:t>Click to edit Master text styles</a:t>
-            </a:r>
-          </a:p>
-          <a:p>
-            <a:pPr lvl="1"/>
-            <a:r>
-              <a:rPr lang="en-US" smtClean="0"/>
-              <a:t>Second level</a:t>
-            </a:r>
-          </a:p>
-          <a:p>
-            <a:pPr lvl="2"/>
-            <a:r>
-              <a:rPr lang="en-US" smtClean="0"/>
-              <a:t>Third level</a:t>
-            </a:r>
-          </a:p>
-          <a:p>
-            <a:pPr lvl="3"/>
-            <a:r>
-              <a:rPr lang="en-US" smtClean="0"/>
-              <a:t>Fourth level</a:t>
-            </a:r>
-          </a:p>
-          <a:p>
-            <a:pPr lvl="4"/>
-            <a:r>
-              <a:rPr lang="en-US" smtClean="0"/>
-              <a:t>Fifth level</a:t>
-            </a:r>
-            <a:endParaRPr lang="de-DE"/>
-          </a:p>
-        </p:txBody>
-      </p:sp>
-      <p:sp>
-        <p:nvSpPr>
-          <p:cNvPr id="4" name="Content Placeholder 3"/>
+              <a:rPr lang="de-DE" smtClean="0"/>
+              <a:t>Textmasterformat bearbeiten</a:t>
+            </a:r>
+          </a:p>
+        </p:txBody>
+      </p:sp>
+      <p:sp>
+        <p:nvSpPr>
+          <p:cNvPr id="3" name="Text Placeholder 2"/>
           <p:cNvSpPr>
             <a:spLocks noGrp="1"/>
           </p:cNvSpPr>
           <p:nvPr>
-            <p:ph sz="half" idx="2"/>
+            <p:ph type="body" idx="1"/>
           </p:nvPr>
         </p:nvSpPr>
         <p:spPr>
           <a:xfrm>
-            <a:off x="6172200" y="1825625"/>
-            <a:ext cx="5181600" cy="4351338"/>
+            <a:off x="677335" y="4527448"/>
+            <a:ext cx="8596668" cy="1513914"/>
           </a:xfrm>
         </p:spPr>
         <p:txBody>
-          <a:bodyPr/>
-          <a:lstStyle/>
+          <a:bodyPr anchor="t">
+            <a:normAutofit/>
+          </a:bodyPr>
+          <a:lstStyle>
+            <a:lvl1pPr marL="0" indent="0" algn="l">
+              <a:buNone/>
+              <a:defRPr sz="1800">
+                <a:solidFill>
+                  <a:schemeClr val="tx1">
+                    <a:lumMod val="50000"/>
+                    <a:lumOff val="50000"/>
+                  </a:schemeClr>
+                </a:solidFill>
+              </a:defRPr>
+            </a:lvl1pPr>
+            <a:lvl2pPr marL="457200" indent="0">
+              <a:buNone/>
+              <a:defRPr sz="1800">
+                <a:solidFill>
+                  <a:schemeClr val="tx1">
+                    <a:tint val="75000"/>
+                  </a:schemeClr>
+                </a:solidFill>
+              </a:defRPr>
+            </a:lvl2pPr>
+            <a:lvl3pPr marL="914400" indent="0">
+              <a:buNone/>
+              <a:defRPr sz="1600">
+                <a:solidFill>
+                  <a:schemeClr val="tx1">
+                    <a:tint val="75000"/>
+                  </a:schemeClr>
+                </a:solidFill>
+              </a:defRPr>
+            </a:lvl3pPr>
+            <a:lvl4pPr marL="1371600" indent="0">
+              <a:buNone/>
+              <a:defRPr sz="1400">
+                <a:solidFill>
+                  <a:schemeClr val="tx1">
+                    <a:tint val="75000"/>
+                  </a:schemeClr>
+                </a:solidFill>
+              </a:defRPr>
+            </a:lvl4pPr>
+            <a:lvl5pPr marL="1828800" indent="0">
+              <a:buNone/>
+              <a:defRPr sz="1400">
+                <a:solidFill>
+                  <a:schemeClr val="tx1">
+                    <a:tint val="75000"/>
+                  </a:schemeClr>
+                </a:solidFill>
+              </a:defRPr>
+            </a:lvl5pPr>
+            <a:lvl6pPr marL="2286000" indent="0">
+              <a:buNone/>
+              <a:defRPr sz="1400">
+                <a:solidFill>
+                  <a:schemeClr val="tx1">
+                    <a:tint val="75000"/>
+                  </a:schemeClr>
+                </a:solidFill>
+              </a:defRPr>
+            </a:lvl6pPr>
+            <a:lvl7pPr marL="2743200" indent="0">
+              <a:buNone/>
+              <a:defRPr sz="1400">
+                <a:solidFill>
+                  <a:schemeClr val="tx1">
+                    <a:tint val="75000"/>
+                  </a:schemeClr>
+                </a:solidFill>
+              </a:defRPr>
+            </a:lvl7pPr>
+            <a:lvl8pPr marL="3200400" indent="0">
+              <a:buNone/>
+              <a:defRPr sz="1400">
+                <a:solidFill>
+                  <a:schemeClr val="tx1">
+                    <a:tint val="75000"/>
+                  </a:schemeClr>
+                </a:solidFill>
+              </a:defRPr>
+            </a:lvl8pPr>
+            <a:lvl9pPr marL="3657600" indent="0">
+              <a:buNone/>
+              <a:defRPr sz="1400">
+                <a:solidFill>
+                  <a:schemeClr val="tx1">
+                    <a:tint val="75000"/>
+                  </a:schemeClr>
+                </a:solidFill>
+              </a:defRPr>
+            </a:lvl9pPr>
+          </a:lstStyle>
           <a:p>
             <a:pPr lvl="0"/>
             <a:r>
-              <a:rPr lang="en-US" smtClean="0"/>
-              <a:t>Click to edit Master text styles</a:t>
-            </a:r>
-          </a:p>
-          <a:p>
-            <a:pPr lvl="1"/>
-            <a:r>
-              <a:rPr lang="en-US" smtClean="0"/>
-              <a:t>Second level</a:t>
-            </a:r>
-          </a:p>
-          <a:p>
-            <a:pPr lvl="2"/>
-            <a:r>
-              <a:rPr lang="en-US" smtClean="0"/>
-              <a:t>Third level</a:t>
-            </a:r>
-          </a:p>
-          <a:p>
-            <a:pPr lvl="3"/>
-            <a:r>
-              <a:rPr lang="en-US" smtClean="0"/>
-              <a:t>Fourth level</a:t>
-            </a:r>
-          </a:p>
-          <a:p>
-            <a:pPr lvl="4"/>
-            <a:r>
-              <a:rPr lang="en-US" smtClean="0"/>
-              <a:t>Fifth level</a:t>
-            </a:r>
-            <a:endParaRPr lang="de-DE"/>
-          </a:p>
-        </p:txBody>
-      </p:sp>
-      <p:sp>
-        <p:nvSpPr>
-          <p:cNvPr id="5" name="Date Placeholder 4"/>
+              <a:rPr lang="de-DE" smtClean="0"/>
+              <a:t>Textmasterformat bearbeiten</a:t>
+            </a:r>
+          </a:p>
+        </p:txBody>
+      </p:sp>
+      <p:sp>
+        <p:nvSpPr>
+          <p:cNvPr id="4" name="Date Placeholder 3"/>
           <p:cNvSpPr>
             <a:spLocks noGrp="1"/>
           </p:cNvSpPr>
@@ -1951,7 +3157,7 @@
       </p:sp>
       <p:sp>
         <p:nvSpPr>
-          <p:cNvPr id="6" name="Footer Placeholder 5"/>
+          <p:cNvPr id="5" name="Footer Placeholder 4"/>
           <p:cNvSpPr>
             <a:spLocks noGrp="1"/>
           </p:cNvSpPr>
@@ -1970,7 +3176,7 @@
       </p:sp>
       <p:sp>
         <p:nvSpPr>
-          <p:cNvPr id="7" name="Slide Number Placeholder 6"/>
+          <p:cNvPr id="6" name="Slide Number Placeholder 5"/>
           <p:cNvSpPr>
             <a:spLocks noGrp="1"/>
           </p:cNvSpPr>
@@ -1994,7 +3200,7 @@
     </p:spTree>
     <p:extLst>
       <p:ext uri="{BB962C8B-B14F-4D97-AF65-F5344CB8AC3E}">
-        <p14:creationId xmlns:p14="http://schemas.microsoft.com/office/powerpoint/2010/main" val="517942441"/>
+        <p14:creationId xmlns:p14="http://schemas.microsoft.com/office/powerpoint/2010/main" val="3737290151"/>
       </p:ext>
     </p:extLst>
   </p:cSld>
@@ -2004,9 +3210,9 @@
 </p:sldLayout>
 </file>
 
-<file path=ppt/slideLayouts/slideLayout5.xml><?xml version="1.0" encoding="utf-8"?>
-<p:sldLayout xmlns:a="http://schemas.openxmlformats.org/drawingml/2006/main" xmlns:r="http://schemas.openxmlformats.org/officeDocument/2006/relationships" xmlns:p="http://schemas.openxmlformats.org/presentationml/2006/main" type="twoTxTwoObj" preserve="1">
-  <p:cSld name="Comparison">
+<file path=ppt/slideLayouts/slideLayout15.xml><?xml version="1.0" encoding="utf-8"?>
+<p:sldLayout xmlns:a="http://schemas.openxmlformats.org/drawingml/2006/main" xmlns:r="http://schemas.openxmlformats.org/officeDocument/2006/relationships" xmlns:p="http://schemas.openxmlformats.org/presentationml/2006/main" type="vertTx" preserve="1">
+  <p:cSld name="Titel und vertikaler Text">
     <p:spTree>
       <p:nvGrpSpPr>
         <p:cNvPr id="1" name=""/>
@@ -2031,21 +3237,558 @@
             <p:ph type="title"/>
           </p:nvPr>
         </p:nvSpPr>
+        <p:spPr/>
+        <p:txBody>
+          <a:bodyPr/>
+          <a:lstStyle/>
+          <a:p>
+            <a:r>
+              <a:rPr lang="de-DE" smtClean="0"/>
+              <a:t>Titelmasterformat durch Klicken bearbeiten</a:t>
+            </a:r>
+            <a:endParaRPr lang="en-US" dirty="0"/>
+          </a:p>
+        </p:txBody>
+      </p:sp>
+      <p:sp>
+        <p:nvSpPr>
+          <p:cNvPr id="3" name="Vertical Text Placeholder 2"/>
+          <p:cNvSpPr>
+            <a:spLocks noGrp="1"/>
+          </p:cNvSpPr>
+          <p:nvPr>
+            <p:ph type="body" orient="vert" idx="1"/>
+          </p:nvPr>
+        </p:nvSpPr>
+        <p:spPr/>
+        <p:txBody>
+          <a:bodyPr vert="eaVert"/>
+          <a:lstStyle/>
+          <a:p>
+            <a:pPr lvl="0"/>
+            <a:r>
+              <a:rPr lang="de-DE" smtClean="0"/>
+              <a:t>Textmasterformat bearbeiten</a:t>
+            </a:r>
+          </a:p>
+          <a:p>
+            <a:pPr lvl="1"/>
+            <a:r>
+              <a:rPr lang="de-DE" smtClean="0"/>
+              <a:t>Zweite Ebene</a:t>
+            </a:r>
+          </a:p>
+          <a:p>
+            <a:pPr lvl="2"/>
+            <a:r>
+              <a:rPr lang="de-DE" smtClean="0"/>
+              <a:t>Dritte Ebene</a:t>
+            </a:r>
+          </a:p>
+          <a:p>
+            <a:pPr lvl="3"/>
+            <a:r>
+              <a:rPr lang="de-DE" smtClean="0"/>
+              <a:t>Vierte Ebene</a:t>
+            </a:r>
+          </a:p>
+          <a:p>
+            <a:pPr lvl="4"/>
+            <a:r>
+              <a:rPr lang="de-DE" smtClean="0"/>
+              <a:t>Fünfte Ebene</a:t>
+            </a:r>
+            <a:endParaRPr lang="en-US" dirty="0"/>
+          </a:p>
+        </p:txBody>
+      </p:sp>
+      <p:sp>
+        <p:nvSpPr>
+          <p:cNvPr id="4" name="Date Placeholder 3"/>
+          <p:cNvSpPr>
+            <a:spLocks noGrp="1"/>
+          </p:cNvSpPr>
+          <p:nvPr>
+            <p:ph type="dt" sz="half" idx="10"/>
+          </p:nvPr>
+        </p:nvSpPr>
+        <p:spPr/>
+        <p:txBody>
+          <a:bodyPr/>
+          <a:lstStyle/>
+          <a:p>
+            <a:fld id="{7AF8E37B-F5FD-4F9D-9B00-BC7C4776A7C3}" type="datetimeFigureOut">
+              <a:rPr lang="en-US" smtClean="0"/>
+              <a:t>7/2/2015</a:t>
+            </a:fld>
+            <a:endParaRPr lang="en-US"/>
+          </a:p>
+        </p:txBody>
+      </p:sp>
+      <p:sp>
+        <p:nvSpPr>
+          <p:cNvPr id="5" name="Footer Placeholder 4"/>
+          <p:cNvSpPr>
+            <a:spLocks noGrp="1"/>
+          </p:cNvSpPr>
+          <p:nvPr>
+            <p:ph type="ftr" sz="quarter" idx="11"/>
+          </p:nvPr>
+        </p:nvSpPr>
+        <p:spPr/>
+        <p:txBody>
+          <a:bodyPr/>
+          <a:lstStyle/>
+          <a:p>
+            <a:endParaRPr lang="en-US"/>
+          </a:p>
+        </p:txBody>
+      </p:sp>
+      <p:sp>
+        <p:nvSpPr>
+          <p:cNvPr id="6" name="Slide Number Placeholder 5"/>
+          <p:cNvSpPr>
+            <a:spLocks noGrp="1"/>
+          </p:cNvSpPr>
+          <p:nvPr>
+            <p:ph type="sldNum" sz="quarter" idx="12"/>
+          </p:nvPr>
+        </p:nvSpPr>
+        <p:spPr/>
+        <p:txBody>
+          <a:bodyPr/>
+          <a:lstStyle/>
+          <a:p>
+            <a:fld id="{5B99597B-07E3-4F78-AC35-69A9544D51AD}" type="slidenum">
+              <a:rPr lang="en-US" smtClean="0"/>
+              <a:t>‹Nr.›</a:t>
+            </a:fld>
+            <a:endParaRPr lang="en-US"/>
+          </a:p>
+        </p:txBody>
+      </p:sp>
+    </p:spTree>
+    <p:extLst>
+      <p:ext uri="{BB962C8B-B14F-4D97-AF65-F5344CB8AC3E}">
+        <p14:creationId xmlns:p14="http://schemas.microsoft.com/office/powerpoint/2010/main" val="1367197057"/>
+      </p:ext>
+    </p:extLst>
+  </p:cSld>
+  <p:clrMapOvr>
+    <a:masterClrMapping/>
+  </p:clrMapOvr>
+</p:sldLayout>
+</file>
+
+<file path=ppt/slideLayouts/slideLayout16.xml><?xml version="1.0" encoding="utf-8"?>
+<p:sldLayout xmlns:a="http://schemas.openxmlformats.org/drawingml/2006/main" xmlns:r="http://schemas.openxmlformats.org/officeDocument/2006/relationships" xmlns:p="http://schemas.openxmlformats.org/presentationml/2006/main" type="vertTitleAndTx" preserve="1">
+  <p:cSld name="Vertikaler Titel und Text">
+    <p:spTree>
+      <p:nvGrpSpPr>
+        <p:cNvPr id="1" name=""/>
+        <p:cNvGrpSpPr/>
+        <p:nvPr/>
+      </p:nvGrpSpPr>
+      <p:grpSpPr>
+        <a:xfrm>
+          <a:off x="0" y="0"/>
+          <a:ext cx="0" cy="0"/>
+          <a:chOff x="0" y="0"/>
+          <a:chExt cx="0" cy="0"/>
+        </a:xfrm>
+      </p:grpSpPr>
+      <p:sp>
+        <p:nvSpPr>
+          <p:cNvPr id="2" name="Vertical Title 1"/>
+          <p:cNvSpPr>
+            <a:spLocks noGrp="1"/>
+          </p:cNvSpPr>
+          <p:nvPr>
+            <p:ph type="title" orient="vert"/>
+          </p:nvPr>
+        </p:nvSpPr>
         <p:spPr>
           <a:xfrm>
-            <a:off x="839788" y="365125"/>
-            <a:ext cx="10515600" cy="1325563"/>
+            <a:off x="7967673" y="609599"/>
+            <a:ext cx="1304743" cy="5251451"/>
           </a:xfrm>
         </p:spPr>
         <p:txBody>
+          <a:bodyPr vert="eaVert" anchor="ctr"/>
+          <a:lstStyle/>
+          <a:p>
+            <a:r>
+              <a:rPr lang="de-DE" smtClean="0"/>
+              <a:t>Titelmasterformat durch Klicken bearbeiten</a:t>
+            </a:r>
+            <a:endParaRPr lang="en-US" dirty="0"/>
+          </a:p>
+        </p:txBody>
+      </p:sp>
+      <p:sp>
+        <p:nvSpPr>
+          <p:cNvPr id="3" name="Vertical Text Placeholder 2"/>
+          <p:cNvSpPr>
+            <a:spLocks noGrp="1"/>
+          </p:cNvSpPr>
+          <p:nvPr>
+            <p:ph type="body" orient="vert" idx="1"/>
+          </p:nvPr>
+        </p:nvSpPr>
+        <p:spPr>
+          <a:xfrm>
+            <a:off x="677335" y="609600"/>
+            <a:ext cx="7060150" cy="5251450"/>
+          </a:xfrm>
+        </p:spPr>
+        <p:txBody>
+          <a:bodyPr vert="eaVert"/>
+          <a:lstStyle/>
+          <a:p>
+            <a:pPr lvl="0"/>
+            <a:r>
+              <a:rPr lang="de-DE" smtClean="0"/>
+              <a:t>Textmasterformat bearbeiten</a:t>
+            </a:r>
+          </a:p>
+          <a:p>
+            <a:pPr lvl="1"/>
+            <a:r>
+              <a:rPr lang="de-DE" smtClean="0"/>
+              <a:t>Zweite Ebene</a:t>
+            </a:r>
+          </a:p>
+          <a:p>
+            <a:pPr lvl="2"/>
+            <a:r>
+              <a:rPr lang="de-DE" smtClean="0"/>
+              <a:t>Dritte Ebene</a:t>
+            </a:r>
+          </a:p>
+          <a:p>
+            <a:pPr lvl="3"/>
+            <a:r>
+              <a:rPr lang="de-DE" smtClean="0"/>
+              <a:t>Vierte Ebene</a:t>
+            </a:r>
+          </a:p>
+          <a:p>
+            <a:pPr lvl="4"/>
+            <a:r>
+              <a:rPr lang="de-DE" smtClean="0"/>
+              <a:t>Fünfte Ebene</a:t>
+            </a:r>
+            <a:endParaRPr lang="en-US" dirty="0"/>
+          </a:p>
+        </p:txBody>
+      </p:sp>
+      <p:sp>
+        <p:nvSpPr>
+          <p:cNvPr id="4" name="Date Placeholder 3"/>
+          <p:cNvSpPr>
+            <a:spLocks noGrp="1"/>
+          </p:cNvSpPr>
+          <p:nvPr>
+            <p:ph type="dt" sz="half" idx="10"/>
+          </p:nvPr>
+        </p:nvSpPr>
+        <p:spPr/>
+        <p:txBody>
           <a:bodyPr/>
           <a:lstStyle/>
           <a:p>
-            <a:r>
+            <a:fld id="{7AF8E37B-F5FD-4F9D-9B00-BC7C4776A7C3}" type="datetimeFigureOut">
               <a:rPr lang="en-US" smtClean="0"/>
-              <a:t>Click to edit Master title style</a:t>
-            </a:r>
-            <a:endParaRPr lang="de-DE"/>
+              <a:t>7/2/2015</a:t>
+            </a:fld>
+            <a:endParaRPr lang="en-US"/>
+          </a:p>
+        </p:txBody>
+      </p:sp>
+      <p:sp>
+        <p:nvSpPr>
+          <p:cNvPr id="5" name="Footer Placeholder 4"/>
+          <p:cNvSpPr>
+            <a:spLocks noGrp="1"/>
+          </p:cNvSpPr>
+          <p:nvPr>
+            <p:ph type="ftr" sz="quarter" idx="11"/>
+          </p:nvPr>
+        </p:nvSpPr>
+        <p:spPr/>
+        <p:txBody>
+          <a:bodyPr/>
+          <a:lstStyle/>
+          <a:p>
+            <a:endParaRPr lang="en-US"/>
+          </a:p>
+        </p:txBody>
+      </p:sp>
+      <p:sp>
+        <p:nvSpPr>
+          <p:cNvPr id="6" name="Slide Number Placeholder 5"/>
+          <p:cNvSpPr>
+            <a:spLocks noGrp="1"/>
+          </p:cNvSpPr>
+          <p:nvPr>
+            <p:ph type="sldNum" sz="quarter" idx="12"/>
+          </p:nvPr>
+        </p:nvSpPr>
+        <p:spPr/>
+        <p:txBody>
+          <a:bodyPr/>
+          <a:lstStyle/>
+          <a:p>
+            <a:fld id="{5B99597B-07E3-4F78-AC35-69A9544D51AD}" type="slidenum">
+              <a:rPr lang="en-US" smtClean="0"/>
+              <a:t>‹Nr.›</a:t>
+            </a:fld>
+            <a:endParaRPr lang="en-US"/>
+          </a:p>
+        </p:txBody>
+      </p:sp>
+    </p:spTree>
+    <p:extLst>
+      <p:ext uri="{BB962C8B-B14F-4D97-AF65-F5344CB8AC3E}">
+        <p14:creationId xmlns:p14="http://schemas.microsoft.com/office/powerpoint/2010/main" val="2248740462"/>
+      </p:ext>
+    </p:extLst>
+  </p:cSld>
+  <p:clrMapOvr>
+    <a:masterClrMapping/>
+  </p:clrMapOvr>
+</p:sldLayout>
+</file>
+
+<file path=ppt/slideLayouts/slideLayout2.xml><?xml version="1.0" encoding="utf-8"?>
+<p:sldLayout xmlns:a="http://schemas.openxmlformats.org/drawingml/2006/main" xmlns:r="http://schemas.openxmlformats.org/officeDocument/2006/relationships" xmlns:p="http://schemas.openxmlformats.org/presentationml/2006/main" type="obj" preserve="1">
+  <p:cSld name="Titel und Inhalt">
+    <p:spTree>
+      <p:nvGrpSpPr>
+        <p:cNvPr id="1" name=""/>
+        <p:cNvGrpSpPr/>
+        <p:nvPr/>
+      </p:nvGrpSpPr>
+      <p:grpSpPr>
+        <a:xfrm>
+          <a:off x="0" y="0"/>
+          <a:ext cx="0" cy="0"/>
+          <a:chOff x="0" y="0"/>
+          <a:chExt cx="0" cy="0"/>
+        </a:xfrm>
+      </p:grpSpPr>
+      <p:sp>
+        <p:nvSpPr>
+          <p:cNvPr id="2" name="Title 1"/>
+          <p:cNvSpPr>
+            <a:spLocks noGrp="1"/>
+          </p:cNvSpPr>
+          <p:nvPr>
+            <p:ph type="title"/>
+          </p:nvPr>
+        </p:nvSpPr>
+        <p:spPr/>
+        <p:txBody>
+          <a:bodyPr>
+            <a:normAutofit/>
+          </a:bodyPr>
+          <a:lstStyle>
+            <a:lvl1pPr>
+              <a:defRPr sz="3600"/>
+            </a:lvl1pPr>
+          </a:lstStyle>
+          <a:p>
+            <a:r>
+              <a:rPr lang="de-DE" smtClean="0"/>
+              <a:t>Titelmasterformat durch Klicken bearbeiten</a:t>
+            </a:r>
+            <a:endParaRPr lang="en-US" dirty="0"/>
+          </a:p>
+        </p:txBody>
+      </p:sp>
+      <p:sp>
+        <p:nvSpPr>
+          <p:cNvPr id="3" name="Content Placeholder 2"/>
+          <p:cNvSpPr>
+            <a:spLocks noGrp="1"/>
+          </p:cNvSpPr>
+          <p:nvPr>
+            <p:ph idx="1"/>
+          </p:nvPr>
+        </p:nvSpPr>
+        <p:spPr/>
+        <p:txBody>
+          <a:bodyPr/>
+          <a:lstStyle>
+            <a:lvl1pPr>
+              <a:defRPr sz="2400"/>
+            </a:lvl1pPr>
+            <a:lvl2pPr>
+              <a:defRPr sz="2000"/>
+            </a:lvl2pPr>
+          </a:lstStyle>
+          <a:p>
+            <a:pPr lvl="0"/>
+            <a:r>
+              <a:rPr lang="de-DE" dirty="0" smtClean="0"/>
+              <a:t>Textmasterformat bearbeiten</a:t>
+            </a:r>
+          </a:p>
+          <a:p>
+            <a:pPr lvl="1"/>
+            <a:r>
+              <a:rPr lang="de-DE" dirty="0" smtClean="0"/>
+              <a:t>Zweite Ebene</a:t>
+            </a:r>
+          </a:p>
+          <a:p>
+            <a:pPr lvl="2"/>
+            <a:r>
+              <a:rPr lang="de-DE" dirty="0" smtClean="0"/>
+              <a:t>Dritte Ebene</a:t>
+            </a:r>
+          </a:p>
+          <a:p>
+            <a:pPr lvl="3"/>
+            <a:r>
+              <a:rPr lang="de-DE" dirty="0" smtClean="0"/>
+              <a:t>Vierte Ebene</a:t>
+            </a:r>
+          </a:p>
+          <a:p>
+            <a:pPr lvl="4"/>
+            <a:r>
+              <a:rPr lang="de-DE" dirty="0" smtClean="0"/>
+              <a:t>Fünfte Ebene</a:t>
+            </a:r>
+            <a:endParaRPr lang="en-US" dirty="0"/>
+          </a:p>
+        </p:txBody>
+      </p:sp>
+      <p:sp>
+        <p:nvSpPr>
+          <p:cNvPr id="4" name="Date Placeholder 3"/>
+          <p:cNvSpPr>
+            <a:spLocks noGrp="1"/>
+          </p:cNvSpPr>
+          <p:nvPr>
+            <p:ph type="dt" sz="half" idx="10"/>
+          </p:nvPr>
+        </p:nvSpPr>
+        <p:spPr/>
+        <p:txBody>
+          <a:bodyPr/>
+          <a:lstStyle/>
+          <a:p>
+            <a:fld id="{7AF8E37B-F5FD-4F9D-9B00-BC7C4776A7C3}" type="datetimeFigureOut">
+              <a:rPr lang="en-US" smtClean="0"/>
+              <a:t>7/2/2015</a:t>
+            </a:fld>
+            <a:endParaRPr lang="en-US"/>
+          </a:p>
+        </p:txBody>
+      </p:sp>
+      <p:sp>
+        <p:nvSpPr>
+          <p:cNvPr id="5" name="Footer Placeholder 4"/>
+          <p:cNvSpPr>
+            <a:spLocks noGrp="1"/>
+          </p:cNvSpPr>
+          <p:nvPr>
+            <p:ph type="ftr" sz="quarter" idx="11"/>
+          </p:nvPr>
+        </p:nvSpPr>
+        <p:spPr/>
+        <p:txBody>
+          <a:bodyPr/>
+          <a:lstStyle/>
+          <a:p>
+            <a:endParaRPr lang="en-US"/>
+          </a:p>
+        </p:txBody>
+      </p:sp>
+      <p:sp>
+        <p:nvSpPr>
+          <p:cNvPr id="6" name="Slide Number Placeholder 5"/>
+          <p:cNvSpPr>
+            <a:spLocks noGrp="1"/>
+          </p:cNvSpPr>
+          <p:nvPr>
+            <p:ph type="sldNum" sz="quarter" idx="12"/>
+          </p:nvPr>
+        </p:nvSpPr>
+        <p:spPr/>
+        <p:txBody>
+          <a:bodyPr/>
+          <a:lstStyle/>
+          <a:p>
+            <a:fld id="{5B99597B-07E3-4F78-AC35-69A9544D51AD}" type="slidenum">
+              <a:rPr lang="en-US" smtClean="0"/>
+              <a:t>‹Nr.›</a:t>
+            </a:fld>
+            <a:endParaRPr lang="en-US"/>
+          </a:p>
+        </p:txBody>
+      </p:sp>
+    </p:spTree>
+    <p:extLst>
+      <p:ext uri="{BB962C8B-B14F-4D97-AF65-F5344CB8AC3E}">
+        <p14:creationId xmlns:p14="http://schemas.microsoft.com/office/powerpoint/2010/main" val="3796997361"/>
+      </p:ext>
+    </p:extLst>
+  </p:cSld>
+  <p:clrMapOvr>
+    <a:masterClrMapping/>
+  </p:clrMapOvr>
+</p:sldLayout>
+</file>
+
+<file path=ppt/slideLayouts/slideLayout3.xml><?xml version="1.0" encoding="utf-8"?>
+<p:sldLayout xmlns:a="http://schemas.openxmlformats.org/drawingml/2006/main" xmlns:r="http://schemas.openxmlformats.org/officeDocument/2006/relationships" xmlns:p="http://schemas.openxmlformats.org/presentationml/2006/main" type="secHead" preserve="1">
+  <p:cSld name="Abschnitts-&#10;überschrift">
+    <p:spTree>
+      <p:nvGrpSpPr>
+        <p:cNvPr id="1" name=""/>
+        <p:cNvGrpSpPr/>
+        <p:nvPr/>
+      </p:nvGrpSpPr>
+      <p:grpSpPr>
+        <a:xfrm>
+          <a:off x="0" y="0"/>
+          <a:ext cx="0" cy="0"/>
+          <a:chOff x="0" y="0"/>
+          <a:chExt cx="0" cy="0"/>
+        </a:xfrm>
+      </p:grpSpPr>
+      <p:sp>
+        <p:nvSpPr>
+          <p:cNvPr id="2" name="Title 1"/>
+          <p:cNvSpPr>
+            <a:spLocks noGrp="1"/>
+          </p:cNvSpPr>
+          <p:nvPr>
+            <p:ph type="title"/>
+          </p:nvPr>
+        </p:nvSpPr>
+        <p:spPr>
+          <a:xfrm>
+            <a:off x="677335" y="2700867"/>
+            <a:ext cx="8596668" cy="1826581"/>
+          </a:xfrm>
+        </p:spPr>
+        <p:txBody>
+          <a:bodyPr anchor="b"/>
+          <a:lstStyle>
+            <a:lvl1pPr algn="l">
+              <a:defRPr sz="4000" b="0" cap="none"/>
+            </a:lvl1pPr>
+          </a:lstStyle>
+          <a:p>
+            <a:r>
+              <a:rPr lang="de-DE" smtClean="0"/>
+              <a:t>Titelmasterformat durch Klicken bearbeiten</a:t>
+            </a:r>
+            <a:endParaRPr lang="en-US" dirty="0"/>
           </a:p>
         </p:txBody>
       </p:sp>
@@ -2061,16 +3804,492 @@
         </p:nvSpPr>
         <p:spPr>
           <a:xfrm>
-            <a:off x="839788" y="1681163"/>
-            <a:ext cx="5157787" cy="823912"/>
+            <a:off x="677335" y="4527448"/>
+            <a:ext cx="8596668" cy="860400"/>
           </a:xfrm>
         </p:spPr>
         <p:txBody>
-          <a:bodyPr anchor="b"/>
+          <a:bodyPr anchor="t"/>
+          <a:lstStyle>
+            <a:lvl1pPr marL="0" indent="0" algn="l">
+              <a:buNone/>
+              <a:defRPr sz="2000">
+                <a:solidFill>
+                  <a:schemeClr val="tx1">
+                    <a:lumMod val="50000"/>
+                    <a:lumOff val="50000"/>
+                  </a:schemeClr>
+                </a:solidFill>
+              </a:defRPr>
+            </a:lvl1pPr>
+            <a:lvl2pPr marL="457200" indent="0">
+              <a:buNone/>
+              <a:defRPr sz="1800">
+                <a:solidFill>
+                  <a:schemeClr val="tx1">
+                    <a:tint val="75000"/>
+                  </a:schemeClr>
+                </a:solidFill>
+              </a:defRPr>
+            </a:lvl2pPr>
+            <a:lvl3pPr marL="914400" indent="0">
+              <a:buNone/>
+              <a:defRPr sz="1600">
+                <a:solidFill>
+                  <a:schemeClr val="tx1">
+                    <a:tint val="75000"/>
+                  </a:schemeClr>
+                </a:solidFill>
+              </a:defRPr>
+            </a:lvl3pPr>
+            <a:lvl4pPr marL="1371600" indent="0">
+              <a:buNone/>
+              <a:defRPr sz="1400">
+                <a:solidFill>
+                  <a:schemeClr val="tx1">
+                    <a:tint val="75000"/>
+                  </a:schemeClr>
+                </a:solidFill>
+              </a:defRPr>
+            </a:lvl4pPr>
+            <a:lvl5pPr marL="1828800" indent="0">
+              <a:buNone/>
+              <a:defRPr sz="1400">
+                <a:solidFill>
+                  <a:schemeClr val="tx1">
+                    <a:tint val="75000"/>
+                  </a:schemeClr>
+                </a:solidFill>
+              </a:defRPr>
+            </a:lvl5pPr>
+            <a:lvl6pPr marL="2286000" indent="0">
+              <a:buNone/>
+              <a:defRPr sz="1400">
+                <a:solidFill>
+                  <a:schemeClr val="tx1">
+                    <a:tint val="75000"/>
+                  </a:schemeClr>
+                </a:solidFill>
+              </a:defRPr>
+            </a:lvl6pPr>
+            <a:lvl7pPr marL="2743200" indent="0">
+              <a:buNone/>
+              <a:defRPr sz="1400">
+                <a:solidFill>
+                  <a:schemeClr val="tx1">
+                    <a:tint val="75000"/>
+                  </a:schemeClr>
+                </a:solidFill>
+              </a:defRPr>
+            </a:lvl7pPr>
+            <a:lvl8pPr marL="3200400" indent="0">
+              <a:buNone/>
+              <a:defRPr sz="1400">
+                <a:solidFill>
+                  <a:schemeClr val="tx1">
+                    <a:tint val="75000"/>
+                  </a:schemeClr>
+                </a:solidFill>
+              </a:defRPr>
+            </a:lvl8pPr>
+            <a:lvl9pPr marL="3657600" indent="0">
+              <a:buNone/>
+              <a:defRPr sz="1400">
+                <a:solidFill>
+                  <a:schemeClr val="tx1">
+                    <a:tint val="75000"/>
+                  </a:schemeClr>
+                </a:solidFill>
+              </a:defRPr>
+            </a:lvl9pPr>
+          </a:lstStyle>
+          <a:p>
+            <a:pPr lvl="0"/>
+            <a:r>
+              <a:rPr lang="de-DE" smtClean="0"/>
+              <a:t>Textmasterformat bearbeiten</a:t>
+            </a:r>
+          </a:p>
+        </p:txBody>
+      </p:sp>
+      <p:sp>
+        <p:nvSpPr>
+          <p:cNvPr id="4" name="Date Placeholder 3"/>
+          <p:cNvSpPr>
+            <a:spLocks noGrp="1"/>
+          </p:cNvSpPr>
+          <p:nvPr>
+            <p:ph type="dt" sz="half" idx="10"/>
+          </p:nvPr>
+        </p:nvSpPr>
+        <p:spPr/>
+        <p:txBody>
+          <a:bodyPr/>
+          <a:lstStyle/>
+          <a:p>
+            <a:fld id="{7AF8E37B-F5FD-4F9D-9B00-BC7C4776A7C3}" type="datetimeFigureOut">
+              <a:rPr lang="en-US" smtClean="0"/>
+              <a:t>7/2/2015</a:t>
+            </a:fld>
+            <a:endParaRPr lang="en-US"/>
+          </a:p>
+        </p:txBody>
+      </p:sp>
+      <p:sp>
+        <p:nvSpPr>
+          <p:cNvPr id="5" name="Footer Placeholder 4"/>
+          <p:cNvSpPr>
+            <a:spLocks noGrp="1"/>
+          </p:cNvSpPr>
+          <p:nvPr>
+            <p:ph type="ftr" sz="quarter" idx="11"/>
+          </p:nvPr>
+        </p:nvSpPr>
+        <p:spPr/>
+        <p:txBody>
+          <a:bodyPr/>
+          <a:lstStyle/>
+          <a:p>
+            <a:endParaRPr lang="en-US"/>
+          </a:p>
+        </p:txBody>
+      </p:sp>
+      <p:sp>
+        <p:nvSpPr>
+          <p:cNvPr id="6" name="Slide Number Placeholder 5"/>
+          <p:cNvSpPr>
+            <a:spLocks noGrp="1"/>
+          </p:cNvSpPr>
+          <p:nvPr>
+            <p:ph type="sldNum" sz="quarter" idx="12"/>
+          </p:nvPr>
+        </p:nvSpPr>
+        <p:spPr/>
+        <p:txBody>
+          <a:bodyPr/>
+          <a:lstStyle/>
+          <a:p>
+            <a:fld id="{5B99597B-07E3-4F78-AC35-69A9544D51AD}" type="slidenum">
+              <a:rPr lang="en-US" smtClean="0"/>
+              <a:t>‹Nr.›</a:t>
+            </a:fld>
+            <a:endParaRPr lang="en-US"/>
+          </a:p>
+        </p:txBody>
+      </p:sp>
+    </p:spTree>
+    <p:extLst>
+      <p:ext uri="{BB962C8B-B14F-4D97-AF65-F5344CB8AC3E}">
+        <p14:creationId xmlns:p14="http://schemas.microsoft.com/office/powerpoint/2010/main" val="3969110298"/>
+      </p:ext>
+    </p:extLst>
+  </p:cSld>
+  <p:clrMapOvr>
+    <a:masterClrMapping/>
+  </p:clrMapOvr>
+</p:sldLayout>
+</file>
+
+<file path=ppt/slideLayouts/slideLayout4.xml><?xml version="1.0" encoding="utf-8"?>
+<p:sldLayout xmlns:a="http://schemas.openxmlformats.org/drawingml/2006/main" xmlns:r="http://schemas.openxmlformats.org/officeDocument/2006/relationships" xmlns:p="http://schemas.openxmlformats.org/presentationml/2006/main" type="twoObj" preserve="1">
+  <p:cSld name="Zwei Inhalte">
+    <p:spTree>
+      <p:nvGrpSpPr>
+        <p:cNvPr id="1" name=""/>
+        <p:cNvGrpSpPr/>
+        <p:nvPr/>
+      </p:nvGrpSpPr>
+      <p:grpSpPr>
+        <a:xfrm>
+          <a:off x="0" y="0"/>
+          <a:ext cx="0" cy="0"/>
+          <a:chOff x="0" y="0"/>
+          <a:chExt cx="0" cy="0"/>
+        </a:xfrm>
+      </p:grpSpPr>
+      <p:sp>
+        <p:nvSpPr>
+          <p:cNvPr id="2" name="Title 1"/>
+          <p:cNvSpPr>
+            <a:spLocks noGrp="1"/>
+          </p:cNvSpPr>
+          <p:nvPr>
+            <p:ph type="title"/>
+          </p:nvPr>
+        </p:nvSpPr>
+        <p:spPr/>
+        <p:txBody>
+          <a:bodyPr/>
+          <a:lstStyle/>
+          <a:p>
+            <a:r>
+              <a:rPr lang="de-DE" smtClean="0"/>
+              <a:t>Titelmasterformat durch Klicken bearbeiten</a:t>
+            </a:r>
+            <a:endParaRPr lang="en-US" dirty="0"/>
+          </a:p>
+        </p:txBody>
+      </p:sp>
+      <p:sp>
+        <p:nvSpPr>
+          <p:cNvPr id="3" name="Content Placeholder 2"/>
+          <p:cNvSpPr>
+            <a:spLocks noGrp="1"/>
+          </p:cNvSpPr>
+          <p:nvPr>
+            <p:ph sz="half" idx="1"/>
+          </p:nvPr>
+        </p:nvSpPr>
+        <p:spPr>
+          <a:xfrm>
+            <a:off x="677334" y="2160589"/>
+            <a:ext cx="4184035" cy="3880772"/>
+          </a:xfrm>
+        </p:spPr>
+        <p:txBody>
+          <a:bodyPr/>
+          <a:lstStyle/>
+          <a:p>
+            <a:pPr lvl="0"/>
+            <a:r>
+              <a:rPr lang="de-DE" smtClean="0"/>
+              <a:t>Textmasterformat bearbeiten</a:t>
+            </a:r>
+          </a:p>
+          <a:p>
+            <a:pPr lvl="1"/>
+            <a:r>
+              <a:rPr lang="de-DE" smtClean="0"/>
+              <a:t>Zweite Ebene</a:t>
+            </a:r>
+          </a:p>
+          <a:p>
+            <a:pPr lvl="2"/>
+            <a:r>
+              <a:rPr lang="de-DE" smtClean="0"/>
+              <a:t>Dritte Ebene</a:t>
+            </a:r>
+          </a:p>
+          <a:p>
+            <a:pPr lvl="3"/>
+            <a:r>
+              <a:rPr lang="de-DE" smtClean="0"/>
+              <a:t>Vierte Ebene</a:t>
+            </a:r>
+          </a:p>
+          <a:p>
+            <a:pPr lvl="4"/>
+            <a:r>
+              <a:rPr lang="de-DE" smtClean="0"/>
+              <a:t>Fünfte Ebene</a:t>
+            </a:r>
+            <a:endParaRPr lang="en-US" dirty="0"/>
+          </a:p>
+        </p:txBody>
+      </p:sp>
+      <p:sp>
+        <p:nvSpPr>
+          <p:cNvPr id="4" name="Content Placeholder 3"/>
+          <p:cNvSpPr>
+            <a:spLocks noGrp="1"/>
+          </p:cNvSpPr>
+          <p:nvPr>
+            <p:ph sz="half" idx="2"/>
+          </p:nvPr>
+        </p:nvSpPr>
+        <p:spPr>
+          <a:xfrm>
+            <a:off x="5089970" y="2160589"/>
+            <a:ext cx="4184034" cy="3880773"/>
+          </a:xfrm>
+        </p:spPr>
+        <p:txBody>
+          <a:bodyPr/>
+          <a:lstStyle/>
+          <a:p>
+            <a:pPr lvl="0"/>
+            <a:r>
+              <a:rPr lang="de-DE" smtClean="0"/>
+              <a:t>Textmasterformat bearbeiten</a:t>
+            </a:r>
+          </a:p>
+          <a:p>
+            <a:pPr lvl="1"/>
+            <a:r>
+              <a:rPr lang="de-DE" smtClean="0"/>
+              <a:t>Zweite Ebene</a:t>
+            </a:r>
+          </a:p>
+          <a:p>
+            <a:pPr lvl="2"/>
+            <a:r>
+              <a:rPr lang="de-DE" smtClean="0"/>
+              <a:t>Dritte Ebene</a:t>
+            </a:r>
+          </a:p>
+          <a:p>
+            <a:pPr lvl="3"/>
+            <a:r>
+              <a:rPr lang="de-DE" smtClean="0"/>
+              <a:t>Vierte Ebene</a:t>
+            </a:r>
+          </a:p>
+          <a:p>
+            <a:pPr lvl="4"/>
+            <a:r>
+              <a:rPr lang="de-DE" smtClean="0"/>
+              <a:t>Fünfte Ebene</a:t>
+            </a:r>
+            <a:endParaRPr lang="en-US" dirty="0"/>
+          </a:p>
+        </p:txBody>
+      </p:sp>
+      <p:sp>
+        <p:nvSpPr>
+          <p:cNvPr id="5" name="Date Placeholder 4"/>
+          <p:cNvSpPr>
+            <a:spLocks noGrp="1"/>
+          </p:cNvSpPr>
+          <p:nvPr>
+            <p:ph type="dt" sz="half" idx="10"/>
+          </p:nvPr>
+        </p:nvSpPr>
+        <p:spPr/>
+        <p:txBody>
+          <a:bodyPr/>
+          <a:lstStyle/>
+          <a:p>
+            <a:fld id="{7AF8E37B-F5FD-4F9D-9B00-BC7C4776A7C3}" type="datetimeFigureOut">
+              <a:rPr lang="en-US" smtClean="0"/>
+              <a:t>7/2/2015</a:t>
+            </a:fld>
+            <a:endParaRPr lang="en-US"/>
+          </a:p>
+        </p:txBody>
+      </p:sp>
+      <p:sp>
+        <p:nvSpPr>
+          <p:cNvPr id="6" name="Footer Placeholder 5"/>
+          <p:cNvSpPr>
+            <a:spLocks noGrp="1"/>
+          </p:cNvSpPr>
+          <p:nvPr>
+            <p:ph type="ftr" sz="quarter" idx="11"/>
+          </p:nvPr>
+        </p:nvSpPr>
+        <p:spPr/>
+        <p:txBody>
+          <a:bodyPr/>
+          <a:lstStyle/>
+          <a:p>
+            <a:endParaRPr lang="en-US"/>
+          </a:p>
+        </p:txBody>
+      </p:sp>
+      <p:sp>
+        <p:nvSpPr>
+          <p:cNvPr id="7" name="Slide Number Placeholder 6"/>
+          <p:cNvSpPr>
+            <a:spLocks noGrp="1"/>
+          </p:cNvSpPr>
+          <p:nvPr>
+            <p:ph type="sldNum" sz="quarter" idx="12"/>
+          </p:nvPr>
+        </p:nvSpPr>
+        <p:spPr/>
+        <p:txBody>
+          <a:bodyPr/>
+          <a:lstStyle/>
+          <a:p>
+            <a:fld id="{5B99597B-07E3-4F78-AC35-69A9544D51AD}" type="slidenum">
+              <a:rPr lang="en-US" smtClean="0"/>
+              <a:t>‹Nr.›</a:t>
+            </a:fld>
+            <a:endParaRPr lang="en-US"/>
+          </a:p>
+        </p:txBody>
+      </p:sp>
+    </p:spTree>
+    <p:extLst>
+      <p:ext uri="{BB962C8B-B14F-4D97-AF65-F5344CB8AC3E}">
+        <p14:creationId xmlns:p14="http://schemas.microsoft.com/office/powerpoint/2010/main" val="1411030276"/>
+      </p:ext>
+    </p:extLst>
+  </p:cSld>
+  <p:clrMapOvr>
+    <a:masterClrMapping/>
+  </p:clrMapOvr>
+</p:sldLayout>
+</file>
+
+<file path=ppt/slideLayouts/slideLayout5.xml><?xml version="1.0" encoding="utf-8"?>
+<p:sldLayout xmlns:a="http://schemas.openxmlformats.org/drawingml/2006/main" xmlns:r="http://schemas.openxmlformats.org/officeDocument/2006/relationships" xmlns:p="http://schemas.openxmlformats.org/presentationml/2006/main" type="twoTxTwoObj" preserve="1">
+  <p:cSld name="Vergleich">
+    <p:spTree>
+      <p:nvGrpSpPr>
+        <p:cNvPr id="1" name=""/>
+        <p:cNvGrpSpPr/>
+        <p:nvPr/>
+      </p:nvGrpSpPr>
+      <p:grpSpPr>
+        <a:xfrm>
+          <a:off x="0" y="0"/>
+          <a:ext cx="0" cy="0"/>
+          <a:chOff x="0" y="0"/>
+          <a:chExt cx="0" cy="0"/>
+        </a:xfrm>
+      </p:grpSpPr>
+      <p:sp>
+        <p:nvSpPr>
+          <p:cNvPr id="2" name="Title 1"/>
+          <p:cNvSpPr>
+            <a:spLocks noGrp="1"/>
+          </p:cNvSpPr>
+          <p:nvPr>
+            <p:ph type="title"/>
+          </p:nvPr>
+        </p:nvSpPr>
+        <p:spPr/>
+        <p:txBody>
+          <a:bodyPr/>
+          <a:lstStyle>
+            <a:lvl1pPr>
+              <a:defRPr/>
+            </a:lvl1pPr>
+          </a:lstStyle>
+          <a:p>
+            <a:r>
+              <a:rPr lang="de-DE" smtClean="0"/>
+              <a:t>Titelmasterformat durch Klicken bearbeiten</a:t>
+            </a:r>
+            <a:endParaRPr lang="en-US" dirty="0"/>
+          </a:p>
+        </p:txBody>
+      </p:sp>
+      <p:sp>
+        <p:nvSpPr>
+          <p:cNvPr id="3" name="Text Placeholder 2"/>
+          <p:cNvSpPr>
+            <a:spLocks noGrp="1"/>
+          </p:cNvSpPr>
+          <p:nvPr>
+            <p:ph type="body" idx="1"/>
+          </p:nvPr>
+        </p:nvSpPr>
+        <p:spPr>
+          <a:xfrm>
+            <a:off x="675745" y="2160983"/>
+            <a:ext cx="4185623" cy="576262"/>
+          </a:xfrm>
+        </p:spPr>
+        <p:txBody>
+          <a:bodyPr anchor="b">
+            <a:noAutofit/>
+          </a:bodyPr>
           <a:lstStyle>
             <a:lvl1pPr marL="0" indent="0">
               <a:buNone/>
-              <a:defRPr sz="2400" b="1"/>
+              <a:defRPr sz="2400" b="0"/>
             </a:lvl1pPr>
             <a:lvl2pPr marL="457200" indent="0">
               <a:buNone/>
@@ -2108,8 +4327,8 @@
           <a:p>
             <a:pPr lvl="0"/>
             <a:r>
-              <a:rPr lang="en-US" smtClean="0"/>
-              <a:t>Click to edit Master text styles</a:t>
+              <a:rPr lang="de-DE" smtClean="0"/>
+              <a:t>Textmasterformat bearbeiten</a:t>
             </a:r>
           </a:p>
         </p:txBody>
@@ -2126,48 +4345,50 @@
         </p:nvSpPr>
         <p:spPr>
           <a:xfrm>
-            <a:off x="839788" y="2505075"/>
-            <a:ext cx="5157787" cy="3684588"/>
+            <a:off x="675745" y="2737245"/>
+            <a:ext cx="4185623" cy="3304117"/>
           </a:xfrm>
         </p:spPr>
         <p:txBody>
-          <a:bodyPr/>
+          <a:bodyPr>
+            <a:normAutofit/>
+          </a:bodyPr>
           <a:lstStyle/>
           <a:p>
             <a:pPr lvl="0"/>
             <a:r>
-              <a:rPr lang="en-US" smtClean="0"/>
-              <a:t>Click to edit Master text styles</a:t>
+              <a:rPr lang="de-DE" smtClean="0"/>
+              <a:t>Textmasterformat bearbeiten</a:t>
             </a:r>
           </a:p>
           <a:p>
             <a:pPr lvl="1"/>
             <a:r>
-              <a:rPr lang="en-US" smtClean="0"/>
-              <a:t>Second level</a:t>
+              <a:rPr lang="de-DE" smtClean="0"/>
+              <a:t>Zweite Ebene</a:t>
             </a:r>
           </a:p>
           <a:p>
             <a:pPr lvl="2"/>
             <a:r>
-              <a:rPr lang="en-US" smtClean="0"/>
-              <a:t>Third level</a:t>
+              <a:rPr lang="de-DE" smtClean="0"/>
+              <a:t>Dritte Ebene</a:t>
             </a:r>
           </a:p>
           <a:p>
             <a:pPr lvl="3"/>
             <a:r>
-              <a:rPr lang="en-US" smtClean="0"/>
-              <a:t>Fourth level</a:t>
+              <a:rPr lang="de-DE" smtClean="0"/>
+              <a:t>Vierte Ebene</a:t>
             </a:r>
           </a:p>
           <a:p>
             <a:pPr lvl="4"/>
             <a:r>
-              <a:rPr lang="en-US" smtClean="0"/>
-              <a:t>Fifth level</a:t>
-            </a:r>
-            <a:endParaRPr lang="de-DE"/>
+              <a:rPr lang="de-DE" smtClean="0"/>
+              <a:t>Fünfte Ebene</a:t>
+            </a:r>
+            <a:endParaRPr lang="en-US" dirty="0"/>
           </a:p>
         </p:txBody>
       </p:sp>
@@ -2183,16 +4404,18 @@
         </p:nvSpPr>
         <p:spPr>
           <a:xfrm>
-            <a:off x="6172200" y="1681163"/>
-            <a:ext cx="5183188" cy="823912"/>
+            <a:off x="5088383" y="2160983"/>
+            <a:ext cx="4185618" cy="576262"/>
           </a:xfrm>
         </p:spPr>
         <p:txBody>
-          <a:bodyPr anchor="b"/>
+          <a:bodyPr anchor="b">
+            <a:noAutofit/>
+          </a:bodyPr>
           <a:lstStyle>
             <a:lvl1pPr marL="0" indent="0">
               <a:buNone/>
-              <a:defRPr sz="2400" b="1"/>
+              <a:defRPr sz="2400" b="0"/>
             </a:lvl1pPr>
             <a:lvl2pPr marL="457200" indent="0">
               <a:buNone/>
@@ -2230,8 +4453,8 @@
           <a:p>
             <a:pPr lvl="0"/>
             <a:r>
-              <a:rPr lang="en-US" smtClean="0"/>
-              <a:t>Click to edit Master text styles</a:t>
+              <a:rPr lang="de-DE" smtClean="0"/>
+              <a:t>Textmasterformat bearbeiten</a:t>
             </a:r>
           </a:p>
         </p:txBody>
@@ -2248,48 +4471,50 @@
         </p:nvSpPr>
         <p:spPr>
           <a:xfrm>
-            <a:off x="6172200" y="2505075"/>
-            <a:ext cx="5183188" cy="3684588"/>
+            <a:off x="5088384" y="2737245"/>
+            <a:ext cx="4185617" cy="3304117"/>
           </a:xfrm>
         </p:spPr>
         <p:txBody>
-          <a:bodyPr/>
+          <a:bodyPr>
+            <a:normAutofit/>
+          </a:bodyPr>
           <a:lstStyle/>
           <a:p>
             <a:pPr lvl="0"/>
             <a:r>
-              <a:rPr lang="en-US" smtClean="0"/>
-              <a:t>Click to edit Master text styles</a:t>
+              <a:rPr lang="de-DE" smtClean="0"/>
+              <a:t>Textmasterformat bearbeiten</a:t>
             </a:r>
           </a:p>
           <a:p>
             <a:pPr lvl="1"/>
             <a:r>
-              <a:rPr lang="en-US" smtClean="0"/>
-              <a:t>Second level</a:t>
+              <a:rPr lang="de-DE" smtClean="0"/>
+              <a:t>Zweite Ebene</a:t>
             </a:r>
           </a:p>
           <a:p>
             <a:pPr lvl="2"/>
             <a:r>
-              <a:rPr lang="en-US" smtClean="0"/>
-              <a:t>Third level</a:t>
+              <a:rPr lang="de-DE" smtClean="0"/>
+              <a:t>Dritte Ebene</a:t>
             </a:r>
           </a:p>
           <a:p>
             <a:pPr lvl="3"/>
             <a:r>
-              <a:rPr lang="en-US" smtClean="0"/>
-              <a:t>Fourth level</a:t>
+              <a:rPr lang="de-DE" smtClean="0"/>
+              <a:t>Vierte Ebene</a:t>
             </a:r>
           </a:p>
           <a:p>
             <a:pPr lvl="4"/>
             <a:r>
-              <a:rPr lang="en-US" smtClean="0"/>
-              <a:t>Fifth level</a:t>
-            </a:r>
-            <a:endParaRPr lang="de-DE"/>
+              <a:rPr lang="de-DE" smtClean="0"/>
+              <a:t>Fünfte Ebene</a:t>
+            </a:r>
+            <a:endParaRPr lang="en-US" dirty="0"/>
           </a:p>
         </p:txBody>
       </p:sp>
@@ -2361,7 +4586,7 @@
     </p:spTree>
     <p:extLst>
       <p:ext uri="{BB962C8B-B14F-4D97-AF65-F5344CB8AC3E}">
-        <p14:creationId xmlns:p14="http://schemas.microsoft.com/office/powerpoint/2010/main" val="4107290357"/>
+        <p14:creationId xmlns:p14="http://schemas.microsoft.com/office/powerpoint/2010/main" val="665046039"/>
       </p:ext>
     </p:extLst>
   </p:cSld>
@@ -2373,7 +4598,7 @@
 
 <file path=ppt/slideLayouts/slideLayout6.xml><?xml version="1.0" encoding="utf-8"?>
 <p:sldLayout xmlns:a="http://schemas.openxmlformats.org/drawingml/2006/main" xmlns:r="http://schemas.openxmlformats.org/officeDocument/2006/relationships" xmlns:p="http://schemas.openxmlformats.org/presentationml/2006/main" type="titleOnly" preserve="1">
-  <p:cSld name="Title Only">
+  <p:cSld name="Nur Titel">
     <p:spTree>
       <p:nvGrpSpPr>
         <p:cNvPr id="1" name=""/>
@@ -2398,16 +4623,21 @@
             <p:ph type="title"/>
           </p:nvPr>
         </p:nvSpPr>
-        <p:spPr/>
+        <p:spPr>
+          <a:xfrm>
+            <a:off x="677334" y="609600"/>
+            <a:ext cx="8596668" cy="1320800"/>
+          </a:xfrm>
+        </p:spPr>
         <p:txBody>
           <a:bodyPr/>
           <a:lstStyle/>
           <a:p>
             <a:r>
-              <a:rPr lang="en-US" smtClean="0"/>
-              <a:t>Click to edit Master title style</a:t>
-            </a:r>
-            <a:endParaRPr lang="de-DE"/>
+              <a:rPr lang="de-DE" smtClean="0"/>
+              <a:t>Titelmasterformat durch Klicken bearbeiten</a:t>
+            </a:r>
+            <a:endParaRPr lang="en-US" dirty="0"/>
           </a:p>
         </p:txBody>
       </p:sp>
@@ -2479,7 +4709,7 @@
     </p:spTree>
     <p:extLst>
       <p:ext uri="{BB962C8B-B14F-4D97-AF65-F5344CB8AC3E}">
-        <p14:creationId xmlns:p14="http://schemas.microsoft.com/office/powerpoint/2010/main" val="3107474863"/>
+        <p14:creationId xmlns:p14="http://schemas.microsoft.com/office/powerpoint/2010/main" val="3806930669"/>
       </p:ext>
     </p:extLst>
   </p:cSld>
@@ -2491,7 +4721,7 @@
 
 <file path=ppt/slideLayouts/slideLayout7.xml><?xml version="1.0" encoding="utf-8"?>
 <p:sldLayout xmlns:a="http://schemas.openxmlformats.org/drawingml/2006/main" xmlns:r="http://schemas.openxmlformats.org/officeDocument/2006/relationships" xmlns:p="http://schemas.openxmlformats.org/presentationml/2006/main" type="blank" preserve="1">
-  <p:cSld name="Blank">
+  <p:cSld name="Leer">
     <p:spTree>
       <p:nvGrpSpPr>
         <p:cNvPr id="1" name=""/>
@@ -2574,7 +4804,7 @@
     </p:spTree>
     <p:extLst>
       <p:ext uri="{BB962C8B-B14F-4D97-AF65-F5344CB8AC3E}">
-        <p14:creationId xmlns:p14="http://schemas.microsoft.com/office/powerpoint/2010/main" val="3122983775"/>
+        <p14:creationId xmlns:p14="http://schemas.microsoft.com/office/powerpoint/2010/main" val="2981004613"/>
       </p:ext>
     </p:extLst>
   </p:cSld>
@@ -2586,7 +4816,7 @@
 
 <file path=ppt/slideLayouts/slideLayout8.xml><?xml version="1.0" encoding="utf-8"?>
 <p:sldLayout xmlns:a="http://schemas.openxmlformats.org/drawingml/2006/main" xmlns:r="http://schemas.openxmlformats.org/officeDocument/2006/relationships" xmlns:p="http://schemas.openxmlformats.org/presentationml/2006/main" type="objTx" preserve="1">
-  <p:cSld name="Content with Caption">
+  <p:cSld name="Inhalt mit Überschrift">
     <p:spTree>
       <p:nvGrpSpPr>
         <p:cNvPr id="1" name=""/>
@@ -2613,23 +4843,25 @@
         </p:nvSpPr>
         <p:spPr>
           <a:xfrm>
-            <a:off x="839788" y="457200"/>
-            <a:ext cx="3932237" cy="1600200"/>
+            <a:off x="677334" y="1498604"/>
+            <a:ext cx="3854528" cy="1278466"/>
           </a:xfrm>
         </p:spPr>
         <p:txBody>
-          <a:bodyPr anchor="b"/>
+          <a:bodyPr anchor="b">
+            <a:normAutofit/>
+          </a:bodyPr>
           <a:lstStyle>
             <a:lvl1pPr>
-              <a:defRPr sz="3200"/>
+              <a:defRPr sz="2000"/>
             </a:lvl1pPr>
           </a:lstStyle>
           <a:p>
             <a:r>
-              <a:rPr lang="en-US" smtClean="0"/>
-              <a:t>Click to edit Master title style</a:t>
-            </a:r>
-            <a:endParaRPr lang="de-DE"/>
+              <a:rPr lang="de-DE" smtClean="0"/>
+              <a:t>Titelmasterformat durch Klicken bearbeiten</a:t>
+            </a:r>
+            <a:endParaRPr lang="en-US" dirty="0"/>
           </a:p>
         </p:txBody>
       </p:sp>
@@ -2645,76 +4877,50 @@
         </p:nvSpPr>
         <p:spPr>
           <a:xfrm>
-            <a:off x="5183188" y="987425"/>
-            <a:ext cx="6172200" cy="4873625"/>
+            <a:off x="4760461" y="514924"/>
+            <a:ext cx="4513541" cy="5526437"/>
           </a:xfrm>
         </p:spPr>
         <p:txBody>
-          <a:bodyPr/>
-          <a:lstStyle>
-            <a:lvl1pPr>
-              <a:defRPr sz="3200"/>
-            </a:lvl1pPr>
-            <a:lvl2pPr>
-              <a:defRPr sz="2800"/>
-            </a:lvl2pPr>
-            <a:lvl3pPr>
-              <a:defRPr sz="2400"/>
-            </a:lvl3pPr>
-            <a:lvl4pPr>
-              <a:defRPr sz="2000"/>
-            </a:lvl4pPr>
-            <a:lvl5pPr>
-              <a:defRPr sz="2000"/>
-            </a:lvl5pPr>
-            <a:lvl6pPr>
-              <a:defRPr sz="2000"/>
-            </a:lvl6pPr>
-            <a:lvl7pPr>
-              <a:defRPr sz="2000"/>
-            </a:lvl7pPr>
-            <a:lvl8pPr>
-              <a:defRPr sz="2000"/>
-            </a:lvl8pPr>
-            <a:lvl9pPr>
-              <a:defRPr sz="2000"/>
-            </a:lvl9pPr>
-          </a:lstStyle>
+          <a:bodyPr>
+            <a:normAutofit/>
+          </a:bodyPr>
+          <a:lstStyle/>
           <a:p>
             <a:pPr lvl="0"/>
             <a:r>
-              <a:rPr lang="en-US" smtClean="0"/>
-              <a:t>Click to edit Master text styles</a:t>
+              <a:rPr lang="de-DE" smtClean="0"/>
+              <a:t>Textmasterformat bearbeiten</a:t>
             </a:r>
           </a:p>
           <a:p>
             <a:pPr lvl="1"/>
             <a:r>
-              <a:rPr lang="en-US" smtClean="0"/>
-              <a:t>Second level</a:t>
+              <a:rPr lang="de-DE" smtClean="0"/>
+              <a:t>Zweite Ebene</a:t>
             </a:r>
           </a:p>
           <a:p>
             <a:pPr lvl="2"/>
             <a:r>
-              <a:rPr lang="en-US" smtClean="0"/>
-              <a:t>Third level</a:t>
+              <a:rPr lang="de-DE" smtClean="0"/>
+              <a:t>Dritte Ebene</a:t>
             </a:r>
           </a:p>
           <a:p>
             <a:pPr lvl="3"/>
             <a:r>
-              <a:rPr lang="en-US" smtClean="0"/>
-              <a:t>Fourth level</a:t>
+              <a:rPr lang="de-DE" smtClean="0"/>
+              <a:t>Vierte Ebene</a:t>
             </a:r>
           </a:p>
           <a:p>
             <a:pPr lvl="4"/>
             <a:r>
-              <a:rPr lang="en-US" smtClean="0"/>
-              <a:t>Fifth level</a:t>
-            </a:r>
-            <a:endParaRPr lang="de-DE"/>
+              <a:rPr lang="de-DE" smtClean="0"/>
+              <a:t>Fünfte Ebene</a:t>
+            </a:r>
+            <a:endParaRPr lang="en-US" dirty="0"/>
           </a:p>
         </p:txBody>
       </p:sp>
@@ -2730,46 +4936,48 @@
         </p:nvSpPr>
         <p:spPr>
           <a:xfrm>
-            <a:off x="839788" y="2057400"/>
-            <a:ext cx="3932237" cy="3811588"/>
+            <a:off x="677334" y="2777069"/>
+            <a:ext cx="3854528" cy="2584449"/>
           </a:xfrm>
         </p:spPr>
         <p:txBody>
-          <a:bodyPr/>
+          <a:bodyPr>
+            <a:normAutofit/>
+          </a:bodyPr>
           <a:lstStyle>
             <a:lvl1pPr marL="0" indent="0">
               <a:buNone/>
-              <a:defRPr sz="1600"/>
+              <a:defRPr sz="1400"/>
             </a:lvl1pPr>
-            <a:lvl2pPr marL="457200" indent="0">
+            <a:lvl2pPr marL="457063" indent="0">
               <a:buNone/>
               <a:defRPr sz="1400"/>
             </a:lvl2pPr>
-            <a:lvl3pPr marL="914400" indent="0">
+            <a:lvl3pPr marL="914126" indent="0">
               <a:buNone/>
               <a:defRPr sz="1200"/>
             </a:lvl3pPr>
-            <a:lvl4pPr marL="1371600" indent="0">
+            <a:lvl4pPr marL="1371189" indent="0">
               <a:buNone/>
               <a:defRPr sz="1000"/>
             </a:lvl4pPr>
-            <a:lvl5pPr marL="1828800" indent="0">
+            <a:lvl5pPr marL="1828251" indent="0">
               <a:buNone/>
               <a:defRPr sz="1000"/>
             </a:lvl5pPr>
-            <a:lvl6pPr marL="2286000" indent="0">
+            <a:lvl6pPr marL="2285314" indent="0">
               <a:buNone/>
               <a:defRPr sz="1000"/>
             </a:lvl6pPr>
-            <a:lvl7pPr marL="2743200" indent="0">
+            <a:lvl7pPr marL="2742377" indent="0">
               <a:buNone/>
               <a:defRPr sz="1000"/>
             </a:lvl7pPr>
-            <a:lvl8pPr marL="3200400" indent="0">
+            <a:lvl8pPr marL="3199440" indent="0">
               <a:buNone/>
               <a:defRPr sz="1000"/>
             </a:lvl8pPr>
-            <a:lvl9pPr marL="3657600" indent="0">
+            <a:lvl9pPr marL="3656503" indent="0">
               <a:buNone/>
               <a:defRPr sz="1000"/>
             </a:lvl9pPr>
@@ -2777,8 +4985,8 @@
           <a:p>
             <a:pPr lvl="0"/>
             <a:r>
-              <a:rPr lang="en-US" smtClean="0"/>
-              <a:t>Click to edit Master text styles</a:t>
+              <a:rPr lang="de-DE" smtClean="0"/>
+              <a:t>Textmasterformat bearbeiten</a:t>
             </a:r>
           </a:p>
         </p:txBody>
@@ -2851,7 +5059,7 @@
     </p:spTree>
     <p:extLst>
       <p:ext uri="{BB962C8B-B14F-4D97-AF65-F5344CB8AC3E}">
-        <p14:creationId xmlns:p14="http://schemas.microsoft.com/office/powerpoint/2010/main" val="855926687"/>
+        <p14:creationId xmlns:p14="http://schemas.microsoft.com/office/powerpoint/2010/main" val="453887296"/>
       </p:ext>
     </p:extLst>
   </p:cSld>
@@ -2863,7 +5071,7 @@
 
 <file path=ppt/slideLayouts/slideLayout9.xml><?xml version="1.0" encoding="utf-8"?>
 <p:sldLayout xmlns:a="http://schemas.openxmlformats.org/drawingml/2006/main" xmlns:r="http://schemas.openxmlformats.org/officeDocument/2006/relationships" xmlns:p="http://schemas.openxmlformats.org/presentationml/2006/main" type="picTx" preserve="1">
-  <p:cSld name="Picture with Caption">
+  <p:cSld name="Bild mit Überschrift">
     <p:spTree>
       <p:nvGrpSpPr>
         <p:cNvPr id="1" name=""/>
@@ -2890,23 +5098,25 @@
         </p:nvSpPr>
         <p:spPr>
           <a:xfrm>
-            <a:off x="839788" y="457200"/>
-            <a:ext cx="3932237" cy="1600200"/>
+            <a:off x="677334" y="4800600"/>
+            <a:ext cx="8596667" cy="566738"/>
           </a:xfrm>
         </p:spPr>
         <p:txBody>
-          <a:bodyPr anchor="b"/>
+          <a:bodyPr anchor="b">
+            <a:normAutofit/>
+          </a:bodyPr>
           <a:lstStyle>
-            <a:lvl1pPr>
-              <a:defRPr sz="3200"/>
+            <a:lvl1pPr algn="l">
+              <a:defRPr sz="2400" b="0"/>
             </a:lvl1pPr>
           </a:lstStyle>
           <a:p>
             <a:r>
-              <a:rPr lang="en-US" smtClean="0"/>
-              <a:t>Click to edit Master title style</a:t>
-            </a:r>
-            <a:endParaRPr lang="de-DE"/>
+              <a:rPr lang="de-DE" smtClean="0"/>
+              <a:t>Titelmasterformat durch Klicken bearbeiten</a:t>
+            </a:r>
+            <a:endParaRPr lang="en-US" dirty="0"/>
           </a:p>
         </p:txBody>
       </p:sp>
@@ -2914,7 +5124,7 @@
         <p:nvSpPr>
           <p:cNvPr id="3" name="Picture Placeholder 2"/>
           <p:cNvSpPr>
-            <a:spLocks noGrp="1"/>
+            <a:spLocks noGrp="1" noChangeAspect="1"/>
           </p:cNvSpPr>
           <p:nvPr>
             <p:ph type="pic" idx="1"/>
@@ -2922,52 +5132,58 @@
         </p:nvSpPr>
         <p:spPr>
           <a:xfrm>
-            <a:off x="5183188" y="987425"/>
-            <a:ext cx="6172200" cy="4873625"/>
+            <a:off x="677334" y="609600"/>
+            <a:ext cx="8596668" cy="3845718"/>
           </a:xfrm>
         </p:spPr>
         <p:txBody>
-          <a:bodyPr/>
+          <a:bodyPr anchor="t">
+            <a:normAutofit/>
+          </a:bodyPr>
           <a:lstStyle>
-            <a:lvl1pPr marL="0" indent="0">
+            <a:lvl1pPr marL="0" indent="0" algn="ctr">
               <a:buNone/>
-              <a:defRPr sz="3200"/>
+              <a:defRPr sz="1600"/>
             </a:lvl1pPr>
             <a:lvl2pPr marL="457200" indent="0">
               <a:buNone/>
-              <a:defRPr sz="2800"/>
+              <a:defRPr sz="1600"/>
             </a:lvl2pPr>
             <a:lvl3pPr marL="914400" indent="0">
               <a:buNone/>
-              <a:defRPr sz="2400"/>
+              <a:defRPr sz="1600"/>
             </a:lvl3pPr>
             <a:lvl4pPr marL="1371600" indent="0">
               <a:buNone/>
-              <a:defRPr sz="2000"/>
+              <a:defRPr sz="1600"/>
             </a:lvl4pPr>
             <a:lvl5pPr marL="1828800" indent="0">
               <a:buNone/>
-              <a:defRPr sz="2000"/>
+              <a:defRPr sz="1600"/>
             </a:lvl5pPr>
             <a:lvl6pPr marL="2286000" indent="0">
               <a:buNone/>
-              <a:defRPr sz="2000"/>
+              <a:defRPr sz="1600"/>
             </a:lvl6pPr>
             <a:lvl7pPr marL="2743200" indent="0">
               <a:buNone/>
-              <a:defRPr sz="2000"/>
+              <a:defRPr sz="1600"/>
             </a:lvl7pPr>
             <a:lvl8pPr marL="3200400" indent="0">
               <a:buNone/>
-              <a:defRPr sz="2000"/>
+              <a:defRPr sz="1600"/>
             </a:lvl8pPr>
             <a:lvl9pPr marL="3657600" indent="0">
               <a:buNone/>
-              <a:defRPr sz="2000"/>
+              <a:defRPr sz="1600"/>
             </a:lvl9pPr>
           </a:lstStyle>
           <a:p>
-            <a:endParaRPr lang="de-DE"/>
+            <a:r>
+              <a:rPr lang="de-DE" smtClean="0"/>
+              <a:t>Bild durch Klicken auf Symbol hinzufügen</a:t>
+            </a:r>
+            <a:endParaRPr lang="en-US" dirty="0"/>
           </a:p>
         </p:txBody>
       </p:sp>
@@ -2983,55 +5199,57 @@
         </p:nvSpPr>
         <p:spPr>
           <a:xfrm>
-            <a:off x="839788" y="2057400"/>
-            <a:ext cx="3932237" cy="3811588"/>
+            <a:off x="677334" y="5367338"/>
+            <a:ext cx="8596667" cy="674024"/>
           </a:xfrm>
         </p:spPr>
         <p:txBody>
-          <a:bodyPr/>
+          <a:bodyPr>
+            <a:normAutofit/>
+          </a:bodyPr>
           <a:lstStyle>
             <a:lvl1pPr marL="0" indent="0">
               <a:buNone/>
-              <a:defRPr sz="1600"/>
+              <a:defRPr sz="1200"/>
             </a:lvl1pPr>
             <a:lvl2pPr marL="457200" indent="0">
               <a:buNone/>
-              <a:defRPr sz="1400"/>
+              <a:defRPr sz="1200"/>
             </a:lvl2pPr>
             <a:lvl3pPr marL="914400" indent="0">
               <a:buNone/>
-              <a:defRPr sz="1200"/>
+              <a:defRPr sz="1000"/>
             </a:lvl3pPr>
             <a:lvl4pPr marL="1371600" indent="0">
               <a:buNone/>
-              <a:defRPr sz="1000"/>
+              <a:defRPr sz="900"/>
             </a:lvl4pPr>
             <a:lvl5pPr marL="1828800" indent="0">
               <a:buNone/>
-              <a:defRPr sz="1000"/>
+              <a:defRPr sz="900"/>
             </a:lvl5pPr>
             <a:lvl6pPr marL="2286000" indent="0">
               <a:buNone/>
-              <a:defRPr sz="1000"/>
+              <a:defRPr sz="900"/>
             </a:lvl6pPr>
             <a:lvl7pPr marL="2743200" indent="0">
               <a:buNone/>
-              <a:defRPr sz="1000"/>
+              <a:defRPr sz="900"/>
             </a:lvl7pPr>
             <a:lvl8pPr marL="3200400" indent="0">
               <a:buNone/>
-              <a:defRPr sz="1000"/>
+              <a:defRPr sz="900"/>
             </a:lvl8pPr>
             <a:lvl9pPr marL="3657600" indent="0">
               <a:buNone/>
-              <a:defRPr sz="1000"/>
+              <a:defRPr sz="900"/>
             </a:lvl9pPr>
           </a:lstStyle>
           <a:p>
             <a:pPr lvl="0"/>
             <a:r>
-              <a:rPr lang="en-US" smtClean="0"/>
-              <a:t>Click to edit Master text styles</a:t>
+              <a:rPr lang="de-DE" smtClean="0"/>
+              <a:t>Textmasterformat bearbeiten</a:t>
             </a:r>
           </a:p>
         </p:txBody>
@@ -3104,7 +5322,7 @@
     </p:spTree>
     <p:extLst>
       <p:ext uri="{BB962C8B-B14F-4D97-AF65-F5344CB8AC3E}">
-        <p14:creationId xmlns:p14="http://schemas.microsoft.com/office/powerpoint/2010/main" val="2772744678"/>
+        <p14:creationId xmlns:p14="http://schemas.microsoft.com/office/powerpoint/2010/main" val="1565961177"/>
       </p:ext>
     </p:extLst>
   </p:cSld>
@@ -3136,6 +5354,536 @@
           <a:chExt cx="0" cy="0"/>
         </a:xfrm>
       </p:grpSpPr>
+      <p:grpSp>
+        <p:nvGrpSpPr>
+          <p:cNvPr id="7" name="Group 6"/>
+          <p:cNvGrpSpPr/>
+          <p:nvPr/>
+        </p:nvGrpSpPr>
+        <p:grpSpPr>
+          <a:xfrm>
+            <a:off x="0" y="-8467"/>
+            <a:ext cx="12192000" cy="6866467"/>
+            <a:chOff x="0" y="-8467"/>
+            <a:chExt cx="12192000" cy="6866467"/>
+          </a:xfrm>
+        </p:grpSpPr>
+        <p:cxnSp>
+          <p:nvCxnSpPr>
+            <p:cNvPr id="20" name="Straight Connector 19"/>
+            <p:cNvCxnSpPr/>
+            <p:nvPr/>
+          </p:nvCxnSpPr>
+          <p:spPr>
+            <a:xfrm>
+              <a:off x="9371012" y="0"/>
+              <a:ext cx="1219200" cy="6858000"/>
+            </a:xfrm>
+            <a:prstGeom prst="line">
+              <a:avLst/>
+            </a:prstGeom>
+            <a:ln w="9525">
+              <a:solidFill>
+                <a:schemeClr val="bg1">
+                  <a:lumMod val="75000"/>
+                </a:schemeClr>
+              </a:solidFill>
+            </a:ln>
+          </p:spPr>
+          <p:style>
+            <a:lnRef idx="2">
+              <a:schemeClr val="accent1"/>
+            </a:lnRef>
+            <a:fillRef idx="0">
+              <a:schemeClr val="accent1"/>
+            </a:fillRef>
+            <a:effectRef idx="1">
+              <a:schemeClr val="accent1"/>
+            </a:effectRef>
+            <a:fontRef idx="minor">
+              <a:schemeClr val="tx1"/>
+            </a:fontRef>
+          </p:style>
+        </p:cxnSp>
+        <p:cxnSp>
+          <p:nvCxnSpPr>
+            <p:cNvPr id="21" name="Straight Connector 20"/>
+            <p:cNvCxnSpPr/>
+            <p:nvPr/>
+          </p:nvCxnSpPr>
+          <p:spPr>
+            <a:xfrm flipH="1">
+              <a:off x="7425267" y="3681413"/>
+              <a:ext cx="4763558" cy="3176587"/>
+            </a:xfrm>
+            <a:prstGeom prst="line">
+              <a:avLst/>
+            </a:prstGeom>
+            <a:ln w="9525">
+              <a:solidFill>
+                <a:schemeClr val="bg1">
+                  <a:lumMod val="85000"/>
+                </a:schemeClr>
+              </a:solidFill>
+            </a:ln>
+          </p:spPr>
+          <p:style>
+            <a:lnRef idx="2">
+              <a:schemeClr val="accent1"/>
+            </a:lnRef>
+            <a:fillRef idx="0">
+              <a:schemeClr val="accent1"/>
+            </a:fillRef>
+            <a:effectRef idx="1">
+              <a:schemeClr val="accent1"/>
+            </a:effectRef>
+            <a:fontRef idx="minor">
+              <a:schemeClr val="tx1"/>
+            </a:fontRef>
+          </p:style>
+        </p:cxnSp>
+        <p:sp>
+          <p:nvSpPr>
+            <p:cNvPr id="22" name="Rectangle 23"/>
+            <p:cNvSpPr/>
+            <p:nvPr/>
+          </p:nvSpPr>
+          <p:spPr>
+            <a:xfrm>
+              <a:off x="9181476" y="-8467"/>
+              <a:ext cx="3007349" cy="6866467"/>
+            </a:xfrm>
+            <a:custGeom>
+              <a:avLst/>
+              <a:gdLst/>
+              <a:ahLst/>
+              <a:cxnLst/>
+              <a:rect l="l" t="t" r="r" b="b"/>
+              <a:pathLst>
+                <a:path w="3007349" h="6866467">
+                  <a:moveTo>
+                    <a:pt x="2045532" y="0"/>
+                  </a:moveTo>
+                  <a:lnTo>
+                    <a:pt x="3007349" y="0"/>
+                  </a:lnTo>
+                  <a:lnTo>
+                    <a:pt x="3007349" y="6866467"/>
+                  </a:lnTo>
+                  <a:lnTo>
+                    <a:pt x="0" y="6866467"/>
+                  </a:lnTo>
+                  <a:lnTo>
+                    <a:pt x="2045532" y="0"/>
+                  </a:lnTo>
+                  <a:close/>
+                </a:path>
+              </a:pathLst>
+            </a:custGeom>
+            <a:solidFill>
+              <a:schemeClr val="accent1">
+                <a:alpha val="30000"/>
+              </a:schemeClr>
+            </a:solidFill>
+            <a:ln>
+              <a:noFill/>
+            </a:ln>
+            <a:effectLst/>
+          </p:spPr>
+          <p:style>
+            <a:lnRef idx="1">
+              <a:schemeClr val="accent1"/>
+            </a:lnRef>
+            <a:fillRef idx="3">
+              <a:schemeClr val="accent1"/>
+            </a:fillRef>
+            <a:effectRef idx="2">
+              <a:schemeClr val="accent1"/>
+            </a:effectRef>
+            <a:fontRef idx="minor">
+              <a:schemeClr val="lt1"/>
+            </a:fontRef>
+          </p:style>
+        </p:sp>
+        <p:sp>
+          <p:nvSpPr>
+            <p:cNvPr id="23" name="Rectangle 25"/>
+            <p:cNvSpPr/>
+            <p:nvPr/>
+          </p:nvSpPr>
+          <p:spPr>
+            <a:xfrm>
+              <a:off x="9603442" y="-8467"/>
+              <a:ext cx="2588558" cy="6866467"/>
+            </a:xfrm>
+            <a:custGeom>
+              <a:avLst/>
+              <a:gdLst/>
+              <a:ahLst/>
+              <a:cxnLst/>
+              <a:rect l="l" t="t" r="r" b="b"/>
+              <a:pathLst>
+                <a:path w="2573311" h="6866467">
+                  <a:moveTo>
+                    <a:pt x="0" y="0"/>
+                  </a:moveTo>
+                  <a:lnTo>
+                    <a:pt x="2573311" y="0"/>
+                  </a:lnTo>
+                  <a:lnTo>
+                    <a:pt x="2573311" y="6866467"/>
+                  </a:lnTo>
+                  <a:lnTo>
+                    <a:pt x="1202336" y="6866467"/>
+                  </a:lnTo>
+                  <a:lnTo>
+                    <a:pt x="0" y="0"/>
+                  </a:lnTo>
+                  <a:close/>
+                </a:path>
+              </a:pathLst>
+            </a:custGeom>
+            <a:solidFill>
+              <a:schemeClr val="accent1">
+                <a:alpha val="20000"/>
+              </a:schemeClr>
+            </a:solidFill>
+            <a:ln>
+              <a:noFill/>
+            </a:ln>
+            <a:effectLst/>
+          </p:spPr>
+          <p:style>
+            <a:lnRef idx="1">
+              <a:schemeClr val="accent1"/>
+            </a:lnRef>
+            <a:fillRef idx="3">
+              <a:schemeClr val="accent1"/>
+            </a:fillRef>
+            <a:effectRef idx="2">
+              <a:schemeClr val="accent1"/>
+            </a:effectRef>
+            <a:fontRef idx="minor">
+              <a:schemeClr val="lt1"/>
+            </a:fontRef>
+          </p:style>
+        </p:sp>
+        <p:sp>
+          <p:nvSpPr>
+            <p:cNvPr id="24" name="Isosceles Triangle 23"/>
+            <p:cNvSpPr/>
+            <p:nvPr/>
+          </p:nvSpPr>
+          <p:spPr>
+            <a:xfrm>
+              <a:off x="8932333" y="3048000"/>
+              <a:ext cx="3259667" cy="3810000"/>
+            </a:xfrm>
+            <a:prstGeom prst="triangle">
+              <a:avLst>
+                <a:gd name="adj" fmla="val 100000"/>
+              </a:avLst>
+            </a:prstGeom>
+            <a:solidFill>
+              <a:schemeClr val="accent2">
+                <a:alpha val="72000"/>
+              </a:schemeClr>
+            </a:solidFill>
+            <a:ln>
+              <a:noFill/>
+            </a:ln>
+            <a:effectLst/>
+          </p:spPr>
+          <p:style>
+            <a:lnRef idx="1">
+              <a:schemeClr val="accent1"/>
+            </a:lnRef>
+            <a:fillRef idx="3">
+              <a:schemeClr val="accent1"/>
+            </a:fillRef>
+            <a:effectRef idx="2">
+              <a:schemeClr val="accent1"/>
+            </a:effectRef>
+            <a:fontRef idx="minor">
+              <a:schemeClr val="lt1"/>
+            </a:fontRef>
+          </p:style>
+        </p:sp>
+        <p:sp>
+          <p:nvSpPr>
+            <p:cNvPr id="25" name="Rectangle 27"/>
+            <p:cNvSpPr/>
+            <p:nvPr/>
+          </p:nvSpPr>
+          <p:spPr>
+            <a:xfrm>
+              <a:off x="9334500" y="-8467"/>
+              <a:ext cx="2854326" cy="6866467"/>
+            </a:xfrm>
+            <a:custGeom>
+              <a:avLst/>
+              <a:gdLst/>
+              <a:ahLst/>
+              <a:cxnLst/>
+              <a:rect l="l" t="t" r="r" b="b"/>
+              <a:pathLst>
+                <a:path w="2858013" h="6866467">
+                  <a:moveTo>
+                    <a:pt x="0" y="0"/>
+                  </a:moveTo>
+                  <a:lnTo>
+                    <a:pt x="2858013" y="0"/>
+                  </a:lnTo>
+                  <a:lnTo>
+                    <a:pt x="2858013" y="6866467"/>
+                  </a:lnTo>
+                  <a:lnTo>
+                    <a:pt x="2473942" y="6866467"/>
+                  </a:lnTo>
+                  <a:lnTo>
+                    <a:pt x="0" y="0"/>
+                  </a:lnTo>
+                  <a:close/>
+                </a:path>
+              </a:pathLst>
+            </a:custGeom>
+            <a:solidFill>
+              <a:schemeClr val="accent2">
+                <a:lumMod val="75000"/>
+                <a:alpha val="70000"/>
+              </a:schemeClr>
+            </a:solidFill>
+            <a:ln>
+              <a:noFill/>
+            </a:ln>
+            <a:effectLst/>
+          </p:spPr>
+          <p:style>
+            <a:lnRef idx="1">
+              <a:schemeClr val="accent1"/>
+            </a:lnRef>
+            <a:fillRef idx="3">
+              <a:schemeClr val="accent1"/>
+            </a:fillRef>
+            <a:effectRef idx="2">
+              <a:schemeClr val="accent1"/>
+            </a:effectRef>
+            <a:fontRef idx="minor">
+              <a:schemeClr val="lt1"/>
+            </a:fontRef>
+          </p:style>
+        </p:sp>
+        <p:sp>
+          <p:nvSpPr>
+            <p:cNvPr id="26" name="Rectangle 28"/>
+            <p:cNvSpPr/>
+            <p:nvPr/>
+          </p:nvSpPr>
+          <p:spPr>
+            <a:xfrm>
+              <a:off x="10898730" y="-8467"/>
+              <a:ext cx="1290094" cy="6866467"/>
+            </a:xfrm>
+            <a:custGeom>
+              <a:avLst/>
+              <a:gdLst/>
+              <a:ahLst/>
+              <a:cxnLst/>
+              <a:rect l="l" t="t" r="r" b="b"/>
+              <a:pathLst>
+                <a:path w="1290094" h="6858000">
+                  <a:moveTo>
+                    <a:pt x="1019735" y="0"/>
+                  </a:moveTo>
+                  <a:lnTo>
+                    <a:pt x="1290094" y="0"/>
+                  </a:lnTo>
+                  <a:lnTo>
+                    <a:pt x="1290094" y="6858000"/>
+                  </a:lnTo>
+                  <a:lnTo>
+                    <a:pt x="0" y="6858000"/>
+                  </a:lnTo>
+                  <a:lnTo>
+                    <a:pt x="1019735" y="0"/>
+                  </a:lnTo>
+                  <a:close/>
+                </a:path>
+              </a:pathLst>
+            </a:custGeom>
+            <a:solidFill>
+              <a:schemeClr val="accent1">
+                <a:lumMod val="60000"/>
+                <a:lumOff val="40000"/>
+                <a:alpha val="70000"/>
+              </a:schemeClr>
+            </a:solidFill>
+            <a:ln>
+              <a:noFill/>
+            </a:ln>
+            <a:effectLst/>
+          </p:spPr>
+          <p:style>
+            <a:lnRef idx="1">
+              <a:schemeClr val="accent1"/>
+            </a:lnRef>
+            <a:fillRef idx="3">
+              <a:schemeClr val="accent1"/>
+            </a:fillRef>
+            <a:effectRef idx="2">
+              <a:schemeClr val="accent1"/>
+            </a:effectRef>
+            <a:fontRef idx="minor">
+              <a:schemeClr val="lt1"/>
+            </a:fontRef>
+          </p:style>
+        </p:sp>
+        <p:sp>
+          <p:nvSpPr>
+            <p:cNvPr id="27" name="Rectangle 29"/>
+            <p:cNvSpPr/>
+            <p:nvPr/>
+          </p:nvSpPr>
+          <p:spPr>
+            <a:xfrm>
+              <a:off x="10938999" y="-8467"/>
+              <a:ext cx="1249825" cy="6866467"/>
+            </a:xfrm>
+            <a:custGeom>
+              <a:avLst/>
+              <a:gdLst/>
+              <a:ahLst/>
+              <a:cxnLst/>
+              <a:rect l="l" t="t" r="r" b="b"/>
+              <a:pathLst>
+                <a:path w="1249825" h="6858000">
+                  <a:moveTo>
+                    <a:pt x="0" y="0"/>
+                  </a:moveTo>
+                  <a:lnTo>
+                    <a:pt x="1249825" y="0"/>
+                  </a:lnTo>
+                  <a:lnTo>
+                    <a:pt x="1249825" y="6858000"/>
+                  </a:lnTo>
+                  <a:lnTo>
+                    <a:pt x="1109382" y="6858000"/>
+                  </a:lnTo>
+                  <a:lnTo>
+                    <a:pt x="0" y="0"/>
+                  </a:lnTo>
+                  <a:close/>
+                </a:path>
+              </a:pathLst>
+            </a:custGeom>
+            <a:solidFill>
+              <a:schemeClr val="accent1">
+                <a:alpha val="65000"/>
+              </a:schemeClr>
+            </a:solidFill>
+            <a:ln>
+              <a:noFill/>
+            </a:ln>
+            <a:effectLst/>
+          </p:spPr>
+          <p:style>
+            <a:lnRef idx="1">
+              <a:schemeClr val="accent1"/>
+            </a:lnRef>
+            <a:fillRef idx="3">
+              <a:schemeClr val="accent1"/>
+            </a:fillRef>
+            <a:effectRef idx="2">
+              <a:schemeClr val="accent1"/>
+            </a:effectRef>
+            <a:fontRef idx="minor">
+              <a:schemeClr val="lt1"/>
+            </a:fontRef>
+          </p:style>
+        </p:sp>
+        <p:sp>
+          <p:nvSpPr>
+            <p:cNvPr id="28" name="Isosceles Triangle 27"/>
+            <p:cNvSpPr/>
+            <p:nvPr/>
+          </p:nvSpPr>
+          <p:spPr>
+            <a:xfrm>
+              <a:off x="10371666" y="3589867"/>
+              <a:ext cx="1817159" cy="3268133"/>
+            </a:xfrm>
+            <a:prstGeom prst="triangle">
+              <a:avLst>
+                <a:gd name="adj" fmla="val 100000"/>
+              </a:avLst>
+            </a:prstGeom>
+            <a:solidFill>
+              <a:schemeClr val="accent1">
+                <a:alpha val="80000"/>
+              </a:schemeClr>
+            </a:solidFill>
+            <a:ln>
+              <a:noFill/>
+            </a:ln>
+            <a:effectLst/>
+          </p:spPr>
+          <p:style>
+            <a:lnRef idx="1">
+              <a:schemeClr val="accent1"/>
+            </a:lnRef>
+            <a:fillRef idx="3">
+              <a:schemeClr val="accent1"/>
+            </a:fillRef>
+            <a:effectRef idx="2">
+              <a:schemeClr val="accent1"/>
+            </a:effectRef>
+            <a:fontRef idx="minor">
+              <a:schemeClr val="lt1"/>
+            </a:fontRef>
+          </p:style>
+        </p:sp>
+        <p:sp>
+          <p:nvSpPr>
+            <p:cNvPr id="29" name="Isosceles Triangle 28"/>
+            <p:cNvSpPr/>
+            <p:nvPr/>
+          </p:nvSpPr>
+          <p:spPr>
+            <a:xfrm>
+              <a:off x="0" y="4013200"/>
+              <a:ext cx="448733" cy="2844800"/>
+            </a:xfrm>
+            <a:prstGeom prst="triangle">
+              <a:avLst>
+                <a:gd name="adj" fmla="val 0"/>
+              </a:avLst>
+            </a:prstGeom>
+            <a:solidFill>
+              <a:schemeClr val="accent1">
+                <a:alpha val="85000"/>
+              </a:schemeClr>
+            </a:solidFill>
+            <a:ln>
+              <a:noFill/>
+            </a:ln>
+            <a:effectLst/>
+          </p:spPr>
+          <p:style>
+            <a:lnRef idx="1">
+              <a:schemeClr val="accent1"/>
+            </a:lnRef>
+            <a:fillRef idx="3">
+              <a:schemeClr val="accent1"/>
+            </a:fillRef>
+            <a:effectRef idx="2">
+              <a:schemeClr val="accent1"/>
+            </a:effectRef>
+            <a:fontRef idx="minor">
+              <a:schemeClr val="lt1"/>
+            </a:fontRef>
+          </p:style>
+        </p:sp>
+      </p:grpSp>
       <p:sp>
         <p:nvSpPr>
           <p:cNvPr id="2" name="Title Placeholder 1"/>
@@ -3148,24 +5896,24 @@
         </p:nvSpPr>
         <p:spPr>
           <a:xfrm>
-            <a:off x="838200" y="365125"/>
-            <a:ext cx="10515600" cy="1325563"/>
+            <a:off x="677334" y="609600"/>
+            <a:ext cx="8596668" cy="1320800"/>
           </a:xfrm>
           <a:prstGeom prst="rect">
             <a:avLst/>
           </a:prstGeom>
         </p:spPr>
         <p:txBody>
-          <a:bodyPr vert="horz" lIns="91440" tIns="45720" rIns="91440" bIns="45720" rtlCol="0" anchor="ctr">
+          <a:bodyPr vert="horz" lIns="91440" tIns="45720" rIns="91440" bIns="45720" rtlCol="0" anchor="t">
             <a:normAutofit/>
           </a:bodyPr>
           <a:lstStyle/>
           <a:p>
             <a:r>
-              <a:rPr lang="en-US" smtClean="0"/>
-              <a:t>Click to edit Master title style</a:t>
-            </a:r>
-            <a:endParaRPr lang="de-DE"/>
+              <a:rPr lang="de-DE" smtClean="0"/>
+              <a:t>Titelmasterformat durch Klicken bearbeiten</a:t>
+            </a:r>
+            <a:endParaRPr lang="en-US" dirty="0"/>
           </a:p>
         </p:txBody>
       </p:sp>
@@ -3181,8 +5929,8 @@
         </p:nvSpPr>
         <p:spPr>
           <a:xfrm>
-            <a:off x="838200" y="1825625"/>
-            <a:ext cx="10515600" cy="4351338"/>
+            <a:off x="677334" y="2160589"/>
+            <a:ext cx="8596668" cy="3880773"/>
           </a:xfrm>
           <a:prstGeom prst="rect">
             <a:avLst/>
@@ -3196,38 +5944,38 @@
           <a:p>
             <a:pPr lvl="0"/>
             <a:r>
-              <a:rPr lang="en-US" smtClean="0"/>
-              <a:t>Click to edit Master text styles</a:t>
+              <a:rPr lang="de-DE" smtClean="0"/>
+              <a:t>Textmasterformat bearbeiten</a:t>
             </a:r>
           </a:p>
           <a:p>
             <a:pPr lvl="1"/>
             <a:r>
-              <a:rPr lang="en-US" smtClean="0"/>
-              <a:t>Second level</a:t>
+              <a:rPr lang="de-DE" smtClean="0"/>
+              <a:t>Zweite Ebene</a:t>
             </a:r>
           </a:p>
           <a:p>
             <a:pPr lvl="2"/>
             <a:r>
-              <a:rPr lang="en-US" smtClean="0"/>
-              <a:t>Third level</a:t>
+              <a:rPr lang="de-DE" smtClean="0"/>
+              <a:t>Dritte Ebene</a:t>
             </a:r>
           </a:p>
           <a:p>
             <a:pPr lvl="3"/>
             <a:r>
-              <a:rPr lang="en-US" smtClean="0"/>
-              <a:t>Fourth level</a:t>
+              <a:rPr lang="de-DE" smtClean="0"/>
+              <a:t>Vierte Ebene</a:t>
             </a:r>
           </a:p>
           <a:p>
             <a:pPr lvl="4"/>
             <a:r>
-              <a:rPr lang="en-US" smtClean="0"/>
-              <a:t>Fifth level</a:t>
-            </a:r>
-            <a:endParaRPr lang="de-DE"/>
+              <a:rPr lang="de-DE" smtClean="0"/>
+              <a:t>Fünfte Ebene</a:t>
+            </a:r>
+            <a:endParaRPr lang="en-US" dirty="0"/>
           </a:p>
         </p:txBody>
       </p:sp>
@@ -3243,8 +5991,8 @@
         </p:nvSpPr>
         <p:spPr>
           <a:xfrm>
-            <a:off x="838200" y="6356350"/>
-            <a:ext cx="2743200" cy="365125"/>
+            <a:off x="7205133" y="6041362"/>
+            <a:ext cx="911939" cy="365125"/>
           </a:xfrm>
           <a:prstGeom prst="rect">
             <a:avLst/>
@@ -3253,8 +6001,8 @@
         <p:txBody>
           <a:bodyPr vert="horz" lIns="91440" tIns="45720" rIns="91440" bIns="45720" rtlCol="0" anchor="ctr"/>
           <a:lstStyle>
-            <a:lvl1pPr algn="l">
-              <a:defRPr sz="1200">
+            <a:lvl1pPr algn="r">
+              <a:defRPr sz="900">
                 <a:solidFill>
                   <a:schemeClr val="tx1">
                     <a:tint val="75000"/>
@@ -3284,8 +6032,8 @@
         </p:nvSpPr>
         <p:spPr>
           <a:xfrm>
-            <a:off x="4038600" y="6356350"/>
-            <a:ext cx="4114800" cy="365125"/>
+            <a:off x="677334" y="6041362"/>
+            <a:ext cx="6297612" cy="365125"/>
           </a:xfrm>
           <a:prstGeom prst="rect">
             <a:avLst/>
@@ -3294,8 +6042,8 @@
         <p:txBody>
           <a:bodyPr vert="horz" lIns="91440" tIns="45720" rIns="91440" bIns="45720" rtlCol="0" anchor="ctr"/>
           <a:lstStyle>
-            <a:lvl1pPr algn="ctr">
-              <a:defRPr sz="1200">
+            <a:lvl1pPr algn="l">
+              <a:defRPr sz="900">
                 <a:solidFill>
                   <a:schemeClr val="tx1">
                     <a:tint val="75000"/>
@@ -3321,8 +6069,8 @@
         </p:nvSpPr>
         <p:spPr>
           <a:xfrm>
-            <a:off x="8610600" y="6356350"/>
-            <a:ext cx="2743200" cy="365125"/>
+            <a:off x="8590663" y="6041362"/>
+            <a:ext cx="683339" cy="365125"/>
           </a:xfrm>
           <a:prstGeom prst="rect">
             <a:avLst/>
@@ -3332,11 +6080,9 @@
           <a:bodyPr vert="horz" lIns="91440" tIns="45720" rIns="91440" bIns="45720" rtlCol="0" anchor="ctr"/>
           <a:lstStyle>
             <a:lvl1pPr algn="r">
-              <a:defRPr sz="1200">
+              <a:defRPr sz="900">
                 <a:solidFill>
-                  <a:schemeClr val="tx1">
-                    <a:tint val="75000"/>
-                  </a:schemeClr>
+                  <a:schemeClr val="accent1"/>
                 </a:solidFill>
               </a:defRPr>
             </a:lvl1pPr>
@@ -3353,55 +6099,335 @@
     </p:spTree>
     <p:extLst>
       <p:ext uri="{BB962C8B-B14F-4D97-AF65-F5344CB8AC3E}">
-        <p14:creationId xmlns:p14="http://schemas.microsoft.com/office/powerpoint/2010/main" val="1769578319"/>
+        <p14:creationId xmlns:p14="http://schemas.microsoft.com/office/powerpoint/2010/main" val="3097917098"/>
       </p:ext>
     </p:extLst>
   </p:cSld>
   <p:clrMap bg1="lt1" tx1="dk1" bg2="lt2" tx2="dk2" accent1="accent1" accent2="accent2" accent3="accent3" accent4="accent4" accent5="accent5" accent6="accent6" hlink="hlink" folHlink="folHlink"/>
   <p:sldLayoutIdLst>
-    <p:sldLayoutId id="2147483955" r:id="rId1"/>
-    <p:sldLayoutId id="2147483956" r:id="rId2"/>
-    <p:sldLayoutId id="2147483957" r:id="rId3"/>
-    <p:sldLayoutId id="2147483958" r:id="rId4"/>
-    <p:sldLayoutId id="2147483959" r:id="rId5"/>
-    <p:sldLayoutId id="2147483960" r:id="rId6"/>
-    <p:sldLayoutId id="2147483961" r:id="rId7"/>
-    <p:sldLayoutId id="2147483962" r:id="rId8"/>
-    <p:sldLayoutId id="2147483963" r:id="rId9"/>
-    <p:sldLayoutId id="2147483964" r:id="rId10"/>
-    <p:sldLayoutId id="2147483965" r:id="rId11"/>
+    <p:sldLayoutId id="2147483967" r:id="rId1"/>
+    <p:sldLayoutId id="2147483968" r:id="rId2"/>
+    <p:sldLayoutId id="2147483969" r:id="rId3"/>
+    <p:sldLayoutId id="2147483970" r:id="rId4"/>
+    <p:sldLayoutId id="2147483971" r:id="rId5"/>
+    <p:sldLayoutId id="2147483972" r:id="rId6"/>
+    <p:sldLayoutId id="2147483973" r:id="rId7"/>
+    <p:sldLayoutId id="2147483974" r:id="rId8"/>
+    <p:sldLayoutId id="2147483975" r:id="rId9"/>
+    <p:sldLayoutId id="2147483976" r:id="rId10"/>
+    <p:sldLayoutId id="2147483977" r:id="rId11"/>
+    <p:sldLayoutId id="2147483978" r:id="rId12"/>
+    <p:sldLayoutId id="2147483979" r:id="rId13"/>
+    <p:sldLayoutId id="2147483980" r:id="rId14"/>
+    <p:sldLayoutId id="2147483981" r:id="rId15"/>
+    <p:sldLayoutId id="2147483982" r:id="rId16"/>
   </p:sldLayoutIdLst>
   <p:txStyles>
     <p:titleStyle>
-      <a:lvl1pPr algn="l" defTabSz="914400" rtl="0" eaLnBrk="1" latinLnBrk="0" hangingPunct="1">
-        <a:lnSpc>
-          <a:spcPct val="90000"/>
-        </a:lnSpc>
+      <a:lvl1pPr algn="l" defTabSz="457200" rtl="0" eaLnBrk="1" latinLnBrk="0" hangingPunct="1">
         <a:spcBef>
           <a:spcPct val="0"/>
         </a:spcBef>
         <a:buNone/>
-        <a:defRPr sz="4400" kern="1200">
+        <a:defRPr sz="3600" kern="1200">
           <a:solidFill>
-            <a:schemeClr val="tx1"/>
+            <a:schemeClr val="accent1"/>
           </a:solidFill>
           <a:latin typeface="+mj-lt"/>
           <a:ea typeface="+mj-ea"/>
           <a:cs typeface="+mj-cs"/>
         </a:defRPr>
       </a:lvl1pPr>
+      <a:lvl2pPr eaLnBrk="1" hangingPunct="1">
+        <a:defRPr>
+          <a:solidFill>
+            <a:schemeClr val="tx2"/>
+          </a:solidFill>
+        </a:defRPr>
+      </a:lvl2pPr>
+      <a:lvl3pPr eaLnBrk="1" hangingPunct="1">
+        <a:defRPr>
+          <a:solidFill>
+            <a:schemeClr val="tx2"/>
+          </a:solidFill>
+        </a:defRPr>
+      </a:lvl3pPr>
+      <a:lvl4pPr eaLnBrk="1" hangingPunct="1">
+        <a:defRPr>
+          <a:solidFill>
+            <a:schemeClr val="tx2"/>
+          </a:solidFill>
+        </a:defRPr>
+      </a:lvl4pPr>
+      <a:lvl5pPr eaLnBrk="1" hangingPunct="1">
+        <a:defRPr>
+          <a:solidFill>
+            <a:schemeClr val="tx2"/>
+          </a:solidFill>
+        </a:defRPr>
+      </a:lvl5pPr>
+      <a:lvl6pPr eaLnBrk="1" hangingPunct="1">
+        <a:defRPr>
+          <a:solidFill>
+            <a:schemeClr val="tx2"/>
+          </a:solidFill>
+        </a:defRPr>
+      </a:lvl6pPr>
+      <a:lvl7pPr eaLnBrk="1" hangingPunct="1">
+        <a:defRPr>
+          <a:solidFill>
+            <a:schemeClr val="tx2"/>
+          </a:solidFill>
+        </a:defRPr>
+      </a:lvl7pPr>
+      <a:lvl8pPr eaLnBrk="1" hangingPunct="1">
+        <a:defRPr>
+          <a:solidFill>
+            <a:schemeClr val="tx2"/>
+          </a:solidFill>
+        </a:defRPr>
+      </a:lvl8pPr>
+      <a:lvl9pPr eaLnBrk="1" hangingPunct="1">
+        <a:defRPr>
+          <a:solidFill>
+            <a:schemeClr val="tx2"/>
+          </a:solidFill>
+        </a:defRPr>
+      </a:lvl9pPr>
     </p:titleStyle>
     <p:bodyStyle>
-      <a:lvl1pPr marL="228600" indent="-228600" algn="l" defTabSz="914400" rtl="0" eaLnBrk="1" latinLnBrk="0" hangingPunct="1">
-        <a:lnSpc>
-          <a:spcPct val="90000"/>
-        </a:lnSpc>
+      <a:lvl1pPr marL="342900" indent="-342900" algn="l" defTabSz="457200" rtl="0" eaLnBrk="1" latinLnBrk="0" hangingPunct="1">
         <a:spcBef>
           <a:spcPts val="1000"/>
         </a:spcBef>
-        <a:buFont typeface="Arial" panose="020B0604020202020204" pitchFamily="34" charset="0"/>
-        <a:buChar char="•"/>
-        <a:defRPr sz="2800" kern="1200">
+        <a:spcAft>
+          <a:spcPts val="0"/>
+        </a:spcAft>
+        <a:buClr>
+          <a:schemeClr val="accent1"/>
+        </a:buClr>
+        <a:buSzPct val="80000"/>
+        <a:buFont typeface="Wingdings 3" charset="2"/>
+        <a:buChar char=""/>
+        <a:defRPr sz="1800" kern="1200">
+          <a:solidFill>
+            <a:schemeClr val="tx1">
+              <a:lumMod val="75000"/>
+              <a:lumOff val="25000"/>
+            </a:schemeClr>
+          </a:solidFill>
+          <a:latin typeface="+mn-lt"/>
+          <a:ea typeface="+mn-ea"/>
+          <a:cs typeface="+mn-cs"/>
+        </a:defRPr>
+      </a:lvl1pPr>
+      <a:lvl2pPr marL="742950" indent="-285750" algn="l" defTabSz="457200" rtl="0" eaLnBrk="1" latinLnBrk="0" hangingPunct="1">
+        <a:spcBef>
+          <a:spcPts val="1000"/>
+        </a:spcBef>
+        <a:spcAft>
+          <a:spcPts val="0"/>
+        </a:spcAft>
+        <a:buClr>
+          <a:schemeClr val="accent1"/>
+        </a:buClr>
+        <a:buSzPct val="80000"/>
+        <a:buFont typeface="Wingdings 3" charset="2"/>
+        <a:buChar char=""/>
+        <a:defRPr sz="1600" kern="1200">
+          <a:solidFill>
+            <a:schemeClr val="tx1">
+              <a:lumMod val="75000"/>
+              <a:lumOff val="25000"/>
+            </a:schemeClr>
+          </a:solidFill>
+          <a:latin typeface="+mn-lt"/>
+          <a:ea typeface="+mn-ea"/>
+          <a:cs typeface="+mn-cs"/>
+        </a:defRPr>
+      </a:lvl2pPr>
+      <a:lvl3pPr marL="1143000" indent="-228600" algn="l" defTabSz="457200" rtl="0" eaLnBrk="1" latinLnBrk="0" hangingPunct="1">
+        <a:spcBef>
+          <a:spcPts val="1000"/>
+        </a:spcBef>
+        <a:spcAft>
+          <a:spcPts val="0"/>
+        </a:spcAft>
+        <a:buClr>
+          <a:schemeClr val="accent1"/>
+        </a:buClr>
+        <a:buSzPct val="80000"/>
+        <a:buFont typeface="Wingdings 3" charset="2"/>
+        <a:buChar char=""/>
+        <a:defRPr sz="1400" kern="1200">
+          <a:solidFill>
+            <a:schemeClr val="tx1">
+              <a:lumMod val="75000"/>
+              <a:lumOff val="25000"/>
+            </a:schemeClr>
+          </a:solidFill>
+          <a:latin typeface="+mn-lt"/>
+          <a:ea typeface="+mn-ea"/>
+          <a:cs typeface="+mn-cs"/>
+        </a:defRPr>
+      </a:lvl3pPr>
+      <a:lvl4pPr marL="1600200" indent="-228600" algn="l" defTabSz="457200" rtl="0" eaLnBrk="1" latinLnBrk="0" hangingPunct="1">
+        <a:spcBef>
+          <a:spcPts val="1000"/>
+        </a:spcBef>
+        <a:spcAft>
+          <a:spcPts val="0"/>
+        </a:spcAft>
+        <a:buClr>
+          <a:schemeClr val="accent1"/>
+        </a:buClr>
+        <a:buSzPct val="80000"/>
+        <a:buFont typeface="Wingdings 3" charset="2"/>
+        <a:buChar char=""/>
+        <a:defRPr sz="1200" kern="1200">
+          <a:solidFill>
+            <a:schemeClr val="tx1">
+              <a:lumMod val="75000"/>
+              <a:lumOff val="25000"/>
+            </a:schemeClr>
+          </a:solidFill>
+          <a:latin typeface="+mn-lt"/>
+          <a:ea typeface="+mn-ea"/>
+          <a:cs typeface="+mn-cs"/>
+        </a:defRPr>
+      </a:lvl4pPr>
+      <a:lvl5pPr marL="2057400" indent="-228600" algn="l" defTabSz="457200" rtl="0" eaLnBrk="1" latinLnBrk="0" hangingPunct="1">
+        <a:spcBef>
+          <a:spcPts val="1000"/>
+        </a:spcBef>
+        <a:spcAft>
+          <a:spcPts val="0"/>
+        </a:spcAft>
+        <a:buClr>
+          <a:schemeClr val="accent1"/>
+        </a:buClr>
+        <a:buSzPct val="80000"/>
+        <a:buFont typeface="Wingdings 3" charset="2"/>
+        <a:buChar char=""/>
+        <a:defRPr sz="1200" kern="1200">
+          <a:solidFill>
+            <a:schemeClr val="tx1">
+              <a:lumMod val="75000"/>
+              <a:lumOff val="25000"/>
+            </a:schemeClr>
+          </a:solidFill>
+          <a:latin typeface="+mn-lt"/>
+          <a:ea typeface="+mn-ea"/>
+          <a:cs typeface="+mn-cs"/>
+        </a:defRPr>
+      </a:lvl5pPr>
+      <a:lvl6pPr marL="2514600" indent="-228600" algn="l" defTabSz="457200" rtl="0" eaLnBrk="1" latinLnBrk="0" hangingPunct="1">
+        <a:spcBef>
+          <a:spcPts val="1000"/>
+        </a:spcBef>
+        <a:spcAft>
+          <a:spcPts val="0"/>
+        </a:spcAft>
+        <a:buClr>
+          <a:schemeClr val="accent1"/>
+        </a:buClr>
+        <a:buSzPct val="80000"/>
+        <a:buFont typeface="Wingdings 3" charset="2"/>
+        <a:buChar char=""/>
+        <a:defRPr sz="1200" kern="1200">
+          <a:solidFill>
+            <a:schemeClr val="tx1">
+              <a:lumMod val="75000"/>
+              <a:lumOff val="25000"/>
+            </a:schemeClr>
+          </a:solidFill>
+          <a:latin typeface="+mn-lt"/>
+          <a:ea typeface="+mn-ea"/>
+          <a:cs typeface="+mn-cs"/>
+        </a:defRPr>
+      </a:lvl6pPr>
+      <a:lvl7pPr marL="2971800" indent="-228600" algn="l" defTabSz="457200" rtl="0" eaLnBrk="1" latinLnBrk="0" hangingPunct="1">
+        <a:spcBef>
+          <a:spcPts val="1000"/>
+        </a:spcBef>
+        <a:spcAft>
+          <a:spcPts val="0"/>
+        </a:spcAft>
+        <a:buClr>
+          <a:schemeClr val="accent1"/>
+        </a:buClr>
+        <a:buSzPct val="80000"/>
+        <a:buFont typeface="Wingdings 3" charset="2"/>
+        <a:buChar char=""/>
+        <a:defRPr sz="1200" kern="1200">
+          <a:solidFill>
+            <a:schemeClr val="tx1">
+              <a:lumMod val="75000"/>
+              <a:lumOff val="25000"/>
+            </a:schemeClr>
+          </a:solidFill>
+          <a:latin typeface="+mn-lt"/>
+          <a:ea typeface="+mn-ea"/>
+          <a:cs typeface="+mn-cs"/>
+        </a:defRPr>
+      </a:lvl7pPr>
+      <a:lvl8pPr marL="3429000" indent="-228600" algn="l" defTabSz="457200" rtl="0" eaLnBrk="1" latinLnBrk="0" hangingPunct="1">
+        <a:spcBef>
+          <a:spcPts val="1000"/>
+        </a:spcBef>
+        <a:spcAft>
+          <a:spcPts val="0"/>
+        </a:spcAft>
+        <a:buClr>
+          <a:schemeClr val="accent1"/>
+        </a:buClr>
+        <a:buSzPct val="80000"/>
+        <a:buFont typeface="Wingdings 3" charset="2"/>
+        <a:buChar char=""/>
+        <a:defRPr sz="1200" kern="1200">
+          <a:solidFill>
+            <a:schemeClr val="tx1">
+              <a:lumMod val="75000"/>
+              <a:lumOff val="25000"/>
+            </a:schemeClr>
+          </a:solidFill>
+          <a:latin typeface="+mn-lt"/>
+          <a:ea typeface="+mn-ea"/>
+          <a:cs typeface="+mn-cs"/>
+        </a:defRPr>
+      </a:lvl8pPr>
+      <a:lvl9pPr marL="3886200" indent="-228600" algn="l" defTabSz="457200" rtl="0" eaLnBrk="1" latinLnBrk="0" hangingPunct="1">
+        <a:spcBef>
+          <a:spcPts val="1000"/>
+        </a:spcBef>
+        <a:spcAft>
+          <a:spcPts val="0"/>
+        </a:spcAft>
+        <a:buClr>
+          <a:schemeClr val="accent1"/>
+        </a:buClr>
+        <a:buSzPct val="80000"/>
+        <a:buFont typeface="Wingdings 3" charset="2"/>
+        <a:buChar char=""/>
+        <a:defRPr sz="1200" kern="1200">
+          <a:solidFill>
+            <a:schemeClr val="tx1">
+              <a:lumMod val="75000"/>
+              <a:lumOff val="25000"/>
+            </a:schemeClr>
+          </a:solidFill>
+          <a:latin typeface="+mn-lt"/>
+          <a:ea typeface="+mn-ea"/>
+          <a:cs typeface="+mn-cs"/>
+        </a:defRPr>
+      </a:lvl9pPr>
+    </p:bodyStyle>
+    <p:otherStyle>
+      <a:defPPr>
+        <a:defRPr lang="en-US"/>
+      </a:defPPr>
+      <a:lvl1pPr marL="0" algn="l" defTabSz="457200" rtl="0" eaLnBrk="1" latinLnBrk="0" hangingPunct="1">
+        <a:defRPr sz="1800" kern="1200">
           <a:solidFill>
             <a:schemeClr val="tx1"/>
           </a:solidFill>
@@ -3410,16 +6436,8 @@
           <a:cs typeface="+mn-cs"/>
         </a:defRPr>
       </a:lvl1pPr>
-      <a:lvl2pPr marL="685800" indent="-228600" algn="l" defTabSz="914400" rtl="0" eaLnBrk="1" latinLnBrk="0" hangingPunct="1">
-        <a:lnSpc>
-          <a:spcPct val="90000"/>
-        </a:lnSpc>
-        <a:spcBef>
-          <a:spcPts val="500"/>
-        </a:spcBef>
-        <a:buFont typeface="Arial" panose="020B0604020202020204" pitchFamily="34" charset="0"/>
-        <a:buChar char="•"/>
-        <a:defRPr sz="2400" kern="1200">
+      <a:lvl2pPr marL="457200" algn="l" defTabSz="457200" rtl="0" eaLnBrk="1" latinLnBrk="0" hangingPunct="1">
+        <a:defRPr sz="1800" kern="1200">
           <a:solidFill>
             <a:schemeClr val="tx1"/>
           </a:solidFill>
@@ -3428,16 +6446,8 @@
           <a:cs typeface="+mn-cs"/>
         </a:defRPr>
       </a:lvl2pPr>
-      <a:lvl3pPr marL="1143000" indent="-228600" algn="l" defTabSz="914400" rtl="0" eaLnBrk="1" latinLnBrk="0" hangingPunct="1">
-        <a:lnSpc>
-          <a:spcPct val="90000"/>
-        </a:lnSpc>
-        <a:spcBef>
-          <a:spcPts val="500"/>
-        </a:spcBef>
-        <a:buFont typeface="Arial" panose="020B0604020202020204" pitchFamily="34" charset="0"/>
-        <a:buChar char="•"/>
-        <a:defRPr sz="2000" kern="1200">
+      <a:lvl3pPr marL="914400" algn="l" defTabSz="457200" rtl="0" eaLnBrk="1" latinLnBrk="0" hangingPunct="1">
+        <a:defRPr sz="1800" kern="1200">
           <a:solidFill>
             <a:schemeClr val="tx1"/>
           </a:solidFill>
@@ -3446,15 +6456,7 @@
           <a:cs typeface="+mn-cs"/>
         </a:defRPr>
       </a:lvl3pPr>
-      <a:lvl4pPr marL="1600200" indent="-228600" algn="l" defTabSz="914400" rtl="0" eaLnBrk="1" latinLnBrk="0" hangingPunct="1">
-        <a:lnSpc>
-          <a:spcPct val="90000"/>
-        </a:lnSpc>
-        <a:spcBef>
-          <a:spcPts val="500"/>
-        </a:spcBef>
-        <a:buFont typeface="Arial" panose="020B0604020202020204" pitchFamily="34" charset="0"/>
-        <a:buChar char="•"/>
+      <a:lvl4pPr marL="1371600" algn="l" defTabSz="457200" rtl="0" eaLnBrk="1" latinLnBrk="0" hangingPunct="1">
         <a:defRPr sz="1800" kern="1200">
           <a:solidFill>
             <a:schemeClr val="tx1"/>
@@ -3464,15 +6466,7 @@
           <a:cs typeface="+mn-cs"/>
         </a:defRPr>
       </a:lvl4pPr>
-      <a:lvl5pPr marL="2057400" indent="-228600" algn="l" defTabSz="914400" rtl="0" eaLnBrk="1" latinLnBrk="0" hangingPunct="1">
-        <a:lnSpc>
-          <a:spcPct val="90000"/>
-        </a:lnSpc>
-        <a:spcBef>
-          <a:spcPts val="500"/>
-        </a:spcBef>
-        <a:buFont typeface="Arial" panose="020B0604020202020204" pitchFamily="34" charset="0"/>
-        <a:buChar char="•"/>
+      <a:lvl5pPr marL="1828800" algn="l" defTabSz="457200" rtl="0" eaLnBrk="1" latinLnBrk="0" hangingPunct="1">
         <a:defRPr sz="1800" kern="1200">
           <a:solidFill>
             <a:schemeClr val="tx1"/>
@@ -3482,15 +6476,7 @@
           <a:cs typeface="+mn-cs"/>
         </a:defRPr>
       </a:lvl5pPr>
-      <a:lvl6pPr marL="2514600" indent="-228600" algn="l" defTabSz="914400" rtl="0" eaLnBrk="1" latinLnBrk="0" hangingPunct="1">
-        <a:lnSpc>
-          <a:spcPct val="90000"/>
-        </a:lnSpc>
-        <a:spcBef>
-          <a:spcPts val="500"/>
-        </a:spcBef>
-        <a:buFont typeface="Arial" panose="020B0604020202020204" pitchFamily="34" charset="0"/>
-        <a:buChar char="•"/>
+      <a:lvl6pPr marL="2286000" algn="l" defTabSz="457200" rtl="0" eaLnBrk="1" latinLnBrk="0" hangingPunct="1">
         <a:defRPr sz="1800" kern="1200">
           <a:solidFill>
             <a:schemeClr val="tx1"/>
@@ -3500,15 +6486,7 @@
           <a:cs typeface="+mn-cs"/>
         </a:defRPr>
       </a:lvl6pPr>
-      <a:lvl7pPr marL="2971800" indent="-228600" algn="l" defTabSz="914400" rtl="0" eaLnBrk="1" latinLnBrk="0" hangingPunct="1">
-        <a:lnSpc>
-          <a:spcPct val="90000"/>
-        </a:lnSpc>
-        <a:spcBef>
-          <a:spcPts val="500"/>
-        </a:spcBef>
-        <a:buFont typeface="Arial" panose="020B0604020202020204" pitchFamily="34" charset="0"/>
-        <a:buChar char="•"/>
+      <a:lvl7pPr marL="2743200" algn="l" defTabSz="457200" rtl="0" eaLnBrk="1" latinLnBrk="0" hangingPunct="1">
         <a:defRPr sz="1800" kern="1200">
           <a:solidFill>
             <a:schemeClr val="tx1"/>
@@ -3518,15 +6496,7 @@
           <a:cs typeface="+mn-cs"/>
         </a:defRPr>
       </a:lvl7pPr>
-      <a:lvl8pPr marL="3429000" indent="-228600" algn="l" defTabSz="914400" rtl="0" eaLnBrk="1" latinLnBrk="0" hangingPunct="1">
-        <a:lnSpc>
-          <a:spcPct val="90000"/>
-        </a:lnSpc>
-        <a:spcBef>
-          <a:spcPts val="500"/>
-        </a:spcBef>
-        <a:buFont typeface="Arial" panose="020B0604020202020204" pitchFamily="34" charset="0"/>
-        <a:buChar char="•"/>
+      <a:lvl8pPr marL="3200400" algn="l" defTabSz="457200" rtl="0" eaLnBrk="1" latinLnBrk="0" hangingPunct="1">
         <a:defRPr sz="1800" kern="1200">
           <a:solidFill>
             <a:schemeClr val="tx1"/>
@@ -3536,110 +6506,7 @@
           <a:cs typeface="+mn-cs"/>
         </a:defRPr>
       </a:lvl8pPr>
-      <a:lvl9pPr marL="3886200" indent="-228600" algn="l" defTabSz="914400" rtl="0" eaLnBrk="1" latinLnBrk="0" hangingPunct="1">
-        <a:lnSpc>
-          <a:spcPct val="90000"/>
-        </a:lnSpc>
-        <a:spcBef>
-          <a:spcPts val="500"/>
-        </a:spcBef>
-        <a:buFont typeface="Arial" panose="020B0604020202020204" pitchFamily="34" charset="0"/>
-        <a:buChar char="•"/>
-        <a:defRPr sz="1800" kern="1200">
-          <a:solidFill>
-            <a:schemeClr val="tx1"/>
-          </a:solidFill>
-          <a:latin typeface="+mn-lt"/>
-          <a:ea typeface="+mn-ea"/>
-          <a:cs typeface="+mn-cs"/>
-        </a:defRPr>
-      </a:lvl9pPr>
-    </p:bodyStyle>
-    <p:otherStyle>
-      <a:defPPr>
-        <a:defRPr lang="de-DE"/>
-      </a:defPPr>
-      <a:lvl1pPr marL="0" algn="l" defTabSz="914400" rtl="0" eaLnBrk="1" latinLnBrk="0" hangingPunct="1">
-        <a:defRPr sz="1800" kern="1200">
-          <a:solidFill>
-            <a:schemeClr val="tx1"/>
-          </a:solidFill>
-          <a:latin typeface="+mn-lt"/>
-          <a:ea typeface="+mn-ea"/>
-          <a:cs typeface="+mn-cs"/>
-        </a:defRPr>
-      </a:lvl1pPr>
-      <a:lvl2pPr marL="457200" algn="l" defTabSz="914400" rtl="0" eaLnBrk="1" latinLnBrk="0" hangingPunct="1">
-        <a:defRPr sz="1800" kern="1200">
-          <a:solidFill>
-            <a:schemeClr val="tx1"/>
-          </a:solidFill>
-          <a:latin typeface="+mn-lt"/>
-          <a:ea typeface="+mn-ea"/>
-          <a:cs typeface="+mn-cs"/>
-        </a:defRPr>
-      </a:lvl2pPr>
-      <a:lvl3pPr marL="914400" algn="l" defTabSz="914400" rtl="0" eaLnBrk="1" latinLnBrk="0" hangingPunct="1">
-        <a:defRPr sz="1800" kern="1200">
-          <a:solidFill>
-            <a:schemeClr val="tx1"/>
-          </a:solidFill>
-          <a:latin typeface="+mn-lt"/>
-          <a:ea typeface="+mn-ea"/>
-          <a:cs typeface="+mn-cs"/>
-        </a:defRPr>
-      </a:lvl3pPr>
-      <a:lvl4pPr marL="1371600" algn="l" defTabSz="914400" rtl="0" eaLnBrk="1" latinLnBrk="0" hangingPunct="1">
-        <a:defRPr sz="1800" kern="1200">
-          <a:solidFill>
-            <a:schemeClr val="tx1"/>
-          </a:solidFill>
-          <a:latin typeface="+mn-lt"/>
-          <a:ea typeface="+mn-ea"/>
-          <a:cs typeface="+mn-cs"/>
-        </a:defRPr>
-      </a:lvl4pPr>
-      <a:lvl5pPr marL="1828800" algn="l" defTabSz="914400" rtl="0" eaLnBrk="1" latinLnBrk="0" hangingPunct="1">
-        <a:defRPr sz="1800" kern="1200">
-          <a:solidFill>
-            <a:schemeClr val="tx1"/>
-          </a:solidFill>
-          <a:latin typeface="+mn-lt"/>
-          <a:ea typeface="+mn-ea"/>
-          <a:cs typeface="+mn-cs"/>
-        </a:defRPr>
-      </a:lvl5pPr>
-      <a:lvl6pPr marL="2286000" algn="l" defTabSz="914400" rtl="0" eaLnBrk="1" latinLnBrk="0" hangingPunct="1">
-        <a:defRPr sz="1800" kern="1200">
-          <a:solidFill>
-            <a:schemeClr val="tx1"/>
-          </a:solidFill>
-          <a:latin typeface="+mn-lt"/>
-          <a:ea typeface="+mn-ea"/>
-          <a:cs typeface="+mn-cs"/>
-        </a:defRPr>
-      </a:lvl6pPr>
-      <a:lvl7pPr marL="2743200" algn="l" defTabSz="914400" rtl="0" eaLnBrk="1" latinLnBrk="0" hangingPunct="1">
-        <a:defRPr sz="1800" kern="1200">
-          <a:solidFill>
-            <a:schemeClr val="tx1"/>
-          </a:solidFill>
-          <a:latin typeface="+mn-lt"/>
-          <a:ea typeface="+mn-ea"/>
-          <a:cs typeface="+mn-cs"/>
-        </a:defRPr>
-      </a:lvl7pPr>
-      <a:lvl8pPr marL="3200400" algn="l" defTabSz="914400" rtl="0" eaLnBrk="1" latinLnBrk="0" hangingPunct="1">
-        <a:defRPr sz="1800" kern="1200">
-          <a:solidFill>
-            <a:schemeClr val="tx1"/>
-          </a:solidFill>
-          <a:latin typeface="+mn-lt"/>
-          <a:ea typeface="+mn-ea"/>
-          <a:cs typeface="+mn-cs"/>
-        </a:defRPr>
-      </a:lvl8pPr>
-      <a:lvl9pPr marL="3657600" algn="l" defTabSz="914400" rtl="0" eaLnBrk="1" latinLnBrk="0" hangingPunct="1">
+      <a:lvl9pPr marL="3657600" algn="l" defTabSz="457200" rtl="0" eaLnBrk="1" latinLnBrk="0" hangingPunct="1">
         <a:defRPr sz="1800" kern="1200">
           <a:solidFill>
             <a:schemeClr val="tx1"/>
@@ -4312,13 +7179,8 @@
             </a:r>
             <a:r>
               <a:rPr lang="de-DE" dirty="0" smtClean="0"/>
-              <a:t> dazwischen werden folgender weise kombiniert</a:t>
-            </a:r>
-            <a:r>
-              <a:rPr lang="de-DE" dirty="0" smtClean="0"/>
-              <a:t>:</a:t>
-            </a:r>
-            <a:endParaRPr lang="de-DE" dirty="0" smtClean="0"/>
+              <a:t> dazwischen werden folgender weise kombiniert:</a:t>
+            </a:r>
           </a:p>
         </p:txBody>
       </p:sp>
@@ -5937,11 +8799,7 @@
             </a:r>
             <a:r>
               <a:rPr lang="de-DE" dirty="0" smtClean="0"/>
-              <a:t> haben eine viel kleinere durchschnittliche Krümmung—wird </a:t>
-            </a:r>
-            <a:r>
-              <a:rPr lang="de-DE" dirty="0" smtClean="0"/>
-              <a:t>anhand einer Gaußverteilung </a:t>
+              <a:t> haben eine viel kleinere durchschnittliche Krümmung—wird anhand einer Gaußverteilung </a:t>
             </a:r>
             <a:r>
               <a:rPr lang="de-DE" dirty="0" err="1" smtClean="0"/>
@@ -7558,13 +10416,13 @@
         </p:nvSpPr>
         <p:spPr>
           <a:xfrm>
-            <a:off x="1295401" y="2556932"/>
-            <a:ext cx="9601196" cy="3640668"/>
+            <a:off x="794538" y="2096188"/>
+            <a:ext cx="8479464" cy="3640668"/>
           </a:xfrm>
         </p:spPr>
         <p:txBody>
           <a:bodyPr>
-            <a:normAutofit/>
+            <a:normAutofit lnSpcReduction="10000"/>
           </a:bodyPr>
           <a:lstStyle/>
           <a:p>
@@ -7655,6 +10513,29 @@
           <a:chExt cx="0" cy="0"/>
         </a:xfrm>
       </p:grpSpPr>
+      <p:sp>
+        <p:nvSpPr>
+          <p:cNvPr id="10" name="Title 1"/>
+          <p:cNvSpPr>
+            <a:spLocks noGrp="1"/>
+          </p:cNvSpPr>
+          <p:nvPr>
+            <p:ph type="title"/>
+          </p:nvPr>
+        </p:nvSpPr>
+        <p:spPr/>
+        <p:txBody>
+          <a:bodyPr/>
+          <a:lstStyle/>
+          <a:p>
+            <a:r>
+              <a:rPr lang="de-DE" dirty="0" smtClean="0"/>
+              <a:t>Unsere Änderungen</a:t>
+            </a:r>
+            <a:endParaRPr lang="de-DE" dirty="0"/>
+          </a:p>
+        </p:txBody>
+      </p:sp>
       <p:pic>
         <p:nvPicPr>
           <p:cNvPr id="6" name="Content Placeholder 5"/>
@@ -7673,13 +10554,12 @@
               </a:ext>
             </a:extLst>
           </a:blip>
-          <a:srcRect l="1349" t="12240" r="54423" b="40560"/>
           <a:stretch/>
         </p:blipFill>
         <p:spPr>
           <a:xfrm>
-            <a:off x="6428936" y="2646399"/>
-            <a:ext cx="4572000" cy="2743200"/>
+            <a:off x="1524168" y="2160588"/>
+            <a:ext cx="6903701" cy="3881437"/>
           </a:xfrm>
         </p:spPr>
       </p:pic>
@@ -7712,34 +10592,6 @@
           </a:prstGeom>
         </p:spPr>
       </p:pic>
-      <p:sp>
-        <p:nvSpPr>
-          <p:cNvPr id="10" name="Title 1"/>
-          <p:cNvSpPr>
-            <a:spLocks noGrp="1"/>
-          </p:cNvSpPr>
-          <p:nvPr>
-            <p:ph type="title"/>
-          </p:nvPr>
-        </p:nvSpPr>
-        <p:spPr>
-          <a:xfrm>
-            <a:off x="838200" y="365125"/>
-            <a:ext cx="10515600" cy="1325563"/>
-          </a:xfrm>
-        </p:spPr>
-        <p:txBody>
-          <a:bodyPr/>
-          <a:lstStyle/>
-          <a:p>
-            <a:r>
-              <a:rPr lang="de-DE" dirty="0" smtClean="0"/>
-              <a:t>Unsere Änderungen</a:t>
-            </a:r>
-            <a:endParaRPr lang="de-DE" dirty="0"/>
-          </a:p>
-        </p:txBody>
-      </p:sp>
     </p:spTree>
     <p:extLst>
       <p:ext uri="{BB962C8B-B14F-4D97-AF65-F5344CB8AC3E}">
@@ -7777,6 +10629,29 @@
           <a:chExt cx="0" cy="0"/>
         </a:xfrm>
       </p:grpSpPr>
+      <p:sp>
+        <p:nvSpPr>
+          <p:cNvPr id="5" name="Title 1"/>
+          <p:cNvSpPr>
+            <a:spLocks noGrp="1"/>
+          </p:cNvSpPr>
+          <p:nvPr>
+            <p:ph type="title"/>
+          </p:nvPr>
+        </p:nvSpPr>
+        <p:spPr/>
+        <p:txBody>
+          <a:bodyPr/>
+          <a:lstStyle/>
+          <a:p>
+            <a:r>
+              <a:rPr lang="de-DE" dirty="0" smtClean="0"/>
+              <a:t>Unsere Änderungen</a:t>
+            </a:r>
+            <a:endParaRPr lang="de-DE" dirty="0"/>
+          </a:p>
+        </p:txBody>
+      </p:sp>
       <p:pic>
         <p:nvPicPr>
           <p:cNvPr id="6" name="Content Placeholder 5"/>
@@ -7795,13 +10670,12 @@
               </a:ext>
             </a:extLst>
           </a:blip>
-          <a:srcRect l="44589" t="51375" r="20276" b="11130"/>
           <a:stretch/>
         </p:blipFill>
         <p:spPr>
           <a:xfrm>
-            <a:off x="6428936" y="2646399"/>
-            <a:ext cx="4572000" cy="2743200"/>
+            <a:off x="1524168" y="2160588"/>
+            <a:ext cx="6903701" cy="3881437"/>
           </a:xfrm>
         </p:spPr>
       </p:pic>
@@ -7834,34 +10708,6 @@
           </a:prstGeom>
         </p:spPr>
       </p:pic>
-      <p:sp>
-        <p:nvSpPr>
-          <p:cNvPr id="5" name="Title 1"/>
-          <p:cNvSpPr>
-            <a:spLocks noGrp="1"/>
-          </p:cNvSpPr>
-          <p:nvPr>
-            <p:ph type="title"/>
-          </p:nvPr>
-        </p:nvSpPr>
-        <p:spPr>
-          <a:xfrm>
-            <a:off x="838200" y="365125"/>
-            <a:ext cx="10515600" cy="1325563"/>
-          </a:xfrm>
-        </p:spPr>
-        <p:txBody>
-          <a:bodyPr/>
-          <a:lstStyle/>
-          <a:p>
-            <a:r>
-              <a:rPr lang="de-DE" dirty="0" smtClean="0"/>
-              <a:t>Unsere Änderungen</a:t>
-            </a:r>
-            <a:endParaRPr lang="de-DE" dirty="0"/>
-          </a:p>
-        </p:txBody>
-      </p:sp>
     </p:spTree>
     <p:extLst>
       <p:ext uri="{BB962C8B-B14F-4D97-AF65-F5344CB8AC3E}">
@@ -7872,6 +10718,13 @@
   <p:clrMapOvr>
     <a:masterClrMapping/>
   </p:clrMapOvr>
+  <p:timing>
+    <p:tnLst>
+      <p:par>
+        <p:cTn id="1" dur="indefinite" restart="never" nodeType="tmRoot"/>
+      </p:par>
+    </p:tnLst>
+  </p:timing>
 </p:sld>
 </file>
 
@@ -7907,26 +10760,108 @@
           <a:bodyPr/>
           <a:lstStyle/>
           <a:p>
-            <a:endParaRPr lang="de-DE"/>
-          </a:p>
-        </p:txBody>
-      </p:sp>
-      <p:sp>
-        <p:nvSpPr>
-          <p:cNvPr id="3" name="Content Placeholder 2"/>
-          <p:cNvSpPr>
-            <a:spLocks noGrp="1"/>
-          </p:cNvSpPr>
+            <a:r>
+              <a:rPr lang="de-DE" dirty="0" smtClean="0"/>
+              <a:t>Ergebnisse</a:t>
+            </a:r>
+            <a:endParaRPr lang="de-DE" dirty="0"/>
+          </a:p>
+        </p:txBody>
+      </p:sp>
+      <p:pic>
+        <p:nvPicPr>
+          <p:cNvPr id="4" name="Inhaltsplatzhalter 3"/>
+          <p:cNvPicPr>
+            <a:picLocks noGrp="1" noChangeAspect="1"/>
+          </p:cNvPicPr>
           <p:nvPr>
             <p:ph idx="1"/>
           </p:nvPr>
-        </p:nvSpPr>
-        <p:spPr/>
-        <p:txBody>
-          <a:bodyPr/>
+        </p:nvPicPr>
+        <p:blipFill>
+          <a:blip r:embed="rId2"/>
+          <a:stretch>
+            <a:fillRect/>
+          </a:stretch>
+        </p:blipFill>
+        <p:spPr>
+          <a:xfrm>
+            <a:off x="429485" y="2125272"/>
+            <a:ext cx="8844516" cy="3157839"/>
+          </a:xfrm>
+          <a:prstGeom prst="rect">
+            <a:avLst/>
+          </a:prstGeom>
+        </p:spPr>
+      </p:pic>
+      <p:sp>
+        <p:nvSpPr>
+          <p:cNvPr id="5" name="Textfeld 4"/>
+          <p:cNvSpPr txBox="1"/>
+          <p:nvPr/>
+        </p:nvSpPr>
+        <p:spPr>
+          <a:xfrm>
+            <a:off x="677334" y="4182140"/>
+            <a:ext cx="1793358" cy="646331"/>
+          </a:xfrm>
+          <a:prstGeom prst="rect">
+            <a:avLst/>
+          </a:prstGeom>
+          <a:noFill/>
+        </p:spPr>
+        <p:txBody>
+          <a:bodyPr wrap="square" rtlCol="0">
+            <a:spAutoFit/>
+          </a:bodyPr>
           <a:lstStyle/>
           <a:p>
-            <a:endParaRPr lang="de-DE"/>
+            <a:r>
+              <a:rPr lang="de-DE" dirty="0" smtClean="0"/>
+              <a:t>Wang-Müller (633 Segmente)</a:t>
+            </a:r>
+            <a:endParaRPr lang="de-DE" dirty="0"/>
+          </a:p>
+        </p:txBody>
+      </p:sp>
+      <p:sp>
+        <p:nvSpPr>
+          <p:cNvPr id="6" name="Textfeld 5"/>
+          <p:cNvSpPr txBox="1"/>
+          <p:nvPr/>
+        </p:nvSpPr>
+        <p:spPr>
+          <a:xfrm>
+            <a:off x="6010938" y="4097079"/>
+            <a:ext cx="1920949" cy="923330"/>
+          </a:xfrm>
+          <a:prstGeom prst="rect">
+            <a:avLst/>
+          </a:prstGeom>
+          <a:noFill/>
+        </p:spPr>
+        <p:txBody>
+          <a:bodyPr wrap="square" rtlCol="0">
+            <a:spAutoFit/>
+          </a:bodyPr>
+          <a:lstStyle/>
+          <a:p>
+            <a:r>
+              <a:rPr lang="de-DE" dirty="0" err="1" smtClean="0"/>
+              <a:t>Visvalingam-Whyatt</a:t>
+            </a:r>
+            <a:r>
+              <a:rPr lang="de-DE" dirty="0"/>
+              <a:t/>
+            </a:r>
+            <a:br>
+              <a:rPr lang="de-DE" dirty="0"/>
+            </a:br>
+            <a:r>
+              <a:rPr lang="de-DE" dirty="0" smtClean="0"/>
+              <a:t>(640 Segmente)</a:t>
+            </a:r>
+            <a:endParaRPr lang="de-DE" dirty="0"/>
           </a:p>
         </p:txBody>
       </p:sp>
@@ -7940,6 +10875,13 @@
   <p:clrMapOvr>
     <a:masterClrMapping/>
   </p:clrMapOvr>
+  <p:timing>
+    <p:tnLst>
+      <p:par>
+        <p:cTn id="1" dur="indefinite" restart="never" nodeType="tmRoot"/>
+      </p:par>
+    </p:tnLst>
+  </p:timing>
 </p:sld>
 </file>
 
@@ -7995,8 +10937,8 @@
         </p:nvSpPr>
         <p:spPr>
           <a:xfrm>
-            <a:off x="1295401" y="2556932"/>
-            <a:ext cx="9601196" cy="3500968"/>
+            <a:off x="962247" y="2131630"/>
+            <a:ext cx="8259725" cy="3500968"/>
           </a:xfrm>
         </p:spPr>
         <p:txBody>
@@ -8025,7 +10967,15 @@
             <a:pPr lvl="1"/>
             <a:r>
               <a:rPr lang="de-DE" dirty="0"/>
-              <a:t>Benachbarte ähnliche Biegungen mit Größe unter einen gewissen Grenzwert sollen als eine kombiniert werden, und drei als zwei</a:t>
+              <a:t>Benachbarte ähnliche Biegungen mit Größe unter </a:t>
+            </a:r>
+            <a:r>
+              <a:rPr lang="de-DE" dirty="0" smtClean="0"/>
+              <a:t>einem </a:t>
+            </a:r>
+            <a:r>
+              <a:rPr lang="de-DE" dirty="0"/>
+              <a:t>gewissen Grenzwert sollen als eine kombiniert werden, und drei als zwei</a:t>
             </a:r>
           </a:p>
           <a:p>
@@ -8039,7 +10989,23 @@
             <a:pPr lvl="1"/>
             <a:r>
               <a:rPr lang="de-DE" dirty="0"/>
-              <a:t>Isolierte Biegungen von der Größe den oben erwähnten Grenzwert sollen vergrößert </a:t>
+              <a:t>Isolierte Biegungen von der Größe </a:t>
+            </a:r>
+            <a:r>
+              <a:rPr lang="de-DE" dirty="0" smtClean="0"/>
+              <a:t>des </a:t>
+            </a:r>
+            <a:r>
+              <a:rPr lang="de-DE" dirty="0"/>
+              <a:t>oben erwähnten </a:t>
+            </a:r>
+            <a:r>
+              <a:rPr lang="de-DE" dirty="0" smtClean="0"/>
+              <a:t>Grenzwertes </a:t>
+            </a:r>
+            <a:r>
+              <a:rPr lang="de-DE" dirty="0"/>
+              <a:t>sollen vergrößert </a:t>
             </a:r>
             <a:r>
               <a:rPr lang="de-DE" dirty="0" smtClean="0"/>
@@ -8062,8 +11028,13 @@
             </a:r>
             <a:r>
               <a:rPr lang="de-DE" noProof="0" dirty="0" smtClean="0"/>
-              <a:t>nicht Eckpunkte</a:t>
-            </a:r>
+              <a:t>nicht </a:t>
+            </a:r>
+            <a:r>
+              <a:rPr lang="de-DE" noProof="0" dirty="0" smtClean="0"/>
+              <a:t>Eckpunkten</a:t>
+            </a:r>
+            <a:endParaRPr lang="de-DE" noProof="0" dirty="0" smtClean="0"/>
           </a:p>
           <a:p>
             <a:endParaRPr lang="de-DE" noProof="0" dirty="0"/>
@@ -8155,7 +11126,31 @@
             </a:r>
             <a:r>
               <a:rPr lang="de-DE" noProof="0" dirty="0" smtClean="0"/>
-              <a:t> ist ein Intervall auf dem Linienzug die zwei Wendepunkten als Endpunkte hat und sonst keine Wendepunkten enthält</a:t>
+              <a:t> ist ein Intervall auf dem </a:t>
+            </a:r>
+            <a:r>
+              <a:rPr lang="de-DE" noProof="0" dirty="0" smtClean="0"/>
+              <a:t>Linienzug, das von </a:t>
+            </a:r>
+            <a:r>
+              <a:rPr lang="de-DE" noProof="0" dirty="0" smtClean="0"/>
+              <a:t>zwei Wendepunkten </a:t>
+            </a:r>
+            <a:r>
+              <a:rPr lang="de-DE" noProof="0" dirty="0" smtClean="0"/>
+              <a:t>begrenzt wird </a:t>
+            </a:r>
+            <a:r>
+              <a:rPr lang="de-DE" noProof="0" dirty="0" smtClean="0"/>
+              <a:t>und </a:t>
+            </a:r>
+            <a:r>
+              <a:rPr lang="de-DE" noProof="0" dirty="0" smtClean="0"/>
+              <a:t>keine weiteren Wendepunkte </a:t>
+            </a:r>
+            <a:r>
+              <a:rPr lang="de-DE" noProof="0" dirty="0" smtClean="0"/>
+              <a:t>enthält</a:t>
             </a:r>
           </a:p>
           <a:p>
@@ -8265,10 +11260,10 @@
                   </a:prstClr>
                 </a:solidFill>
               </a:rPr>
-              <a:t>Fläche die von der </a:t>
-            </a:r>
-            <a:r>
-              <a:rPr lang="de-DE" sz="2400" dirty="0" err="1">
+              <a:t>Fläche die von </a:t>
+            </a:r>
+            <a:r>
+              <a:rPr lang="de-DE" sz="2400" dirty="0" smtClean="0">
                 <a:solidFill>
                   <a:prstClr val="black">
                     <a:lumMod val="85000"/>
@@ -8276,10 +11271,10 @@
                   </a:prstClr>
                 </a:solidFill>
               </a:rPr>
-              <a:t>Bend</a:t>
-            </a:r>
-            <a:r>
-              <a:rPr lang="de-DE" sz="2400" dirty="0">
+              <a:t>der </a:t>
+            </a:r>
+            <a:r>
+              <a:rPr lang="de-DE" sz="2400" dirty="0" err="1" smtClean="0">
                 <a:solidFill>
                   <a:prstClr val="black">
                     <a:lumMod val="85000"/>
@@ -8287,9 +11282,20 @@
                   </a:prstClr>
                 </a:solidFill>
               </a:rPr>
-              <a:t> einschließlich ihrer Basislinie umschlossen wir</a:t>
-            </a:r>
-            <a:endParaRPr lang="de-DE" sz="2800" noProof="0" dirty="0" smtClean="0"/>
+              <a:t>bend</a:t>
+            </a:r>
+            <a:r>
+              <a:rPr lang="de-DE" sz="2400" dirty="0" smtClean="0">
+                <a:solidFill>
+                  <a:prstClr val="black">
+                    <a:lumMod val="85000"/>
+                    <a:lumOff val="15000"/>
+                  </a:prstClr>
+                </a:solidFill>
+              </a:rPr>
+              <a:t> umschlossen wird</a:t>
+            </a:r>
+            <a:endParaRPr lang="de-DE" sz="2400" noProof="0" dirty="0" smtClean="0"/>
           </a:p>
           <a:p>
             <a:pPr marL="0" indent="0">
@@ -8800,8 +11806,8 @@
           </a:p>
         </p:txBody>
       </p:sp>
-      <mc:AlternateContent xmlns:mc="http://schemas.openxmlformats.org/markup-compatibility/2006" xmlns:a14="http://schemas.microsoft.com/office/drawing/2010/main">
-        <mc:Choice Requires="a14">
+      <mc:AlternateContent xmlns:mc="http://schemas.openxmlformats.org/markup-compatibility/2006">
+        <mc:Choice xmlns:a14="http://schemas.microsoft.com/office/drawing/2010/main" Requires="a14">
           <p:sp>
             <p:nvSpPr>
               <p:cNvPr id="3" name="Content Placeholder 2"/>
@@ -8831,7 +11837,11 @@
                 </a:r>
                 <a:r>
                   <a:rPr lang="de-DE" dirty="0" smtClean="0"/>
-                  <a:t>ist die euklidische Distanz zwischen die </a:t>
+                  <a:t>ist die euklidische Distanz zwischen </a:t>
+                </a:r>
+                <a:r>
+                  <a:rPr lang="de-DE" dirty="0" smtClean="0"/>
+                  <a:t>zwei </a:t>
                 </a:r>
                 <a:r>
                   <a:rPr lang="de-DE" dirty="0" err="1" smtClean="0"/>
@@ -9079,7 +12089,7 @@
             </p:txBody>
           </p:sp>
         </mc:Choice>
-        <mc:Fallback xmlns="">
+        <mc:Fallback>
           <p:sp>
             <p:nvSpPr>
               <p:cNvPr id="3" name="Content Placeholder 2"/>
@@ -9094,7 +12104,7 @@
               <a:blipFill rotWithShape="0">
                 <a:blip r:embed="rId2"/>
                 <a:stretch>
-                  <a:fillRect l="-1043" t="-2241" r="-638"/>
+                  <a:fillRect l="-567" t="-1256" r="-1206"/>
                 </a:stretch>
               </a:blipFill>
             </p:spPr>
@@ -9181,7 +12191,7 @@
         </p:nvSpPr>
         <p:spPr>
           <a:xfrm>
-            <a:off x="3999588" y="1946304"/>
+            <a:off x="3432518" y="1930400"/>
             <a:ext cx="1814170" cy="490119"/>
           </a:xfrm>
           <a:prstGeom prst="rect">
@@ -9214,8 +12224,12 @@
               <a:t>Finden der </a:t>
             </a:r>
             <a:r>
+              <a:rPr lang="de-DE" sz="1400" dirty="0" err="1"/>
+              <a:t>b</a:t>
+            </a:r>
+            <a:r>
               <a:rPr lang="de-DE" sz="1400" dirty="0" err="1" smtClean="0"/>
-              <a:t>Bends</a:t>
+              <a:t>ends</a:t>
             </a:r>
             <a:endParaRPr lang="de-DE" sz="1400" dirty="0"/>
           </a:p>
@@ -9229,7 +12243,7 @@
         </p:nvSpPr>
         <p:spPr>
           <a:xfrm>
-            <a:off x="3657602" y="3755439"/>
+            <a:off x="3090532" y="3739535"/>
             <a:ext cx="2498141" cy="855879"/>
           </a:xfrm>
           <a:prstGeom prst="diamond">
@@ -9262,12 +12276,20 @@
               <a:t>Minimale </a:t>
             </a:r>
             <a:r>
+              <a:rPr lang="de-DE" sz="1400" dirty="0" err="1"/>
+              <a:t>b</a:t>
+            </a:r>
+            <a:r>
               <a:rPr lang="de-DE" sz="1400" dirty="0" err="1" smtClean="0"/>
-              <a:t>Bend</a:t>
+              <a:t>end</a:t>
             </a:r>
             <a:r>
               <a:rPr lang="de-DE" sz="1400" dirty="0" smtClean="0"/>
-              <a:t> zu groß?</a:t>
+              <a:t> </a:t>
+            </a:r>
+            <a:r>
+              <a:rPr lang="de-DE" sz="1400" dirty="0" smtClean="0"/>
+              <a:t>zu groß?</a:t>
             </a:r>
             <a:endParaRPr lang="de-DE" sz="1400" dirty="0"/>
           </a:p>
@@ -9281,7 +12303,7 @@
         </p:nvSpPr>
         <p:spPr>
           <a:xfrm>
-            <a:off x="3999588" y="2728343"/>
+            <a:off x="3432518" y="2712439"/>
             <a:ext cx="1814170" cy="490119"/>
           </a:xfrm>
           <a:prstGeom prst="rect">
@@ -9325,7 +12347,7 @@
         </p:nvSpPr>
         <p:spPr>
           <a:xfrm>
-            <a:off x="7159205" y="3938320"/>
+            <a:off x="6592135" y="3922416"/>
             <a:ext cx="1814170" cy="490119"/>
           </a:xfrm>
           <a:prstGeom prst="rect">
@@ -9369,7 +12391,7 @@
         </p:nvSpPr>
         <p:spPr>
           <a:xfrm>
-            <a:off x="3999588" y="5305543"/>
+            <a:off x="3432518" y="5289639"/>
             <a:ext cx="1814170" cy="490119"/>
           </a:xfrm>
           <a:prstGeom prst="rect">
@@ -9402,8 +12424,12 @@
               <a:t>Verarbeite </a:t>
             </a:r>
             <a:r>
+              <a:rPr lang="de-DE" sz="1400" dirty="0" err="1"/>
+              <a:t>b</a:t>
+            </a:r>
+            <a:r>
               <a:rPr lang="de-DE" sz="1400" dirty="0" err="1" smtClean="0"/>
-              <a:t>Bends</a:t>
+              <a:t>ends</a:t>
             </a:r>
             <a:endParaRPr lang="de-DE" sz="1400" dirty="0"/>
           </a:p>
@@ -9420,7 +12446,7 @@
         </p:nvCxnSpPr>
         <p:spPr>
           <a:xfrm>
-            <a:off x="4906673" y="2436423"/>
+            <a:off x="4339603" y="2420519"/>
             <a:ext cx="0" cy="291920"/>
           </a:xfrm>
           <a:prstGeom prst="straightConnector1">
@@ -9456,7 +12482,7 @@
         </p:nvCxnSpPr>
         <p:spPr>
           <a:xfrm>
-            <a:off x="4906673" y="3218462"/>
+            <a:off x="4339603" y="3202558"/>
             <a:ext cx="0" cy="536977"/>
           </a:xfrm>
           <a:prstGeom prst="straightConnector1">
@@ -9492,7 +12518,7 @@
         </p:nvCxnSpPr>
         <p:spPr>
           <a:xfrm>
-            <a:off x="6155743" y="4183379"/>
+            <a:off x="5588673" y="4167475"/>
             <a:ext cx="1003462" cy="1"/>
           </a:xfrm>
           <a:prstGeom prst="straightConnector1">
@@ -9528,7 +12554,7 @@
         </p:nvCxnSpPr>
         <p:spPr>
           <a:xfrm>
-            <a:off x="4906673" y="4611318"/>
+            <a:off x="4339603" y="4595414"/>
             <a:ext cx="0" cy="694225"/>
           </a:xfrm>
           <a:prstGeom prst="straightConnector1">
@@ -9564,7 +12590,7 @@
         </p:nvCxnSpPr>
         <p:spPr>
           <a:xfrm rot="5400000" flipH="1">
-            <a:off x="2650982" y="3539971"/>
+            <a:off x="2083912" y="3524067"/>
             <a:ext cx="3604298" cy="907085"/>
           </a:xfrm>
           <a:prstGeom prst="bentConnector4">
@@ -9600,7 +12626,7 @@
         </p:nvSpPr>
         <p:spPr>
           <a:xfrm>
-            <a:off x="6390344" y="3875601"/>
+            <a:off x="5823274" y="3859697"/>
             <a:ext cx="437882" cy="307777"/>
           </a:xfrm>
           <a:prstGeom prst="rect">
@@ -9690,7 +12716,7 @@
         </p:nvGrpSpPr>
         <p:grpSpPr>
           <a:xfrm>
-            <a:off x="3570465" y="1883172"/>
+            <a:off x="2273293" y="1930400"/>
             <a:ext cx="6344991" cy="4413665"/>
             <a:chOff x="1841678" y="740172"/>
             <a:chExt cx="6344991" cy="4413665"/>
@@ -10410,7 +13436,7 @@
         </p:nvCxnSpPr>
         <p:spPr>
           <a:xfrm>
-            <a:off x="4819536" y="1432775"/>
+            <a:off x="3522364" y="1480003"/>
             <a:ext cx="0" cy="450397"/>
           </a:xfrm>
           <a:prstGeom prst="straightConnector1">
@@ -10445,7 +13471,7 @@
         </p:nvCxnSpPr>
         <p:spPr>
           <a:xfrm>
-            <a:off x="4819536" y="6296837"/>
+            <a:off x="3522364" y="6344065"/>
             <a:ext cx="0" cy="429155"/>
           </a:xfrm>
           <a:prstGeom prst="straightConnector1">
@@ -10481,7 +13507,7 @@
         </p:nvCxnSpPr>
         <p:spPr>
           <a:xfrm rot="10800000">
-            <a:off x="3570465" y="2311112"/>
+            <a:off x="2273293" y="2358340"/>
             <a:ext cx="12700" cy="3557786"/>
           </a:xfrm>
           <a:prstGeom prst="bentConnector3">
@@ -10516,7 +13542,7 @@
         </p:nvSpPr>
         <p:spPr>
           <a:xfrm>
-            <a:off x="6405783" y="4424871"/>
+            <a:off x="5108611" y="4472099"/>
             <a:ext cx="437882" cy="307777"/>
           </a:xfrm>
           <a:prstGeom prst="rect">
@@ -10546,7 +13572,7 @@
         </p:nvSpPr>
         <p:spPr>
           <a:xfrm>
-            <a:off x="6405783" y="3189264"/>
+            <a:off x="5108611" y="3236492"/>
             <a:ext cx="437882" cy="307777"/>
           </a:xfrm>
           <a:prstGeom prst="rect">
@@ -10576,7 +13602,7 @@
         </p:nvSpPr>
         <p:spPr>
           <a:xfrm>
-            <a:off x="6405783" y="1971977"/>
+            <a:off x="5108611" y="2019205"/>
             <a:ext cx="437882" cy="307777"/>
           </a:xfrm>
           <a:prstGeom prst="rect">
@@ -10606,7 +13632,7 @@
         </p:nvSpPr>
         <p:spPr>
           <a:xfrm>
-            <a:off x="2930816" y="5440958"/>
+            <a:off x="1633644" y="5488186"/>
             <a:ext cx="437882" cy="307777"/>
           </a:xfrm>
           <a:prstGeom prst="rect">
@@ -10649,9 +13675,9 @@
 </file>
 
 <file path=ppt/theme/theme1.xml><?xml version="1.0" encoding="utf-8"?>
-<a:theme xmlns:a="http://schemas.openxmlformats.org/drawingml/2006/main" name="Office Theme">
+<a:theme xmlns:a="http://schemas.openxmlformats.org/drawingml/2006/main" name="Facette">
   <a:themeElements>
-    <a:clrScheme name="Office">
+    <a:clrScheme name="Blaugrün">
       <a:dk1>
         <a:sysClr val="windowText" lastClr="000000"/>
       </a:dk1>
@@ -10659,52 +13685,52 @@
         <a:sysClr val="window" lastClr="FFFFFF"/>
       </a:lt1>
       <a:dk2>
-        <a:srgbClr val="44546A"/>
+        <a:srgbClr val="373545"/>
       </a:dk2>
       <a:lt2>
-        <a:srgbClr val="E7E6E6"/>
+        <a:srgbClr val="CEDBE6"/>
       </a:lt2>
       <a:accent1>
-        <a:srgbClr val="5B9BD5"/>
+        <a:srgbClr val="3494BA"/>
       </a:accent1>
       <a:accent2>
-        <a:srgbClr val="ED7D31"/>
+        <a:srgbClr val="58B6C0"/>
       </a:accent2>
       <a:accent3>
-        <a:srgbClr val="A5A5A5"/>
+        <a:srgbClr val="75BDA7"/>
       </a:accent3>
       <a:accent4>
-        <a:srgbClr val="FFC000"/>
+        <a:srgbClr val="7A8C8E"/>
       </a:accent4>
       <a:accent5>
-        <a:srgbClr val="4472C4"/>
+        <a:srgbClr val="84ACB6"/>
       </a:accent5>
       <a:accent6>
-        <a:srgbClr val="70AD47"/>
+        <a:srgbClr val="2683C6"/>
       </a:accent6>
       <a:hlink>
-        <a:srgbClr val="0563C1"/>
+        <a:srgbClr val="6B9F25"/>
       </a:hlink>
       <a:folHlink>
-        <a:srgbClr val="954F72"/>
+        <a:srgbClr val="9F6715"/>
       </a:folHlink>
     </a:clrScheme>
-    <a:fontScheme name="Office">
+    <a:fontScheme name="Facette">
       <a:majorFont>
-        <a:latin typeface="Calibri Light" panose="020F0302020204030204"/>
+        <a:latin typeface="Trebuchet MS" panose="020B0603020202020204"/>
         <a:ea typeface=""/>
         <a:cs typeface=""/>
-        <a:font script="Jpan" typeface="ＭＳ Ｐゴシック"/>
+        <a:font script="Jpan" typeface="メイリオ"/>
         <a:font script="Hang" typeface="맑은 고딕"/>
-        <a:font script="Hans" typeface="宋体"/>
-        <a:font script="Hant" typeface="新細明體"/>
-        <a:font script="Arab" typeface="Times New Roman"/>
-        <a:font script="Hebr" typeface="Times New Roman"/>
-        <a:font script="Thai" typeface="Angsana New"/>
+        <a:font script="Hans" typeface="方正姚体"/>
+        <a:font script="Hant" typeface="微軟正黑體"/>
+        <a:font script="Arab" typeface="Tahoma"/>
+        <a:font script="Hebr" typeface="Arial"/>
+        <a:font script="Thai" typeface="Cordia New"/>
         <a:font script="Ethi" typeface="Nyala"/>
         <a:font script="Beng" typeface="Vrinda"/>
         <a:font script="Gujr" typeface="Shruti"/>
-        <a:font script="Khmr" typeface="MoolBoran"/>
+        <a:font script="Khmr" typeface="DaunPenh"/>
         <a:font script="Knda" typeface="Tunga"/>
         <a:font script="Guru" typeface="Raavi"/>
         <a:font script="Cans" typeface="Euphemia"/>
@@ -10721,21 +13747,21 @@
         <a:font script="Laoo" typeface="DokChampa"/>
         <a:font script="Sinh" typeface="Iskoola Pota"/>
         <a:font script="Mong" typeface="Mongolian Baiti"/>
-        <a:font script="Viet" typeface="Times New Roman"/>
+        <a:font script="Viet" typeface="Tahoma"/>
         <a:font script="Uigh" typeface="Microsoft Uighur"/>
         <a:font script="Geor" typeface="Sylfaen"/>
       </a:majorFont>
       <a:minorFont>
-        <a:latin typeface="Calibri" panose="020F0502020204030204"/>
+        <a:latin typeface="Trebuchet MS" panose="020B0603020202020204"/>
         <a:ea typeface=""/>
         <a:cs typeface=""/>
-        <a:font script="Jpan" typeface="ＭＳ Ｐゴシック"/>
-        <a:font script="Hang" typeface="맑은 고딕"/>
-        <a:font script="Hans" typeface="宋体"/>
-        <a:font script="Hant" typeface="新細明體"/>
-        <a:font script="Arab" typeface="Arial"/>
-        <a:font script="Hebr" typeface="Arial"/>
-        <a:font script="Thai" typeface="Cordia New"/>
+        <a:font script="Jpan" typeface="メイリオ"/>
+        <a:font script="Hang" typeface="HY그래픽M"/>
+        <a:font script="Hans" typeface="华文新魏"/>
+        <a:font script="Hant" typeface="微軟正黑體"/>
+        <a:font script="Arab" typeface="Tahoma"/>
+        <a:font script="Hebr" typeface="Gisha"/>
+        <a:font script="Thai" typeface="IrisUPC"/>
         <a:font script="Ethi" typeface="Nyala"/>
         <a:font script="Beng" typeface="Vrinda"/>
         <a:font script="Gujr" typeface="Shruti"/>
@@ -10761,7 +13787,7 @@
         <a:font script="Geor" typeface="Sylfaen"/>
       </a:minorFont>
     </a:fontScheme>
-    <a:fmtScheme name="Office">
+    <a:fmtScheme name="Facette">
       <a:fillStyleLst>
         <a:solidFill>
           <a:schemeClr val="phClr"/>
@@ -10770,23 +13796,13 @@
           <a:gsLst>
             <a:gs pos="0">
               <a:schemeClr val="phClr">
+                <a:tint val="65000"/>
                 <a:lumMod val="110000"/>
-                <a:satMod val="105000"/>
-                <a:tint val="67000"/>
               </a:schemeClr>
             </a:gs>
-            <a:gs pos="50000">
+            <a:gs pos="88000">
               <a:schemeClr val="phClr">
-                <a:lumMod val="105000"/>
-                <a:satMod val="103000"/>
-                <a:tint val="73000"/>
-              </a:schemeClr>
-            </a:gs>
-            <a:gs pos="100000">
-              <a:schemeClr val="phClr">
-                <a:lumMod val="105000"/>
-                <a:satMod val="109000"/>
-                <a:tint val="81000"/>
+                <a:tint val="90000"/>
               </a:schemeClr>
             </a:gs>
           </a:gsLst>
@@ -10796,23 +13812,14 @@
           <a:gsLst>
             <a:gs pos="0">
               <a:schemeClr val="phClr">
-                <a:satMod val="103000"/>
-                <a:lumMod val="102000"/>
-                <a:tint val="94000"/>
+                <a:tint val="96000"/>
+                <a:lumMod val="100000"/>
               </a:schemeClr>
             </a:gs>
-            <a:gs pos="50000">
+            <a:gs pos="78000">
               <a:schemeClr val="phClr">
-                <a:satMod val="110000"/>
-                <a:lumMod val="100000"/>
-                <a:shade val="100000"/>
-              </a:schemeClr>
-            </a:gs>
-            <a:gs pos="100000">
-              <a:schemeClr val="phClr">
-                <a:lumMod val="99000"/>
-                <a:satMod val="120000"/>
-                <a:shade val="78000"/>
+                <a:shade val="94000"/>
+                <a:lumMod val="94000"/>
               </a:schemeClr>
             </a:gs>
           </a:gsLst>
@@ -10820,26 +13827,23 @@
         </a:gradFill>
       </a:fillStyleLst>
       <a:lnStyleLst>
-        <a:ln w="6350" cap="flat" cmpd="sng" algn="ctr">
+        <a:ln w="12700" cap="rnd" cmpd="sng" algn="ctr">
           <a:solidFill>
             <a:schemeClr val="phClr"/>
           </a:solidFill>
           <a:prstDash val="solid"/>
-          <a:miter lim="800000"/>
         </a:ln>
-        <a:ln w="12700" cap="flat" cmpd="sng" algn="ctr">
+        <a:ln w="19050" cap="rnd" cmpd="sng" algn="ctr">
           <a:solidFill>
             <a:schemeClr val="phClr"/>
           </a:solidFill>
           <a:prstDash val="solid"/>
-          <a:miter lim="800000"/>
         </a:ln>
-        <a:ln w="19050" cap="flat" cmpd="sng" algn="ctr">
+        <a:ln w="25400" cap="rnd" cmpd="sng" algn="ctr">
           <a:solidFill>
             <a:schemeClr val="phClr"/>
           </a:solidFill>
           <a:prstDash val="solid"/>
-          <a:miter lim="800000"/>
         </a:ln>
       </a:lnStyleLst>
       <a:effectStyleLst>
@@ -10847,54 +13851,72 @@
           <a:effectLst/>
         </a:effectStyle>
         <a:effectStyle>
-          <a:effectLst/>
+          <a:effectLst>
+            <a:outerShdw blurRad="38100" dist="25400" dir="5400000" rotWithShape="0">
+              <a:srgbClr val="000000">
+                <a:alpha val="35000"/>
+              </a:srgbClr>
+            </a:outerShdw>
+          </a:effectLst>
         </a:effectStyle>
         <a:effectStyle>
           <a:effectLst>
-            <a:outerShdw blurRad="57150" dist="19050" dir="5400000" algn="ctr" rotWithShape="0">
+            <a:outerShdw blurRad="50800" dist="38100" dir="5400000" rotWithShape="0">
               <a:srgbClr val="000000">
-                <a:alpha val="63000"/>
+                <a:alpha val="35000"/>
               </a:srgbClr>
             </a:outerShdw>
           </a:effectLst>
+          <a:scene3d>
+            <a:camera prst="orthographicFront">
+              <a:rot lat="0" lon="0" rev="0"/>
+            </a:camera>
+            <a:lightRig rig="threePt" dir="tl"/>
+          </a:scene3d>
+          <a:sp3d prstMaterial="plastic">
+            <a:bevelT w="0" h="0"/>
+          </a:sp3d>
         </a:effectStyle>
       </a:effectStyleLst>
       <a:bgFillStyleLst>
         <a:solidFill>
           <a:schemeClr val="phClr"/>
         </a:solidFill>
-        <a:solidFill>
-          <a:schemeClr val="phClr">
-            <a:tint val="95000"/>
-            <a:satMod val="170000"/>
-          </a:schemeClr>
-        </a:solidFill>
         <a:gradFill rotWithShape="1">
           <a:gsLst>
             <a:gs pos="0">
               <a:schemeClr val="phClr">
-                <a:tint val="93000"/>
-                <a:satMod val="150000"/>
-                <a:shade val="98000"/>
-                <a:lumMod val="102000"/>
+                <a:tint val="90000"/>
+                <a:lumMod val="104000"/>
               </a:schemeClr>
             </a:gs>
-            <a:gs pos="50000">
+            <a:gs pos="94000">
               <a:schemeClr val="phClr">
-                <a:tint val="98000"/>
-                <a:satMod val="130000"/>
-                <a:shade val="90000"/>
-                <a:lumMod val="103000"/>
+                <a:shade val="96000"/>
+                <a:lumMod val="82000"/>
+              </a:schemeClr>
+            </a:gs>
+          </a:gsLst>
+          <a:lin ang="5400000" scaled="0"/>
+        </a:gradFill>
+        <a:gradFill rotWithShape="1">
+          <a:gsLst>
+            <a:gs pos="0">
+              <a:schemeClr val="phClr">
+                <a:tint val="90000"/>
+                <a:lumMod val="110000"/>
               </a:schemeClr>
             </a:gs>
             <a:gs pos="100000">
               <a:schemeClr val="phClr">
-                <a:shade val="63000"/>
-                <a:satMod val="120000"/>
+                <a:shade val="94000"/>
+                <a:lumMod val="96000"/>
               </a:schemeClr>
             </a:gs>
           </a:gsLst>
-          <a:lin ang="5400000" scaled="0"/>
+          <a:path path="circle">
+            <a:fillToRect l="50000" t="50000" r="100000" b="100000"/>
+          </a:path>
         </a:gradFill>
       </a:bgFillStyleLst>
     </a:fmtScheme>
@@ -10903,7 +13925,7 @@
   <a:extraClrSchemeLst/>
   <a:extLst>
     <a:ext uri="{05A4C25C-085E-4340-85A3-A5531E510DB2}">
-      <thm15:themeFamily xmlns:thm15="http://schemas.microsoft.com/office/thememl/2012/main" name="Office Theme" id="{62F939B6-93AF-4DB8-9C6B-D6C7DFDC589F}" vid="{4A3C46E8-61CC-4603-A589-7422A47A8E4A}"/>
+      <thm15:themeFamily xmlns:thm15="http://schemas.microsoft.com/office/thememl/2012/main" name="Facet" id="{C0C680CD-088A-49FC-A102-D699147F32B2}" vid="{CFBC31BA-B70F-4F30-BCAA-4F3011E16C4D}"/>
     </a:ext>
   </a:extLst>
 </a:theme>

--- a/Wang-Müller.pptx
+++ b/Wang-Müller.pptx
@@ -5,7 +5,7 @@
     <p:sldMasterId id="2147483966" r:id="rId1"/>
   </p:sldMasterIdLst>
   <p:notesMasterIdLst>
-    <p:notesMasterId r:id="rId18"/>
+    <p:notesMasterId r:id="rId19"/>
   </p:notesMasterIdLst>
   <p:sldIdLst>
     <p:sldId id="256" r:id="rId2"/>
@@ -24,6 +24,7 @@
     <p:sldId id="268" r:id="rId15"/>
     <p:sldId id="270" r:id="rId16"/>
     <p:sldId id="269" r:id="rId17"/>
+    <p:sldId id="272" r:id="rId18"/>
   </p:sldIdLst>
   <p:sldSz cx="12192000" cy="6858000"/>
   <p:notesSz cx="6858000" cy="9144000"/>
@@ -499,7 +500,7 @@
       </p:grpSpPr>
       <p:sp>
         <p:nvSpPr>
-          <p:cNvPr id="2" name="Slide Image Placeholder 1"/>
+          <p:cNvPr id="2" name="Folienbildplatzhalter 1"/>
           <p:cNvSpPr>
             <a:spLocks noGrp="1" noRot="1" noChangeAspect="1"/>
           </p:cNvSpPr>
@@ -511,7 +512,7 @@
       </p:sp>
       <p:sp>
         <p:nvSpPr>
-          <p:cNvPr id="3" name="Notes Placeholder 2"/>
+          <p:cNvPr id="3" name="Notizenplatzhalter 2"/>
           <p:cNvSpPr>
             <a:spLocks noGrp="1"/>
           </p:cNvSpPr>
@@ -524,96 +525,13 @@
           <a:bodyPr/>
           <a:lstStyle/>
           <a:p>
-            <a:r>
-              <a:rPr lang="en-US" dirty="0" smtClean="0"/>
-              <a:t>Metadata for msbendsour1.png</a:t>
-            </a:r>
-          </a:p>
-          <a:p>
-            <a:pPr lvl="1"/>
-            <a:r>
-              <a:rPr lang="en-US" dirty="0" smtClean="0"/>
-              <a:t>Removed 158 WM edges and</a:t>
-            </a:r>
-          </a:p>
-          <a:p>
-            <a:pPr lvl="1"/>
-            <a:r>
-              <a:rPr lang="en-US" dirty="0" smtClean="0"/>
-              <a:t>        251 edges with small angle and finished with</a:t>
-            </a:r>
-          </a:p>
-          <a:p>
-            <a:pPr lvl="1"/>
-            <a:r>
-              <a:rPr lang="en-US" dirty="0" smtClean="0"/>
-              <a:t>        0 regular VW edges since WM couldn't remove any more</a:t>
-            </a:r>
-          </a:p>
-          <a:p>
-            <a:pPr lvl="1"/>
-            <a:r>
-              <a:rPr lang="en-US" dirty="0" smtClean="0"/>
-              <a:t>There are now 1109 segments left in WM and </a:t>
-            </a:r>
-          </a:p>
-          <a:p>
-            <a:pPr lvl="1"/>
-            <a:r>
-              <a:rPr lang="en-US" dirty="0" smtClean="0"/>
-              <a:t>1138 segments left in VW</a:t>
-            </a:r>
-          </a:p>
-          <a:p>
-            <a:r>
-              <a:rPr lang="en-US" dirty="0" smtClean="0"/>
-              <a:t>Metadata for msbendswm1.png</a:t>
-            </a:r>
-          </a:p>
-          <a:p>
-            <a:pPr lvl="1"/>
-            <a:r>
-              <a:rPr lang="en-US" dirty="0" smtClean="0"/>
-              <a:t>Removed 449 WM edges and</a:t>
-            </a:r>
-          </a:p>
-          <a:p>
-            <a:pPr lvl="1"/>
-            <a:r>
-              <a:rPr lang="en-US" dirty="0" smtClean="0"/>
-              <a:t>        0 edges with small angle and finished with</a:t>
-            </a:r>
-          </a:p>
-          <a:p>
-            <a:pPr lvl="1"/>
-            <a:r>
-              <a:rPr lang="en-US" dirty="0" smtClean="0"/>
-              <a:t>        0 regular VW edges since WM couldn't remove any more</a:t>
-            </a:r>
-          </a:p>
-          <a:p>
-            <a:pPr lvl="1"/>
-            <a:r>
-              <a:rPr lang="en-US" dirty="0" smtClean="0"/>
-              <a:t>There are now 1069 segments left in WM and </a:t>
-            </a:r>
-          </a:p>
-          <a:p>
-            <a:pPr lvl="1"/>
-            <a:r>
-              <a:rPr lang="en-US" dirty="0" smtClean="0"/>
-              <a:t>1138 segments left in VW</a:t>
-            </a:r>
-            <a:endParaRPr lang="de-DE" dirty="0" smtClean="0"/>
-          </a:p>
-          <a:p>
-            <a:endParaRPr lang="de-DE" dirty="0"/>
-          </a:p>
-        </p:txBody>
-      </p:sp>
-      <p:sp>
-        <p:nvSpPr>
-          <p:cNvPr id="4" name="Slide Number Placeholder 3"/>
+            <a:endParaRPr lang="de-DE"/>
+          </a:p>
+        </p:txBody>
+      </p:sp>
+      <p:sp>
+        <p:nvSpPr>
+          <p:cNvPr id="4" name="Foliennummernplatzhalter 3"/>
           <p:cNvSpPr>
             <a:spLocks noGrp="1"/>
           </p:cNvSpPr>
@@ -628,7 +546,7 @@
           <a:p>
             <a:fld id="{94626CDE-96AB-47F3-83F8-702B4FAB0956}" type="slidenum">
               <a:rPr lang="de-DE" smtClean="0"/>
-              <a:t>14</a:t>
+              <a:t>1</a:t>
             </a:fld>
             <a:endParaRPr lang="de-DE"/>
           </a:p>
@@ -637,7 +555,7 @@
     </p:spTree>
     <p:extLst>
       <p:ext uri="{BB962C8B-B14F-4D97-AF65-F5344CB8AC3E}">
-        <p14:creationId xmlns:p14="http://schemas.microsoft.com/office/powerpoint/2010/main" val="119689500"/>
+        <p14:creationId xmlns:p14="http://schemas.microsoft.com/office/powerpoint/2010/main" val="1787087061"/>
       </p:ext>
     </p:extLst>
   </p:cSld>
@@ -666,6 +584,257 @@
       </p:grpSpPr>
       <p:sp>
         <p:nvSpPr>
+          <p:cNvPr id="2" name="Folienbildplatzhalter 1"/>
+          <p:cNvSpPr>
+            <a:spLocks noGrp="1" noRot="1" noChangeAspect="1"/>
+          </p:cNvSpPr>
+          <p:nvPr>
+            <p:ph type="sldImg"/>
+          </p:nvPr>
+        </p:nvSpPr>
+        <p:spPr/>
+      </p:sp>
+      <p:sp>
+        <p:nvSpPr>
+          <p:cNvPr id="3" name="Notizenplatzhalter 2"/>
+          <p:cNvSpPr>
+            <a:spLocks noGrp="1"/>
+          </p:cNvSpPr>
+          <p:nvPr>
+            <p:ph type="body" idx="1"/>
+          </p:nvPr>
+        </p:nvSpPr>
+        <p:spPr/>
+        <p:txBody>
+          <a:bodyPr/>
+          <a:lstStyle/>
+          <a:p>
+            <a:endParaRPr lang="de-DE"/>
+          </a:p>
+        </p:txBody>
+      </p:sp>
+      <p:sp>
+        <p:nvSpPr>
+          <p:cNvPr id="4" name="Foliennummernplatzhalter 3"/>
+          <p:cNvSpPr>
+            <a:spLocks noGrp="1"/>
+          </p:cNvSpPr>
+          <p:nvPr>
+            <p:ph type="sldNum" sz="quarter" idx="10"/>
+          </p:nvPr>
+        </p:nvSpPr>
+        <p:spPr/>
+        <p:txBody>
+          <a:bodyPr/>
+          <a:lstStyle/>
+          <a:p>
+            <a:fld id="{94626CDE-96AB-47F3-83F8-702B4FAB0956}" type="slidenum">
+              <a:rPr lang="de-DE" smtClean="0"/>
+              <a:t>4</a:t>
+            </a:fld>
+            <a:endParaRPr lang="de-DE"/>
+          </a:p>
+        </p:txBody>
+      </p:sp>
+    </p:spTree>
+    <p:extLst>
+      <p:ext uri="{BB962C8B-B14F-4D97-AF65-F5344CB8AC3E}">
+        <p14:creationId xmlns:p14="http://schemas.microsoft.com/office/powerpoint/2010/main" val="2123376718"/>
+      </p:ext>
+    </p:extLst>
+  </p:cSld>
+  <p:clrMapOvr>
+    <a:masterClrMapping/>
+  </p:clrMapOvr>
+</p:notes>
+</file>
+
+<file path=ppt/notesSlides/notesSlide3.xml><?xml version="1.0" encoding="utf-8"?>
+<p:notes xmlns:a="http://schemas.openxmlformats.org/drawingml/2006/main" xmlns:r="http://schemas.openxmlformats.org/officeDocument/2006/relationships" xmlns:p="http://schemas.openxmlformats.org/presentationml/2006/main">
+  <p:cSld>
+    <p:spTree>
+      <p:nvGrpSpPr>
+        <p:cNvPr id="1" name=""/>
+        <p:cNvGrpSpPr/>
+        <p:nvPr/>
+      </p:nvGrpSpPr>
+      <p:grpSpPr>
+        <a:xfrm>
+          <a:off x="0" y="0"/>
+          <a:ext cx="0" cy="0"/>
+          <a:chOff x="0" y="0"/>
+          <a:chExt cx="0" cy="0"/>
+        </a:xfrm>
+      </p:grpSpPr>
+      <p:sp>
+        <p:nvSpPr>
+          <p:cNvPr id="2" name="Slide Image Placeholder 1"/>
+          <p:cNvSpPr>
+            <a:spLocks noGrp="1" noRot="1" noChangeAspect="1"/>
+          </p:cNvSpPr>
+          <p:nvPr>
+            <p:ph type="sldImg"/>
+          </p:nvPr>
+        </p:nvSpPr>
+        <p:spPr/>
+      </p:sp>
+      <p:sp>
+        <p:nvSpPr>
+          <p:cNvPr id="3" name="Notes Placeholder 2"/>
+          <p:cNvSpPr>
+            <a:spLocks noGrp="1"/>
+          </p:cNvSpPr>
+          <p:nvPr>
+            <p:ph type="body" idx="1"/>
+          </p:nvPr>
+        </p:nvSpPr>
+        <p:spPr/>
+        <p:txBody>
+          <a:bodyPr/>
+          <a:lstStyle/>
+          <a:p>
+            <a:r>
+              <a:rPr lang="en-US" dirty="0" smtClean="0"/>
+              <a:t>Metadata for msbendsour1.png</a:t>
+            </a:r>
+          </a:p>
+          <a:p>
+            <a:pPr lvl="1"/>
+            <a:r>
+              <a:rPr lang="en-US" dirty="0" smtClean="0"/>
+              <a:t>Removed 158 WM edges and</a:t>
+            </a:r>
+          </a:p>
+          <a:p>
+            <a:pPr lvl="1"/>
+            <a:r>
+              <a:rPr lang="en-US" dirty="0" smtClean="0"/>
+              <a:t>        251 edges with small angle and finished with</a:t>
+            </a:r>
+          </a:p>
+          <a:p>
+            <a:pPr lvl="1"/>
+            <a:r>
+              <a:rPr lang="en-US" dirty="0" smtClean="0"/>
+              <a:t>        0 regular VW edges since WM couldn't remove any more</a:t>
+            </a:r>
+          </a:p>
+          <a:p>
+            <a:pPr lvl="1"/>
+            <a:r>
+              <a:rPr lang="en-US" dirty="0" smtClean="0"/>
+              <a:t>There are now 1109 segments left in WM and </a:t>
+            </a:r>
+          </a:p>
+          <a:p>
+            <a:pPr lvl="1"/>
+            <a:r>
+              <a:rPr lang="en-US" dirty="0" smtClean="0"/>
+              <a:t>1138 segments left in VW</a:t>
+            </a:r>
+          </a:p>
+          <a:p>
+            <a:r>
+              <a:rPr lang="en-US" dirty="0" smtClean="0"/>
+              <a:t>Metadata for msbendswm1.png</a:t>
+            </a:r>
+          </a:p>
+          <a:p>
+            <a:pPr lvl="1"/>
+            <a:r>
+              <a:rPr lang="en-US" dirty="0" smtClean="0"/>
+              <a:t>Removed 449 WM edges and</a:t>
+            </a:r>
+          </a:p>
+          <a:p>
+            <a:pPr lvl="1"/>
+            <a:r>
+              <a:rPr lang="en-US" dirty="0" smtClean="0"/>
+              <a:t>        0 edges with small angle and finished with</a:t>
+            </a:r>
+          </a:p>
+          <a:p>
+            <a:pPr lvl="1"/>
+            <a:r>
+              <a:rPr lang="en-US" dirty="0" smtClean="0"/>
+              <a:t>        0 regular VW edges since WM couldn't remove any more</a:t>
+            </a:r>
+          </a:p>
+          <a:p>
+            <a:pPr lvl="1"/>
+            <a:r>
+              <a:rPr lang="en-US" dirty="0" smtClean="0"/>
+              <a:t>There are now 1069 segments left in WM and </a:t>
+            </a:r>
+          </a:p>
+          <a:p>
+            <a:pPr lvl="1"/>
+            <a:r>
+              <a:rPr lang="en-US" dirty="0" smtClean="0"/>
+              <a:t>1138 segments left in VW</a:t>
+            </a:r>
+            <a:endParaRPr lang="de-DE" dirty="0" smtClean="0"/>
+          </a:p>
+          <a:p>
+            <a:endParaRPr lang="de-DE" dirty="0"/>
+          </a:p>
+        </p:txBody>
+      </p:sp>
+      <p:sp>
+        <p:nvSpPr>
+          <p:cNvPr id="4" name="Slide Number Placeholder 3"/>
+          <p:cNvSpPr>
+            <a:spLocks noGrp="1"/>
+          </p:cNvSpPr>
+          <p:nvPr>
+            <p:ph type="sldNum" sz="quarter" idx="10"/>
+          </p:nvPr>
+        </p:nvSpPr>
+        <p:spPr/>
+        <p:txBody>
+          <a:bodyPr/>
+          <a:lstStyle/>
+          <a:p>
+            <a:fld id="{94626CDE-96AB-47F3-83F8-702B4FAB0956}" type="slidenum">
+              <a:rPr lang="de-DE" smtClean="0"/>
+              <a:t>14</a:t>
+            </a:fld>
+            <a:endParaRPr lang="de-DE"/>
+          </a:p>
+        </p:txBody>
+      </p:sp>
+    </p:spTree>
+    <p:extLst>
+      <p:ext uri="{BB962C8B-B14F-4D97-AF65-F5344CB8AC3E}">
+        <p14:creationId xmlns:p14="http://schemas.microsoft.com/office/powerpoint/2010/main" val="119689500"/>
+      </p:ext>
+    </p:extLst>
+  </p:cSld>
+  <p:clrMapOvr>
+    <a:masterClrMapping/>
+  </p:clrMapOvr>
+</p:notes>
+</file>
+
+<file path=ppt/notesSlides/notesSlide4.xml><?xml version="1.0" encoding="utf-8"?>
+<p:notes xmlns:a="http://schemas.openxmlformats.org/drawingml/2006/main" xmlns:r="http://schemas.openxmlformats.org/officeDocument/2006/relationships" xmlns:p="http://schemas.openxmlformats.org/presentationml/2006/main">
+  <p:cSld>
+    <p:spTree>
+      <p:nvGrpSpPr>
+        <p:cNvPr id="1" name=""/>
+        <p:cNvGrpSpPr/>
+        <p:nvPr/>
+      </p:nvGrpSpPr>
+      <p:grpSpPr>
+        <a:xfrm>
+          <a:off x="0" y="0"/>
+          <a:ext cx="0" cy="0"/>
+          <a:chOff x="0" y="0"/>
+          <a:chExt cx="0" cy="0"/>
+        </a:xfrm>
+      </p:grpSpPr>
+      <p:sp>
+        <p:nvSpPr>
           <p:cNvPr id="2" name="Slide Image Placeholder 1"/>
           <p:cNvSpPr>
             <a:spLocks noGrp="1" noRot="1" noChangeAspect="1"/>
@@ -805,6 +974,90 @@
     <p:extLst>
       <p:ext uri="{BB962C8B-B14F-4D97-AF65-F5344CB8AC3E}">
         <p14:creationId xmlns:p14="http://schemas.microsoft.com/office/powerpoint/2010/main" val="71462351"/>
+      </p:ext>
+    </p:extLst>
+  </p:cSld>
+  <p:clrMapOvr>
+    <a:masterClrMapping/>
+  </p:clrMapOvr>
+</p:notes>
+</file>
+
+<file path=ppt/notesSlides/notesSlide5.xml><?xml version="1.0" encoding="utf-8"?>
+<p:notes xmlns:a="http://schemas.openxmlformats.org/drawingml/2006/main" xmlns:r="http://schemas.openxmlformats.org/officeDocument/2006/relationships" xmlns:p="http://schemas.openxmlformats.org/presentationml/2006/main">
+  <p:cSld>
+    <p:spTree>
+      <p:nvGrpSpPr>
+        <p:cNvPr id="1" name=""/>
+        <p:cNvGrpSpPr/>
+        <p:nvPr/>
+      </p:nvGrpSpPr>
+      <p:grpSpPr>
+        <a:xfrm>
+          <a:off x="0" y="0"/>
+          <a:ext cx="0" cy="0"/>
+          <a:chOff x="0" y="0"/>
+          <a:chExt cx="0" cy="0"/>
+        </a:xfrm>
+      </p:grpSpPr>
+      <p:sp>
+        <p:nvSpPr>
+          <p:cNvPr id="2" name="Folienbildplatzhalter 1"/>
+          <p:cNvSpPr>
+            <a:spLocks noGrp="1" noRot="1" noChangeAspect="1"/>
+          </p:cNvSpPr>
+          <p:nvPr>
+            <p:ph type="sldImg"/>
+          </p:nvPr>
+        </p:nvSpPr>
+        <p:spPr/>
+      </p:sp>
+      <p:sp>
+        <p:nvSpPr>
+          <p:cNvPr id="3" name="Notizenplatzhalter 2"/>
+          <p:cNvSpPr>
+            <a:spLocks noGrp="1"/>
+          </p:cNvSpPr>
+          <p:nvPr>
+            <p:ph type="body" idx="1"/>
+          </p:nvPr>
+        </p:nvSpPr>
+        <p:spPr/>
+        <p:txBody>
+          <a:bodyPr/>
+          <a:lstStyle/>
+          <a:p>
+            <a:endParaRPr lang="de-DE"/>
+          </a:p>
+        </p:txBody>
+      </p:sp>
+      <p:sp>
+        <p:nvSpPr>
+          <p:cNvPr id="4" name="Foliennummernplatzhalter 3"/>
+          <p:cNvSpPr>
+            <a:spLocks noGrp="1"/>
+          </p:cNvSpPr>
+          <p:nvPr>
+            <p:ph type="sldNum" sz="quarter" idx="10"/>
+          </p:nvPr>
+        </p:nvSpPr>
+        <p:spPr/>
+        <p:txBody>
+          <a:bodyPr/>
+          <a:lstStyle/>
+          <a:p>
+            <a:fld id="{94626CDE-96AB-47F3-83F8-702B4FAB0956}" type="slidenum">
+              <a:rPr lang="de-DE" smtClean="0"/>
+              <a:t>17</a:t>
+            </a:fld>
+            <a:endParaRPr lang="de-DE"/>
+          </a:p>
+        </p:txBody>
+      </p:sp>
+    </p:spTree>
+    <p:extLst>
+      <p:ext uri="{BB962C8B-B14F-4D97-AF65-F5344CB8AC3E}">
+        <p14:creationId xmlns:p14="http://schemas.microsoft.com/office/powerpoint/2010/main" val="571478574"/>
       </p:ext>
     </p:extLst>
   </p:cSld>
@@ -1534,7 +1787,7 @@
           <a:bodyPr/>
           <a:lstStyle/>
           <a:p>
-            <a:fld id="{7AF8E37B-F5FD-4F9D-9B00-BC7C4776A7C3}" type="datetimeFigureOut">
+            <a:fld id="{2CE4E6E9-A8D3-4EFD-B6E5-8FAD5746A6FF}" type="datetime1">
               <a:rPr lang="en-US" smtClean="0"/>
               <a:t>7/2/2015</a:t>
             </a:fld>
@@ -1557,29 +1810,6 @@
           <a:bodyPr/>
           <a:lstStyle/>
           <a:p>
-            <a:endParaRPr lang="en-US"/>
-          </a:p>
-        </p:txBody>
-      </p:sp>
-      <p:sp>
-        <p:nvSpPr>
-          <p:cNvPr id="6" name="Slide Number Placeholder 5"/>
-          <p:cNvSpPr>
-            <a:spLocks noGrp="1"/>
-          </p:cNvSpPr>
-          <p:nvPr>
-            <p:ph type="sldNum" sz="quarter" idx="12"/>
-          </p:nvPr>
-        </p:nvSpPr>
-        <p:spPr/>
-        <p:txBody>
-          <a:bodyPr/>
-          <a:lstStyle/>
-          <a:p>
-            <a:fld id="{5B99597B-07E3-4F78-AC35-69A9544D51AD}" type="slidenum">
-              <a:rPr lang="en-US" smtClean="0"/>
-              <a:t>‹Nr.›</a:t>
-            </a:fld>
             <a:endParaRPr lang="en-US"/>
           </a:p>
         </p:txBody>
@@ -1594,6 +1824,13 @@
   <p:clrMapOvr>
     <a:masterClrMapping/>
   </p:clrMapOvr>
+  <p:timing>
+    <p:tnLst>
+      <p:par>
+        <p:cTn id="1" dur="indefinite" restart="never" nodeType="tmRoot"/>
+      </p:par>
+    </p:tnLst>
+  </p:timing>
 </p:sldLayout>
 </file>
 
@@ -1785,7 +2022,7 @@
           <a:bodyPr/>
           <a:lstStyle/>
           <a:p>
-            <a:fld id="{7AF8E37B-F5FD-4F9D-9B00-BC7C4776A7C3}" type="datetimeFigureOut">
+            <a:fld id="{3A74BF67-7FCA-47E9-A5B6-F501EFF78D2D}" type="datetime1">
               <a:rPr lang="en-US" smtClean="0"/>
               <a:t>7/2/2015</a:t>
             </a:fld>
@@ -2099,7 +2336,7 @@
           <a:bodyPr/>
           <a:lstStyle/>
           <a:p>
-            <a:fld id="{7AF8E37B-F5FD-4F9D-9B00-BC7C4776A7C3}" type="datetimeFigureOut">
+            <a:fld id="{78E946C9-0300-47E7-B4AB-F2B5ED6A6A10}" type="datetime1">
               <a:rPr lang="en-US" smtClean="0"/>
               <a:t>7/2/2015</a:t>
             </a:fld>
@@ -2440,7 +2677,7 @@
           <a:bodyPr/>
           <a:lstStyle/>
           <a:p>
-            <a:fld id="{7AF8E37B-F5FD-4F9D-9B00-BC7C4776A7C3}" type="datetimeFigureOut">
+            <a:fld id="{36174F5A-B9AE-442B-8E0C-362A74397D13}" type="datetime1">
               <a:rPr lang="en-US" smtClean="0"/>
               <a:t>7/2/2015</a:t>
             </a:fld>
@@ -2754,7 +2991,7 @@
           <a:bodyPr/>
           <a:lstStyle/>
           <a:p>
-            <a:fld id="{7AF8E37B-F5FD-4F9D-9B00-BC7C4776A7C3}" type="datetimeFigureOut">
+            <a:fld id="{C4E46709-CBC1-4562-A2E6-AEF7E87EC09A}" type="datetime1">
               <a:rPr lang="en-US" smtClean="0"/>
               <a:t>7/2/2015</a:t>
             </a:fld>
@@ -3147,7 +3384,7 @@
           <a:bodyPr/>
           <a:lstStyle/>
           <a:p>
-            <a:fld id="{7AF8E37B-F5FD-4F9D-9B00-BC7C4776A7C3}" type="datetimeFigureOut">
+            <a:fld id="{8F0F8E5B-BA6E-4CC4-A63F-C3AF07145EEC}" type="datetime1">
               <a:rPr lang="en-US" smtClean="0"/>
               <a:t>7/2/2015</a:t>
             </a:fld>
@@ -3317,7 +3554,7 @@
           <a:bodyPr/>
           <a:lstStyle/>
           <a:p>
-            <a:fld id="{7AF8E37B-F5FD-4F9D-9B00-BC7C4776A7C3}" type="datetimeFigureOut">
+            <a:fld id="{72687BDB-B586-4D7C-B658-35F9D1B217F1}" type="datetime1">
               <a:rPr lang="en-US" smtClean="0"/>
               <a:t>7/2/2015</a:t>
             </a:fld>
@@ -3497,7 +3734,7 @@
           <a:bodyPr/>
           <a:lstStyle/>
           <a:p>
-            <a:fld id="{7AF8E37B-F5FD-4F9D-9B00-BC7C4776A7C3}" type="datetimeFigureOut">
+            <a:fld id="{D359E52B-A2A0-4A6B-ADF1-8830B4851C09}" type="datetime1">
               <a:rPr lang="en-US" smtClean="0"/>
               <a:t>7/2/2015</a:t>
             </a:fld>
@@ -3680,7 +3917,7 @@
           <a:bodyPr/>
           <a:lstStyle/>
           <a:p>
-            <a:fld id="{7AF8E37B-F5FD-4F9D-9B00-BC7C4776A7C3}" type="datetimeFigureOut">
+            <a:fld id="{A896EC0E-555A-40A9-B69D-D5228A02F840}" type="datetime1">
               <a:rPr lang="en-US" smtClean="0"/>
               <a:t>7/2/2015</a:t>
             </a:fld>
@@ -3724,9 +3961,14 @@
           <a:p>
             <a:fld id="{5B99597B-07E3-4F78-AC35-69A9544D51AD}" type="slidenum">
               <a:rPr lang="en-US" smtClean="0"/>
+              <a:pPr/>
               <a:t>‹Nr.›</a:t>
             </a:fld>
-            <a:endParaRPr lang="en-US"/>
+            <a:r>
+              <a:rPr lang="en-US" dirty="0" smtClean="0"/>
+              <a:t>/17</a:t>
+            </a:r>
+            <a:endParaRPr lang="en-US" dirty="0"/>
           </a:p>
         </p:txBody>
       </p:sp>
@@ -3740,6 +3982,13 @@
   <p:clrMapOvr>
     <a:masterClrMapping/>
   </p:clrMapOvr>
+  <p:timing>
+    <p:tnLst>
+      <p:par>
+        <p:cTn id="1" dur="indefinite" restart="never" nodeType="tmRoot"/>
+      </p:par>
+    </p:tnLst>
+  </p:timing>
 </p:sldLayout>
 </file>
 
@@ -3927,7 +4176,7 @@
           <a:bodyPr/>
           <a:lstStyle/>
           <a:p>
-            <a:fld id="{7AF8E37B-F5FD-4F9D-9B00-BC7C4776A7C3}" type="datetimeFigureOut">
+            <a:fld id="{1770B8A0-D34B-4FA5-B93E-24DA761A968A}" type="datetime1">
               <a:rPr lang="en-US" smtClean="0"/>
               <a:t>7/2/2015</a:t>
             </a:fld>
@@ -3987,6 +4236,13 @@
   <p:clrMapOvr>
     <a:masterClrMapping/>
   </p:clrMapOvr>
+  <p:timing>
+    <p:tnLst>
+      <p:par>
+        <p:cTn id="1" dur="indefinite" restart="never" nodeType="tmRoot"/>
+      </p:par>
+    </p:tnLst>
+  </p:timing>
 </p:sldLayout>
 </file>
 
@@ -4159,7 +4415,7 @@
           <a:bodyPr/>
           <a:lstStyle/>
           <a:p>
-            <a:fld id="{7AF8E37B-F5FD-4F9D-9B00-BC7C4776A7C3}" type="datetimeFigureOut">
+            <a:fld id="{1EED6501-03F8-410C-AF14-B1A376829DEC}" type="datetime1">
               <a:rPr lang="en-US" smtClean="0"/>
               <a:t>7/2/2015</a:t>
             </a:fld>
@@ -4533,7 +4789,7 @@
           <a:bodyPr/>
           <a:lstStyle/>
           <a:p>
-            <a:fld id="{7AF8E37B-F5FD-4F9D-9B00-BC7C4776A7C3}" type="datetimeFigureOut">
+            <a:fld id="{717F26B0-4A12-4513-A216-AD2841158341}" type="datetime1">
               <a:rPr lang="en-US" smtClean="0"/>
               <a:t>7/2/2015</a:t>
             </a:fld>
@@ -4656,7 +4912,7 @@
           <a:bodyPr/>
           <a:lstStyle/>
           <a:p>
-            <a:fld id="{7AF8E37B-F5FD-4F9D-9B00-BC7C4776A7C3}" type="datetimeFigureOut">
+            <a:fld id="{55EA2914-6F61-4473-BDB1-38AB32F358A3}" type="datetime1">
               <a:rPr lang="en-US" smtClean="0"/>
               <a:t>7/2/2015</a:t>
             </a:fld>
@@ -4751,7 +5007,7 @@
           <a:bodyPr/>
           <a:lstStyle/>
           <a:p>
-            <a:fld id="{7AF8E37B-F5FD-4F9D-9B00-BC7C4776A7C3}" type="datetimeFigureOut">
+            <a:fld id="{AB97AA6C-032C-4064-A787-9F610791F4AF}" type="datetime1">
               <a:rPr lang="en-US" smtClean="0"/>
               <a:t>7/2/2015</a:t>
             </a:fld>
@@ -5006,7 +5262,7 @@
           <a:bodyPr/>
           <a:lstStyle/>
           <a:p>
-            <a:fld id="{7AF8E37B-F5FD-4F9D-9B00-BC7C4776A7C3}" type="datetimeFigureOut">
+            <a:fld id="{2F1E71C1-AFE5-4F5C-A429-92741E987410}" type="datetime1">
               <a:rPr lang="en-US" smtClean="0"/>
               <a:t>7/2/2015</a:t>
             </a:fld>
@@ -5269,7 +5525,7 @@
           <a:bodyPr/>
           <a:lstStyle/>
           <a:p>
-            <a:fld id="{7AF8E37B-F5FD-4F9D-9B00-BC7C4776A7C3}" type="datetimeFigureOut">
+            <a:fld id="{EAD9C191-BEE7-4102-8593-B3B8770435DF}" type="datetime1">
               <a:rPr lang="en-US" smtClean="0"/>
               <a:t>7/2/2015</a:t>
             </a:fld>
@@ -6012,7 +6268,7 @@
             </a:lvl1pPr>
           </a:lstStyle>
           <a:p>
-            <a:fld id="{7AF8E37B-F5FD-4F9D-9B00-BC7C4776A7C3}" type="datetimeFigureOut">
+            <a:fld id="{CDCE79DA-BB38-4EB2-97E1-81BA7E2A9CA8}" type="datetime1">
               <a:rPr lang="en-US" smtClean="0"/>
               <a:t>7/2/2015</a:t>
             </a:fld>
@@ -6069,8 +6325,8 @@
         </p:nvSpPr>
         <p:spPr>
           <a:xfrm>
-            <a:off x="8590663" y="6041362"/>
-            <a:ext cx="683339" cy="365125"/>
+            <a:off x="10743236" y="6293073"/>
+            <a:ext cx="1142264" cy="365125"/>
           </a:xfrm>
           <a:prstGeom prst="rect">
             <a:avLst/>
@@ -6080,9 +6336,9 @@
           <a:bodyPr vert="horz" lIns="91440" tIns="45720" rIns="91440" bIns="45720" rtlCol="0" anchor="ctr"/>
           <a:lstStyle>
             <a:lvl1pPr algn="r">
-              <a:defRPr sz="900">
+              <a:defRPr sz="2000">
                 <a:solidFill>
-                  <a:schemeClr val="accent1"/>
+                  <a:schemeClr val="bg1"/>
                 </a:solidFill>
               </a:defRPr>
             </a:lvl1pPr>
@@ -6090,9 +6346,14 @@
           <a:p>
             <a:fld id="{5B99597B-07E3-4F78-AC35-69A9544D51AD}" type="slidenum">
               <a:rPr lang="en-US" smtClean="0"/>
+              <a:pPr/>
               <a:t>‹Nr.›</a:t>
             </a:fld>
-            <a:endParaRPr lang="en-US"/>
+            <a:r>
+              <a:rPr lang="en-US" dirty="0" smtClean="0"/>
+              <a:t>/16</a:t>
+            </a:r>
+            <a:endParaRPr lang="en-US" dirty="0"/>
           </a:p>
         </p:txBody>
       </p:sp>
@@ -6122,6 +6383,14 @@
     <p:sldLayoutId id="2147483981" r:id="rId15"/>
     <p:sldLayoutId id="2147483982" r:id="rId16"/>
   </p:sldLayoutIdLst>
+  <p:timing>
+    <p:tnLst>
+      <p:par>
+        <p:cTn id="1" dur="indefinite" restart="never" nodeType="tmRoot"/>
+      </p:par>
+    </p:tnLst>
+  </p:timing>
+  <p:hf hdr="0" ftr="0" dt="0"/>
   <p:txStyles>
     <p:titleStyle>
       <a:lvl1pPr algn="l" defTabSz="457200" rtl="0" eaLnBrk="1" latinLnBrk="0" hangingPunct="1">
@@ -6910,6 +7179,34 @@
           </a:fontRef>
         </p:style>
       </p:cxnSp>
+      <p:sp>
+        <p:nvSpPr>
+          <p:cNvPr id="14" name="Foliennummernplatzhalter 13"/>
+          <p:cNvSpPr>
+            <a:spLocks noGrp="1"/>
+          </p:cNvSpPr>
+          <p:nvPr>
+            <p:ph type="sldNum" sz="quarter" idx="12"/>
+          </p:nvPr>
+        </p:nvSpPr>
+        <p:spPr/>
+        <p:txBody>
+          <a:bodyPr/>
+          <a:lstStyle/>
+          <a:p>
+            <a:fld id="{5B99597B-07E3-4F78-AC35-69A9544D51AD}" type="slidenum">
+              <a:rPr lang="en-US" smtClean="0"/>
+              <a:pPr/>
+              <a:t>10</a:t>
+            </a:fld>
+            <a:r>
+              <a:rPr lang="en-US" smtClean="0"/>
+              <a:t>/17</a:t>
+            </a:r>
+            <a:endParaRPr lang="en-US" dirty="0"/>
+          </a:p>
+        </p:txBody>
+      </p:sp>
     </p:spTree>
     <p:extLst>
       <p:ext uri="{BB962C8B-B14F-4D97-AF65-F5344CB8AC3E}">
@@ -8032,6 +8329,34 @@
           </p:style>
         </p:cxnSp>
       </p:grpSp>
+      <p:sp>
+        <p:nvSpPr>
+          <p:cNvPr id="7" name="Foliennummernplatzhalter 6"/>
+          <p:cNvSpPr>
+            <a:spLocks noGrp="1"/>
+          </p:cNvSpPr>
+          <p:nvPr>
+            <p:ph type="sldNum" sz="quarter" idx="12"/>
+          </p:nvPr>
+        </p:nvSpPr>
+        <p:spPr/>
+        <p:txBody>
+          <a:bodyPr/>
+          <a:lstStyle/>
+          <a:p>
+            <a:fld id="{5B99597B-07E3-4F78-AC35-69A9544D51AD}" type="slidenum">
+              <a:rPr lang="en-US" smtClean="0"/>
+              <a:pPr/>
+              <a:t>11</a:t>
+            </a:fld>
+            <a:r>
+              <a:rPr lang="en-US" smtClean="0"/>
+              <a:t>/17</a:t>
+            </a:r>
+            <a:endParaRPr lang="en-US" dirty="0"/>
+          </a:p>
+        </p:txBody>
+      </p:sp>
     </p:spTree>
     <p:extLst>
       <p:ext uri="{BB962C8B-B14F-4D97-AF65-F5344CB8AC3E}">
@@ -9576,6 +9901,34 @@
           <a:p>
             <a:pPr algn="ctr"/>
             <a:endParaRPr lang="de-DE"/>
+          </a:p>
+        </p:txBody>
+      </p:sp>
+      <p:sp>
+        <p:nvSpPr>
+          <p:cNvPr id="7" name="Foliennummernplatzhalter 6"/>
+          <p:cNvSpPr>
+            <a:spLocks noGrp="1"/>
+          </p:cNvSpPr>
+          <p:nvPr>
+            <p:ph type="sldNum" sz="quarter" idx="12"/>
+          </p:nvPr>
+        </p:nvSpPr>
+        <p:spPr/>
+        <p:txBody>
+          <a:bodyPr/>
+          <a:lstStyle/>
+          <a:p>
+            <a:fld id="{5B99597B-07E3-4F78-AC35-69A9544D51AD}" type="slidenum">
+              <a:rPr lang="en-US" smtClean="0"/>
+              <a:pPr/>
+              <a:t>12</a:t>
+            </a:fld>
+            <a:r>
+              <a:rPr lang="en-US" smtClean="0"/>
+              <a:t>/17</a:t>
+            </a:r>
+            <a:endParaRPr lang="en-US" dirty="0"/>
           </a:p>
         </p:txBody>
       </p:sp>
@@ -10476,6 +10829,34 @@
           </a:p>
         </p:txBody>
       </p:sp>
+      <p:sp>
+        <p:nvSpPr>
+          <p:cNvPr id="7" name="Foliennummernplatzhalter 6"/>
+          <p:cNvSpPr>
+            <a:spLocks noGrp="1"/>
+          </p:cNvSpPr>
+          <p:nvPr>
+            <p:ph type="sldNum" sz="quarter" idx="12"/>
+          </p:nvPr>
+        </p:nvSpPr>
+        <p:spPr/>
+        <p:txBody>
+          <a:bodyPr/>
+          <a:lstStyle/>
+          <a:p>
+            <a:fld id="{5B99597B-07E3-4F78-AC35-69A9544D51AD}" type="slidenum">
+              <a:rPr lang="en-US" smtClean="0"/>
+              <a:pPr/>
+              <a:t>13</a:t>
+            </a:fld>
+            <a:r>
+              <a:rPr lang="en-US" smtClean="0"/>
+              <a:t>/17</a:t>
+            </a:r>
+            <a:endParaRPr lang="en-US" dirty="0"/>
+          </a:p>
+        </p:txBody>
+      </p:sp>
     </p:spTree>
     <p:extLst>
       <p:ext uri="{BB962C8B-B14F-4D97-AF65-F5344CB8AC3E}">
@@ -10592,6 +10973,34 @@
           </a:prstGeom>
         </p:spPr>
       </p:pic>
+      <p:sp>
+        <p:nvSpPr>
+          <p:cNvPr id="5" name="Foliennummernplatzhalter 4"/>
+          <p:cNvSpPr>
+            <a:spLocks noGrp="1"/>
+          </p:cNvSpPr>
+          <p:nvPr>
+            <p:ph type="sldNum" sz="quarter" idx="12"/>
+          </p:nvPr>
+        </p:nvSpPr>
+        <p:spPr/>
+        <p:txBody>
+          <a:bodyPr/>
+          <a:lstStyle/>
+          <a:p>
+            <a:fld id="{5B99597B-07E3-4F78-AC35-69A9544D51AD}" type="slidenum">
+              <a:rPr lang="en-US" smtClean="0"/>
+              <a:pPr/>
+              <a:t>14</a:t>
+            </a:fld>
+            <a:r>
+              <a:rPr lang="en-US" smtClean="0"/>
+              <a:t>/17</a:t>
+            </a:r>
+            <a:endParaRPr lang="en-US" dirty="0"/>
+          </a:p>
+        </p:txBody>
+      </p:sp>
     </p:spTree>
     <p:extLst>
       <p:ext uri="{BB962C8B-B14F-4D97-AF65-F5344CB8AC3E}">
@@ -10708,6 +11117,34 @@
           </a:prstGeom>
         </p:spPr>
       </p:pic>
+      <p:sp>
+        <p:nvSpPr>
+          <p:cNvPr id="7" name="Foliennummernplatzhalter 6"/>
+          <p:cNvSpPr>
+            <a:spLocks noGrp="1"/>
+          </p:cNvSpPr>
+          <p:nvPr>
+            <p:ph type="sldNum" sz="quarter" idx="12"/>
+          </p:nvPr>
+        </p:nvSpPr>
+        <p:spPr/>
+        <p:txBody>
+          <a:bodyPr/>
+          <a:lstStyle/>
+          <a:p>
+            <a:fld id="{5B99597B-07E3-4F78-AC35-69A9544D51AD}" type="slidenum">
+              <a:rPr lang="en-US" smtClean="0"/>
+              <a:pPr/>
+              <a:t>15</a:t>
+            </a:fld>
+            <a:r>
+              <a:rPr lang="en-US" smtClean="0"/>
+              <a:t>/17</a:t>
+            </a:r>
+            <a:endParaRPr lang="en-US" dirty="0"/>
+          </a:p>
+        </p:txBody>
+      </p:sp>
     </p:spTree>
     <p:extLst>
       <p:ext uri="{BB962C8B-B14F-4D97-AF65-F5344CB8AC3E}">
@@ -10865,10 +11302,149 @@
           </a:p>
         </p:txBody>
       </p:sp>
+      <p:sp>
+        <p:nvSpPr>
+          <p:cNvPr id="10" name="Foliennummernplatzhalter 9"/>
+          <p:cNvSpPr>
+            <a:spLocks noGrp="1"/>
+          </p:cNvSpPr>
+          <p:nvPr>
+            <p:ph type="sldNum" sz="quarter" idx="12"/>
+          </p:nvPr>
+        </p:nvSpPr>
+        <p:spPr/>
+        <p:txBody>
+          <a:bodyPr/>
+          <a:lstStyle/>
+          <a:p>
+            <a:fld id="{5B99597B-07E3-4F78-AC35-69A9544D51AD}" type="slidenum">
+              <a:rPr lang="en-US" smtClean="0"/>
+              <a:pPr/>
+              <a:t>16</a:t>
+            </a:fld>
+            <a:r>
+              <a:rPr lang="en-US" smtClean="0"/>
+              <a:t>/17</a:t>
+            </a:r>
+            <a:endParaRPr lang="en-US" dirty="0"/>
+          </a:p>
+        </p:txBody>
+      </p:sp>
     </p:spTree>
     <p:extLst>
       <p:ext uri="{BB962C8B-B14F-4D97-AF65-F5344CB8AC3E}">
         <p14:creationId xmlns:p14="http://schemas.microsoft.com/office/powerpoint/2010/main" val="1896534732"/>
+      </p:ext>
+    </p:extLst>
+  </p:cSld>
+  <p:clrMapOvr>
+    <a:masterClrMapping/>
+  </p:clrMapOvr>
+  <p:timing>
+    <p:tnLst>
+      <p:par>
+        <p:cTn id="1" dur="indefinite" restart="never" nodeType="tmRoot"/>
+      </p:par>
+    </p:tnLst>
+  </p:timing>
+</p:sld>
+</file>
+
+<file path=ppt/slides/slide17.xml><?xml version="1.0" encoding="utf-8"?>
+<p:sld xmlns:a="http://schemas.openxmlformats.org/drawingml/2006/main" xmlns:r="http://schemas.openxmlformats.org/officeDocument/2006/relationships" xmlns:p="http://schemas.openxmlformats.org/presentationml/2006/main">
+  <p:cSld>
+    <p:spTree>
+      <p:nvGrpSpPr>
+        <p:cNvPr id="1" name=""/>
+        <p:cNvGrpSpPr/>
+        <p:nvPr/>
+      </p:nvGrpSpPr>
+      <p:grpSpPr>
+        <a:xfrm>
+          <a:off x="0" y="0"/>
+          <a:ext cx="0" cy="0"/>
+          <a:chOff x="0" y="0"/>
+          <a:chExt cx="0" cy="0"/>
+        </a:xfrm>
+      </p:grpSpPr>
+      <p:sp>
+        <p:nvSpPr>
+          <p:cNvPr id="2" name="Titel 1"/>
+          <p:cNvSpPr>
+            <a:spLocks noGrp="1"/>
+          </p:cNvSpPr>
+          <p:nvPr>
+            <p:ph type="title"/>
+          </p:nvPr>
+        </p:nvSpPr>
+        <p:spPr/>
+        <p:txBody>
+          <a:bodyPr/>
+          <a:lstStyle/>
+          <a:p>
+            <a:r>
+              <a:rPr lang="de-DE" dirty="0" smtClean="0"/>
+              <a:t>Vielen Dank für eure Aufmerksamkeit</a:t>
+            </a:r>
+            <a:endParaRPr lang="de-DE" dirty="0"/>
+          </a:p>
+        </p:txBody>
+      </p:sp>
+      <p:sp>
+        <p:nvSpPr>
+          <p:cNvPr id="3" name="Inhaltsplatzhalter 2"/>
+          <p:cNvSpPr>
+            <a:spLocks noGrp="1"/>
+          </p:cNvSpPr>
+          <p:nvPr>
+            <p:ph idx="1"/>
+          </p:nvPr>
+        </p:nvSpPr>
+        <p:spPr/>
+        <p:txBody>
+          <a:bodyPr/>
+          <a:lstStyle/>
+          <a:p>
+            <a:r>
+              <a:rPr lang="de-DE" dirty="0" smtClean="0"/>
+              <a:t>Fragen beantworten wir gerne!</a:t>
+            </a:r>
+            <a:endParaRPr lang="de-DE" dirty="0"/>
+          </a:p>
+        </p:txBody>
+      </p:sp>
+      <p:sp>
+        <p:nvSpPr>
+          <p:cNvPr id="5" name="Foliennummernplatzhalter 4"/>
+          <p:cNvSpPr>
+            <a:spLocks noGrp="1"/>
+          </p:cNvSpPr>
+          <p:nvPr>
+            <p:ph type="sldNum" sz="quarter" idx="12"/>
+          </p:nvPr>
+        </p:nvSpPr>
+        <p:spPr/>
+        <p:txBody>
+          <a:bodyPr/>
+          <a:lstStyle/>
+          <a:p>
+            <a:fld id="{5B99597B-07E3-4F78-AC35-69A9544D51AD}" type="slidenum">
+              <a:rPr lang="en-US" smtClean="0"/>
+              <a:pPr/>
+              <a:t>17</a:t>
+            </a:fld>
+            <a:r>
+              <a:rPr lang="en-US" smtClean="0"/>
+              <a:t>/17</a:t>
+            </a:r>
+            <a:endParaRPr lang="en-US" dirty="0"/>
+          </a:p>
+        </p:txBody>
+      </p:sp>
+    </p:spTree>
+    <p:extLst>
+      <p:ext uri="{BB962C8B-B14F-4D97-AF65-F5344CB8AC3E}">
+        <p14:creationId xmlns:p14="http://schemas.microsoft.com/office/powerpoint/2010/main" val="2364282119"/>
       </p:ext>
     </p:extLst>
   </p:cSld>
@@ -11038,6 +11614,34 @@
           </a:p>
           <a:p>
             <a:endParaRPr lang="de-DE" noProof="0" dirty="0"/>
+          </a:p>
+        </p:txBody>
+      </p:sp>
+      <p:sp>
+        <p:nvSpPr>
+          <p:cNvPr id="7" name="Foliennummernplatzhalter 6"/>
+          <p:cNvSpPr>
+            <a:spLocks noGrp="1"/>
+          </p:cNvSpPr>
+          <p:nvPr>
+            <p:ph type="sldNum" sz="quarter" idx="12"/>
+          </p:nvPr>
+        </p:nvSpPr>
+        <p:spPr/>
+        <p:txBody>
+          <a:bodyPr/>
+          <a:lstStyle/>
+          <a:p>
+            <a:fld id="{5B99597B-07E3-4F78-AC35-69A9544D51AD}" type="slidenum">
+              <a:rPr lang="en-US" smtClean="0"/>
+              <a:pPr/>
+              <a:t>2</a:t>
+            </a:fld>
+            <a:r>
+              <a:rPr lang="en-US" smtClean="0"/>
+              <a:t>/17</a:t>
+            </a:r>
+            <a:endParaRPr lang="en-US" dirty="0"/>
           </a:p>
         </p:txBody>
       </p:sp>
@@ -11158,6 +11762,34 @@
           </a:p>
         </p:txBody>
       </p:sp>
+      <p:sp>
+        <p:nvSpPr>
+          <p:cNvPr id="7" name="Foliennummernplatzhalter 6"/>
+          <p:cNvSpPr>
+            <a:spLocks noGrp="1"/>
+          </p:cNvSpPr>
+          <p:nvPr>
+            <p:ph type="sldNum" sz="quarter" idx="12"/>
+          </p:nvPr>
+        </p:nvSpPr>
+        <p:spPr/>
+        <p:txBody>
+          <a:bodyPr/>
+          <a:lstStyle/>
+          <a:p>
+            <a:fld id="{5B99597B-07E3-4F78-AC35-69A9544D51AD}" type="slidenum">
+              <a:rPr lang="en-US" smtClean="0"/>
+              <a:pPr/>
+              <a:t>3</a:t>
+            </a:fld>
+            <a:r>
+              <a:rPr lang="en-US" smtClean="0"/>
+              <a:t>/17</a:t>
+            </a:r>
+            <a:endParaRPr lang="en-US" dirty="0"/>
+          </a:p>
+        </p:txBody>
+      </p:sp>
     </p:spTree>
     <p:extLst>
       <p:ext uri="{BB962C8B-B14F-4D97-AF65-F5344CB8AC3E}">
@@ -11302,6 +11934,34 @@
               <a:buNone/>
             </a:pPr>
             <a:endParaRPr lang="de-DE" noProof="0" dirty="0"/>
+          </a:p>
+        </p:txBody>
+      </p:sp>
+      <p:sp>
+        <p:nvSpPr>
+          <p:cNvPr id="7" name="Foliennummernplatzhalter 6"/>
+          <p:cNvSpPr>
+            <a:spLocks noGrp="1"/>
+          </p:cNvSpPr>
+          <p:nvPr>
+            <p:ph type="sldNum" sz="quarter" idx="12"/>
+          </p:nvPr>
+        </p:nvSpPr>
+        <p:spPr/>
+        <p:txBody>
+          <a:bodyPr/>
+          <a:lstStyle/>
+          <a:p>
+            <a:fld id="{5B99597B-07E3-4F78-AC35-69A9544D51AD}" type="slidenum">
+              <a:rPr lang="en-US" smtClean="0"/>
+              <a:pPr/>
+              <a:t>4</a:t>
+            </a:fld>
+            <a:r>
+              <a:rPr lang="en-US" smtClean="0"/>
+              <a:t>/17</a:t>
+            </a:r>
+            <a:endParaRPr lang="en-US" dirty="0"/>
           </a:p>
         </p:txBody>
       </p:sp>
@@ -11546,6 +12206,34 @@
           </p:sp>
         </mc:Fallback>
       </mc:AlternateContent>
+      <p:sp>
+        <p:nvSpPr>
+          <p:cNvPr id="7" name="Foliennummernplatzhalter 6"/>
+          <p:cNvSpPr>
+            <a:spLocks noGrp="1"/>
+          </p:cNvSpPr>
+          <p:nvPr>
+            <p:ph type="sldNum" sz="quarter" idx="12"/>
+          </p:nvPr>
+        </p:nvSpPr>
+        <p:spPr/>
+        <p:txBody>
+          <a:bodyPr/>
+          <a:lstStyle/>
+          <a:p>
+            <a:fld id="{5B99597B-07E3-4F78-AC35-69A9544D51AD}" type="slidenum">
+              <a:rPr lang="en-US" smtClean="0"/>
+              <a:pPr/>
+              <a:t>5</a:t>
+            </a:fld>
+            <a:r>
+              <a:rPr lang="en-US" smtClean="0"/>
+              <a:t>/17</a:t>
+            </a:r>
+            <a:endParaRPr lang="en-US" dirty="0"/>
+          </a:p>
+        </p:txBody>
+      </p:sp>
     </p:spTree>
     <p:extLst>
       <p:ext uri="{BB962C8B-B14F-4D97-AF65-F5344CB8AC3E}">
@@ -11746,6 +12434,34 @@
           </p:sp>
         </mc:Fallback>
       </mc:AlternateContent>
+      <p:sp>
+        <p:nvSpPr>
+          <p:cNvPr id="7" name="Foliennummernplatzhalter 6"/>
+          <p:cNvSpPr>
+            <a:spLocks noGrp="1"/>
+          </p:cNvSpPr>
+          <p:nvPr>
+            <p:ph type="sldNum" sz="quarter" idx="12"/>
+          </p:nvPr>
+        </p:nvSpPr>
+        <p:spPr/>
+        <p:txBody>
+          <a:bodyPr/>
+          <a:lstStyle/>
+          <a:p>
+            <a:fld id="{5B99597B-07E3-4F78-AC35-69A9544D51AD}" type="slidenum">
+              <a:rPr lang="en-US" smtClean="0"/>
+              <a:pPr/>
+              <a:t>6</a:t>
+            </a:fld>
+            <a:r>
+              <a:rPr lang="en-US" smtClean="0"/>
+              <a:t>/17</a:t>
+            </a:r>
+            <a:endParaRPr lang="en-US" dirty="0"/>
+          </a:p>
+        </p:txBody>
+      </p:sp>
     </p:spTree>
     <p:extLst>
       <p:ext uri="{BB962C8B-B14F-4D97-AF65-F5344CB8AC3E}">
@@ -12123,6 +12839,34 @@
           </p:sp>
         </mc:Fallback>
       </mc:AlternateContent>
+      <p:sp>
+        <p:nvSpPr>
+          <p:cNvPr id="7" name="Foliennummernplatzhalter 6"/>
+          <p:cNvSpPr>
+            <a:spLocks noGrp="1"/>
+          </p:cNvSpPr>
+          <p:nvPr>
+            <p:ph type="sldNum" sz="quarter" idx="12"/>
+          </p:nvPr>
+        </p:nvSpPr>
+        <p:spPr/>
+        <p:txBody>
+          <a:bodyPr/>
+          <a:lstStyle/>
+          <a:p>
+            <a:fld id="{5B99597B-07E3-4F78-AC35-69A9544D51AD}" type="slidenum">
+              <a:rPr lang="en-US" smtClean="0"/>
+              <a:pPr/>
+              <a:t>7</a:t>
+            </a:fld>
+            <a:r>
+              <a:rPr lang="en-US" smtClean="0"/>
+              <a:t>/17</a:t>
+            </a:r>
+            <a:endParaRPr lang="en-US" dirty="0"/>
+          </a:p>
+        </p:txBody>
+      </p:sp>
     </p:spTree>
     <p:extLst>
       <p:ext uri="{BB962C8B-B14F-4D97-AF65-F5344CB8AC3E}">
@@ -12645,6 +13389,34 @@
               <a:t>ja</a:t>
             </a:r>
             <a:endParaRPr lang="de-DE" sz="1400" dirty="0"/>
+          </a:p>
+        </p:txBody>
+      </p:sp>
+      <p:sp>
+        <p:nvSpPr>
+          <p:cNvPr id="17" name="Foliennummernplatzhalter 16"/>
+          <p:cNvSpPr>
+            <a:spLocks noGrp="1"/>
+          </p:cNvSpPr>
+          <p:nvPr>
+            <p:ph type="sldNum" sz="quarter" idx="12"/>
+          </p:nvPr>
+        </p:nvSpPr>
+        <p:spPr/>
+        <p:txBody>
+          <a:bodyPr/>
+          <a:lstStyle/>
+          <a:p>
+            <a:fld id="{5B99597B-07E3-4F78-AC35-69A9544D51AD}" type="slidenum">
+              <a:rPr lang="en-US" smtClean="0"/>
+              <a:pPr/>
+              <a:t>8</a:t>
+            </a:fld>
+            <a:r>
+              <a:rPr lang="en-US" smtClean="0"/>
+              <a:t>/17</a:t>
+            </a:r>
+            <a:endParaRPr lang="en-US" dirty="0"/>
           </a:p>
         </p:txBody>
       </p:sp>
@@ -13654,6 +14426,34 @@
           </a:p>
         </p:txBody>
       </p:sp>
+      <p:sp>
+        <p:nvSpPr>
+          <p:cNvPr id="31" name="Foliennummernplatzhalter 30"/>
+          <p:cNvSpPr>
+            <a:spLocks noGrp="1"/>
+          </p:cNvSpPr>
+          <p:nvPr>
+            <p:ph type="sldNum" sz="quarter" idx="12"/>
+          </p:nvPr>
+        </p:nvSpPr>
+        <p:spPr/>
+        <p:txBody>
+          <a:bodyPr/>
+          <a:lstStyle/>
+          <a:p>
+            <a:fld id="{5B99597B-07E3-4F78-AC35-69A9544D51AD}" type="slidenum">
+              <a:rPr lang="en-US" smtClean="0"/>
+              <a:pPr/>
+              <a:t>9</a:t>
+            </a:fld>
+            <a:r>
+              <a:rPr lang="en-US" smtClean="0"/>
+              <a:t>/17</a:t>
+            </a:r>
+            <a:endParaRPr lang="en-US" dirty="0"/>
+          </a:p>
+        </p:txBody>
+      </p:sp>
     </p:spTree>
     <p:extLst>
       <p:ext uri="{BB962C8B-B14F-4D97-AF65-F5344CB8AC3E}">

--- a/Wang-Müller.pptx
+++ b/Wang-Müller.pptx
@@ -213,7 +213,7 @@
           <a:p>
             <a:fld id="{6A449840-315F-4FD4-A955-B6C99BE65166}" type="datetimeFigureOut">
               <a:rPr lang="de-DE" smtClean="0"/>
-              <a:t>02.07.2015</a:t>
+              <a:t>03.07.2015</a:t>
             </a:fld>
             <a:endParaRPr lang="de-DE"/>
           </a:p>
@@ -372,7 +372,7 @@
           <a:p>
             <a:fld id="{94626CDE-96AB-47F3-83F8-702B4FAB0956}" type="slidenum">
               <a:rPr lang="de-DE" smtClean="0"/>
-              <a:t>‹Nr.›</a:t>
+              <a:t>‹#›</a:t>
             </a:fld>
             <a:endParaRPr lang="de-DE"/>
           </a:p>
@@ -1789,7 +1789,7 @@
           <a:p>
             <a:fld id="{2CE4E6E9-A8D3-4EFD-B6E5-8FAD5746A6FF}" type="datetime1">
               <a:rPr lang="en-US" smtClean="0"/>
-              <a:t>7/2/2015</a:t>
+              <a:t>3/7/2015</a:t>
             </a:fld>
             <a:endParaRPr lang="en-US"/>
           </a:p>
@@ -2024,7 +2024,7 @@
           <a:p>
             <a:fld id="{3A74BF67-7FCA-47E9-A5B6-F501EFF78D2D}" type="datetime1">
               <a:rPr lang="en-US" smtClean="0"/>
-              <a:t>7/2/2015</a:t>
+              <a:t>3/7/2015</a:t>
             </a:fld>
             <a:endParaRPr lang="en-US"/>
           </a:p>
@@ -2066,7 +2066,7 @@
           <a:p>
             <a:fld id="{5B99597B-07E3-4F78-AC35-69A9544D51AD}" type="slidenum">
               <a:rPr lang="en-US" smtClean="0"/>
-              <a:t>‹Nr.›</a:t>
+              <a:t>‹#›</a:t>
             </a:fld>
             <a:endParaRPr lang="en-US"/>
           </a:p>
@@ -2338,7 +2338,7 @@
           <a:p>
             <a:fld id="{78E946C9-0300-47E7-B4AB-F2B5ED6A6A10}" type="datetime1">
               <a:rPr lang="en-US" smtClean="0"/>
-              <a:t>7/2/2015</a:t>
+              <a:t>3/7/2015</a:t>
             </a:fld>
             <a:endParaRPr lang="en-US"/>
           </a:p>
@@ -2380,7 +2380,7 @@
           <a:p>
             <a:fld id="{5B99597B-07E3-4F78-AC35-69A9544D51AD}" type="slidenum">
               <a:rPr lang="en-US" smtClean="0"/>
-              <a:t>‹Nr.›</a:t>
+              <a:t>‹#›</a:t>
             </a:fld>
             <a:endParaRPr lang="en-US"/>
           </a:p>
@@ -2679,7 +2679,7 @@
           <a:p>
             <a:fld id="{36174F5A-B9AE-442B-8E0C-362A74397D13}" type="datetime1">
               <a:rPr lang="en-US" smtClean="0"/>
-              <a:t>7/2/2015</a:t>
+              <a:t>3/7/2015</a:t>
             </a:fld>
             <a:endParaRPr lang="en-US"/>
           </a:p>
@@ -2721,7 +2721,7 @@
           <a:p>
             <a:fld id="{5B99597B-07E3-4F78-AC35-69A9544D51AD}" type="slidenum">
               <a:rPr lang="en-US" smtClean="0"/>
-              <a:t>‹Nr.›</a:t>
+              <a:t>‹#›</a:t>
             </a:fld>
             <a:endParaRPr lang="en-US"/>
           </a:p>
@@ -2993,7 +2993,7 @@
           <a:p>
             <a:fld id="{C4E46709-CBC1-4562-A2E6-AEF7E87EC09A}" type="datetime1">
               <a:rPr lang="en-US" smtClean="0"/>
-              <a:t>7/2/2015</a:t>
+              <a:t>3/7/2015</a:t>
             </a:fld>
             <a:endParaRPr lang="en-US"/>
           </a:p>
@@ -3035,7 +3035,7 @@
           <a:p>
             <a:fld id="{5B99597B-07E3-4F78-AC35-69A9544D51AD}" type="slidenum">
               <a:rPr lang="en-US" smtClean="0"/>
-              <a:t>‹Nr.›</a:t>
+              <a:t>‹#›</a:t>
             </a:fld>
             <a:endParaRPr lang="en-US"/>
           </a:p>
@@ -3386,7 +3386,7 @@
           <a:p>
             <a:fld id="{8F0F8E5B-BA6E-4CC4-A63F-C3AF07145EEC}" type="datetime1">
               <a:rPr lang="en-US" smtClean="0"/>
-              <a:t>7/2/2015</a:t>
+              <a:t>3/7/2015</a:t>
             </a:fld>
             <a:endParaRPr lang="en-US"/>
           </a:p>
@@ -3428,7 +3428,7 @@
           <a:p>
             <a:fld id="{5B99597B-07E3-4F78-AC35-69A9544D51AD}" type="slidenum">
               <a:rPr lang="en-US" smtClean="0"/>
-              <a:t>‹Nr.›</a:t>
+              <a:t>‹#›</a:t>
             </a:fld>
             <a:endParaRPr lang="en-US"/>
           </a:p>
@@ -3556,7 +3556,7 @@
           <a:p>
             <a:fld id="{72687BDB-B586-4D7C-B658-35F9D1B217F1}" type="datetime1">
               <a:rPr lang="en-US" smtClean="0"/>
-              <a:t>7/2/2015</a:t>
+              <a:t>3/7/2015</a:t>
             </a:fld>
             <a:endParaRPr lang="en-US"/>
           </a:p>
@@ -3598,7 +3598,7 @@
           <a:p>
             <a:fld id="{5B99597B-07E3-4F78-AC35-69A9544D51AD}" type="slidenum">
               <a:rPr lang="en-US" smtClean="0"/>
-              <a:t>‹Nr.›</a:t>
+              <a:t>‹#›</a:t>
             </a:fld>
             <a:endParaRPr lang="en-US"/>
           </a:p>
@@ -3736,7 +3736,7 @@
           <a:p>
             <a:fld id="{D359E52B-A2A0-4A6B-ADF1-8830B4851C09}" type="datetime1">
               <a:rPr lang="en-US" smtClean="0"/>
-              <a:t>7/2/2015</a:t>
+              <a:t>3/7/2015</a:t>
             </a:fld>
             <a:endParaRPr lang="en-US"/>
           </a:p>
@@ -3778,7 +3778,7 @@
           <a:p>
             <a:fld id="{5B99597B-07E3-4F78-AC35-69A9544D51AD}" type="slidenum">
               <a:rPr lang="en-US" smtClean="0"/>
-              <a:t>‹Nr.›</a:t>
+              <a:t>‹#›</a:t>
             </a:fld>
             <a:endParaRPr lang="en-US"/>
           </a:p>
@@ -3919,7 +3919,7 @@
           <a:p>
             <a:fld id="{A896EC0E-555A-40A9-B69D-D5228A02F840}" type="datetime1">
               <a:rPr lang="en-US" smtClean="0"/>
-              <a:t>7/2/2015</a:t>
+              <a:t>3/7/2015</a:t>
             </a:fld>
             <a:endParaRPr lang="en-US"/>
           </a:p>
@@ -3962,7 +3962,7 @@
             <a:fld id="{5B99597B-07E3-4F78-AC35-69A9544D51AD}" type="slidenum">
               <a:rPr lang="en-US" smtClean="0"/>
               <a:pPr/>
-              <a:t>‹Nr.›</a:t>
+              <a:t>‹#›</a:t>
             </a:fld>
             <a:r>
               <a:rPr lang="en-US" dirty="0" smtClean="0"/>
@@ -4178,7 +4178,7 @@
           <a:p>
             <a:fld id="{1770B8A0-D34B-4FA5-B93E-24DA761A968A}" type="datetime1">
               <a:rPr lang="en-US" smtClean="0"/>
-              <a:t>7/2/2015</a:t>
+              <a:t>3/7/2015</a:t>
             </a:fld>
             <a:endParaRPr lang="en-US"/>
           </a:p>
@@ -4220,7 +4220,7 @@
           <a:p>
             <a:fld id="{5B99597B-07E3-4F78-AC35-69A9544D51AD}" type="slidenum">
               <a:rPr lang="en-US" smtClean="0"/>
-              <a:t>‹Nr.›</a:t>
+              <a:t>‹#›</a:t>
             </a:fld>
             <a:endParaRPr lang="en-US"/>
           </a:p>
@@ -4417,7 +4417,7 @@
           <a:p>
             <a:fld id="{1EED6501-03F8-410C-AF14-B1A376829DEC}" type="datetime1">
               <a:rPr lang="en-US" smtClean="0"/>
-              <a:t>7/2/2015</a:t>
+              <a:t>3/7/2015</a:t>
             </a:fld>
             <a:endParaRPr lang="en-US"/>
           </a:p>
@@ -4459,7 +4459,7 @@
           <a:p>
             <a:fld id="{5B99597B-07E3-4F78-AC35-69A9544D51AD}" type="slidenum">
               <a:rPr lang="en-US" smtClean="0"/>
-              <a:t>‹Nr.›</a:t>
+              <a:t>‹#›</a:t>
             </a:fld>
             <a:endParaRPr lang="en-US"/>
           </a:p>
@@ -4791,7 +4791,7 @@
           <a:p>
             <a:fld id="{717F26B0-4A12-4513-A216-AD2841158341}" type="datetime1">
               <a:rPr lang="en-US" smtClean="0"/>
-              <a:t>7/2/2015</a:t>
+              <a:t>3/7/2015</a:t>
             </a:fld>
             <a:endParaRPr lang="en-US"/>
           </a:p>
@@ -4833,7 +4833,7 @@
           <a:p>
             <a:fld id="{5B99597B-07E3-4F78-AC35-69A9544D51AD}" type="slidenum">
               <a:rPr lang="en-US" smtClean="0"/>
-              <a:t>‹Nr.›</a:t>
+              <a:t>‹#›</a:t>
             </a:fld>
             <a:endParaRPr lang="en-US"/>
           </a:p>
@@ -4914,7 +4914,7 @@
           <a:p>
             <a:fld id="{55EA2914-6F61-4473-BDB1-38AB32F358A3}" type="datetime1">
               <a:rPr lang="en-US" smtClean="0"/>
-              <a:t>7/2/2015</a:t>
+              <a:t>3/7/2015</a:t>
             </a:fld>
             <a:endParaRPr lang="en-US"/>
           </a:p>
@@ -4956,7 +4956,7 @@
           <a:p>
             <a:fld id="{5B99597B-07E3-4F78-AC35-69A9544D51AD}" type="slidenum">
               <a:rPr lang="en-US" smtClean="0"/>
-              <a:t>‹Nr.›</a:t>
+              <a:t>‹#›</a:t>
             </a:fld>
             <a:endParaRPr lang="en-US"/>
           </a:p>
@@ -5009,7 +5009,7 @@
           <a:p>
             <a:fld id="{AB97AA6C-032C-4064-A787-9F610791F4AF}" type="datetime1">
               <a:rPr lang="en-US" smtClean="0"/>
-              <a:t>7/2/2015</a:t>
+              <a:t>3/7/2015</a:t>
             </a:fld>
             <a:endParaRPr lang="en-US"/>
           </a:p>
@@ -5051,7 +5051,7 @@
           <a:p>
             <a:fld id="{5B99597B-07E3-4F78-AC35-69A9544D51AD}" type="slidenum">
               <a:rPr lang="en-US" smtClean="0"/>
-              <a:t>‹Nr.›</a:t>
+              <a:t>‹#›</a:t>
             </a:fld>
             <a:endParaRPr lang="en-US"/>
           </a:p>
@@ -5264,7 +5264,7 @@
           <a:p>
             <a:fld id="{2F1E71C1-AFE5-4F5C-A429-92741E987410}" type="datetime1">
               <a:rPr lang="en-US" smtClean="0"/>
-              <a:t>7/2/2015</a:t>
+              <a:t>3/7/2015</a:t>
             </a:fld>
             <a:endParaRPr lang="en-US"/>
           </a:p>
@@ -5306,7 +5306,7 @@
           <a:p>
             <a:fld id="{5B99597B-07E3-4F78-AC35-69A9544D51AD}" type="slidenum">
               <a:rPr lang="en-US" smtClean="0"/>
-              <a:t>‹Nr.›</a:t>
+              <a:t>‹#›</a:t>
             </a:fld>
             <a:endParaRPr lang="en-US"/>
           </a:p>
@@ -5527,7 +5527,7 @@
           <a:p>
             <a:fld id="{EAD9C191-BEE7-4102-8593-B3B8770435DF}" type="datetime1">
               <a:rPr lang="en-US" smtClean="0"/>
-              <a:t>7/2/2015</a:t>
+              <a:t>3/7/2015</a:t>
             </a:fld>
             <a:endParaRPr lang="en-US"/>
           </a:p>
@@ -5569,7 +5569,7 @@
           <a:p>
             <a:fld id="{5B99597B-07E3-4F78-AC35-69A9544D51AD}" type="slidenum">
               <a:rPr lang="en-US" smtClean="0"/>
-              <a:t>‹Nr.›</a:t>
+              <a:t>‹#›</a:t>
             </a:fld>
             <a:endParaRPr lang="en-US"/>
           </a:p>
@@ -6270,7 +6270,7 @@
           <a:p>
             <a:fld id="{CDCE79DA-BB38-4EB2-97E1-81BA7E2A9CA8}" type="datetime1">
               <a:rPr lang="en-US" smtClean="0"/>
-              <a:t>7/2/2015</a:t>
+              <a:t>3/7/2015</a:t>
             </a:fld>
             <a:endParaRPr lang="en-US"/>
           </a:p>
@@ -6347,7 +6347,7 @@
             <a:fld id="{5B99597B-07E3-4F78-AC35-69A9544D51AD}" type="slidenum">
               <a:rPr lang="en-US" smtClean="0"/>
               <a:pPr/>
-              <a:t>‹Nr.›</a:t>
+              <a:t>‹#›</a:t>
             </a:fld>
             <a:r>
               <a:rPr lang="en-US" dirty="0" smtClean="0"/>
@@ -10935,12 +10935,13 @@
               </a:ext>
             </a:extLst>
           </a:blip>
+          <a:srcRect l="1" t="11194" r="54545" b="40298"/>
           <a:stretch/>
         </p:blipFill>
         <p:spPr>
           <a:xfrm>
-            <a:off x="1524168" y="2160588"/>
-            <a:ext cx="6903701" cy="3881437"/>
+            <a:off x="188922" y="2165927"/>
+            <a:ext cx="4572000" cy="2743200"/>
           </a:xfrm>
         </p:spPr>
       </p:pic>
@@ -10965,7 +10966,7 @@
         </p:blipFill>
         <p:spPr>
           <a:xfrm>
-            <a:off x="1223889" y="2646399"/>
+            <a:off x="5145346" y="2165927"/>
             <a:ext cx="4572000" cy="2743200"/>
           </a:xfrm>
           <a:prstGeom prst="rect">
@@ -11079,12 +11080,13 @@
               </a:ext>
             </a:extLst>
           </a:blip>
+          <a:srcRect l="44589" t="51375" r="20274" b="11125"/>
           <a:stretch/>
         </p:blipFill>
         <p:spPr>
           <a:xfrm>
-            <a:off x="1524168" y="2160588"/>
-            <a:ext cx="6903701" cy="3881437"/>
+            <a:off x="192024" y="2167128"/>
+            <a:ext cx="4572000" cy="2743200"/>
           </a:xfrm>
         </p:spPr>
       </p:pic>
@@ -11109,7 +11111,7 @@
         </p:blipFill>
         <p:spPr>
           <a:xfrm>
-            <a:off x="1223889" y="2646399"/>
+            <a:off x="5148072" y="2167128"/>
             <a:ext cx="4572000" cy="2743200"/>
           </a:xfrm>
           <a:prstGeom prst="rect">
@@ -11223,7 +11225,7 @@
         </p:blipFill>
         <p:spPr>
           <a:xfrm>
-            <a:off x="429485" y="2125272"/>
+            <a:off x="484905" y="2097853"/>
             <a:ext cx="8844516" cy="3157839"/>
           </a:xfrm>
           <a:prstGeom prst="rect">
@@ -11604,13 +11606,8 @@
             </a:r>
             <a:r>
               <a:rPr lang="de-DE" noProof="0" dirty="0" smtClean="0"/>
-              <a:t>nicht </a:t>
-            </a:r>
-            <a:r>
-              <a:rPr lang="de-DE" noProof="0" dirty="0" smtClean="0"/>
-              <a:t>Eckpunkten</a:t>
-            </a:r>
-            <a:endParaRPr lang="de-DE" noProof="0" dirty="0" smtClean="0"/>
+              <a:t>nicht Eckpunkten</a:t>
+            </a:r>
           </a:p>
           <a:p>
             <a:endParaRPr lang="de-DE" noProof="0" dirty="0"/>
@@ -11730,31 +11727,7 @@
             </a:r>
             <a:r>
               <a:rPr lang="de-DE" noProof="0" dirty="0" smtClean="0"/>
-              <a:t> ist ein Intervall auf dem </a:t>
-            </a:r>
-            <a:r>
-              <a:rPr lang="de-DE" noProof="0" dirty="0" smtClean="0"/>
-              <a:t>Linienzug, das von </a:t>
-            </a:r>
-            <a:r>
-              <a:rPr lang="de-DE" noProof="0" dirty="0" smtClean="0"/>
-              <a:t>zwei Wendepunkten </a:t>
-            </a:r>
-            <a:r>
-              <a:rPr lang="de-DE" noProof="0" dirty="0" smtClean="0"/>
-              <a:t>begrenzt wird </a:t>
-            </a:r>
-            <a:r>
-              <a:rPr lang="de-DE" noProof="0" dirty="0" smtClean="0"/>
-              <a:t>und </a:t>
-            </a:r>
-            <a:r>
-              <a:rPr lang="de-DE" noProof="0" dirty="0" smtClean="0"/>
-              <a:t>keine weiteren Wendepunkte </a:t>
-            </a:r>
-            <a:r>
-              <a:rPr lang="de-DE" noProof="0" dirty="0" smtClean="0"/>
-              <a:t>enthält</a:t>
+              <a:t> ist ein Intervall auf dem Linienzug, das von zwei Wendepunkten begrenzt wird und keine weiteren Wendepunkte enthält</a:t>
             </a:r>
           </a:p>
           <a:p>
@@ -12522,8 +12495,8 @@
           </a:p>
         </p:txBody>
       </p:sp>
-      <mc:AlternateContent xmlns:mc="http://schemas.openxmlformats.org/markup-compatibility/2006">
-        <mc:Choice xmlns:a14="http://schemas.microsoft.com/office/drawing/2010/main" Requires="a14">
+      <mc:AlternateContent xmlns:mc="http://schemas.openxmlformats.org/markup-compatibility/2006" xmlns:a14="http://schemas.microsoft.com/office/drawing/2010/main">
+        <mc:Choice Requires="a14">
           <p:sp>
             <p:nvSpPr>
               <p:cNvPr id="3" name="Content Placeholder 2"/>
@@ -12553,11 +12526,7 @@
                 </a:r>
                 <a:r>
                   <a:rPr lang="de-DE" dirty="0" smtClean="0"/>
-                  <a:t>ist die euklidische Distanz zwischen </a:t>
-                </a:r>
-                <a:r>
-                  <a:rPr lang="de-DE" dirty="0" smtClean="0"/>
-                  <a:t>zwei </a:t>
+                  <a:t>ist die euklidische Distanz zwischen zwei </a:t>
                 </a:r>
                 <a:r>
                   <a:rPr lang="de-DE" dirty="0" err="1" smtClean="0"/>
@@ -12805,7 +12774,7 @@
             </p:txBody>
           </p:sp>
         </mc:Choice>
-        <mc:Fallback>
+        <mc:Fallback xmlns="">
           <p:sp>
             <p:nvSpPr>
               <p:cNvPr id="3" name="Content Placeholder 2"/>
@@ -13029,11 +12998,7 @@
             </a:r>
             <a:r>
               <a:rPr lang="de-DE" sz="1400" dirty="0" smtClean="0"/>
-              <a:t> </a:t>
-            </a:r>
-            <a:r>
-              <a:rPr lang="de-DE" sz="1400" dirty="0" smtClean="0"/>
-              <a:t>zu groß?</a:t>
+              <a:t> zu groß?</a:t>
             </a:r>
             <a:endParaRPr lang="de-DE" sz="1400" dirty="0"/>
           </a:p>

--- a/Wang-Müller.pptx
+++ b/Wang-Müller.pptx
@@ -6906,7 +6906,7 @@
           <a:lstStyle/>
           <a:p>
             <a:r>
-              <a:rPr lang="de-DE" dirty="0" smtClean="0"/>
+              <a:rPr lang="de-DE" smtClean="0"/>
               <a:t>Elimination</a:t>
             </a:r>
             <a:endParaRPr lang="de-DE" dirty="0"/>
@@ -6929,18 +6929,38 @@
           <a:lstStyle/>
           <a:p>
             <a:r>
-              <a:rPr lang="de-DE" dirty="0" smtClean="0"/>
-              <a:t>Eine </a:t>
-            </a:r>
-            <a:r>
-              <a:rPr lang="de-DE" dirty="0" err="1" smtClean="0"/>
-              <a:t>bend</a:t>
-            </a:r>
-            <a:r>
-              <a:rPr lang="de-DE" dirty="0" smtClean="0"/>
-              <a:t> wird gelöscht</a:t>
+              <a:rPr lang="de-DE" smtClean="0"/>
+              <a:t>Eine bend wird gelöscht</a:t>
             </a:r>
             <a:endParaRPr lang="de-DE" dirty="0"/>
+          </a:p>
+        </p:txBody>
+      </p:sp>
+      <p:sp>
+        <p:nvSpPr>
+          <p:cNvPr id="14" name="Foliennummernplatzhalter 13"/>
+          <p:cNvSpPr>
+            <a:spLocks noGrp="1"/>
+          </p:cNvSpPr>
+          <p:nvPr>
+            <p:ph type="sldNum" sz="quarter" idx="12"/>
+          </p:nvPr>
+        </p:nvSpPr>
+        <p:spPr/>
+        <p:txBody>
+          <a:bodyPr/>
+          <a:lstStyle/>
+          <a:p>
+            <a:fld id="{5B99597B-07E3-4F78-AC35-69A9544D51AD}" type="slidenum">
+              <a:rPr lang="en-US" smtClean="0"/>
+              <a:pPr/>
+              <a:t>10</a:t>
+            </a:fld>
+            <a:r>
+              <a:rPr lang="en-US" smtClean="0"/>
+              <a:t>/17</a:t>
+            </a:r>
+            <a:endParaRPr lang="en-US" dirty="0"/>
           </a:p>
         </p:txBody>
       </p:sp>
@@ -7179,34 +7199,6 @@
           </a:fontRef>
         </p:style>
       </p:cxnSp>
-      <p:sp>
-        <p:nvSpPr>
-          <p:cNvPr id="14" name="Foliennummernplatzhalter 13"/>
-          <p:cNvSpPr>
-            <a:spLocks noGrp="1"/>
-          </p:cNvSpPr>
-          <p:nvPr>
-            <p:ph type="sldNum" sz="quarter" idx="12"/>
-          </p:nvPr>
-        </p:nvSpPr>
-        <p:spPr/>
-        <p:txBody>
-          <a:bodyPr/>
-          <a:lstStyle/>
-          <a:p>
-            <a:fld id="{5B99597B-07E3-4F78-AC35-69A9544D51AD}" type="slidenum">
-              <a:rPr lang="en-US" smtClean="0"/>
-              <a:pPr/>
-              <a:t>10</a:t>
-            </a:fld>
-            <a:r>
-              <a:rPr lang="en-US" smtClean="0"/>
-              <a:t>/17</a:t>
-            </a:r>
-            <a:endParaRPr lang="en-US" dirty="0"/>
-          </a:p>
-        </p:txBody>
-      </p:sp>
     </p:spTree>
     <p:extLst>
       <p:ext uri="{BB962C8B-B14F-4D97-AF65-F5344CB8AC3E}">
@@ -7436,7 +7428,7 @@
           <a:lstStyle/>
           <a:p>
             <a:r>
-              <a:rPr lang="de-DE" dirty="0" smtClean="0"/>
+              <a:rPr lang="de-DE" smtClean="0"/>
               <a:t>Kombination</a:t>
             </a:r>
             <a:endParaRPr lang="de-DE" dirty="0"/>
@@ -7459,25 +7451,38 @@
           <a:lstStyle/>
           <a:p>
             <a:r>
-              <a:rPr lang="de-DE" dirty="0" smtClean="0"/>
-              <a:t>Zwei ähnliche </a:t>
-            </a:r>
-            <a:r>
-              <a:rPr lang="de-DE" i="1" dirty="0" err="1" smtClean="0"/>
-              <a:t>bends</a:t>
-            </a:r>
-            <a:r>
-              <a:rPr lang="de-DE" dirty="0" smtClean="0"/>
-              <a:t> mit einen kleineren </a:t>
-            </a:r>
-            <a:r>
-              <a:rPr lang="de-DE" i="1" dirty="0" err="1" smtClean="0"/>
-              <a:t>bend</a:t>
-            </a:r>
-            <a:r>
-              <a:rPr lang="de-DE" dirty="0" smtClean="0"/>
-              <a:t> dazwischen werden folgender weise kombiniert:</a:t>
-            </a:r>
+              <a:rPr lang="de-DE" smtClean="0"/>
+              <a:t>Zwei ähnliche bends mit einen kleineren bend dazwischen werden folgender weise kombiniert:</a:t>
+            </a:r>
+            <a:endParaRPr lang="de-DE" dirty="0" smtClean="0"/>
+          </a:p>
+        </p:txBody>
+      </p:sp>
+      <p:sp>
+        <p:nvSpPr>
+          <p:cNvPr id="7" name="Foliennummernplatzhalter 6"/>
+          <p:cNvSpPr>
+            <a:spLocks noGrp="1"/>
+          </p:cNvSpPr>
+          <p:nvPr>
+            <p:ph type="sldNum" sz="quarter" idx="12"/>
+          </p:nvPr>
+        </p:nvSpPr>
+        <p:spPr/>
+        <p:txBody>
+          <a:bodyPr/>
+          <a:lstStyle/>
+          <a:p>
+            <a:fld id="{5B99597B-07E3-4F78-AC35-69A9544D51AD}" type="slidenum">
+              <a:rPr lang="en-US" smtClean="0"/>
+              <a:pPr/>
+              <a:t>11</a:t>
+            </a:fld>
+            <a:r>
+              <a:rPr lang="en-US" smtClean="0"/>
+              <a:t>/17</a:t>
+            </a:r>
+            <a:endParaRPr lang="en-US" dirty="0"/>
           </a:p>
         </p:txBody>
       </p:sp>
@@ -8329,34 +8334,6 @@
           </p:style>
         </p:cxnSp>
       </p:grpSp>
-      <p:sp>
-        <p:nvSpPr>
-          <p:cNvPr id="7" name="Foliennummernplatzhalter 6"/>
-          <p:cNvSpPr>
-            <a:spLocks noGrp="1"/>
-          </p:cNvSpPr>
-          <p:nvPr>
-            <p:ph type="sldNum" sz="quarter" idx="12"/>
-          </p:nvPr>
-        </p:nvSpPr>
-        <p:spPr/>
-        <p:txBody>
-          <a:bodyPr/>
-          <a:lstStyle/>
-          <a:p>
-            <a:fld id="{5B99597B-07E3-4F78-AC35-69A9544D51AD}" type="slidenum">
-              <a:rPr lang="en-US" smtClean="0"/>
-              <a:pPr/>
-              <a:t>11</a:t>
-            </a:fld>
-            <a:r>
-              <a:rPr lang="en-US" smtClean="0"/>
-              <a:t>/17</a:t>
-            </a:r>
-            <a:endParaRPr lang="en-US" dirty="0"/>
-          </a:p>
-        </p:txBody>
-      </p:sp>
     </p:spTree>
     <p:extLst>
       <p:ext uri="{BB962C8B-B14F-4D97-AF65-F5344CB8AC3E}">
@@ -9084,7 +9061,7 @@
           <a:lstStyle/>
           <a:p>
             <a:r>
-              <a:rPr lang="de-DE" dirty="0" smtClean="0"/>
+              <a:rPr lang="de-DE" smtClean="0"/>
               <a:t>Vergrößerung</a:t>
             </a:r>
             <a:endParaRPr lang="de-DE" dirty="0"/>
@@ -9107,42 +9084,43 @@
           <a:lstStyle/>
           <a:p>
             <a:r>
-              <a:rPr lang="de-DE" dirty="0" smtClean="0"/>
-              <a:t>Ein isolierter </a:t>
-            </a:r>
-            <a:r>
-              <a:rPr lang="de-DE" i="1" dirty="0" err="1" smtClean="0"/>
-              <a:t>bend</a:t>
-            </a:r>
-            <a:r>
-              <a:rPr lang="de-DE" dirty="0" smtClean="0"/>
-              <a:t>—das heißt, die benachbarten </a:t>
-            </a:r>
-            <a:r>
-              <a:rPr lang="de-DE" i="1" dirty="0" err="1" smtClean="0"/>
-              <a:t>bends</a:t>
-            </a:r>
-            <a:r>
-              <a:rPr lang="de-DE" dirty="0" smtClean="0"/>
-              <a:t> haben eine viel kleinere durchschnittliche Krümmung—wird anhand einer Gaußverteilung </a:t>
-            </a:r>
-            <a:r>
-              <a:rPr lang="de-DE" dirty="0" err="1" smtClean="0"/>
-              <a:t>vergößert</a:t>
-            </a:r>
+              <a:rPr lang="de-DE" smtClean="0"/>
+              <a:t>Ein isolierter bend—das heißt, die benachbarten bends haben eine viel kleinere durchschnittliche Krümmung—wird anhand einer Gaußverteilung vergößert</a:t>
+            </a:r>
+          </a:p>
+          <a:p>
+            <a:endParaRPr lang="de-DE" smtClean="0"/>
+          </a:p>
+          <a:p>
             <a:endParaRPr lang="de-DE" dirty="0" smtClean="0"/>
           </a:p>
-          <a:p>
-            <a:pPr marL="0" indent="0">
-              <a:buNone/>
-            </a:pPr>
-            <a:endParaRPr lang="de-DE" dirty="0"/>
-          </a:p>
-          <a:p>
-            <a:pPr marL="0" indent="0">
-              <a:buNone/>
-            </a:pPr>
-            <a:endParaRPr lang="de-DE" dirty="0" smtClean="0"/>
+        </p:txBody>
+      </p:sp>
+      <p:sp>
+        <p:nvSpPr>
+          <p:cNvPr id="7" name="Foliennummernplatzhalter 6"/>
+          <p:cNvSpPr>
+            <a:spLocks noGrp="1"/>
+          </p:cNvSpPr>
+          <p:nvPr>
+            <p:ph type="sldNum" sz="quarter" idx="12"/>
+          </p:nvPr>
+        </p:nvSpPr>
+        <p:spPr/>
+        <p:txBody>
+          <a:bodyPr/>
+          <a:lstStyle/>
+          <a:p>
+            <a:fld id="{5B99597B-07E3-4F78-AC35-69A9544D51AD}" type="slidenum">
+              <a:rPr lang="en-US" smtClean="0"/>
+              <a:pPr/>
+              <a:t>12</a:t>
+            </a:fld>
+            <a:r>
+              <a:rPr lang="en-US" smtClean="0"/>
+              <a:t>/17</a:t>
+            </a:r>
+            <a:endParaRPr lang="en-US" dirty="0"/>
           </a:p>
         </p:txBody>
       </p:sp>
@@ -9901,34 +9879,6 @@
           <a:p>
             <a:pPr algn="ctr"/>
             <a:endParaRPr lang="de-DE"/>
-          </a:p>
-        </p:txBody>
-      </p:sp>
-      <p:sp>
-        <p:nvSpPr>
-          <p:cNvPr id="7" name="Foliennummernplatzhalter 6"/>
-          <p:cNvSpPr>
-            <a:spLocks noGrp="1"/>
-          </p:cNvSpPr>
-          <p:nvPr>
-            <p:ph type="sldNum" sz="quarter" idx="12"/>
-          </p:nvPr>
-        </p:nvSpPr>
-        <p:spPr/>
-        <p:txBody>
-          <a:bodyPr/>
-          <a:lstStyle/>
-          <a:p>
-            <a:fld id="{5B99597B-07E3-4F78-AC35-69A9544D51AD}" type="slidenum">
-              <a:rPr lang="en-US" smtClean="0"/>
-              <a:pPr/>
-              <a:t>12</a:t>
-            </a:fld>
-            <a:r>
-              <a:rPr lang="en-US" smtClean="0"/>
-              <a:t>/17</a:t>
-            </a:r>
-            <a:endParaRPr lang="en-US" dirty="0"/>
           </a:p>
         </p:txBody>
       </p:sp>
@@ -10750,7 +10700,7 @@
           <a:lstStyle/>
           <a:p>
             <a:r>
-              <a:rPr lang="de-DE" dirty="0" smtClean="0"/>
+              <a:rPr lang="de-DE" smtClean="0"/>
               <a:t>Unsere Änderungen</a:t>
             </a:r>
             <a:endParaRPr lang="de-DE" dirty="0"/>
@@ -10767,63 +10717,32 @@
             <p:ph idx="1"/>
           </p:nvPr>
         </p:nvSpPr>
-        <p:spPr>
-          <a:xfrm>
-            <a:off x="794538" y="2096188"/>
-            <a:ext cx="8479464" cy="3640668"/>
-          </a:xfrm>
-        </p:spPr>
-        <p:txBody>
-          <a:bodyPr>
-            <a:normAutofit lnSpcReduction="10000"/>
-          </a:bodyPr>
+        <p:spPr/>
+        <p:txBody>
+          <a:bodyPr/>
           <a:lstStyle/>
           <a:p>
             <a:r>
-              <a:rPr lang="de-DE" dirty="0" smtClean="0"/>
-              <a:t>Wang-Müller wird mehrmals ausgeführt mit immer kleinere Grenzwerte für die Größe bis </a:t>
-            </a:r>
-            <a:r>
-              <a:rPr lang="de-DE" i="1" dirty="0" err="1" smtClean="0"/>
-              <a:t>MaxEdgesToKeep</a:t>
-            </a:r>
-            <a:r>
-              <a:rPr lang="de-DE" dirty="0" smtClean="0"/>
-              <a:t> </a:t>
-            </a:r>
-            <a:r>
-              <a:rPr lang="de-DE" dirty="0" err="1" smtClean="0"/>
-              <a:t>erreiched</a:t>
-            </a:r>
-            <a:r>
-              <a:rPr lang="de-DE" dirty="0" smtClean="0"/>
-              <a:t> wird</a:t>
-            </a:r>
-          </a:p>
-          <a:p>
-            <a:r>
-              <a:rPr lang="de-DE" dirty="0" smtClean="0"/>
+              <a:rPr lang="de-DE" smtClean="0"/>
+              <a:t>Wang-Müller wird mehrmals ausgeführt mit immer kleinere Grenzwerte für die Größe bis MaxEdgesToKeep erreiched wird</a:t>
+            </a:r>
+          </a:p>
+          <a:p>
+            <a:r>
+              <a:rPr lang="de-DE" smtClean="0"/>
               <a:t>Topologische Checks wurden eingebaut</a:t>
             </a:r>
           </a:p>
           <a:p>
             <a:r>
-              <a:rPr lang="de-DE" dirty="0" smtClean="0"/>
+              <a:rPr lang="de-DE" smtClean="0"/>
               <a:t>Dreiecke mit kleine Biegewinkel werden zusätzlich eliminiert um früher unauffällige Eckpunkte zu entfernen</a:t>
             </a:r>
           </a:p>
           <a:p>
             <a:r>
-              <a:rPr lang="de-DE" dirty="0" smtClean="0"/>
-              <a:t>Wenn Wang-Müller nichts mehr machen kann wird </a:t>
-            </a:r>
-            <a:r>
-              <a:rPr lang="de-DE" dirty="0" err="1" smtClean="0"/>
-              <a:t>Visvalingam-Whyatt</a:t>
-            </a:r>
-            <a:r>
-              <a:rPr lang="de-DE" dirty="0" smtClean="0"/>
-              <a:t> (VW) (Dreieckelimination) weiter ausgeführt um mehr Eckpunkte zu entfernen</a:t>
+              <a:rPr lang="de-DE" smtClean="0"/>
+              <a:t>Wenn Wang-Müller nichts mehr machen kann wird Visvalingam-Whyatt (VW) (Dreieckelimination) weiter ausgeführt um mehr Eckpunkte zu entfernen</a:t>
             </a:r>
             <a:endParaRPr lang="de-DE" dirty="0"/>
           </a:p>
@@ -11385,7 +11304,7 @@
           <a:lstStyle/>
           <a:p>
             <a:r>
-              <a:rPr lang="de-DE" dirty="0" smtClean="0"/>
+              <a:rPr lang="de-DE" smtClean="0"/>
               <a:t>Vielen Dank für eure Aufmerksamkeit</a:t>
             </a:r>
             <a:endParaRPr lang="de-DE" dirty="0"/>
@@ -11408,7 +11327,7 @@
           <a:lstStyle/>
           <a:p>
             <a:r>
-              <a:rPr lang="de-DE" dirty="0" smtClean="0"/>
+              <a:rPr lang="de-DE" smtClean="0"/>
               <a:t>Fragen beantworten wir gerne!</a:t>
             </a:r>
             <a:endParaRPr lang="de-DE" dirty="0"/>
@@ -11496,7 +11415,7 @@
           <a:lstStyle/>
           <a:p>
             <a:r>
-              <a:rPr lang="de-DE" noProof="0" dirty="0" smtClean="0"/>
+              <a:rPr lang="de-DE" noProof="0" smtClean="0"/>
               <a:t>Ziele von Wang-Müller</a:t>
             </a:r>
             <a:endParaRPr lang="de-DE" noProof="0" dirty="0"/>
@@ -11515,14 +11434,12 @@
         </p:nvSpPr>
         <p:spPr>
           <a:xfrm>
-            <a:off x="962247" y="2131630"/>
-            <a:ext cx="8259725" cy="3500968"/>
+            <a:off x="677334" y="2160589"/>
+            <a:ext cx="8596668" cy="4697411"/>
           </a:xfrm>
         </p:spPr>
         <p:txBody>
-          <a:bodyPr>
-            <a:noAutofit/>
-          </a:bodyPr>
+          <a:bodyPr/>
           <a:lstStyle/>
           <a:p>
             <a:r>
@@ -11534,60 +11451,28 @@
             <a:pPr lvl="1"/>
             <a:r>
               <a:rPr lang="de-DE" dirty="0" smtClean="0"/>
-              <a:t>Kleine </a:t>
-            </a:r>
-            <a:r>
-              <a:rPr lang="de-DE" dirty="0"/>
-              <a:t>Biegungen sollen eliminiert werden</a:t>
+              <a:t>Kleine Biegungen sollen eliminiert werden</a:t>
             </a:r>
           </a:p>
           <a:p>
             <a:pPr lvl="1"/>
             <a:r>
-              <a:rPr lang="de-DE" dirty="0"/>
-              <a:t>Benachbarte ähnliche Biegungen mit Größe unter </a:t>
-            </a:r>
-            <a:r>
               <a:rPr lang="de-DE" dirty="0" smtClean="0"/>
-              <a:t>einem </a:t>
-            </a:r>
-            <a:r>
-              <a:rPr lang="de-DE" dirty="0"/>
-              <a:t>gewissen Grenzwert sollen als eine kombiniert werden, und drei als zwei</a:t>
+              <a:t>Benachbarte ähnliche Biegungen mit Größe unter einem gewissen Grenzwert sollen als eine kombiniert werden, und drei als zwei</a:t>
             </a:r>
           </a:p>
           <a:p>
             <a:pPr lvl="1"/>
             <a:r>
-              <a:rPr lang="de-DE" dirty="0"/>
+              <a:rPr lang="de-DE" dirty="0" smtClean="0"/>
               <a:t>Linienzüge die nicht gerade sind sollen nicht durch gerade Linien ersetzt werden</a:t>
             </a:r>
           </a:p>
           <a:p>
             <a:pPr lvl="1"/>
             <a:r>
-              <a:rPr lang="de-DE" dirty="0"/>
-              <a:t>Isolierte Biegungen von der Größe </a:t>
-            </a:r>
-            <a:r>
               <a:rPr lang="de-DE" dirty="0" smtClean="0"/>
-              <a:t>des </a:t>
-            </a:r>
-            <a:r>
-              <a:rPr lang="de-DE" dirty="0"/>
-              <a:t>oben erwähnten </a:t>
-            </a:r>
-            <a:r>
-              <a:rPr lang="de-DE" dirty="0" smtClean="0"/>
-              <a:t>Grenzwertes </a:t>
-            </a:r>
-            <a:r>
-              <a:rPr lang="de-DE" dirty="0"/>
-              <a:t>sollen vergrößert </a:t>
-            </a:r>
-            <a:r>
-              <a:rPr lang="de-DE" dirty="0" smtClean="0"/>
-              <a:t>werden</a:t>
+              <a:t>Isolierte Biegungen von der Größe des oben erwähnten Grenzwertes sollen vergrößert werden</a:t>
             </a:r>
             <a:endParaRPr lang="de-DE" noProof="0" dirty="0" smtClean="0"/>
           </a:p>
@@ -11597,16 +11482,12 @@
               <a:t>Daher, arbeiten auf </a:t>
             </a:r>
             <a:r>
-              <a:rPr lang="de-DE" i="1" noProof="0" dirty="0" err="1" smtClean="0"/>
+              <a:rPr lang="de-DE" noProof="0" dirty="0" err="1" smtClean="0"/>
               <a:t>bends</a:t>
             </a:r>
             <a:r>
-              <a:rPr lang="de-DE" i="1" noProof="0" dirty="0" smtClean="0"/>
-              <a:t>, </a:t>
-            </a:r>
-            <a:r>
               <a:rPr lang="de-DE" noProof="0" dirty="0" smtClean="0"/>
-              <a:t>nicht Eckpunkten</a:t>
+              <a:t>, nicht Eckpunkten</a:t>
             </a:r>
           </a:p>
           <a:p>
@@ -11695,10 +11576,10 @@
           <a:lstStyle/>
           <a:p>
             <a:r>
-              <a:rPr lang="de-DE" i="1" noProof="0" dirty="0" err="1" smtClean="0"/>
+              <a:rPr lang="de-DE" noProof="0" smtClean="0"/>
               <a:t>Bends</a:t>
             </a:r>
-            <a:endParaRPr lang="de-DE" i="1" noProof="0" dirty="0"/>
+            <a:endParaRPr lang="de-DE" noProof="0" dirty="0"/>
           </a:p>
         </p:txBody>
       </p:sp>
@@ -11718,16 +11599,8 @@
           <a:lstStyle/>
           <a:p>
             <a:r>
-              <a:rPr lang="de-DE" noProof="0" dirty="0" smtClean="0"/>
-              <a:t>Eine </a:t>
-            </a:r>
-            <a:r>
-              <a:rPr lang="de-DE" i="1" noProof="0" dirty="0" err="1" smtClean="0"/>
-              <a:t>bend</a:t>
-            </a:r>
-            <a:r>
-              <a:rPr lang="de-DE" noProof="0" dirty="0" smtClean="0"/>
-              <a:t> ist ein Intervall auf dem Linienzug, das von zwei Wendepunkten begrenzt wird und keine weiteren Wendepunkte enthält</a:t>
+              <a:rPr lang="de-DE" noProof="0" smtClean="0"/>
+              <a:t>Eine bend ist ein Intervall auf dem Linienzug, das von zwei Wendepunkten begrenzt wird und keine weiteren Wendepunkte enthält</a:t>
             </a:r>
           </a:p>
           <a:p>
@@ -11816,7 +11689,7 @@
           <a:lstStyle/>
           <a:p>
             <a:r>
-              <a:rPr lang="de-DE" noProof="0" dirty="0" smtClean="0"/>
+              <a:rPr lang="de-DE" noProof="0" smtClean="0"/>
               <a:t>Fläche</a:t>
             </a:r>
             <a:endParaRPr lang="de-DE" noProof="0" dirty="0"/>
@@ -11835,77 +11708,24 @@
         </p:nvSpPr>
         <p:spPr/>
         <p:txBody>
-          <a:bodyPr>
-            <a:normAutofit/>
-          </a:bodyPr>
+          <a:bodyPr/>
           <a:lstStyle/>
           <a:p>
-            <a:pPr marL="342900" lvl="1" indent="-342900">
-              <a:spcBef>
-                <a:spcPts val="1000"/>
-              </a:spcBef>
-            </a:pPr>
-            <a:r>
-              <a:rPr lang="de-DE" sz="2400" dirty="0" smtClean="0">
-                <a:solidFill>
-                  <a:prstClr val="black">
-                    <a:lumMod val="85000"/>
-                    <a:lumOff val="15000"/>
-                  </a:prstClr>
-                </a:solidFill>
-              </a:rPr>
-              <a:t>Die </a:t>
-            </a:r>
-            <a:r>
-              <a:rPr lang="de-DE" sz="2400" dirty="0">
-                <a:solidFill>
-                  <a:prstClr val="black">
-                    <a:lumMod val="85000"/>
-                    <a:lumOff val="15000"/>
-                  </a:prstClr>
-                </a:solidFill>
-              </a:rPr>
-              <a:t>Fläche die von </a:t>
-            </a:r>
-            <a:r>
-              <a:rPr lang="de-DE" sz="2400" dirty="0" smtClean="0">
-                <a:solidFill>
-                  <a:prstClr val="black">
-                    <a:lumMod val="85000"/>
-                    <a:lumOff val="15000"/>
-                  </a:prstClr>
-                </a:solidFill>
-              </a:rPr>
-              <a:t>der </a:t>
-            </a:r>
-            <a:r>
-              <a:rPr lang="de-DE" sz="2400" dirty="0" err="1" smtClean="0">
-                <a:solidFill>
-                  <a:prstClr val="black">
-                    <a:lumMod val="85000"/>
-                    <a:lumOff val="15000"/>
-                  </a:prstClr>
-                </a:solidFill>
-              </a:rPr>
+            <a:r>
+              <a:rPr lang="de-DE" dirty="0" smtClean="0"/>
+              <a:t>Die Fläche die von der </a:t>
+            </a:r>
+            <a:r>
+              <a:rPr lang="de-DE" dirty="0" err="1" smtClean="0"/>
               <a:t>bend</a:t>
             </a:r>
             <a:r>
-              <a:rPr lang="de-DE" sz="2400" dirty="0" smtClean="0">
-                <a:solidFill>
-                  <a:prstClr val="black">
-                    <a:lumMod val="85000"/>
-                    <a:lumOff val="15000"/>
-                  </a:prstClr>
-                </a:solidFill>
-              </a:rPr>
+              <a:rPr lang="de-DE" dirty="0" smtClean="0"/>
               <a:t> umschlossen wird</a:t>
             </a:r>
-            <a:endParaRPr lang="de-DE" sz="2400" noProof="0" dirty="0" smtClean="0"/>
-          </a:p>
-          <a:p>
-            <a:pPr marL="0" indent="0">
-              <a:buNone/>
-            </a:pPr>
+            <a:endParaRPr lang="de-DE" noProof="0" dirty="0" smtClean="0"/>
+          </a:p>
+          <a:p>
             <a:endParaRPr lang="de-DE" noProof="0" dirty="0"/>
           </a:p>
         </p:txBody>
@@ -11991,7 +11811,7 @@
           <a:lstStyle/>
           <a:p>
             <a:r>
-              <a:rPr lang="de-DE" noProof="0" dirty="0" smtClean="0"/>
+              <a:rPr lang="de-DE" noProof="0" smtClean="0"/>
               <a:t>Kompaktheit</a:t>
             </a:r>
             <a:endParaRPr lang="de-DE" noProof="0" dirty="0"/>
@@ -12032,115 +11852,81 @@
                     <m:f>
                       <m:fPr>
                         <m:ctrlPr>
-                          <a:rPr lang="de-DE" i="1" smtClean="0">
-                            <a:latin typeface="Cambria Math" panose="02040503050406030204" pitchFamily="18" charset="0"/>
-                          </a:rPr>
+                          <a:rPr lang="de-DE" smtClean="0"/>
                         </m:ctrlPr>
                       </m:fPr>
                       <m:num>
                         <m:r>
-                          <a:rPr lang="de-DE" b="0" i="1" smtClean="0">
-                            <a:latin typeface="Cambria Math" panose="02040503050406030204" pitchFamily="18" charset="0"/>
-                          </a:rPr>
+                          <a:rPr lang="de-DE" smtClean="0"/>
                           <m:t>𝐹𝑙</m:t>
                         </m:r>
                         <m:r>
-                          <a:rPr lang="de-DE" b="0" i="1" smtClean="0">
-                            <a:latin typeface="Cambria Math" panose="02040503050406030204" pitchFamily="18" charset="0"/>
-                          </a:rPr>
+                          <a:rPr lang="de-DE" smtClean="0"/>
                           <m:t>ä</m:t>
                         </m:r>
                         <m:r>
-                          <a:rPr lang="de-DE" b="0" i="1" smtClean="0">
-                            <a:latin typeface="Cambria Math" panose="02040503050406030204" pitchFamily="18" charset="0"/>
-                          </a:rPr>
+                          <a:rPr lang="de-DE" smtClean="0"/>
                           <m:t>𝑐h𝑒</m:t>
                         </m:r>
                       </m:num>
                       <m:den>
                         <m:r>
-                          <a:rPr lang="de-DE" b="0" i="1" smtClean="0">
-                            <a:latin typeface="Cambria Math" panose="02040503050406030204" pitchFamily="18" charset="0"/>
-                          </a:rPr>
+                          <a:rPr lang="de-DE" smtClean="0"/>
                           <m:t>𝐹𝑙</m:t>
                         </m:r>
                         <m:r>
-                          <a:rPr lang="de-DE" b="0" i="1" smtClean="0">
-                            <a:latin typeface="Cambria Math" panose="02040503050406030204" pitchFamily="18" charset="0"/>
-                          </a:rPr>
+                          <a:rPr lang="de-DE" smtClean="0"/>
                           <m:t>ä</m:t>
                         </m:r>
                         <m:r>
-                          <a:rPr lang="de-DE" b="0" i="1" smtClean="0">
-                            <a:latin typeface="Cambria Math" panose="02040503050406030204" pitchFamily="18" charset="0"/>
-                          </a:rPr>
+                          <a:rPr lang="de-DE" smtClean="0"/>
                           <m:t>𝑐h𝑒</m:t>
                         </m:r>
                         <m:r>
-                          <a:rPr lang="de-DE" b="0" i="1" smtClean="0">
-                            <a:latin typeface="Cambria Math" panose="02040503050406030204" pitchFamily="18" charset="0"/>
-                          </a:rPr>
+                          <a:rPr lang="de-DE" smtClean="0"/>
                           <m:t> </m:t>
                         </m:r>
                         <m:r>
-                          <a:rPr lang="de-DE" b="0" i="1" smtClean="0">
-                            <a:latin typeface="Cambria Math" panose="02040503050406030204" pitchFamily="18" charset="0"/>
-                          </a:rPr>
+                          <a:rPr lang="de-DE" smtClean="0"/>
                           <m:t>𝑣𝑜𝑚</m:t>
                         </m:r>
                         <m:r>
-                          <a:rPr lang="de-DE" b="0" i="1" smtClean="0">
-                            <a:latin typeface="Cambria Math" panose="02040503050406030204" pitchFamily="18" charset="0"/>
-                          </a:rPr>
+                          <a:rPr lang="de-DE" smtClean="0"/>
                           <m:t> </m:t>
                         </m:r>
                         <m:r>
-                          <a:rPr lang="de-DE" b="0" i="1" smtClean="0">
-                            <a:latin typeface="Cambria Math" panose="02040503050406030204" pitchFamily="18" charset="0"/>
-                          </a:rPr>
+                          <a:rPr lang="de-DE" smtClean="0"/>
                           <m:t>𝐾𝑟𝑒𝑖𝑠</m:t>
                         </m:r>
                         <m:r>
-                          <a:rPr lang="de-DE" b="0" i="1" smtClean="0">
-                            <a:latin typeface="Cambria Math" panose="02040503050406030204" pitchFamily="18" charset="0"/>
-                          </a:rPr>
+                          <a:rPr lang="de-DE" smtClean="0"/>
                           <m:t> </m:t>
                         </m:r>
                         <m:r>
-                          <a:rPr lang="de-DE" b="0" i="1" smtClean="0">
-                            <a:latin typeface="Cambria Math" panose="02040503050406030204" pitchFamily="18" charset="0"/>
-                          </a:rPr>
+                          <a:rPr lang="de-DE" smtClean="0"/>
                           <m:t>𝑚𝑖𝑡</m:t>
                         </m:r>
                         <m:r>
-                          <a:rPr lang="de-DE" b="0" i="1" smtClean="0">
-                            <a:latin typeface="Cambria Math" panose="02040503050406030204" pitchFamily="18" charset="0"/>
-                          </a:rPr>
+                          <a:rPr lang="de-DE" smtClean="0"/>
                           <m:t> </m:t>
                         </m:r>
                         <m:r>
-                          <a:rPr lang="de-DE" b="0" i="1" smtClean="0">
-                            <a:latin typeface="Cambria Math" panose="02040503050406030204" pitchFamily="18" charset="0"/>
-                          </a:rPr>
+                          <a:rPr lang="de-DE" smtClean="0"/>
                           <m:t>𝑔𝑙𝑒𝑖𝑐h𝑒𝑚</m:t>
                         </m:r>
                         <m:r>
-                          <a:rPr lang="de-DE" b="0" i="1" smtClean="0">
-                            <a:latin typeface="Cambria Math" panose="02040503050406030204" pitchFamily="18" charset="0"/>
-                          </a:rPr>
+                          <a:rPr lang="de-DE" smtClean="0"/>
                           <m:t> </m:t>
                         </m:r>
                         <m:r>
-                          <a:rPr lang="de-DE" b="0" i="1" smtClean="0">
-                            <a:latin typeface="Cambria Math" panose="02040503050406030204" pitchFamily="18" charset="0"/>
-                          </a:rPr>
+                          <a:rPr lang="de-DE" smtClean="0"/>
                           <m:t>𝑈𝑚𝑓𝑎𝑛𝑔</m:t>
                         </m:r>
                       </m:den>
                     </m:f>
                   </m:oMath>
                 </a14:m>
-                <a:endParaRPr lang="de-DE" i="1" noProof="0" dirty="0"/>
+                <a:endParaRPr lang="de-DE" noProof="0" dirty="0"/>
               </a:p>
             </p:txBody>
           </p:sp>
@@ -12260,7 +12046,7 @@
           <a:lstStyle/>
           <a:p>
             <a:r>
-              <a:rPr lang="de-DE" noProof="0" dirty="0" smtClean="0"/>
+              <a:rPr lang="de-DE" noProof="0" smtClean="0"/>
               <a:t>Angepasste Größe</a:t>
             </a:r>
             <a:endParaRPr lang="de-DE" noProof="0" dirty="0"/>
@@ -12285,50 +12071,38 @@
               <a:lstStyle/>
               <a:p>
                 <a:r>
-                  <a:rPr lang="de-DE" b="0" noProof="0" dirty="0" smtClean="0"/>
+                  <a:rPr lang="de-DE" noProof="0" dirty="0" smtClean="0"/>
                   <a:t>Die angepasste Größe ist </a:t>
                 </a:r>
                 <a14:m>
                   <m:oMath xmlns:m="http://schemas.openxmlformats.org/officeDocument/2006/math">
                     <m:r>
-                      <a:rPr lang="de-DE" b="0" i="1" noProof="0" smtClean="0">
-                        <a:latin typeface="Cambria Math" panose="02040503050406030204" pitchFamily="18" charset="0"/>
-                      </a:rPr>
+                      <a:rPr lang="de-DE" noProof="0" smtClean="0"/>
                       <m:t>0,75</m:t>
                     </m:r>
                     <m:f>
                       <m:fPr>
                         <m:ctrlPr>
-                          <a:rPr lang="de-DE" b="0" i="1" noProof="0" smtClean="0">
-                            <a:latin typeface="Cambria Math" panose="02040503050406030204" pitchFamily="18" charset="0"/>
-                          </a:rPr>
+                          <a:rPr lang="de-DE" noProof="0" smtClean="0"/>
                         </m:ctrlPr>
                       </m:fPr>
                       <m:num>
                         <m:r>
-                          <a:rPr lang="de-DE" b="0" i="1" noProof="0" smtClean="0">
-                            <a:latin typeface="Cambria Math" panose="02040503050406030204" pitchFamily="18" charset="0"/>
-                          </a:rPr>
+                          <a:rPr lang="de-DE" noProof="0" smtClean="0"/>
                           <m:t>𝐹𝑙</m:t>
                         </m:r>
                         <m:r>
-                          <a:rPr lang="de-DE" b="0" i="1" noProof="0" smtClean="0">
-                            <a:latin typeface="Cambria Math" panose="02040503050406030204" pitchFamily="18" charset="0"/>
-                          </a:rPr>
+                          <a:rPr lang="de-DE" noProof="0" smtClean="0"/>
                           <m:t>ä</m:t>
                         </m:r>
                         <m:r>
-                          <a:rPr lang="de-DE" b="0" i="1" noProof="0" smtClean="0">
-                            <a:latin typeface="Cambria Math" panose="02040503050406030204" pitchFamily="18" charset="0"/>
-                          </a:rPr>
+                          <a:rPr lang="de-DE" noProof="0" smtClean="0"/>
                           <m:t>𝑐h𝑒</m:t>
                         </m:r>
                       </m:num>
                       <m:den>
                         <m:r>
-                          <a:rPr lang="de-DE" b="0" i="1" noProof="0" smtClean="0">
-                            <a:latin typeface="Cambria Math" panose="02040503050406030204" pitchFamily="18" charset="0"/>
-                          </a:rPr>
+                          <a:rPr lang="de-DE" noProof="0" smtClean="0"/>
                           <m:t>𝐾𝑜𝑚𝑝𝑎𝑘𝑡h𝑒𝑖𝑡</m:t>
                         </m:r>
                       </m:den>
@@ -12343,7 +12117,7 @@
                   <a:t>Die Fläche wird durch Kompaktheit geteilt um fast-gerade </a:t>
                 </a:r>
                 <a:r>
-                  <a:rPr lang="de-DE" i="1" noProof="0" dirty="0" err="1" smtClean="0"/>
+                  <a:rPr lang="de-DE" noProof="0" dirty="0" err="1" smtClean="0"/>
                   <a:t>bends</a:t>
                 </a:r>
                 <a:r>
@@ -12488,7 +12262,7 @@
           <a:lstStyle/>
           <a:p>
             <a:r>
-              <a:rPr lang="de-DE" dirty="0" smtClean="0"/>
+              <a:rPr lang="de-DE" smtClean="0"/>
               <a:t>Ähnlichkeit</a:t>
             </a:r>
             <a:endParaRPr lang="de-DE" noProof="0" dirty="0"/>
@@ -12517,11 +12291,11 @@
                   <a:t>Die Ähnlichkeit von zwei </a:t>
                 </a:r>
                 <a:r>
-                  <a:rPr lang="de-DE" i="1" dirty="0" err="1" smtClean="0"/>
+                  <a:rPr lang="de-DE" dirty="0" err="1" smtClean="0"/>
                   <a:t>bends</a:t>
                 </a:r>
                 <a:r>
-                  <a:rPr lang="de-DE" i="1" dirty="0"/>
+                  <a:rPr lang="de-DE" dirty="0"/>
                   <a:t> </a:t>
                 </a:r>
                 <a:r>
@@ -12541,9 +12315,7 @@
                     <m:d>
                       <m:dPr>
                         <m:ctrlPr>
-                          <a:rPr lang="de-DE" b="0" i="1" smtClean="0">
-                            <a:latin typeface="Cambria Math" panose="02040503050406030204" pitchFamily="18" charset="0"/>
-                          </a:rPr>
+                          <a:rPr lang="de-DE" smtClean="0"/>
                         </m:ctrlPr>
                       </m:dPr>
                       <m:e>
@@ -12551,71 +12323,51 @@
                           <m:fPr>
                             <m:type m:val="noBar"/>
                             <m:ctrlPr>
-                              <a:rPr lang="de-DE" b="0" i="1" smtClean="0">
-                                <a:latin typeface="Cambria Math" panose="02040503050406030204" pitchFamily="18" charset="0"/>
-                              </a:rPr>
+                              <a:rPr lang="de-DE" smtClean="0"/>
                             </m:ctrlPr>
                           </m:fPr>
                           <m:num>
                             <m:sSub>
                               <m:sSubPr>
                                 <m:ctrlPr>
-                                  <a:rPr lang="de-DE" b="0" i="1" smtClean="0">
-                                    <a:latin typeface="Cambria Math" panose="02040503050406030204" pitchFamily="18" charset="0"/>
-                                  </a:rPr>
+                                  <a:rPr lang="de-DE" smtClean="0"/>
                                 </m:ctrlPr>
                               </m:sSubPr>
                               <m:e>
                                 <m:r>
-                                  <a:rPr lang="de-DE" b="0" i="1" smtClean="0">
-                                    <a:latin typeface="Cambria Math" panose="02040503050406030204" pitchFamily="18" charset="0"/>
-                                  </a:rPr>
+                                  <a:rPr lang="de-DE" smtClean="0"/>
                                   <m:t>𝑛</m:t>
                                 </m:r>
                               </m:e>
                               <m:sub>
                                 <m:r>
-                                  <a:rPr lang="de-DE" b="0" i="1" smtClean="0">
-                                    <a:latin typeface="Cambria Math" panose="02040503050406030204" pitchFamily="18" charset="0"/>
-                                  </a:rPr>
+                                  <a:rPr lang="de-DE" smtClean="0"/>
                                   <m:t>1</m:t>
                                 </m:r>
                               </m:sub>
                             </m:sSub>
                             <m:r>
-                              <a:rPr lang="de-DE" b="0" i="1" smtClean="0">
-                                <a:latin typeface="Cambria Math" panose="02040503050406030204" pitchFamily="18" charset="0"/>
-                              </a:rPr>
+                              <a:rPr lang="de-DE" smtClean="0"/>
                               <m:t>∗</m:t>
                             </m:r>
                             <m:r>
-                              <a:rPr lang="de-DE" b="0" i="1" smtClean="0">
-                                <a:latin typeface="Cambria Math" panose="02040503050406030204" pitchFamily="18" charset="0"/>
-                              </a:rPr>
+                              <a:rPr lang="de-DE" smtClean="0"/>
                               <m:t>𝑎𝑛𝑔𝑒𝑝𝑎𝑠𝑠𝑡𝑒</m:t>
                             </m:r>
                             <m:r>
-                              <a:rPr lang="de-DE" b="0" i="1" smtClean="0">
-                                <a:latin typeface="Cambria Math" panose="02040503050406030204" pitchFamily="18" charset="0"/>
-                              </a:rPr>
+                              <a:rPr lang="de-DE" smtClean="0"/>
                               <m:t> </m:t>
                             </m:r>
                             <m:r>
-                              <a:rPr lang="de-DE" b="0" i="1" smtClean="0">
-                                <a:latin typeface="Cambria Math" panose="02040503050406030204" pitchFamily="18" charset="0"/>
-                              </a:rPr>
+                              <a:rPr lang="de-DE" smtClean="0"/>
                               <m:t>𝐺𝑟</m:t>
                             </m:r>
                             <m:r>
-                              <a:rPr lang="de-DE" b="0" i="1" smtClean="0">
-                                <a:latin typeface="Cambria Math" panose="02040503050406030204" pitchFamily="18" charset="0"/>
-                              </a:rPr>
+                              <a:rPr lang="de-DE" smtClean="0"/>
                               <m:t>öß</m:t>
                             </m:r>
                             <m:r>
-                              <a:rPr lang="de-DE" b="0" i="1" smtClean="0">
-                                <a:latin typeface="Cambria Math" panose="02040503050406030204" pitchFamily="18" charset="0"/>
-                              </a:rPr>
+                              <a:rPr lang="de-DE" smtClean="0"/>
                               <m:t>𝑒</m:t>
                             </m:r>
                           </m:num>
@@ -12623,47 +12375,35 @@
                             <m:eqArr>
                               <m:eqArrPr>
                                 <m:ctrlPr>
-                                  <a:rPr lang="de-DE" b="0" i="1" smtClean="0">
-                                    <a:latin typeface="Cambria Math" panose="02040503050406030204" pitchFamily="18" charset="0"/>
-                                  </a:rPr>
+                                  <a:rPr lang="de-DE" smtClean="0"/>
                                 </m:ctrlPr>
                               </m:eqArrPr>
                               <m:e>
                                 <m:sSub>
                                   <m:sSubPr>
                                     <m:ctrlPr>
-                                      <a:rPr lang="de-DE" b="0" i="1" smtClean="0">
-                                        <a:latin typeface="Cambria Math" panose="02040503050406030204" pitchFamily="18" charset="0"/>
-                                      </a:rPr>
+                                      <a:rPr lang="de-DE" smtClean="0"/>
                                     </m:ctrlPr>
                                   </m:sSubPr>
                                   <m:e>
                                     <m:r>
-                                      <a:rPr lang="de-DE" b="0" i="1" smtClean="0">
-                                        <a:latin typeface="Cambria Math" panose="02040503050406030204" pitchFamily="18" charset="0"/>
-                                      </a:rPr>
+                                      <a:rPr lang="de-DE" smtClean="0"/>
                                       <m:t>𝑛</m:t>
                                     </m:r>
                                   </m:e>
                                   <m:sub>
                                     <m:r>
-                                      <a:rPr lang="de-DE" b="0" i="1" smtClean="0">
-                                        <a:latin typeface="Cambria Math" panose="02040503050406030204" pitchFamily="18" charset="0"/>
-                                      </a:rPr>
+                                      <a:rPr lang="de-DE" smtClean="0"/>
                                       <m:t>2</m:t>
                                     </m:r>
                                   </m:sub>
                                 </m:sSub>
                                 <m:r>
-                                  <a:rPr lang="de-DE" b="0" i="1" smtClean="0">
-                                    <a:latin typeface="Cambria Math" panose="02040503050406030204" pitchFamily="18" charset="0"/>
-                                  </a:rPr>
+                                  <a:rPr lang="de-DE" smtClean="0"/>
                                   <m:t>∗</m:t>
                                 </m:r>
                                 <m:r>
-                                  <a:rPr lang="de-DE" b="0" i="1" smtClean="0">
-                                    <a:latin typeface="Cambria Math" panose="02040503050406030204" pitchFamily="18" charset="0"/>
-                                  </a:rPr>
+                                  <a:rPr lang="de-DE" smtClean="0"/>
                                   <m:t>𝐾𝑜𝑚𝑝𝑎𝑘𝑡h𝑒𝑖𝑡</m:t>
                                 </m:r>
                               </m:e>
@@ -12671,50 +12411,36 @@
                                 <m:sSub>
                                   <m:sSubPr>
                                     <m:ctrlPr>
-                                      <a:rPr lang="de-DE" b="0" i="1" smtClean="0">
-                                        <a:latin typeface="Cambria Math" panose="02040503050406030204" pitchFamily="18" charset="0"/>
-                                      </a:rPr>
+                                      <a:rPr lang="de-DE" smtClean="0"/>
                                     </m:ctrlPr>
                                   </m:sSubPr>
                                   <m:e>
                                     <m:r>
-                                      <a:rPr lang="de-DE" b="0" i="1" smtClean="0">
-                                        <a:latin typeface="Cambria Math" panose="02040503050406030204" pitchFamily="18" charset="0"/>
-                                      </a:rPr>
+                                      <a:rPr lang="de-DE" smtClean="0"/>
                                       <m:t>𝑛</m:t>
                                     </m:r>
                                   </m:e>
                                   <m:sub>
                                     <m:r>
-                                      <a:rPr lang="de-DE" b="0" i="1" smtClean="0">
-                                        <a:latin typeface="Cambria Math" panose="02040503050406030204" pitchFamily="18" charset="0"/>
-                                      </a:rPr>
+                                      <a:rPr lang="de-DE" smtClean="0"/>
                                       <m:t>3</m:t>
                                     </m:r>
                                   </m:sub>
                                 </m:sSub>
                                 <m:r>
-                                  <a:rPr lang="de-DE" b="0" i="1" smtClean="0">
-                                    <a:latin typeface="Cambria Math" panose="02040503050406030204" pitchFamily="18" charset="0"/>
-                                  </a:rPr>
+                                  <a:rPr lang="de-DE" smtClean="0"/>
                                   <m:t>∗</m:t>
                                 </m:r>
                                 <m:r>
-                                  <a:rPr lang="de-DE" b="0" i="1" smtClean="0">
-                                    <a:latin typeface="Cambria Math" panose="02040503050406030204" pitchFamily="18" charset="0"/>
-                                  </a:rPr>
+                                  <a:rPr lang="de-DE" smtClean="0"/>
                                   <m:t>𝐵𝑎𝑠𝑖𝑠𝑙𝑖𝑛𝑖𝑒𝑛𝑙</m:t>
                                 </m:r>
                                 <m:r>
-                                  <a:rPr lang="de-DE" b="0" i="1" smtClean="0">
-                                    <a:latin typeface="Cambria Math" panose="02040503050406030204" pitchFamily="18" charset="0"/>
-                                  </a:rPr>
+                                  <a:rPr lang="de-DE" smtClean="0"/>
                                   <m:t>ä</m:t>
                                 </m:r>
                                 <m:r>
-                                  <a:rPr lang="de-DE" b="0" i="1" smtClean="0">
-                                    <a:latin typeface="Cambria Math" panose="02040503050406030204" pitchFamily="18" charset="0"/>
-                                  </a:rPr>
+                                  <a:rPr lang="de-DE" smtClean="0"/>
                                   <m:t>𝑛𝑔𝑒</m:t>
                                 </m:r>
                               </m:e>
@@ -12734,24 +12460,18 @@
                     <m:sSub>
                       <m:sSubPr>
                         <m:ctrlPr>
-                          <a:rPr lang="de-DE" b="0" i="1" smtClean="0">
-                            <a:latin typeface="Cambria Math" panose="02040503050406030204" pitchFamily="18" charset="0"/>
-                          </a:rPr>
+                          <a:rPr lang="de-DE" smtClean="0"/>
                         </m:ctrlPr>
                       </m:sSubPr>
                       <m:e>
                         <m:r>
-                          <a:rPr lang="de-DE" b="0" i="1" smtClean="0">
-                            <a:latin typeface="Cambria Math" panose="02040503050406030204" pitchFamily="18" charset="0"/>
-                          </a:rPr>
+                          <a:rPr lang="de-DE" smtClean="0"/>
                           <m:t>𝑛</m:t>
                         </m:r>
                       </m:e>
                       <m:sub>
                         <m:r>
-                          <a:rPr lang="de-DE" b="0" i="1" smtClean="0">
-                            <a:latin typeface="Cambria Math" panose="02040503050406030204" pitchFamily="18" charset="0"/>
-                          </a:rPr>
+                          <a:rPr lang="de-DE" smtClean="0"/>
                           <m:t>𝑖</m:t>
                         </m:r>
                       </m:sub>
@@ -12763,7 +12483,7 @@
                   <a:t> den Durchschnitt der Werte (Kompaktheit,…) der zwei jeweiligen </a:t>
                 </a:r>
                 <a:r>
-                  <a:rPr lang="de-DE" i="1" dirty="0" err="1" smtClean="0"/>
+                  <a:rPr lang="de-DE" dirty="0" err="1" smtClean="0"/>
                   <a:t>bends</a:t>
                 </a:r>
                 <a:r>
@@ -12889,10 +12609,38 @@
           <a:lstStyle/>
           <a:p>
             <a:r>
-              <a:rPr lang="de-DE" dirty="0" smtClean="0"/>
+              <a:rPr lang="de-DE" smtClean="0"/>
               <a:t>Vorgehensweise des Algorithmus</a:t>
             </a:r>
             <a:endParaRPr lang="de-DE" dirty="0"/>
+          </a:p>
+        </p:txBody>
+      </p:sp>
+      <p:sp>
+        <p:nvSpPr>
+          <p:cNvPr id="17" name="Foliennummernplatzhalter 16"/>
+          <p:cNvSpPr>
+            <a:spLocks noGrp="1"/>
+          </p:cNvSpPr>
+          <p:nvPr>
+            <p:ph type="sldNum" sz="quarter" idx="12"/>
+          </p:nvPr>
+        </p:nvSpPr>
+        <p:spPr/>
+        <p:txBody>
+          <a:bodyPr/>
+          <a:lstStyle/>
+          <a:p>
+            <a:fld id="{5B99597B-07E3-4F78-AC35-69A9544D51AD}" type="slidenum">
+              <a:rPr lang="en-US" smtClean="0"/>
+              <a:pPr/>
+              <a:t>8</a:t>
+            </a:fld>
+            <a:r>
+              <a:rPr lang="en-US" smtClean="0"/>
+              <a:t>/17</a:t>
+            </a:r>
+            <a:endParaRPr lang="en-US" dirty="0"/>
           </a:p>
         </p:txBody>
       </p:sp>
@@ -13354,34 +13102,6 @@
               <a:t>ja</a:t>
             </a:r>
             <a:endParaRPr lang="de-DE" sz="1400" dirty="0"/>
-          </a:p>
-        </p:txBody>
-      </p:sp>
-      <p:sp>
-        <p:nvSpPr>
-          <p:cNvPr id="17" name="Foliennummernplatzhalter 16"/>
-          <p:cNvSpPr>
-            <a:spLocks noGrp="1"/>
-          </p:cNvSpPr>
-          <p:nvPr>
-            <p:ph type="sldNum" sz="quarter" idx="12"/>
-          </p:nvPr>
-        </p:nvSpPr>
-        <p:spPr/>
-        <p:txBody>
-          <a:bodyPr/>
-          <a:lstStyle/>
-          <a:p>
-            <a:fld id="{5B99597B-07E3-4F78-AC35-69A9544D51AD}" type="slidenum">
-              <a:rPr lang="en-US" smtClean="0"/>
-              <a:pPr/>
-              <a:t>8</a:t>
-            </a:fld>
-            <a:r>
-              <a:rPr lang="en-US" smtClean="0"/>
-              <a:t>/17</a:t>
-            </a:r>
-            <a:endParaRPr lang="en-US" dirty="0"/>
           </a:p>
         </p:txBody>
       </p:sp>
@@ -13438,10 +13158,38 @@
           <a:lstStyle/>
           <a:p>
             <a:r>
-              <a:rPr lang="de-DE" dirty="0" smtClean="0"/>
+              <a:rPr lang="de-DE" smtClean="0"/>
               <a:t>Vorgehensweise des Algorithmus</a:t>
             </a:r>
             <a:endParaRPr lang="de-DE" dirty="0"/>
+          </a:p>
+        </p:txBody>
+      </p:sp>
+      <p:sp>
+        <p:nvSpPr>
+          <p:cNvPr id="31" name="Foliennummernplatzhalter 30"/>
+          <p:cNvSpPr>
+            <a:spLocks noGrp="1"/>
+          </p:cNvSpPr>
+          <p:nvPr>
+            <p:ph type="sldNum" sz="quarter" idx="12"/>
+          </p:nvPr>
+        </p:nvSpPr>
+        <p:spPr/>
+        <p:txBody>
+          <a:bodyPr/>
+          <a:lstStyle/>
+          <a:p>
+            <a:fld id="{5B99597B-07E3-4F78-AC35-69A9544D51AD}" type="slidenum">
+              <a:rPr lang="en-US" smtClean="0"/>
+              <a:pPr/>
+              <a:t>9</a:t>
+            </a:fld>
+            <a:r>
+              <a:rPr lang="en-US" smtClean="0"/>
+              <a:t>/17</a:t>
+            </a:r>
+            <a:endParaRPr lang="en-US" dirty="0"/>
           </a:p>
         </p:txBody>
       </p:sp>
@@ -14391,34 +14139,6 @@
           </a:p>
         </p:txBody>
       </p:sp>
-      <p:sp>
-        <p:nvSpPr>
-          <p:cNvPr id="31" name="Foliennummernplatzhalter 30"/>
-          <p:cNvSpPr>
-            <a:spLocks noGrp="1"/>
-          </p:cNvSpPr>
-          <p:nvPr>
-            <p:ph type="sldNum" sz="quarter" idx="12"/>
-          </p:nvPr>
-        </p:nvSpPr>
-        <p:spPr/>
-        <p:txBody>
-          <a:bodyPr/>
-          <a:lstStyle/>
-          <a:p>
-            <a:fld id="{5B99597B-07E3-4F78-AC35-69A9544D51AD}" type="slidenum">
-              <a:rPr lang="en-US" smtClean="0"/>
-              <a:pPr/>
-              <a:t>9</a:t>
-            </a:fld>
-            <a:r>
-              <a:rPr lang="en-US" smtClean="0"/>
-              <a:t>/17</a:t>
-            </a:r>
-            <a:endParaRPr lang="en-US" dirty="0"/>
-          </a:p>
-        </p:txBody>
-      </p:sp>
     </p:spTree>
     <p:extLst>
       <p:ext uri="{BB962C8B-B14F-4D97-AF65-F5344CB8AC3E}">

--- a/Wang-Müller.pptx
+++ b/Wang-Müller.pptx
@@ -213,7 +213,7 @@
           <a:p>
             <a:fld id="{6A449840-315F-4FD4-A955-B6C99BE65166}" type="datetimeFigureOut">
               <a:rPr lang="de-DE" smtClean="0"/>
-              <a:t>03.07.2015</a:t>
+              <a:t>08.07.2015</a:t>
             </a:fld>
             <a:endParaRPr lang="de-DE"/>
           </a:p>
@@ -372,7 +372,7 @@
           <a:p>
             <a:fld id="{94626CDE-96AB-47F3-83F8-702B4FAB0956}" type="slidenum">
               <a:rPr lang="de-DE" smtClean="0"/>
-              <a:t>‹#›</a:t>
+              <a:t>‹Nr.›</a:t>
             </a:fld>
             <a:endParaRPr lang="de-DE"/>
           </a:p>
@@ -1789,7 +1789,7 @@
           <a:p>
             <a:fld id="{2CE4E6E9-A8D3-4EFD-B6E5-8FAD5746A6FF}" type="datetime1">
               <a:rPr lang="en-US" smtClean="0"/>
-              <a:t>3/7/2015</a:t>
+              <a:t>7/8/2015</a:t>
             </a:fld>
             <a:endParaRPr lang="en-US"/>
           </a:p>
@@ -2024,7 +2024,7 @@
           <a:p>
             <a:fld id="{3A74BF67-7FCA-47E9-A5B6-F501EFF78D2D}" type="datetime1">
               <a:rPr lang="en-US" smtClean="0"/>
-              <a:t>3/7/2015</a:t>
+              <a:t>7/8/2015</a:t>
             </a:fld>
             <a:endParaRPr lang="en-US"/>
           </a:p>
@@ -2066,7 +2066,7 @@
           <a:p>
             <a:fld id="{5B99597B-07E3-4F78-AC35-69A9544D51AD}" type="slidenum">
               <a:rPr lang="en-US" smtClean="0"/>
-              <a:t>‹#›</a:t>
+              <a:t>‹Nr.›</a:t>
             </a:fld>
             <a:endParaRPr lang="en-US"/>
           </a:p>
@@ -2338,7 +2338,7 @@
           <a:p>
             <a:fld id="{78E946C9-0300-47E7-B4AB-F2B5ED6A6A10}" type="datetime1">
               <a:rPr lang="en-US" smtClean="0"/>
-              <a:t>3/7/2015</a:t>
+              <a:t>7/8/2015</a:t>
             </a:fld>
             <a:endParaRPr lang="en-US"/>
           </a:p>
@@ -2380,7 +2380,7 @@
           <a:p>
             <a:fld id="{5B99597B-07E3-4F78-AC35-69A9544D51AD}" type="slidenum">
               <a:rPr lang="en-US" smtClean="0"/>
-              <a:t>‹#›</a:t>
+              <a:t>‹Nr.›</a:t>
             </a:fld>
             <a:endParaRPr lang="en-US"/>
           </a:p>
@@ -2679,7 +2679,7 @@
           <a:p>
             <a:fld id="{36174F5A-B9AE-442B-8E0C-362A74397D13}" type="datetime1">
               <a:rPr lang="en-US" smtClean="0"/>
-              <a:t>3/7/2015</a:t>
+              <a:t>7/8/2015</a:t>
             </a:fld>
             <a:endParaRPr lang="en-US"/>
           </a:p>
@@ -2721,7 +2721,7 @@
           <a:p>
             <a:fld id="{5B99597B-07E3-4F78-AC35-69A9544D51AD}" type="slidenum">
               <a:rPr lang="en-US" smtClean="0"/>
-              <a:t>‹#›</a:t>
+              <a:t>‹Nr.›</a:t>
             </a:fld>
             <a:endParaRPr lang="en-US"/>
           </a:p>
@@ -2993,7 +2993,7 @@
           <a:p>
             <a:fld id="{C4E46709-CBC1-4562-A2E6-AEF7E87EC09A}" type="datetime1">
               <a:rPr lang="en-US" smtClean="0"/>
-              <a:t>3/7/2015</a:t>
+              <a:t>7/8/2015</a:t>
             </a:fld>
             <a:endParaRPr lang="en-US"/>
           </a:p>
@@ -3035,7 +3035,7 @@
           <a:p>
             <a:fld id="{5B99597B-07E3-4F78-AC35-69A9544D51AD}" type="slidenum">
               <a:rPr lang="en-US" smtClean="0"/>
-              <a:t>‹#›</a:t>
+              <a:t>‹Nr.›</a:t>
             </a:fld>
             <a:endParaRPr lang="en-US"/>
           </a:p>
@@ -3386,7 +3386,7 @@
           <a:p>
             <a:fld id="{8F0F8E5B-BA6E-4CC4-A63F-C3AF07145EEC}" type="datetime1">
               <a:rPr lang="en-US" smtClean="0"/>
-              <a:t>3/7/2015</a:t>
+              <a:t>7/8/2015</a:t>
             </a:fld>
             <a:endParaRPr lang="en-US"/>
           </a:p>
@@ -3428,7 +3428,7 @@
           <a:p>
             <a:fld id="{5B99597B-07E3-4F78-AC35-69A9544D51AD}" type="slidenum">
               <a:rPr lang="en-US" smtClean="0"/>
-              <a:t>‹#›</a:t>
+              <a:t>‹Nr.›</a:t>
             </a:fld>
             <a:endParaRPr lang="en-US"/>
           </a:p>
@@ -3556,7 +3556,7 @@
           <a:p>
             <a:fld id="{72687BDB-B586-4D7C-B658-35F9D1B217F1}" type="datetime1">
               <a:rPr lang="en-US" smtClean="0"/>
-              <a:t>3/7/2015</a:t>
+              <a:t>7/8/2015</a:t>
             </a:fld>
             <a:endParaRPr lang="en-US"/>
           </a:p>
@@ -3598,7 +3598,7 @@
           <a:p>
             <a:fld id="{5B99597B-07E3-4F78-AC35-69A9544D51AD}" type="slidenum">
               <a:rPr lang="en-US" smtClean="0"/>
-              <a:t>‹#›</a:t>
+              <a:t>‹Nr.›</a:t>
             </a:fld>
             <a:endParaRPr lang="en-US"/>
           </a:p>
@@ -3736,7 +3736,7 @@
           <a:p>
             <a:fld id="{D359E52B-A2A0-4A6B-ADF1-8830B4851C09}" type="datetime1">
               <a:rPr lang="en-US" smtClean="0"/>
-              <a:t>3/7/2015</a:t>
+              <a:t>7/8/2015</a:t>
             </a:fld>
             <a:endParaRPr lang="en-US"/>
           </a:p>
@@ -3778,7 +3778,7 @@
           <a:p>
             <a:fld id="{5B99597B-07E3-4F78-AC35-69A9544D51AD}" type="slidenum">
               <a:rPr lang="en-US" smtClean="0"/>
-              <a:t>‹#›</a:t>
+              <a:t>‹Nr.›</a:t>
             </a:fld>
             <a:endParaRPr lang="en-US"/>
           </a:p>
@@ -3919,7 +3919,7 @@
           <a:p>
             <a:fld id="{A896EC0E-555A-40A9-B69D-D5228A02F840}" type="datetime1">
               <a:rPr lang="en-US" smtClean="0"/>
-              <a:t>3/7/2015</a:t>
+              <a:t>7/8/2015</a:t>
             </a:fld>
             <a:endParaRPr lang="en-US"/>
           </a:p>
@@ -3962,7 +3962,7 @@
             <a:fld id="{5B99597B-07E3-4F78-AC35-69A9544D51AD}" type="slidenum">
               <a:rPr lang="en-US" smtClean="0"/>
               <a:pPr/>
-              <a:t>‹#›</a:t>
+              <a:t>‹Nr.›</a:t>
             </a:fld>
             <a:r>
               <a:rPr lang="en-US" dirty="0" smtClean="0"/>
@@ -4178,7 +4178,7 @@
           <a:p>
             <a:fld id="{1770B8A0-D34B-4FA5-B93E-24DA761A968A}" type="datetime1">
               <a:rPr lang="en-US" smtClean="0"/>
-              <a:t>3/7/2015</a:t>
+              <a:t>7/8/2015</a:t>
             </a:fld>
             <a:endParaRPr lang="en-US"/>
           </a:p>
@@ -4220,7 +4220,7 @@
           <a:p>
             <a:fld id="{5B99597B-07E3-4F78-AC35-69A9544D51AD}" type="slidenum">
               <a:rPr lang="en-US" smtClean="0"/>
-              <a:t>‹#›</a:t>
+              <a:t>‹Nr.›</a:t>
             </a:fld>
             <a:endParaRPr lang="en-US"/>
           </a:p>
@@ -4417,7 +4417,7 @@
           <a:p>
             <a:fld id="{1EED6501-03F8-410C-AF14-B1A376829DEC}" type="datetime1">
               <a:rPr lang="en-US" smtClean="0"/>
-              <a:t>3/7/2015</a:t>
+              <a:t>7/8/2015</a:t>
             </a:fld>
             <a:endParaRPr lang="en-US"/>
           </a:p>
@@ -4459,7 +4459,7 @@
           <a:p>
             <a:fld id="{5B99597B-07E3-4F78-AC35-69A9544D51AD}" type="slidenum">
               <a:rPr lang="en-US" smtClean="0"/>
-              <a:t>‹#›</a:t>
+              <a:t>‹Nr.›</a:t>
             </a:fld>
             <a:endParaRPr lang="en-US"/>
           </a:p>
@@ -4791,7 +4791,7 @@
           <a:p>
             <a:fld id="{717F26B0-4A12-4513-A216-AD2841158341}" type="datetime1">
               <a:rPr lang="en-US" smtClean="0"/>
-              <a:t>3/7/2015</a:t>
+              <a:t>7/8/2015</a:t>
             </a:fld>
             <a:endParaRPr lang="en-US"/>
           </a:p>
@@ -4833,7 +4833,7 @@
           <a:p>
             <a:fld id="{5B99597B-07E3-4F78-AC35-69A9544D51AD}" type="slidenum">
               <a:rPr lang="en-US" smtClean="0"/>
-              <a:t>‹#›</a:t>
+              <a:t>‹Nr.›</a:t>
             </a:fld>
             <a:endParaRPr lang="en-US"/>
           </a:p>
@@ -4914,7 +4914,7 @@
           <a:p>
             <a:fld id="{55EA2914-6F61-4473-BDB1-38AB32F358A3}" type="datetime1">
               <a:rPr lang="en-US" smtClean="0"/>
-              <a:t>3/7/2015</a:t>
+              <a:t>7/8/2015</a:t>
             </a:fld>
             <a:endParaRPr lang="en-US"/>
           </a:p>
@@ -4956,7 +4956,7 @@
           <a:p>
             <a:fld id="{5B99597B-07E3-4F78-AC35-69A9544D51AD}" type="slidenum">
               <a:rPr lang="en-US" smtClean="0"/>
-              <a:t>‹#›</a:t>
+              <a:t>‹Nr.›</a:t>
             </a:fld>
             <a:endParaRPr lang="en-US"/>
           </a:p>
@@ -5009,7 +5009,7 @@
           <a:p>
             <a:fld id="{AB97AA6C-032C-4064-A787-9F610791F4AF}" type="datetime1">
               <a:rPr lang="en-US" smtClean="0"/>
-              <a:t>3/7/2015</a:t>
+              <a:t>7/8/2015</a:t>
             </a:fld>
             <a:endParaRPr lang="en-US"/>
           </a:p>
@@ -5051,7 +5051,7 @@
           <a:p>
             <a:fld id="{5B99597B-07E3-4F78-AC35-69A9544D51AD}" type="slidenum">
               <a:rPr lang="en-US" smtClean="0"/>
-              <a:t>‹#›</a:t>
+              <a:t>‹Nr.›</a:t>
             </a:fld>
             <a:endParaRPr lang="en-US"/>
           </a:p>
@@ -5264,7 +5264,7 @@
           <a:p>
             <a:fld id="{2F1E71C1-AFE5-4F5C-A429-92741E987410}" type="datetime1">
               <a:rPr lang="en-US" smtClean="0"/>
-              <a:t>3/7/2015</a:t>
+              <a:t>7/8/2015</a:t>
             </a:fld>
             <a:endParaRPr lang="en-US"/>
           </a:p>
@@ -5306,7 +5306,7 @@
           <a:p>
             <a:fld id="{5B99597B-07E3-4F78-AC35-69A9544D51AD}" type="slidenum">
               <a:rPr lang="en-US" smtClean="0"/>
-              <a:t>‹#›</a:t>
+              <a:t>‹Nr.›</a:t>
             </a:fld>
             <a:endParaRPr lang="en-US"/>
           </a:p>
@@ -5527,7 +5527,7 @@
           <a:p>
             <a:fld id="{EAD9C191-BEE7-4102-8593-B3B8770435DF}" type="datetime1">
               <a:rPr lang="en-US" smtClean="0"/>
-              <a:t>3/7/2015</a:t>
+              <a:t>7/8/2015</a:t>
             </a:fld>
             <a:endParaRPr lang="en-US"/>
           </a:p>
@@ -5569,7 +5569,7 @@
           <a:p>
             <a:fld id="{5B99597B-07E3-4F78-AC35-69A9544D51AD}" type="slidenum">
               <a:rPr lang="en-US" smtClean="0"/>
-              <a:t>‹#›</a:t>
+              <a:t>‹Nr.›</a:t>
             </a:fld>
             <a:endParaRPr lang="en-US"/>
           </a:p>
@@ -6270,7 +6270,7 @@
           <a:p>
             <a:fld id="{CDCE79DA-BB38-4EB2-97E1-81BA7E2A9CA8}" type="datetime1">
               <a:rPr lang="en-US" smtClean="0"/>
-              <a:t>3/7/2015</a:t>
+              <a:t>7/8/2015</a:t>
             </a:fld>
             <a:endParaRPr lang="en-US"/>
           </a:p>
@@ -6347,7 +6347,7 @@
             <a:fld id="{5B99597B-07E3-4F78-AC35-69A9544D51AD}" type="slidenum">
               <a:rPr lang="en-US" smtClean="0"/>
               <a:pPr/>
-              <a:t>‹#›</a:t>
+              <a:t>‹Nr.›</a:t>
             </a:fld>
             <a:r>
               <a:rPr lang="en-US" dirty="0" smtClean="0"/>
@@ -11599,8 +11599,16 @@
           <a:lstStyle/>
           <a:p>
             <a:r>
-              <a:rPr lang="de-DE" noProof="0" smtClean="0"/>
-              <a:t>Eine bend ist ein Intervall auf dem Linienzug, das von zwei Wendepunkten begrenzt wird und keine weiteren Wendepunkte enthält</a:t>
+              <a:rPr lang="de-DE" noProof="0" dirty="0" smtClean="0"/>
+              <a:t>Eine </a:t>
+            </a:r>
+            <a:r>
+              <a:rPr lang="de-DE" noProof="0" dirty="0" err="1" smtClean="0"/>
+              <a:t>bend</a:t>
+            </a:r>
+            <a:r>
+              <a:rPr lang="de-DE" noProof="0" dirty="0" smtClean="0"/>
+              <a:t> ist ein Intervall auf dem Linienzug, das von zwei Wendepunkten begrenzt wird und keine weiteren Wendepunkte enthält</a:t>
             </a:r>
           </a:p>
           <a:p>
@@ -11633,6 +11641,345 @@
               <a:t>/17</a:t>
             </a:r>
             <a:endParaRPr lang="en-US" dirty="0"/>
+          </a:p>
+        </p:txBody>
+      </p:sp>
+      <p:cxnSp>
+        <p:nvCxnSpPr>
+          <p:cNvPr id="5" name="Gerader Verbinder 4"/>
+          <p:cNvCxnSpPr/>
+          <p:nvPr/>
+        </p:nvCxnSpPr>
+        <p:spPr>
+          <a:xfrm flipV="1">
+            <a:off x="3924147" y="5311268"/>
+            <a:ext cx="797356" cy="870508"/>
+          </a:xfrm>
+          <a:prstGeom prst="line">
+            <a:avLst/>
+          </a:prstGeom>
+          <a:ln w="57150">
+            <a:headEnd type="none" w="med" len="med"/>
+            <a:tailEnd type="none" w="med" len="med"/>
+          </a:ln>
+        </p:spPr>
+        <p:style>
+          <a:lnRef idx="3">
+            <a:schemeClr val="accent1"/>
+          </a:lnRef>
+          <a:fillRef idx="0">
+            <a:schemeClr val="accent1"/>
+          </a:fillRef>
+          <a:effectRef idx="2">
+            <a:schemeClr val="accent1"/>
+          </a:effectRef>
+          <a:fontRef idx="minor">
+            <a:schemeClr val="tx1"/>
+          </a:fontRef>
+        </p:style>
+      </p:cxnSp>
+      <p:cxnSp>
+        <p:nvCxnSpPr>
+          <p:cNvPr id="6" name="Gerader Verbinder 5"/>
+          <p:cNvCxnSpPr/>
+          <p:nvPr/>
+        </p:nvCxnSpPr>
+        <p:spPr>
+          <a:xfrm flipV="1">
+            <a:off x="4709187" y="3720213"/>
+            <a:ext cx="216855" cy="1605685"/>
+          </a:xfrm>
+          <a:prstGeom prst="line">
+            <a:avLst/>
+          </a:prstGeom>
+          <a:ln w="57150">
+            <a:solidFill>
+              <a:srgbClr val="FFC000"/>
+            </a:solidFill>
+            <a:headEnd type="none" w="med" len="med"/>
+            <a:tailEnd type="none" w="med" len="med"/>
+          </a:ln>
+          <a:effectLst/>
+        </p:spPr>
+        <p:style>
+          <a:lnRef idx="3">
+            <a:schemeClr val="accent1"/>
+          </a:lnRef>
+          <a:fillRef idx="0">
+            <a:schemeClr val="accent1"/>
+          </a:fillRef>
+          <a:effectRef idx="2">
+            <a:schemeClr val="accent1"/>
+          </a:effectRef>
+          <a:fontRef idx="minor">
+            <a:schemeClr val="tx1"/>
+          </a:fontRef>
+        </p:style>
+      </p:cxnSp>
+      <p:cxnSp>
+        <p:nvCxnSpPr>
+          <p:cNvPr id="8" name="Gerader Verbinder 7"/>
+          <p:cNvCxnSpPr/>
+          <p:nvPr/>
+        </p:nvCxnSpPr>
+        <p:spPr>
+          <a:xfrm flipV="1">
+            <a:off x="4919014" y="3365424"/>
+            <a:ext cx="446227" cy="358445"/>
+          </a:xfrm>
+          <a:prstGeom prst="line">
+            <a:avLst/>
+          </a:prstGeom>
+          <a:ln w="57150">
+            <a:solidFill>
+              <a:srgbClr val="FFC000"/>
+            </a:solidFill>
+            <a:headEnd type="none" w="med" len="med"/>
+            <a:tailEnd type="none" w="med" len="med"/>
+          </a:ln>
+          <a:effectLst/>
+        </p:spPr>
+        <p:style>
+          <a:lnRef idx="3">
+            <a:schemeClr val="accent1"/>
+          </a:lnRef>
+          <a:fillRef idx="0">
+            <a:schemeClr val="accent1"/>
+          </a:fillRef>
+          <a:effectRef idx="2">
+            <a:schemeClr val="accent1"/>
+          </a:effectRef>
+          <a:fontRef idx="minor">
+            <a:schemeClr val="tx1"/>
+          </a:fontRef>
+        </p:style>
+      </p:cxnSp>
+      <p:cxnSp>
+        <p:nvCxnSpPr>
+          <p:cNvPr id="9" name="Gerader Verbinder 8"/>
+          <p:cNvCxnSpPr/>
+          <p:nvPr/>
+        </p:nvCxnSpPr>
+        <p:spPr>
+          <a:xfrm>
+            <a:off x="5335980" y="3372740"/>
+            <a:ext cx="526695" cy="387705"/>
+          </a:xfrm>
+          <a:prstGeom prst="line">
+            <a:avLst/>
+          </a:prstGeom>
+          <a:ln w="57150">
+            <a:solidFill>
+              <a:srgbClr val="FFC000"/>
+            </a:solidFill>
+            <a:headEnd type="none" w="med" len="med"/>
+            <a:tailEnd type="none" w="med" len="med"/>
+          </a:ln>
+          <a:effectLst/>
+        </p:spPr>
+        <p:style>
+          <a:lnRef idx="3">
+            <a:schemeClr val="accent1"/>
+          </a:lnRef>
+          <a:fillRef idx="0">
+            <a:schemeClr val="accent1"/>
+          </a:fillRef>
+          <a:effectRef idx="2">
+            <a:schemeClr val="accent1"/>
+          </a:effectRef>
+          <a:fontRef idx="minor">
+            <a:schemeClr val="tx1"/>
+          </a:fontRef>
+        </p:style>
+      </p:cxnSp>
+      <p:cxnSp>
+        <p:nvCxnSpPr>
+          <p:cNvPr id="10" name="Gerader Verbinder 9"/>
+          <p:cNvCxnSpPr/>
+          <p:nvPr/>
+        </p:nvCxnSpPr>
+        <p:spPr>
+          <a:xfrm>
+            <a:off x="5830559" y="3720212"/>
+            <a:ext cx="450451" cy="1605686"/>
+          </a:xfrm>
+          <a:prstGeom prst="line">
+            <a:avLst/>
+          </a:prstGeom>
+          <a:ln w="57150">
+            <a:solidFill>
+              <a:srgbClr val="FFC000"/>
+            </a:solidFill>
+            <a:headEnd type="none" w="med" len="med"/>
+            <a:tailEnd type="none" w="med" len="med"/>
+          </a:ln>
+          <a:effectLst/>
+        </p:spPr>
+        <p:style>
+          <a:lnRef idx="3">
+            <a:schemeClr val="accent1"/>
+          </a:lnRef>
+          <a:fillRef idx="0">
+            <a:schemeClr val="accent1"/>
+          </a:fillRef>
+          <a:effectRef idx="2">
+            <a:schemeClr val="accent1"/>
+          </a:effectRef>
+          <a:fontRef idx="minor">
+            <a:schemeClr val="tx1"/>
+          </a:fontRef>
+        </p:style>
+      </p:cxnSp>
+      <p:cxnSp>
+        <p:nvCxnSpPr>
+          <p:cNvPr id="11" name="Gerader Verbinder 10"/>
+          <p:cNvCxnSpPr/>
+          <p:nvPr/>
+        </p:nvCxnSpPr>
+        <p:spPr>
+          <a:xfrm>
+            <a:off x="6279641" y="5325898"/>
+            <a:ext cx="418335" cy="420624"/>
+          </a:xfrm>
+          <a:prstGeom prst="line">
+            <a:avLst/>
+          </a:prstGeom>
+          <a:ln w="57150">
+            <a:headEnd type="none" w="med" len="med"/>
+            <a:tailEnd type="none" w="med" len="med"/>
+          </a:ln>
+        </p:spPr>
+        <p:style>
+          <a:lnRef idx="3">
+            <a:schemeClr val="accent1"/>
+          </a:lnRef>
+          <a:fillRef idx="0">
+            <a:schemeClr val="accent1"/>
+          </a:fillRef>
+          <a:effectRef idx="2">
+            <a:schemeClr val="accent1"/>
+          </a:effectRef>
+          <a:fontRef idx="minor">
+            <a:schemeClr val="tx1"/>
+          </a:fontRef>
+        </p:style>
+      </p:cxnSp>
+      <p:cxnSp>
+        <p:nvCxnSpPr>
+          <p:cNvPr id="12" name="Gerader Verbinder 11"/>
+          <p:cNvCxnSpPr/>
+          <p:nvPr/>
+        </p:nvCxnSpPr>
+        <p:spPr>
+          <a:xfrm flipV="1">
+            <a:off x="4709187" y="5311268"/>
+            <a:ext cx="1570454" cy="14630"/>
+          </a:xfrm>
+          <a:prstGeom prst="line">
+            <a:avLst/>
+          </a:prstGeom>
+          <a:ln w="38100">
+            <a:solidFill>
+              <a:schemeClr val="bg1">
+                <a:lumMod val="50000"/>
+              </a:schemeClr>
+            </a:solidFill>
+            <a:prstDash val="sysDot"/>
+          </a:ln>
+          <a:effectLst/>
+        </p:spPr>
+        <p:style>
+          <a:lnRef idx="3">
+            <a:schemeClr val="dk1"/>
+          </a:lnRef>
+          <a:fillRef idx="0">
+            <a:schemeClr val="dk1"/>
+          </a:fillRef>
+          <a:effectRef idx="2">
+            <a:schemeClr val="dk1"/>
+          </a:effectRef>
+          <a:fontRef idx="minor">
+            <a:schemeClr val="tx1"/>
+          </a:fontRef>
+        </p:style>
+      </p:cxnSp>
+      <p:cxnSp>
+        <p:nvCxnSpPr>
+          <p:cNvPr id="14" name="Gerade Verbindung mit Pfeil 13"/>
+          <p:cNvCxnSpPr/>
+          <p:nvPr/>
+        </p:nvCxnSpPr>
+        <p:spPr>
+          <a:xfrm flipH="1" flipV="1">
+            <a:off x="5656339" y="5347844"/>
+            <a:ext cx="398761" cy="854799"/>
+          </a:xfrm>
+          <a:prstGeom prst="straightConnector1">
+            <a:avLst/>
+          </a:prstGeom>
+          <a:ln>
+            <a:solidFill>
+              <a:schemeClr val="bg1">
+                <a:lumMod val="50000"/>
+              </a:schemeClr>
+            </a:solidFill>
+            <a:tailEnd type="triangle"/>
+          </a:ln>
+        </p:spPr>
+        <p:style>
+          <a:lnRef idx="1">
+            <a:schemeClr val="accent1"/>
+          </a:lnRef>
+          <a:fillRef idx="0">
+            <a:schemeClr val="accent1"/>
+          </a:fillRef>
+          <a:effectRef idx="0">
+            <a:schemeClr val="accent1"/>
+          </a:effectRef>
+          <a:fontRef idx="minor">
+            <a:schemeClr val="tx1"/>
+          </a:fontRef>
+        </p:style>
+      </p:cxnSp>
+      <p:sp>
+        <p:nvSpPr>
+          <p:cNvPr id="15" name="Textfeld 14"/>
+          <p:cNvSpPr txBox="1"/>
+          <p:nvPr/>
+        </p:nvSpPr>
+        <p:spPr>
+          <a:xfrm>
+            <a:off x="5979473" y="6055992"/>
+            <a:ext cx="1306286" cy="369332"/>
+          </a:xfrm>
+          <a:prstGeom prst="rect">
+            <a:avLst/>
+          </a:prstGeom>
+          <a:noFill/>
+        </p:spPr>
+        <p:txBody>
+          <a:bodyPr wrap="square" rtlCol="0">
+            <a:spAutoFit/>
+          </a:bodyPr>
+          <a:lstStyle/>
+          <a:p>
+            <a:r>
+              <a:rPr lang="de-DE" dirty="0" smtClean="0">
+                <a:solidFill>
+                  <a:schemeClr val="bg1">
+                    <a:lumMod val="50000"/>
+                  </a:schemeClr>
+                </a:solidFill>
+              </a:rPr>
+              <a:t>Basislinie</a:t>
+            </a:r>
+            <a:endParaRPr lang="de-DE" dirty="0">
+              <a:solidFill>
+                <a:schemeClr val="bg1">
+                  <a:lumMod val="50000"/>
+                </a:schemeClr>
+              </a:solidFill>
+            </a:endParaRPr>
           </a:p>
         </p:txBody>
       </p:sp>
@@ -11758,6 +12105,335 @@
           </a:p>
         </p:txBody>
       </p:sp>
+      <p:cxnSp>
+        <p:nvCxnSpPr>
+          <p:cNvPr id="5" name="Gerader Verbinder 4"/>
+          <p:cNvCxnSpPr/>
+          <p:nvPr/>
+        </p:nvCxnSpPr>
+        <p:spPr>
+          <a:xfrm flipV="1">
+            <a:off x="3924147" y="5311268"/>
+            <a:ext cx="797356" cy="870508"/>
+          </a:xfrm>
+          <a:prstGeom prst="line">
+            <a:avLst/>
+          </a:prstGeom>
+          <a:ln w="57150">
+            <a:headEnd type="none" w="med" len="med"/>
+            <a:tailEnd type="none" w="med" len="med"/>
+          </a:ln>
+        </p:spPr>
+        <p:style>
+          <a:lnRef idx="3">
+            <a:schemeClr val="accent1"/>
+          </a:lnRef>
+          <a:fillRef idx="0">
+            <a:schemeClr val="accent1"/>
+          </a:fillRef>
+          <a:effectRef idx="2">
+            <a:schemeClr val="accent1"/>
+          </a:effectRef>
+          <a:fontRef idx="minor">
+            <a:schemeClr val="tx1"/>
+          </a:fontRef>
+        </p:style>
+      </p:cxnSp>
+      <p:cxnSp>
+        <p:nvCxnSpPr>
+          <p:cNvPr id="6" name="Gerader Verbinder 5"/>
+          <p:cNvCxnSpPr/>
+          <p:nvPr/>
+        </p:nvCxnSpPr>
+        <p:spPr>
+          <a:xfrm flipV="1">
+            <a:off x="4709187" y="3720213"/>
+            <a:ext cx="216855" cy="1605685"/>
+          </a:xfrm>
+          <a:prstGeom prst="line">
+            <a:avLst/>
+          </a:prstGeom>
+          <a:ln w="57150">
+            <a:solidFill>
+              <a:srgbClr val="FFC000"/>
+            </a:solidFill>
+            <a:headEnd type="none" w="med" len="med"/>
+            <a:tailEnd type="none" w="med" len="med"/>
+          </a:ln>
+          <a:effectLst/>
+        </p:spPr>
+        <p:style>
+          <a:lnRef idx="3">
+            <a:schemeClr val="accent1"/>
+          </a:lnRef>
+          <a:fillRef idx="0">
+            <a:schemeClr val="accent1"/>
+          </a:fillRef>
+          <a:effectRef idx="2">
+            <a:schemeClr val="accent1"/>
+          </a:effectRef>
+          <a:fontRef idx="minor">
+            <a:schemeClr val="tx1"/>
+          </a:fontRef>
+        </p:style>
+      </p:cxnSp>
+      <p:cxnSp>
+        <p:nvCxnSpPr>
+          <p:cNvPr id="8" name="Gerader Verbinder 7"/>
+          <p:cNvCxnSpPr/>
+          <p:nvPr/>
+        </p:nvCxnSpPr>
+        <p:spPr>
+          <a:xfrm flipV="1">
+            <a:off x="4919014" y="3365424"/>
+            <a:ext cx="446227" cy="358445"/>
+          </a:xfrm>
+          <a:prstGeom prst="line">
+            <a:avLst/>
+          </a:prstGeom>
+          <a:ln w="57150">
+            <a:solidFill>
+              <a:srgbClr val="FFC000"/>
+            </a:solidFill>
+            <a:headEnd type="none" w="med" len="med"/>
+            <a:tailEnd type="none" w="med" len="med"/>
+          </a:ln>
+          <a:effectLst/>
+        </p:spPr>
+        <p:style>
+          <a:lnRef idx="3">
+            <a:schemeClr val="accent1"/>
+          </a:lnRef>
+          <a:fillRef idx="0">
+            <a:schemeClr val="accent1"/>
+          </a:fillRef>
+          <a:effectRef idx="2">
+            <a:schemeClr val="accent1"/>
+          </a:effectRef>
+          <a:fontRef idx="minor">
+            <a:schemeClr val="tx1"/>
+          </a:fontRef>
+        </p:style>
+      </p:cxnSp>
+      <p:cxnSp>
+        <p:nvCxnSpPr>
+          <p:cNvPr id="9" name="Gerader Verbinder 8"/>
+          <p:cNvCxnSpPr/>
+          <p:nvPr/>
+        </p:nvCxnSpPr>
+        <p:spPr>
+          <a:xfrm>
+            <a:off x="5335980" y="3372740"/>
+            <a:ext cx="526695" cy="387705"/>
+          </a:xfrm>
+          <a:prstGeom prst="line">
+            <a:avLst/>
+          </a:prstGeom>
+          <a:ln w="57150">
+            <a:solidFill>
+              <a:srgbClr val="FFC000"/>
+            </a:solidFill>
+            <a:headEnd type="none" w="med" len="med"/>
+            <a:tailEnd type="none" w="med" len="med"/>
+          </a:ln>
+          <a:effectLst/>
+        </p:spPr>
+        <p:style>
+          <a:lnRef idx="3">
+            <a:schemeClr val="accent1"/>
+          </a:lnRef>
+          <a:fillRef idx="0">
+            <a:schemeClr val="accent1"/>
+          </a:fillRef>
+          <a:effectRef idx="2">
+            <a:schemeClr val="accent1"/>
+          </a:effectRef>
+          <a:fontRef idx="minor">
+            <a:schemeClr val="tx1"/>
+          </a:fontRef>
+        </p:style>
+      </p:cxnSp>
+      <p:cxnSp>
+        <p:nvCxnSpPr>
+          <p:cNvPr id="10" name="Gerader Verbinder 9"/>
+          <p:cNvCxnSpPr/>
+          <p:nvPr/>
+        </p:nvCxnSpPr>
+        <p:spPr>
+          <a:xfrm>
+            <a:off x="5830559" y="3720212"/>
+            <a:ext cx="450451" cy="1605686"/>
+          </a:xfrm>
+          <a:prstGeom prst="line">
+            <a:avLst/>
+          </a:prstGeom>
+          <a:ln w="57150">
+            <a:solidFill>
+              <a:srgbClr val="FFC000"/>
+            </a:solidFill>
+            <a:headEnd type="none" w="med" len="med"/>
+            <a:tailEnd type="none" w="med" len="med"/>
+          </a:ln>
+          <a:effectLst/>
+        </p:spPr>
+        <p:style>
+          <a:lnRef idx="3">
+            <a:schemeClr val="accent1"/>
+          </a:lnRef>
+          <a:fillRef idx="0">
+            <a:schemeClr val="accent1"/>
+          </a:fillRef>
+          <a:effectRef idx="2">
+            <a:schemeClr val="accent1"/>
+          </a:effectRef>
+          <a:fontRef idx="minor">
+            <a:schemeClr val="tx1"/>
+          </a:fontRef>
+        </p:style>
+      </p:cxnSp>
+      <p:cxnSp>
+        <p:nvCxnSpPr>
+          <p:cNvPr id="11" name="Gerader Verbinder 10"/>
+          <p:cNvCxnSpPr/>
+          <p:nvPr/>
+        </p:nvCxnSpPr>
+        <p:spPr>
+          <a:xfrm>
+            <a:off x="6279641" y="5325898"/>
+            <a:ext cx="418335" cy="420624"/>
+          </a:xfrm>
+          <a:prstGeom prst="line">
+            <a:avLst/>
+          </a:prstGeom>
+          <a:ln w="57150">
+            <a:headEnd type="none" w="med" len="med"/>
+            <a:tailEnd type="none" w="med" len="med"/>
+          </a:ln>
+        </p:spPr>
+        <p:style>
+          <a:lnRef idx="3">
+            <a:schemeClr val="accent1"/>
+          </a:lnRef>
+          <a:fillRef idx="0">
+            <a:schemeClr val="accent1"/>
+          </a:fillRef>
+          <a:effectRef idx="2">
+            <a:schemeClr val="accent1"/>
+          </a:effectRef>
+          <a:fontRef idx="minor">
+            <a:schemeClr val="tx1"/>
+          </a:fontRef>
+        </p:style>
+      </p:cxnSp>
+      <p:sp>
+        <p:nvSpPr>
+          <p:cNvPr id="4" name="Freihandform 3"/>
+          <p:cNvSpPr/>
+          <p:nvPr/>
+        </p:nvSpPr>
+        <p:spPr>
+          <a:xfrm>
+            <a:off x="4702629" y="3375717"/>
+            <a:ext cx="1567542" cy="1959429"/>
+          </a:xfrm>
+          <a:custGeom>
+            <a:avLst/>
+            <a:gdLst>
+              <a:gd name="connsiteX0" fmla="*/ 0 w 1567542"/>
+              <a:gd name="connsiteY0" fmla="*/ 1959429 h 1959429"/>
+              <a:gd name="connsiteX1" fmla="*/ 1567542 w 1567542"/>
+              <a:gd name="connsiteY1" fmla="*/ 1938803 h 1959429"/>
+              <a:gd name="connsiteX2" fmla="*/ 1134406 w 1567542"/>
+              <a:gd name="connsiteY2" fmla="*/ 350635 h 1959429"/>
+              <a:gd name="connsiteX3" fmla="*/ 653142 w 1567542"/>
+              <a:gd name="connsiteY3" fmla="*/ 0 h 1959429"/>
+              <a:gd name="connsiteX4" fmla="*/ 220006 w 1567542"/>
+              <a:gd name="connsiteY4" fmla="*/ 336885 h 1959429"/>
+              <a:gd name="connsiteX5" fmla="*/ 0 w 1567542"/>
+              <a:gd name="connsiteY5" fmla="*/ 1959429 h 1959429"/>
+            </a:gdLst>
+            <a:ahLst/>
+            <a:cxnLst>
+              <a:cxn ang="0">
+                <a:pos x="connsiteX0" y="connsiteY0"/>
+              </a:cxn>
+              <a:cxn ang="0">
+                <a:pos x="connsiteX1" y="connsiteY1"/>
+              </a:cxn>
+              <a:cxn ang="0">
+                <a:pos x="connsiteX2" y="connsiteY2"/>
+              </a:cxn>
+              <a:cxn ang="0">
+                <a:pos x="connsiteX3" y="connsiteY3"/>
+              </a:cxn>
+              <a:cxn ang="0">
+                <a:pos x="connsiteX4" y="connsiteY4"/>
+              </a:cxn>
+              <a:cxn ang="0">
+                <a:pos x="connsiteX5" y="connsiteY5"/>
+              </a:cxn>
+            </a:cxnLst>
+            <a:rect l="l" t="t" r="r" b="b"/>
+            <a:pathLst>
+              <a:path w="1567542" h="1959429">
+                <a:moveTo>
+                  <a:pt x="0" y="1959429"/>
+                </a:moveTo>
+                <a:lnTo>
+                  <a:pt x="1567542" y="1938803"/>
+                </a:lnTo>
+                <a:lnTo>
+                  <a:pt x="1134406" y="350635"/>
+                </a:lnTo>
+                <a:lnTo>
+                  <a:pt x="653142" y="0"/>
+                </a:lnTo>
+                <a:lnTo>
+                  <a:pt x="220006" y="336885"/>
+                </a:lnTo>
+                <a:lnTo>
+                  <a:pt x="0" y="1959429"/>
+                </a:lnTo>
+                <a:close/>
+              </a:path>
+            </a:pathLst>
+          </a:custGeom>
+          <a:solidFill>
+            <a:srgbClr val="FFC301">
+              <a:alpha val="43137"/>
+            </a:srgbClr>
+          </a:solidFill>
+          <a:ln>
+            <a:solidFill>
+              <a:srgbClr val="FFC000"/>
+            </a:solidFill>
+          </a:ln>
+        </p:spPr>
+        <p:style>
+          <a:lnRef idx="2">
+            <a:schemeClr val="accent1">
+              <a:shade val="50000"/>
+            </a:schemeClr>
+          </a:lnRef>
+          <a:fillRef idx="1">
+            <a:schemeClr val="accent1"/>
+          </a:fillRef>
+          <a:effectRef idx="0">
+            <a:schemeClr val="accent1"/>
+          </a:effectRef>
+          <a:fontRef idx="minor">
+            <a:schemeClr val="lt1"/>
+          </a:fontRef>
+        </p:style>
+        <p:txBody>
+          <a:bodyPr rtlCol="0" anchor="ctr"/>
+          <a:lstStyle/>
+          <a:p>
+            <a:pPr algn="ctr"/>
+            <a:endParaRPr lang="de-DE"/>
+          </a:p>
+        </p:txBody>
+      </p:sp>
     </p:spTree>
     <p:extLst>
       <p:ext uri="{BB962C8B-B14F-4D97-AF65-F5344CB8AC3E}">
@@ -11811,7 +12487,7 @@
           <a:lstStyle/>
           <a:p>
             <a:r>
-              <a:rPr lang="de-DE" noProof="0" smtClean="0"/>
+              <a:rPr lang="de-DE" noProof="0" dirty="0" smtClean="0"/>
               <a:t>Kompaktheit</a:t>
             </a:r>
             <a:endParaRPr lang="de-DE" noProof="0" dirty="0"/>
@@ -11852,74 +12528,108 @@
                     <m:f>
                       <m:fPr>
                         <m:ctrlPr>
-                          <a:rPr lang="de-DE" smtClean="0"/>
+                          <a:rPr lang="de-DE" i="1" smtClean="0">
+                            <a:latin typeface="Cambria Math" panose="02040503050406030204" pitchFamily="18" charset="0"/>
+                          </a:rPr>
                         </m:ctrlPr>
                       </m:fPr>
                       <m:num>
                         <m:r>
-                          <a:rPr lang="de-DE" smtClean="0"/>
+                          <a:rPr lang="de-DE" smtClean="0">
+                            <a:latin typeface="Cambria Math" panose="02040503050406030204" pitchFamily="18" charset="0"/>
+                          </a:rPr>
                           <m:t>𝐹𝑙</m:t>
                         </m:r>
                         <m:r>
-                          <a:rPr lang="de-DE" smtClean="0"/>
+                          <a:rPr lang="de-DE" smtClean="0">
+                            <a:latin typeface="Cambria Math" panose="02040503050406030204" pitchFamily="18" charset="0"/>
+                          </a:rPr>
                           <m:t>ä</m:t>
                         </m:r>
                         <m:r>
-                          <a:rPr lang="de-DE" smtClean="0"/>
+                          <a:rPr lang="de-DE" smtClean="0">
+                            <a:latin typeface="Cambria Math" panose="02040503050406030204" pitchFamily="18" charset="0"/>
+                          </a:rPr>
                           <m:t>𝑐h𝑒</m:t>
                         </m:r>
                       </m:num>
                       <m:den>
                         <m:r>
-                          <a:rPr lang="de-DE" smtClean="0"/>
+                          <a:rPr lang="de-DE" smtClean="0">
+                            <a:latin typeface="Cambria Math" panose="02040503050406030204" pitchFamily="18" charset="0"/>
+                          </a:rPr>
                           <m:t>𝐹𝑙</m:t>
                         </m:r>
                         <m:r>
-                          <a:rPr lang="de-DE" smtClean="0"/>
+                          <a:rPr lang="de-DE" smtClean="0">
+                            <a:latin typeface="Cambria Math" panose="02040503050406030204" pitchFamily="18" charset="0"/>
+                          </a:rPr>
                           <m:t>ä</m:t>
                         </m:r>
                         <m:r>
-                          <a:rPr lang="de-DE" smtClean="0"/>
+                          <a:rPr lang="de-DE" smtClean="0">
+                            <a:latin typeface="Cambria Math" panose="02040503050406030204" pitchFamily="18" charset="0"/>
+                          </a:rPr>
                           <m:t>𝑐h𝑒</m:t>
                         </m:r>
                         <m:r>
-                          <a:rPr lang="de-DE" smtClean="0"/>
+                          <a:rPr lang="de-DE" smtClean="0">
+                            <a:latin typeface="Cambria Math" panose="02040503050406030204" pitchFamily="18" charset="0"/>
+                          </a:rPr>
                           <m:t> </m:t>
                         </m:r>
                         <m:r>
-                          <a:rPr lang="de-DE" smtClean="0"/>
+                          <a:rPr lang="de-DE" smtClean="0">
+                            <a:latin typeface="Cambria Math" panose="02040503050406030204" pitchFamily="18" charset="0"/>
+                          </a:rPr>
                           <m:t>𝑣𝑜𝑚</m:t>
                         </m:r>
                         <m:r>
-                          <a:rPr lang="de-DE" smtClean="0"/>
+                          <a:rPr lang="de-DE" smtClean="0">
+                            <a:latin typeface="Cambria Math" panose="02040503050406030204" pitchFamily="18" charset="0"/>
+                          </a:rPr>
                           <m:t> </m:t>
                         </m:r>
                         <m:r>
-                          <a:rPr lang="de-DE" smtClean="0"/>
+                          <a:rPr lang="de-DE" smtClean="0">
+                            <a:latin typeface="Cambria Math" panose="02040503050406030204" pitchFamily="18" charset="0"/>
+                          </a:rPr>
                           <m:t>𝐾𝑟𝑒𝑖𝑠</m:t>
                         </m:r>
                         <m:r>
-                          <a:rPr lang="de-DE" smtClean="0"/>
+                          <a:rPr lang="de-DE" smtClean="0">
+                            <a:latin typeface="Cambria Math" panose="02040503050406030204" pitchFamily="18" charset="0"/>
+                          </a:rPr>
                           <m:t> </m:t>
                         </m:r>
                         <m:r>
-                          <a:rPr lang="de-DE" smtClean="0"/>
+                          <a:rPr lang="de-DE" smtClean="0">
+                            <a:latin typeface="Cambria Math" panose="02040503050406030204" pitchFamily="18" charset="0"/>
+                          </a:rPr>
                           <m:t>𝑚𝑖𝑡</m:t>
                         </m:r>
                         <m:r>
-                          <a:rPr lang="de-DE" smtClean="0"/>
+                          <a:rPr lang="de-DE" smtClean="0">
+                            <a:latin typeface="Cambria Math" panose="02040503050406030204" pitchFamily="18" charset="0"/>
+                          </a:rPr>
                           <m:t> </m:t>
                         </m:r>
                         <m:r>
-                          <a:rPr lang="de-DE" smtClean="0"/>
+                          <a:rPr lang="de-DE" smtClean="0">
+                            <a:latin typeface="Cambria Math" panose="02040503050406030204" pitchFamily="18" charset="0"/>
+                          </a:rPr>
                           <m:t>𝑔𝑙𝑒𝑖𝑐h𝑒𝑚</m:t>
                         </m:r>
                         <m:r>
-                          <a:rPr lang="de-DE" smtClean="0"/>
+                          <a:rPr lang="de-DE" smtClean="0">
+                            <a:latin typeface="Cambria Math" panose="02040503050406030204" pitchFamily="18" charset="0"/>
+                          </a:rPr>
                           <m:t> </m:t>
                         </m:r>
                         <m:r>
-                          <a:rPr lang="de-DE" smtClean="0"/>
+                          <a:rPr lang="de-DE" smtClean="0">
+                            <a:latin typeface="Cambria Math" panose="02040503050406030204" pitchFamily="18" charset="0"/>
+                          </a:rPr>
                           <m:t>𝑈𝑚𝑓𝑎𝑛𝑔</m:t>
                         </m:r>
                       </m:den>
@@ -11993,6 +12703,981 @@
           </a:p>
         </p:txBody>
       </p:sp>
+      <p:sp>
+        <p:nvSpPr>
+          <p:cNvPr id="9" name="Ellipse 8"/>
+          <p:cNvSpPr/>
+          <p:nvPr/>
+        </p:nvSpPr>
+        <p:spPr>
+          <a:xfrm>
+            <a:off x="893774" y="3939483"/>
+            <a:ext cx="660018" cy="651548"/>
+          </a:xfrm>
+          <a:prstGeom prst="ellipse">
+            <a:avLst/>
+          </a:prstGeom>
+          <a:noFill/>
+          <a:ln w="38100">
+            <a:solidFill>
+              <a:schemeClr val="accent6"/>
+            </a:solidFill>
+          </a:ln>
+        </p:spPr>
+        <p:style>
+          <a:lnRef idx="2">
+            <a:schemeClr val="accent1">
+              <a:shade val="50000"/>
+            </a:schemeClr>
+          </a:lnRef>
+          <a:fillRef idx="1">
+            <a:schemeClr val="accent1"/>
+          </a:fillRef>
+          <a:effectRef idx="0">
+            <a:schemeClr val="accent1"/>
+          </a:effectRef>
+          <a:fontRef idx="minor">
+            <a:schemeClr val="lt1"/>
+          </a:fontRef>
+        </p:style>
+        <p:txBody>
+          <a:bodyPr rtlCol="0" anchor="ctr"/>
+          <a:lstStyle/>
+          <a:p>
+            <a:pPr algn="ctr"/>
+            <a:endParaRPr lang="de-DE"/>
+          </a:p>
+        </p:txBody>
+      </p:sp>
+      <p:cxnSp>
+        <p:nvCxnSpPr>
+          <p:cNvPr id="11" name="Gerader Verbinder 10"/>
+          <p:cNvCxnSpPr/>
+          <p:nvPr/>
+        </p:nvCxnSpPr>
+        <p:spPr>
+          <a:xfrm>
+            <a:off x="677334" y="4561936"/>
+            <a:ext cx="388320" cy="0"/>
+          </a:xfrm>
+          <a:prstGeom prst="line">
+            <a:avLst/>
+          </a:prstGeom>
+          <a:ln w="38100">
+            <a:solidFill>
+              <a:schemeClr val="accent6"/>
+            </a:solidFill>
+          </a:ln>
+        </p:spPr>
+        <p:style>
+          <a:lnRef idx="1">
+            <a:schemeClr val="accent1"/>
+          </a:lnRef>
+          <a:fillRef idx="0">
+            <a:schemeClr val="accent1"/>
+          </a:fillRef>
+          <a:effectRef idx="0">
+            <a:schemeClr val="accent1"/>
+          </a:effectRef>
+          <a:fontRef idx="minor">
+            <a:schemeClr val="tx1"/>
+          </a:fontRef>
+        </p:style>
+      </p:cxnSp>
+      <p:cxnSp>
+        <p:nvCxnSpPr>
+          <p:cNvPr id="12" name="Gerader Verbinder 11"/>
+          <p:cNvCxnSpPr/>
+          <p:nvPr/>
+        </p:nvCxnSpPr>
+        <p:spPr>
+          <a:xfrm>
+            <a:off x="1359632" y="4568362"/>
+            <a:ext cx="388320" cy="0"/>
+          </a:xfrm>
+          <a:prstGeom prst="line">
+            <a:avLst/>
+          </a:prstGeom>
+          <a:ln w="38100">
+            <a:solidFill>
+              <a:schemeClr val="accent6"/>
+            </a:solidFill>
+          </a:ln>
+        </p:spPr>
+        <p:style>
+          <a:lnRef idx="1">
+            <a:schemeClr val="accent1"/>
+          </a:lnRef>
+          <a:fillRef idx="0">
+            <a:schemeClr val="accent1"/>
+          </a:fillRef>
+          <a:effectRef idx="0">
+            <a:schemeClr val="accent1"/>
+          </a:effectRef>
+          <a:fontRef idx="minor">
+            <a:schemeClr val="tx1"/>
+          </a:fontRef>
+        </p:style>
+      </p:cxnSp>
+      <p:sp>
+        <p:nvSpPr>
+          <p:cNvPr id="13" name="Ellipse 12"/>
+          <p:cNvSpPr/>
+          <p:nvPr/>
+        </p:nvSpPr>
+        <p:spPr>
+          <a:xfrm>
+            <a:off x="2461317" y="4183800"/>
+            <a:ext cx="728770" cy="756271"/>
+          </a:xfrm>
+          <a:prstGeom prst="ellipse">
+            <a:avLst/>
+          </a:prstGeom>
+          <a:noFill/>
+          <a:ln w="38100">
+            <a:solidFill>
+              <a:schemeClr val="accent6"/>
+            </a:solidFill>
+          </a:ln>
+        </p:spPr>
+        <p:style>
+          <a:lnRef idx="2">
+            <a:schemeClr val="accent1">
+              <a:shade val="50000"/>
+            </a:schemeClr>
+          </a:lnRef>
+          <a:fillRef idx="1">
+            <a:schemeClr val="accent1"/>
+          </a:fillRef>
+          <a:effectRef idx="0">
+            <a:schemeClr val="accent1"/>
+          </a:effectRef>
+          <a:fontRef idx="minor">
+            <a:schemeClr val="lt1"/>
+          </a:fontRef>
+        </p:style>
+        <p:txBody>
+          <a:bodyPr rtlCol="0" anchor="ctr"/>
+          <a:lstStyle/>
+          <a:p>
+            <a:pPr algn="ctr"/>
+            <a:endParaRPr lang="de-DE"/>
+          </a:p>
+        </p:txBody>
+      </p:sp>
+      <p:cxnSp>
+        <p:nvCxnSpPr>
+          <p:cNvPr id="15" name="Gerader Verbinder 14"/>
+          <p:cNvCxnSpPr>
+            <a:endCxn id="13" idx="2"/>
+          </p:cNvCxnSpPr>
+          <p:nvPr/>
+        </p:nvCxnSpPr>
+        <p:spPr>
+          <a:xfrm flipV="1">
+            <a:off x="2019650" y="4561936"/>
+            <a:ext cx="441667" cy="6426"/>
+          </a:xfrm>
+          <a:prstGeom prst="line">
+            <a:avLst/>
+          </a:prstGeom>
+          <a:ln w="38100">
+            <a:solidFill>
+              <a:schemeClr val="accent6"/>
+            </a:solidFill>
+          </a:ln>
+        </p:spPr>
+        <p:style>
+          <a:lnRef idx="1">
+            <a:schemeClr val="accent1"/>
+          </a:lnRef>
+          <a:fillRef idx="0">
+            <a:schemeClr val="accent1"/>
+          </a:fillRef>
+          <a:effectRef idx="0">
+            <a:schemeClr val="accent1"/>
+          </a:effectRef>
+          <a:fontRef idx="minor">
+            <a:schemeClr val="tx1"/>
+          </a:fontRef>
+        </p:style>
+      </p:cxnSp>
+      <p:cxnSp>
+        <p:nvCxnSpPr>
+          <p:cNvPr id="19" name="Gerader Verbinder 18"/>
+          <p:cNvCxnSpPr>
+            <a:stCxn id="13" idx="6"/>
+          </p:cNvCxnSpPr>
+          <p:nvPr/>
+        </p:nvCxnSpPr>
+        <p:spPr>
+          <a:xfrm flipV="1">
+            <a:off x="3190087" y="4558250"/>
+            <a:ext cx="343760" cy="3686"/>
+          </a:xfrm>
+          <a:prstGeom prst="line">
+            <a:avLst/>
+          </a:prstGeom>
+          <a:ln w="38100">
+            <a:solidFill>
+              <a:schemeClr val="accent6"/>
+            </a:solidFill>
+          </a:ln>
+        </p:spPr>
+        <p:style>
+          <a:lnRef idx="1">
+            <a:schemeClr val="accent1"/>
+          </a:lnRef>
+          <a:fillRef idx="0">
+            <a:schemeClr val="accent1"/>
+          </a:fillRef>
+          <a:effectRef idx="0">
+            <a:schemeClr val="accent1"/>
+          </a:effectRef>
+          <a:fontRef idx="minor">
+            <a:schemeClr val="tx1"/>
+          </a:fontRef>
+        </p:style>
+      </p:cxnSp>
+      <p:cxnSp>
+        <p:nvCxnSpPr>
+          <p:cNvPr id="21" name="Gerader Verbinder 20"/>
+          <p:cNvCxnSpPr/>
+          <p:nvPr/>
+        </p:nvCxnSpPr>
+        <p:spPr>
+          <a:xfrm>
+            <a:off x="3733227" y="4568362"/>
+            <a:ext cx="467513" cy="0"/>
+          </a:xfrm>
+          <a:prstGeom prst="line">
+            <a:avLst/>
+          </a:prstGeom>
+          <a:ln w="38100">
+            <a:solidFill>
+              <a:schemeClr val="accent6"/>
+            </a:solidFill>
+          </a:ln>
+        </p:spPr>
+        <p:style>
+          <a:lnRef idx="1">
+            <a:schemeClr val="accent1"/>
+          </a:lnRef>
+          <a:fillRef idx="0">
+            <a:schemeClr val="accent1"/>
+          </a:fillRef>
+          <a:effectRef idx="0">
+            <a:schemeClr val="accent1"/>
+          </a:effectRef>
+          <a:fontRef idx="minor">
+            <a:schemeClr val="tx1"/>
+          </a:fontRef>
+        </p:style>
+      </p:cxnSp>
+      <p:cxnSp>
+        <p:nvCxnSpPr>
+          <p:cNvPr id="23" name="Gerader Verbinder 22"/>
+          <p:cNvCxnSpPr/>
+          <p:nvPr/>
+        </p:nvCxnSpPr>
+        <p:spPr>
+          <a:xfrm flipV="1">
+            <a:off x="4193865" y="4265257"/>
+            <a:ext cx="0" cy="303105"/>
+          </a:xfrm>
+          <a:prstGeom prst="line">
+            <a:avLst/>
+          </a:prstGeom>
+          <a:ln w="38100">
+            <a:solidFill>
+              <a:schemeClr val="accent6"/>
+            </a:solidFill>
+          </a:ln>
+        </p:spPr>
+        <p:style>
+          <a:lnRef idx="1">
+            <a:schemeClr val="accent1"/>
+          </a:lnRef>
+          <a:fillRef idx="0">
+            <a:schemeClr val="accent1"/>
+          </a:fillRef>
+          <a:effectRef idx="0">
+            <a:schemeClr val="accent1"/>
+          </a:effectRef>
+          <a:fontRef idx="minor">
+            <a:schemeClr val="tx1"/>
+          </a:fontRef>
+        </p:style>
+      </p:cxnSp>
+      <p:cxnSp>
+        <p:nvCxnSpPr>
+          <p:cNvPr id="25" name="Gerader Verbinder 24"/>
+          <p:cNvCxnSpPr/>
+          <p:nvPr/>
+        </p:nvCxnSpPr>
+        <p:spPr>
+          <a:xfrm>
+            <a:off x="4200740" y="4265257"/>
+            <a:ext cx="666893" cy="0"/>
+          </a:xfrm>
+          <a:prstGeom prst="line">
+            <a:avLst/>
+          </a:prstGeom>
+          <a:ln w="38100">
+            <a:solidFill>
+              <a:schemeClr val="accent6"/>
+            </a:solidFill>
+          </a:ln>
+        </p:spPr>
+        <p:style>
+          <a:lnRef idx="1">
+            <a:schemeClr val="accent1"/>
+          </a:lnRef>
+          <a:fillRef idx="0">
+            <a:schemeClr val="accent1"/>
+          </a:fillRef>
+          <a:effectRef idx="0">
+            <a:schemeClr val="accent1"/>
+          </a:effectRef>
+          <a:fontRef idx="minor">
+            <a:schemeClr val="tx1"/>
+          </a:fontRef>
+        </p:style>
+      </p:cxnSp>
+      <p:cxnSp>
+        <p:nvCxnSpPr>
+          <p:cNvPr id="27" name="Gerader Verbinder 26"/>
+          <p:cNvCxnSpPr/>
+          <p:nvPr/>
+        </p:nvCxnSpPr>
+        <p:spPr>
+          <a:xfrm>
+            <a:off x="4867633" y="4265257"/>
+            <a:ext cx="0" cy="296678"/>
+          </a:xfrm>
+          <a:prstGeom prst="line">
+            <a:avLst/>
+          </a:prstGeom>
+          <a:ln w="38100">
+            <a:solidFill>
+              <a:schemeClr val="accent6"/>
+            </a:solidFill>
+          </a:ln>
+        </p:spPr>
+        <p:style>
+          <a:lnRef idx="1">
+            <a:schemeClr val="accent1"/>
+          </a:lnRef>
+          <a:fillRef idx="0">
+            <a:schemeClr val="accent1"/>
+          </a:fillRef>
+          <a:effectRef idx="0">
+            <a:schemeClr val="accent1"/>
+          </a:effectRef>
+          <a:fontRef idx="minor">
+            <a:schemeClr val="tx1"/>
+          </a:fontRef>
+        </p:style>
+      </p:cxnSp>
+      <p:cxnSp>
+        <p:nvCxnSpPr>
+          <p:cNvPr id="29" name="Gerader Verbinder 28"/>
+          <p:cNvCxnSpPr/>
+          <p:nvPr/>
+        </p:nvCxnSpPr>
+        <p:spPr>
+          <a:xfrm flipV="1">
+            <a:off x="4874508" y="4556654"/>
+            <a:ext cx="441800" cy="1"/>
+          </a:xfrm>
+          <a:prstGeom prst="line">
+            <a:avLst/>
+          </a:prstGeom>
+          <a:ln w="38100">
+            <a:solidFill>
+              <a:schemeClr val="accent6"/>
+            </a:solidFill>
+          </a:ln>
+        </p:spPr>
+        <p:style>
+          <a:lnRef idx="1">
+            <a:schemeClr val="accent1"/>
+          </a:lnRef>
+          <a:fillRef idx="0">
+            <a:schemeClr val="accent1"/>
+          </a:fillRef>
+          <a:effectRef idx="0">
+            <a:schemeClr val="accent1"/>
+          </a:effectRef>
+          <a:fontRef idx="minor">
+            <a:schemeClr val="tx1"/>
+          </a:fontRef>
+        </p:style>
+      </p:cxnSp>
+      <p:cxnSp>
+        <p:nvCxnSpPr>
+          <p:cNvPr id="31" name="Gerader Verbinder 30"/>
+          <p:cNvCxnSpPr/>
+          <p:nvPr/>
+        </p:nvCxnSpPr>
+        <p:spPr>
+          <a:xfrm>
+            <a:off x="5539614" y="4611656"/>
+            <a:ext cx="441800" cy="1"/>
+          </a:xfrm>
+          <a:prstGeom prst="line">
+            <a:avLst/>
+          </a:prstGeom>
+          <a:ln w="38100">
+            <a:solidFill>
+              <a:schemeClr val="accent6"/>
+            </a:solidFill>
+          </a:ln>
+        </p:spPr>
+        <p:style>
+          <a:lnRef idx="1">
+            <a:schemeClr val="accent1"/>
+          </a:lnRef>
+          <a:fillRef idx="0">
+            <a:schemeClr val="accent1"/>
+          </a:fillRef>
+          <a:effectRef idx="0">
+            <a:schemeClr val="accent1"/>
+          </a:effectRef>
+          <a:fontRef idx="minor">
+            <a:schemeClr val="tx1"/>
+          </a:fontRef>
+        </p:style>
+      </p:cxnSp>
+      <p:cxnSp>
+        <p:nvCxnSpPr>
+          <p:cNvPr id="33" name="Gerader Verbinder 32"/>
+          <p:cNvCxnSpPr/>
+          <p:nvPr/>
+        </p:nvCxnSpPr>
+        <p:spPr>
+          <a:xfrm flipV="1">
+            <a:off x="5990076" y="3884481"/>
+            <a:ext cx="0" cy="734051"/>
+          </a:xfrm>
+          <a:prstGeom prst="line">
+            <a:avLst/>
+          </a:prstGeom>
+          <a:ln w="38100">
+            <a:solidFill>
+              <a:schemeClr val="accent6"/>
+            </a:solidFill>
+          </a:ln>
+        </p:spPr>
+        <p:style>
+          <a:lnRef idx="1">
+            <a:schemeClr val="accent1"/>
+          </a:lnRef>
+          <a:fillRef idx="0">
+            <a:schemeClr val="accent1"/>
+          </a:fillRef>
+          <a:effectRef idx="0">
+            <a:schemeClr val="accent1"/>
+          </a:effectRef>
+          <a:fontRef idx="minor">
+            <a:schemeClr val="tx1"/>
+          </a:fontRef>
+        </p:style>
+      </p:cxnSp>
+      <p:cxnSp>
+        <p:nvCxnSpPr>
+          <p:cNvPr id="35" name="Gerader Verbinder 34"/>
+          <p:cNvCxnSpPr/>
+          <p:nvPr/>
+        </p:nvCxnSpPr>
+        <p:spPr>
+          <a:xfrm>
+            <a:off x="5990076" y="3884481"/>
+            <a:ext cx="264558" cy="0"/>
+          </a:xfrm>
+          <a:prstGeom prst="line">
+            <a:avLst/>
+          </a:prstGeom>
+          <a:ln w="38100">
+            <a:solidFill>
+              <a:schemeClr val="accent6"/>
+            </a:solidFill>
+          </a:ln>
+        </p:spPr>
+        <p:style>
+          <a:lnRef idx="1">
+            <a:schemeClr val="accent1"/>
+          </a:lnRef>
+          <a:fillRef idx="0">
+            <a:schemeClr val="accent1"/>
+          </a:fillRef>
+          <a:effectRef idx="0">
+            <a:schemeClr val="accent1"/>
+          </a:effectRef>
+          <a:fontRef idx="minor">
+            <a:schemeClr val="tx1"/>
+          </a:fontRef>
+        </p:style>
+      </p:cxnSp>
+      <p:cxnSp>
+        <p:nvCxnSpPr>
+          <p:cNvPr id="37" name="Gerader Verbinder 36"/>
+          <p:cNvCxnSpPr/>
+          <p:nvPr/>
+        </p:nvCxnSpPr>
+        <p:spPr>
+          <a:xfrm flipH="1">
+            <a:off x="6254634" y="3884481"/>
+            <a:ext cx="1787" cy="746209"/>
+          </a:xfrm>
+          <a:prstGeom prst="line">
+            <a:avLst/>
+          </a:prstGeom>
+          <a:ln w="38100">
+            <a:solidFill>
+              <a:schemeClr val="accent6"/>
+            </a:solidFill>
+          </a:ln>
+        </p:spPr>
+        <p:style>
+          <a:lnRef idx="1">
+            <a:schemeClr val="accent1"/>
+          </a:lnRef>
+          <a:fillRef idx="0">
+            <a:schemeClr val="accent1"/>
+          </a:fillRef>
+          <a:effectRef idx="0">
+            <a:schemeClr val="accent1"/>
+          </a:effectRef>
+          <a:fontRef idx="minor">
+            <a:schemeClr val="tx1"/>
+          </a:fontRef>
+        </p:style>
+      </p:cxnSp>
+      <p:cxnSp>
+        <p:nvCxnSpPr>
+          <p:cNvPr id="39" name="Gerader Verbinder 38"/>
+          <p:cNvCxnSpPr/>
+          <p:nvPr/>
+        </p:nvCxnSpPr>
+        <p:spPr>
+          <a:xfrm flipV="1">
+            <a:off x="6254634" y="4618532"/>
+            <a:ext cx="550014" cy="12158"/>
+          </a:xfrm>
+          <a:prstGeom prst="line">
+            <a:avLst/>
+          </a:prstGeom>
+          <a:ln w="38100">
+            <a:solidFill>
+              <a:schemeClr val="accent6"/>
+            </a:solidFill>
+          </a:ln>
+        </p:spPr>
+        <p:style>
+          <a:lnRef idx="1">
+            <a:schemeClr val="accent1"/>
+          </a:lnRef>
+          <a:fillRef idx="0">
+            <a:schemeClr val="accent1"/>
+          </a:fillRef>
+          <a:effectRef idx="0">
+            <a:schemeClr val="accent1"/>
+          </a:effectRef>
+          <a:fontRef idx="minor">
+            <a:schemeClr val="tx1"/>
+          </a:fontRef>
+        </p:style>
+      </p:cxnSp>
+      <p:cxnSp>
+        <p:nvCxnSpPr>
+          <p:cNvPr id="41" name="Gerader Verbinder 40"/>
+          <p:cNvCxnSpPr/>
+          <p:nvPr/>
+        </p:nvCxnSpPr>
+        <p:spPr>
+          <a:xfrm>
+            <a:off x="7012692" y="4591031"/>
+            <a:ext cx="419386" cy="13750"/>
+          </a:xfrm>
+          <a:prstGeom prst="line">
+            <a:avLst/>
+          </a:prstGeom>
+          <a:ln w="38100">
+            <a:solidFill>
+              <a:schemeClr val="accent6"/>
+            </a:solidFill>
+          </a:ln>
+        </p:spPr>
+        <p:style>
+          <a:lnRef idx="1">
+            <a:schemeClr val="accent1"/>
+          </a:lnRef>
+          <a:fillRef idx="0">
+            <a:schemeClr val="accent1"/>
+          </a:fillRef>
+          <a:effectRef idx="0">
+            <a:schemeClr val="accent1"/>
+          </a:effectRef>
+          <a:fontRef idx="minor">
+            <a:schemeClr val="tx1"/>
+          </a:fontRef>
+        </p:style>
+      </p:cxnSp>
+      <p:cxnSp>
+        <p:nvCxnSpPr>
+          <p:cNvPr id="43" name="Gerader Verbinder 42"/>
+          <p:cNvCxnSpPr/>
+          <p:nvPr/>
+        </p:nvCxnSpPr>
+        <p:spPr>
+          <a:xfrm flipV="1">
+            <a:off x="7425203" y="4237756"/>
+            <a:ext cx="591266" cy="380776"/>
+          </a:xfrm>
+          <a:prstGeom prst="line">
+            <a:avLst/>
+          </a:prstGeom>
+          <a:ln w="38100">
+            <a:solidFill>
+              <a:schemeClr val="accent6"/>
+            </a:solidFill>
+          </a:ln>
+        </p:spPr>
+        <p:style>
+          <a:lnRef idx="1">
+            <a:schemeClr val="accent1"/>
+          </a:lnRef>
+          <a:fillRef idx="0">
+            <a:schemeClr val="accent1"/>
+          </a:fillRef>
+          <a:effectRef idx="0">
+            <a:schemeClr val="accent1"/>
+          </a:effectRef>
+          <a:fontRef idx="minor">
+            <a:schemeClr val="tx1"/>
+          </a:fontRef>
+        </p:style>
+      </p:cxnSp>
+      <p:cxnSp>
+        <p:nvCxnSpPr>
+          <p:cNvPr id="45" name="Gerader Verbinder 44"/>
+          <p:cNvCxnSpPr/>
+          <p:nvPr/>
+        </p:nvCxnSpPr>
+        <p:spPr>
+          <a:xfrm>
+            <a:off x="7995981" y="4237756"/>
+            <a:ext cx="641043" cy="367025"/>
+          </a:xfrm>
+          <a:prstGeom prst="line">
+            <a:avLst/>
+          </a:prstGeom>
+          <a:ln w="38100">
+            <a:solidFill>
+              <a:schemeClr val="accent6"/>
+            </a:solidFill>
+          </a:ln>
+        </p:spPr>
+        <p:style>
+          <a:lnRef idx="1">
+            <a:schemeClr val="accent1"/>
+          </a:lnRef>
+          <a:fillRef idx="0">
+            <a:schemeClr val="accent1"/>
+          </a:fillRef>
+          <a:effectRef idx="0">
+            <a:schemeClr val="accent1"/>
+          </a:effectRef>
+          <a:fontRef idx="minor">
+            <a:schemeClr val="tx1"/>
+          </a:fontRef>
+        </p:style>
+      </p:cxnSp>
+      <p:sp>
+        <p:nvSpPr>
+          <p:cNvPr id="48" name="Rechteck 47"/>
+          <p:cNvSpPr/>
+          <p:nvPr/>
+        </p:nvSpPr>
+        <p:spPr>
+          <a:xfrm>
+            <a:off x="1115958" y="4271393"/>
+            <a:ext cx="220870" cy="593646"/>
+          </a:xfrm>
+          <a:prstGeom prst="rect">
+            <a:avLst/>
+          </a:prstGeom>
+          <a:solidFill>
+            <a:schemeClr val="bg1"/>
+          </a:solidFill>
+          <a:ln w="38100">
+            <a:solidFill>
+              <a:schemeClr val="bg1"/>
+            </a:solidFill>
+          </a:ln>
+        </p:spPr>
+        <p:style>
+          <a:lnRef idx="2">
+            <a:schemeClr val="accent1">
+              <a:shade val="50000"/>
+            </a:schemeClr>
+          </a:lnRef>
+          <a:fillRef idx="1">
+            <a:schemeClr val="accent1"/>
+          </a:fillRef>
+          <a:effectRef idx="0">
+            <a:schemeClr val="accent1"/>
+          </a:effectRef>
+          <a:fontRef idx="minor">
+            <a:schemeClr val="lt1"/>
+          </a:fontRef>
+        </p:style>
+        <p:txBody>
+          <a:bodyPr rtlCol="0" anchor="ctr"/>
+          <a:lstStyle/>
+          <a:p>
+            <a:pPr algn="ctr"/>
+            <a:endParaRPr lang="de-DE"/>
+          </a:p>
+        </p:txBody>
+      </p:sp>
+      <p:sp>
+        <p:nvSpPr>
+          <p:cNvPr id="49" name="Rechteck 48"/>
+          <p:cNvSpPr/>
+          <p:nvPr/>
+        </p:nvSpPr>
+        <p:spPr>
+          <a:xfrm>
+            <a:off x="2319481" y="4604781"/>
+            <a:ext cx="1038154" cy="656781"/>
+          </a:xfrm>
+          <a:prstGeom prst="rect">
+            <a:avLst/>
+          </a:prstGeom>
+          <a:solidFill>
+            <a:schemeClr val="bg1"/>
+          </a:solidFill>
+          <a:ln w="38100">
+            <a:solidFill>
+              <a:schemeClr val="bg1"/>
+            </a:solidFill>
+          </a:ln>
+        </p:spPr>
+        <p:style>
+          <a:lnRef idx="2">
+            <a:schemeClr val="accent1">
+              <a:shade val="50000"/>
+            </a:schemeClr>
+          </a:lnRef>
+          <a:fillRef idx="1">
+            <a:schemeClr val="accent1"/>
+          </a:fillRef>
+          <a:effectRef idx="0">
+            <a:schemeClr val="accent1"/>
+          </a:effectRef>
+          <a:fontRef idx="minor">
+            <a:schemeClr val="lt1"/>
+          </a:fontRef>
+        </p:style>
+        <p:txBody>
+          <a:bodyPr rtlCol="0" anchor="ctr"/>
+          <a:lstStyle/>
+          <a:p>
+            <a:pPr algn="ctr"/>
+            <a:endParaRPr lang="de-DE" dirty="0"/>
+          </a:p>
+        </p:txBody>
+      </p:sp>
+      <p:cxnSp>
+        <p:nvCxnSpPr>
+          <p:cNvPr id="59" name="Gerader Verbinder 58"/>
+          <p:cNvCxnSpPr/>
+          <p:nvPr/>
+        </p:nvCxnSpPr>
+        <p:spPr>
+          <a:xfrm>
+            <a:off x="8637024" y="4604781"/>
+            <a:ext cx="636978" cy="25909"/>
+          </a:xfrm>
+          <a:prstGeom prst="line">
+            <a:avLst/>
+          </a:prstGeom>
+          <a:ln w="38100">
+            <a:solidFill>
+              <a:schemeClr val="accent6"/>
+            </a:solidFill>
+          </a:ln>
+        </p:spPr>
+        <p:style>
+          <a:lnRef idx="1">
+            <a:schemeClr val="accent1"/>
+          </a:lnRef>
+          <a:fillRef idx="0">
+            <a:schemeClr val="accent1"/>
+          </a:fillRef>
+          <a:effectRef idx="0">
+            <a:schemeClr val="accent1"/>
+          </a:effectRef>
+          <a:fontRef idx="minor">
+            <a:schemeClr val="tx1"/>
+          </a:fontRef>
+        </p:style>
+      </p:cxnSp>
+      <p:sp>
+        <p:nvSpPr>
+          <p:cNvPr id="60" name="Textfeld 59"/>
+          <p:cNvSpPr txBox="1"/>
+          <p:nvPr/>
+        </p:nvSpPr>
+        <p:spPr>
+          <a:xfrm>
+            <a:off x="951832" y="4650991"/>
+            <a:ext cx="631494" cy="369332"/>
+          </a:xfrm>
+          <a:prstGeom prst="rect">
+            <a:avLst/>
+          </a:prstGeom>
+          <a:noFill/>
+        </p:spPr>
+        <p:txBody>
+          <a:bodyPr wrap="square" rtlCol="0">
+            <a:spAutoFit/>
+          </a:bodyPr>
+          <a:lstStyle/>
+          <a:p>
+            <a:r>
+              <a:rPr lang="de-DE" dirty="0" smtClean="0"/>
+              <a:t>1,0</a:t>
+            </a:r>
+            <a:endParaRPr lang="de-DE" dirty="0"/>
+          </a:p>
+        </p:txBody>
+      </p:sp>
+      <p:sp>
+        <p:nvSpPr>
+          <p:cNvPr id="61" name="Textfeld 60"/>
+          <p:cNvSpPr txBox="1"/>
+          <p:nvPr/>
+        </p:nvSpPr>
+        <p:spPr>
+          <a:xfrm>
+            <a:off x="2522811" y="4650991"/>
+            <a:ext cx="631494" cy="369332"/>
+          </a:xfrm>
+          <a:prstGeom prst="rect">
+            <a:avLst/>
+          </a:prstGeom>
+          <a:noFill/>
+        </p:spPr>
+        <p:txBody>
+          <a:bodyPr wrap="square" rtlCol="0">
+            <a:spAutoFit/>
+          </a:bodyPr>
+          <a:lstStyle/>
+          <a:p>
+            <a:r>
+              <a:rPr lang="de-DE" dirty="0" smtClean="0"/>
+              <a:t>0,75</a:t>
+            </a:r>
+            <a:endParaRPr lang="de-DE" dirty="0"/>
+          </a:p>
+        </p:txBody>
+      </p:sp>
+      <p:sp>
+        <p:nvSpPr>
+          <p:cNvPr id="62" name="Textfeld 61"/>
+          <p:cNvSpPr txBox="1"/>
+          <p:nvPr/>
+        </p:nvSpPr>
+        <p:spPr>
+          <a:xfrm>
+            <a:off x="4218439" y="4625331"/>
+            <a:ext cx="631494" cy="369332"/>
+          </a:xfrm>
+          <a:prstGeom prst="rect">
+            <a:avLst/>
+          </a:prstGeom>
+          <a:noFill/>
+        </p:spPr>
+        <p:txBody>
+          <a:bodyPr wrap="square" rtlCol="0">
+            <a:spAutoFit/>
+          </a:bodyPr>
+          <a:lstStyle/>
+          <a:p>
+            <a:pPr algn="ctr"/>
+            <a:r>
+              <a:rPr lang="de-DE" dirty="0" smtClean="0"/>
+              <a:t>0,7</a:t>
+            </a:r>
+            <a:endParaRPr lang="de-DE" dirty="0"/>
+          </a:p>
+        </p:txBody>
+      </p:sp>
+      <p:sp>
+        <p:nvSpPr>
+          <p:cNvPr id="63" name="Textfeld 62"/>
+          <p:cNvSpPr txBox="1"/>
+          <p:nvPr/>
+        </p:nvSpPr>
+        <p:spPr>
+          <a:xfrm>
+            <a:off x="5806608" y="4681135"/>
+            <a:ext cx="631494" cy="369332"/>
+          </a:xfrm>
+          <a:prstGeom prst="rect">
+            <a:avLst/>
+          </a:prstGeom>
+          <a:noFill/>
+        </p:spPr>
+        <p:txBody>
+          <a:bodyPr wrap="square" rtlCol="0">
+            <a:spAutoFit/>
+          </a:bodyPr>
+          <a:lstStyle/>
+          <a:p>
+            <a:pPr algn="ctr"/>
+            <a:r>
+              <a:rPr lang="de-DE" dirty="0" smtClean="0"/>
+              <a:t>0,7</a:t>
+            </a:r>
+            <a:endParaRPr lang="de-DE" dirty="0"/>
+          </a:p>
+        </p:txBody>
+      </p:sp>
+      <p:sp>
+        <p:nvSpPr>
+          <p:cNvPr id="64" name="Textfeld 63"/>
+          <p:cNvSpPr txBox="1"/>
+          <p:nvPr/>
+        </p:nvSpPr>
+        <p:spPr>
+          <a:xfrm>
+            <a:off x="7680234" y="4656859"/>
+            <a:ext cx="631494" cy="369332"/>
+          </a:xfrm>
+          <a:prstGeom prst="rect">
+            <a:avLst/>
+          </a:prstGeom>
+          <a:noFill/>
+        </p:spPr>
+        <p:txBody>
+          <a:bodyPr wrap="square" rtlCol="0">
+            <a:spAutoFit/>
+          </a:bodyPr>
+          <a:lstStyle/>
+          <a:p>
+            <a:pPr algn="ctr"/>
+            <a:r>
+              <a:rPr lang="de-DE" dirty="0" smtClean="0"/>
+              <a:t>0,54</a:t>
+            </a:r>
+            <a:endParaRPr lang="de-DE" dirty="0"/>
+          </a:p>
+        </p:txBody>
+      </p:sp>
     </p:spTree>
     <p:extLst>
       <p:ext uri="{BB962C8B-B14F-4D97-AF65-F5344CB8AC3E}">
@@ -12053,8 +13738,8 @@
           </a:p>
         </p:txBody>
       </p:sp>
-      <mc:AlternateContent xmlns:mc="http://schemas.openxmlformats.org/markup-compatibility/2006" xmlns:a14="http://schemas.microsoft.com/office/drawing/2010/main">
-        <mc:Choice Requires="a14">
+      <mc:AlternateContent xmlns:mc="http://schemas.openxmlformats.org/markup-compatibility/2006">
+        <mc:Choice xmlns:a14="http://schemas.microsoft.com/office/drawing/2010/main" Requires="a14">
           <p:sp>
             <p:nvSpPr>
               <p:cNvPr id="3" name="Content Placeholder 2"/>
@@ -12077,32 +13762,44 @@
                 <a14:m>
                   <m:oMath xmlns:m="http://schemas.openxmlformats.org/officeDocument/2006/math">
                     <m:r>
-                      <a:rPr lang="de-DE" noProof="0" smtClean="0"/>
+                      <a:rPr lang="de-DE" noProof="0" smtClean="0">
+                        <a:latin typeface="Cambria Math" panose="02040503050406030204" pitchFamily="18" charset="0"/>
+                      </a:rPr>
                       <m:t>0,75</m:t>
                     </m:r>
                     <m:f>
                       <m:fPr>
                         <m:ctrlPr>
-                          <a:rPr lang="de-DE" noProof="0" smtClean="0"/>
+                          <a:rPr lang="de-DE" i="1" noProof="0" smtClean="0">
+                            <a:latin typeface="Cambria Math" panose="02040503050406030204" pitchFamily="18" charset="0"/>
+                          </a:rPr>
                         </m:ctrlPr>
                       </m:fPr>
                       <m:num>
                         <m:r>
-                          <a:rPr lang="de-DE" noProof="0" smtClean="0"/>
+                          <a:rPr lang="de-DE" noProof="0" smtClean="0">
+                            <a:latin typeface="Cambria Math" panose="02040503050406030204" pitchFamily="18" charset="0"/>
+                          </a:rPr>
                           <m:t>𝐹𝑙</m:t>
                         </m:r>
                         <m:r>
-                          <a:rPr lang="de-DE" noProof="0" smtClean="0"/>
+                          <a:rPr lang="de-DE" noProof="0" smtClean="0">
+                            <a:latin typeface="Cambria Math" panose="02040503050406030204" pitchFamily="18" charset="0"/>
+                          </a:rPr>
                           <m:t>ä</m:t>
                         </m:r>
                         <m:r>
-                          <a:rPr lang="de-DE" noProof="0" smtClean="0"/>
+                          <a:rPr lang="de-DE" noProof="0" smtClean="0">
+                            <a:latin typeface="Cambria Math" panose="02040503050406030204" pitchFamily="18" charset="0"/>
+                          </a:rPr>
                           <m:t>𝑐h𝑒</m:t>
                         </m:r>
                       </m:num>
                       <m:den>
                         <m:r>
-                          <a:rPr lang="de-DE" noProof="0" smtClean="0"/>
+                          <a:rPr lang="de-DE" noProof="0" smtClean="0">
+                            <a:latin typeface="Cambria Math" panose="02040503050406030204" pitchFamily="18" charset="0"/>
+                          </a:rPr>
                           <m:t>𝐾𝑜𝑚𝑝𝑎𝑘𝑡h𝑒𝑖𝑡</m:t>
                         </m:r>
                       </m:den>
@@ -12128,7 +13825,23 @@
               <a:p>
                 <a:r>
                   <a:rPr lang="de-DE" noProof="0" dirty="0" smtClean="0"/>
-                  <a:t>Das ganze wird mit .75 multipliziert weil das die </a:t>
+                  <a:t>Das ganze wird mit </a:t>
+                </a:r>
+                <a:r>
+                  <a:rPr lang="de-DE" noProof="0" dirty="0" smtClean="0"/>
+                  <a:t>0,75 </a:t>
+                </a:r>
+                <a:r>
+                  <a:rPr lang="de-DE" noProof="0" dirty="0" smtClean="0"/>
+                  <a:t>multipliziert </a:t>
+                </a:r>
+                <a:r>
+                  <a:rPr lang="de-DE" noProof="0" dirty="0" smtClean="0"/>
+                  <a:t>da dies </a:t>
+                </a:r>
+                <a:r>
+                  <a:rPr lang="de-DE" noProof="0" dirty="0" smtClean="0"/>
+                  <a:t>die </a:t>
                 </a:r>
                 <a:r>
                   <a:rPr lang="de-DE" dirty="0" smtClean="0"/>
@@ -12147,7 +13860,7 @@
             </p:txBody>
           </p:sp>
         </mc:Choice>
-        <mc:Fallback xmlns="">
+        <mc:Fallback>
           <p:sp>
             <p:nvSpPr>
               <p:cNvPr id="3" name="Content Placeholder 2"/>
@@ -12162,7 +13875,7 @@
               <a:blipFill rotWithShape="0">
                 <a:blip r:embed="rId2"/>
                 <a:stretch>
-                  <a:fillRect l="-1043" t="-140" r="-406"/>
+                  <a:fillRect l="-567" r="-1064"/>
                 </a:stretch>
               </a:blipFill>
             </p:spPr>
@@ -12206,6 +13919,204 @@
               <a:t>/17</a:t>
             </a:r>
             <a:endParaRPr lang="en-US" dirty="0"/>
+          </a:p>
+        </p:txBody>
+      </p:sp>
+      <p:sp>
+        <p:nvSpPr>
+          <p:cNvPr id="5" name="Ellipse 4"/>
+          <p:cNvSpPr/>
+          <p:nvPr/>
+        </p:nvSpPr>
+        <p:spPr>
+          <a:xfrm>
+            <a:off x="3939483" y="5139451"/>
+            <a:ext cx="728770" cy="756271"/>
+          </a:xfrm>
+          <a:prstGeom prst="ellipse">
+            <a:avLst/>
+          </a:prstGeom>
+          <a:noFill/>
+          <a:ln w="38100">
+            <a:solidFill>
+              <a:schemeClr val="accent6"/>
+            </a:solidFill>
+          </a:ln>
+        </p:spPr>
+        <p:style>
+          <a:lnRef idx="2">
+            <a:schemeClr val="accent1">
+              <a:shade val="50000"/>
+            </a:schemeClr>
+          </a:lnRef>
+          <a:fillRef idx="1">
+            <a:schemeClr val="accent1"/>
+          </a:fillRef>
+          <a:effectRef idx="0">
+            <a:schemeClr val="accent1"/>
+          </a:effectRef>
+          <a:fontRef idx="minor">
+            <a:schemeClr val="lt1"/>
+          </a:fontRef>
+        </p:style>
+        <p:txBody>
+          <a:bodyPr rtlCol="0" anchor="ctr"/>
+          <a:lstStyle/>
+          <a:p>
+            <a:pPr algn="ctr"/>
+            <a:endParaRPr lang="de-DE"/>
+          </a:p>
+        </p:txBody>
+      </p:sp>
+      <p:cxnSp>
+        <p:nvCxnSpPr>
+          <p:cNvPr id="6" name="Gerader Verbinder 5"/>
+          <p:cNvCxnSpPr>
+            <a:endCxn id="5" idx="2"/>
+          </p:cNvCxnSpPr>
+          <p:nvPr/>
+        </p:nvCxnSpPr>
+        <p:spPr>
+          <a:xfrm flipV="1">
+            <a:off x="3497816" y="5517587"/>
+            <a:ext cx="441667" cy="6426"/>
+          </a:xfrm>
+          <a:prstGeom prst="line">
+            <a:avLst/>
+          </a:prstGeom>
+          <a:ln w="38100">
+            <a:solidFill>
+              <a:schemeClr val="accent6"/>
+            </a:solidFill>
+          </a:ln>
+        </p:spPr>
+        <p:style>
+          <a:lnRef idx="1">
+            <a:schemeClr val="accent1"/>
+          </a:lnRef>
+          <a:fillRef idx="0">
+            <a:schemeClr val="accent1"/>
+          </a:fillRef>
+          <a:effectRef idx="0">
+            <a:schemeClr val="accent1"/>
+          </a:effectRef>
+          <a:fontRef idx="minor">
+            <a:schemeClr val="tx1"/>
+          </a:fontRef>
+        </p:style>
+      </p:cxnSp>
+      <p:cxnSp>
+        <p:nvCxnSpPr>
+          <p:cNvPr id="8" name="Gerader Verbinder 7"/>
+          <p:cNvCxnSpPr>
+            <a:stCxn id="5" idx="6"/>
+          </p:cNvCxnSpPr>
+          <p:nvPr/>
+        </p:nvCxnSpPr>
+        <p:spPr>
+          <a:xfrm flipV="1">
+            <a:off x="4668253" y="5513901"/>
+            <a:ext cx="343760" cy="3686"/>
+          </a:xfrm>
+          <a:prstGeom prst="line">
+            <a:avLst/>
+          </a:prstGeom>
+          <a:ln w="38100">
+            <a:solidFill>
+              <a:schemeClr val="accent6"/>
+            </a:solidFill>
+          </a:ln>
+        </p:spPr>
+        <p:style>
+          <a:lnRef idx="1">
+            <a:schemeClr val="accent1"/>
+          </a:lnRef>
+          <a:fillRef idx="0">
+            <a:schemeClr val="accent1"/>
+          </a:fillRef>
+          <a:effectRef idx="0">
+            <a:schemeClr val="accent1"/>
+          </a:effectRef>
+          <a:fontRef idx="minor">
+            <a:schemeClr val="tx1"/>
+          </a:fontRef>
+        </p:style>
+      </p:cxnSp>
+      <p:sp>
+        <p:nvSpPr>
+          <p:cNvPr id="9" name="Rechteck 8"/>
+          <p:cNvSpPr/>
+          <p:nvPr/>
+        </p:nvSpPr>
+        <p:spPr>
+          <a:xfrm>
+            <a:off x="3797647" y="5560432"/>
+            <a:ext cx="1038154" cy="656781"/>
+          </a:xfrm>
+          <a:prstGeom prst="rect">
+            <a:avLst/>
+          </a:prstGeom>
+          <a:solidFill>
+            <a:schemeClr val="bg1"/>
+          </a:solidFill>
+          <a:ln w="38100">
+            <a:solidFill>
+              <a:schemeClr val="bg1"/>
+            </a:solidFill>
+          </a:ln>
+        </p:spPr>
+        <p:style>
+          <a:lnRef idx="2">
+            <a:schemeClr val="accent1">
+              <a:shade val="50000"/>
+            </a:schemeClr>
+          </a:lnRef>
+          <a:fillRef idx="1">
+            <a:schemeClr val="accent1"/>
+          </a:fillRef>
+          <a:effectRef idx="0">
+            <a:schemeClr val="accent1"/>
+          </a:effectRef>
+          <a:fontRef idx="minor">
+            <a:schemeClr val="lt1"/>
+          </a:fontRef>
+        </p:style>
+        <p:txBody>
+          <a:bodyPr rtlCol="0" anchor="ctr"/>
+          <a:lstStyle/>
+          <a:p>
+            <a:pPr algn="ctr"/>
+            <a:endParaRPr lang="de-DE" dirty="0"/>
+          </a:p>
+        </p:txBody>
+      </p:sp>
+      <p:sp>
+        <p:nvSpPr>
+          <p:cNvPr id="10" name="Textfeld 9"/>
+          <p:cNvSpPr txBox="1"/>
+          <p:nvPr/>
+        </p:nvSpPr>
+        <p:spPr>
+          <a:xfrm>
+            <a:off x="4000977" y="5606642"/>
+            <a:ext cx="631494" cy="369332"/>
+          </a:xfrm>
+          <a:prstGeom prst="rect">
+            <a:avLst/>
+          </a:prstGeom>
+          <a:noFill/>
+        </p:spPr>
+        <p:txBody>
+          <a:bodyPr wrap="square" rtlCol="0">
+            <a:spAutoFit/>
+          </a:bodyPr>
+          <a:lstStyle/>
+          <a:p>
+            <a:r>
+              <a:rPr lang="de-DE" dirty="0" smtClean="0"/>
+              <a:t>0,75</a:t>
+            </a:r>
+            <a:endParaRPr lang="de-DE" dirty="0"/>
           </a:p>
         </p:txBody>
       </p:sp>
@@ -12315,7 +14226,9 @@
                     <m:d>
                       <m:dPr>
                         <m:ctrlPr>
-                          <a:rPr lang="de-DE" smtClean="0"/>
+                          <a:rPr lang="de-DE" i="1" smtClean="0">
+                            <a:latin typeface="Cambria Math" panose="02040503050406030204" pitchFamily="18" charset="0"/>
+                          </a:rPr>
                         </m:ctrlPr>
                       </m:dPr>
                       <m:e>
@@ -12323,51 +14236,71 @@
                           <m:fPr>
                             <m:type m:val="noBar"/>
                             <m:ctrlPr>
-                              <a:rPr lang="de-DE" smtClean="0"/>
+                              <a:rPr lang="de-DE" i="1" smtClean="0">
+                                <a:latin typeface="Cambria Math" panose="02040503050406030204" pitchFamily="18" charset="0"/>
+                              </a:rPr>
                             </m:ctrlPr>
                           </m:fPr>
                           <m:num>
                             <m:sSub>
                               <m:sSubPr>
                                 <m:ctrlPr>
-                                  <a:rPr lang="de-DE" smtClean="0"/>
+                                  <a:rPr lang="de-DE" i="1" smtClean="0">
+                                    <a:latin typeface="Cambria Math" panose="02040503050406030204" pitchFamily="18" charset="0"/>
+                                  </a:rPr>
                                 </m:ctrlPr>
                               </m:sSubPr>
                               <m:e>
                                 <m:r>
-                                  <a:rPr lang="de-DE" smtClean="0"/>
+                                  <a:rPr lang="de-DE" smtClean="0">
+                                    <a:latin typeface="Cambria Math" panose="02040503050406030204" pitchFamily="18" charset="0"/>
+                                  </a:rPr>
                                   <m:t>𝑛</m:t>
                                 </m:r>
                               </m:e>
                               <m:sub>
                                 <m:r>
-                                  <a:rPr lang="de-DE" smtClean="0"/>
+                                  <a:rPr lang="de-DE" smtClean="0">
+                                    <a:latin typeface="Cambria Math" panose="02040503050406030204" pitchFamily="18" charset="0"/>
+                                  </a:rPr>
                                   <m:t>1</m:t>
                                 </m:r>
                               </m:sub>
                             </m:sSub>
                             <m:r>
-                              <a:rPr lang="de-DE" smtClean="0"/>
+                              <a:rPr lang="de-DE" smtClean="0">
+                                <a:latin typeface="Cambria Math" panose="02040503050406030204" pitchFamily="18" charset="0"/>
+                              </a:rPr>
                               <m:t>∗</m:t>
                             </m:r>
                             <m:r>
-                              <a:rPr lang="de-DE" smtClean="0"/>
+                              <a:rPr lang="de-DE" smtClean="0">
+                                <a:latin typeface="Cambria Math" panose="02040503050406030204" pitchFamily="18" charset="0"/>
+                              </a:rPr>
                               <m:t>𝑎𝑛𝑔𝑒𝑝𝑎𝑠𝑠𝑡𝑒</m:t>
                             </m:r>
                             <m:r>
-                              <a:rPr lang="de-DE" smtClean="0"/>
+                              <a:rPr lang="de-DE" smtClean="0">
+                                <a:latin typeface="Cambria Math" panose="02040503050406030204" pitchFamily="18" charset="0"/>
+                              </a:rPr>
                               <m:t> </m:t>
                             </m:r>
                             <m:r>
-                              <a:rPr lang="de-DE" smtClean="0"/>
+                              <a:rPr lang="de-DE" smtClean="0">
+                                <a:latin typeface="Cambria Math" panose="02040503050406030204" pitchFamily="18" charset="0"/>
+                              </a:rPr>
                               <m:t>𝐺𝑟</m:t>
                             </m:r>
                             <m:r>
-                              <a:rPr lang="de-DE" smtClean="0"/>
+                              <a:rPr lang="de-DE" smtClean="0">
+                                <a:latin typeface="Cambria Math" panose="02040503050406030204" pitchFamily="18" charset="0"/>
+                              </a:rPr>
                               <m:t>öß</m:t>
                             </m:r>
                             <m:r>
-                              <a:rPr lang="de-DE" smtClean="0"/>
+                              <a:rPr lang="de-DE" smtClean="0">
+                                <a:latin typeface="Cambria Math" panose="02040503050406030204" pitchFamily="18" charset="0"/>
+                              </a:rPr>
                               <m:t>𝑒</m:t>
                             </m:r>
                           </m:num>
@@ -12375,35 +14308,47 @@
                             <m:eqArr>
                               <m:eqArrPr>
                                 <m:ctrlPr>
-                                  <a:rPr lang="de-DE" smtClean="0"/>
+                                  <a:rPr lang="de-DE" i="1" smtClean="0">
+                                    <a:latin typeface="Cambria Math" panose="02040503050406030204" pitchFamily="18" charset="0"/>
+                                  </a:rPr>
                                 </m:ctrlPr>
                               </m:eqArrPr>
                               <m:e>
                                 <m:sSub>
                                   <m:sSubPr>
                                     <m:ctrlPr>
-                                      <a:rPr lang="de-DE" smtClean="0"/>
+                                      <a:rPr lang="de-DE" i="1" smtClean="0">
+                                        <a:latin typeface="Cambria Math" panose="02040503050406030204" pitchFamily="18" charset="0"/>
+                                      </a:rPr>
                                     </m:ctrlPr>
                                   </m:sSubPr>
                                   <m:e>
                                     <m:r>
-                                      <a:rPr lang="de-DE" smtClean="0"/>
+                                      <a:rPr lang="de-DE" smtClean="0">
+                                        <a:latin typeface="Cambria Math" panose="02040503050406030204" pitchFamily="18" charset="0"/>
+                                      </a:rPr>
                                       <m:t>𝑛</m:t>
                                     </m:r>
                                   </m:e>
                                   <m:sub>
                                     <m:r>
-                                      <a:rPr lang="de-DE" smtClean="0"/>
+                                      <a:rPr lang="de-DE" smtClean="0">
+                                        <a:latin typeface="Cambria Math" panose="02040503050406030204" pitchFamily="18" charset="0"/>
+                                      </a:rPr>
                                       <m:t>2</m:t>
                                     </m:r>
                                   </m:sub>
                                 </m:sSub>
                                 <m:r>
-                                  <a:rPr lang="de-DE" smtClean="0"/>
+                                  <a:rPr lang="de-DE" smtClean="0">
+                                    <a:latin typeface="Cambria Math" panose="02040503050406030204" pitchFamily="18" charset="0"/>
+                                  </a:rPr>
                                   <m:t>∗</m:t>
                                 </m:r>
                                 <m:r>
-                                  <a:rPr lang="de-DE" smtClean="0"/>
+                                  <a:rPr lang="de-DE" smtClean="0">
+                                    <a:latin typeface="Cambria Math" panose="02040503050406030204" pitchFamily="18" charset="0"/>
+                                  </a:rPr>
                                   <m:t>𝐾𝑜𝑚𝑝𝑎𝑘𝑡h𝑒𝑖𝑡</m:t>
                                 </m:r>
                               </m:e>
@@ -12411,36 +14356,50 @@
                                 <m:sSub>
                                   <m:sSubPr>
                                     <m:ctrlPr>
-                                      <a:rPr lang="de-DE" smtClean="0"/>
+                                      <a:rPr lang="de-DE" i="1" smtClean="0">
+                                        <a:latin typeface="Cambria Math" panose="02040503050406030204" pitchFamily="18" charset="0"/>
+                                      </a:rPr>
                                     </m:ctrlPr>
                                   </m:sSubPr>
                                   <m:e>
                                     <m:r>
-                                      <a:rPr lang="de-DE" smtClean="0"/>
+                                      <a:rPr lang="de-DE" smtClean="0">
+                                        <a:latin typeface="Cambria Math" panose="02040503050406030204" pitchFamily="18" charset="0"/>
+                                      </a:rPr>
                                       <m:t>𝑛</m:t>
                                     </m:r>
                                   </m:e>
                                   <m:sub>
                                     <m:r>
-                                      <a:rPr lang="de-DE" smtClean="0"/>
+                                      <a:rPr lang="de-DE" smtClean="0">
+                                        <a:latin typeface="Cambria Math" panose="02040503050406030204" pitchFamily="18" charset="0"/>
+                                      </a:rPr>
                                       <m:t>3</m:t>
                                     </m:r>
                                   </m:sub>
                                 </m:sSub>
                                 <m:r>
-                                  <a:rPr lang="de-DE" smtClean="0"/>
+                                  <a:rPr lang="de-DE" smtClean="0">
+                                    <a:latin typeface="Cambria Math" panose="02040503050406030204" pitchFamily="18" charset="0"/>
+                                  </a:rPr>
                                   <m:t>∗</m:t>
                                 </m:r>
                                 <m:r>
-                                  <a:rPr lang="de-DE" smtClean="0"/>
+                                  <a:rPr lang="de-DE" smtClean="0">
+                                    <a:latin typeface="Cambria Math" panose="02040503050406030204" pitchFamily="18" charset="0"/>
+                                  </a:rPr>
                                   <m:t>𝐵𝑎𝑠𝑖𝑠𝑙𝑖𝑛𝑖𝑒𝑛𝑙</m:t>
                                 </m:r>
                                 <m:r>
-                                  <a:rPr lang="de-DE" smtClean="0"/>
+                                  <a:rPr lang="de-DE" smtClean="0">
+                                    <a:latin typeface="Cambria Math" panose="02040503050406030204" pitchFamily="18" charset="0"/>
+                                  </a:rPr>
                                   <m:t>ä</m:t>
                                 </m:r>
                                 <m:r>
-                                  <a:rPr lang="de-DE" smtClean="0"/>
+                                  <a:rPr lang="de-DE" smtClean="0">
+                                    <a:latin typeface="Cambria Math" panose="02040503050406030204" pitchFamily="18" charset="0"/>
+                                  </a:rPr>
                                   <m:t>𝑛𝑔𝑒</m:t>
                                 </m:r>
                               </m:e>
@@ -12460,18 +14419,24 @@
                     <m:sSub>
                       <m:sSubPr>
                         <m:ctrlPr>
-                          <a:rPr lang="de-DE" smtClean="0"/>
+                          <a:rPr lang="de-DE" i="1" smtClean="0">
+                            <a:latin typeface="Cambria Math" panose="02040503050406030204" pitchFamily="18" charset="0"/>
+                          </a:rPr>
                         </m:ctrlPr>
                       </m:sSubPr>
                       <m:e>
                         <m:r>
-                          <a:rPr lang="de-DE" smtClean="0"/>
+                          <a:rPr lang="de-DE" smtClean="0">
+                            <a:latin typeface="Cambria Math" panose="02040503050406030204" pitchFamily="18" charset="0"/>
+                          </a:rPr>
                           <m:t>𝑛</m:t>
                         </m:r>
                       </m:e>
                       <m:sub>
                         <m:r>
-                          <a:rPr lang="de-DE" smtClean="0"/>
+                          <a:rPr lang="de-DE" smtClean="0">
+                            <a:latin typeface="Cambria Math" panose="02040503050406030204" pitchFamily="18" charset="0"/>
+                          </a:rPr>
                           <m:t>𝑖</m:t>
                         </m:r>
                       </m:sub>

--- a/Wang-Müller.pptx
+++ b/Wang-Müller.pptx
@@ -372,7 +372,7 @@
           <a:p>
             <a:fld id="{94626CDE-96AB-47F3-83F8-702B4FAB0956}" type="slidenum">
               <a:rPr lang="de-DE" smtClean="0"/>
-              <a:t>‹Nr.›</a:t>
+              <a:t>‹#›</a:t>
             </a:fld>
             <a:endParaRPr lang="de-DE"/>
           </a:p>
@@ -1789,7 +1789,7 @@
           <a:p>
             <a:fld id="{2CE4E6E9-A8D3-4EFD-B6E5-8FAD5746A6FF}" type="datetime1">
               <a:rPr lang="en-US" smtClean="0"/>
-              <a:t>7/8/2015</a:t>
+              <a:t>8/7/2015</a:t>
             </a:fld>
             <a:endParaRPr lang="en-US"/>
           </a:p>
@@ -2024,7 +2024,7 @@
           <a:p>
             <a:fld id="{3A74BF67-7FCA-47E9-A5B6-F501EFF78D2D}" type="datetime1">
               <a:rPr lang="en-US" smtClean="0"/>
-              <a:t>7/8/2015</a:t>
+              <a:t>8/7/2015</a:t>
             </a:fld>
             <a:endParaRPr lang="en-US"/>
           </a:p>
@@ -2066,7 +2066,7 @@
           <a:p>
             <a:fld id="{5B99597B-07E3-4F78-AC35-69A9544D51AD}" type="slidenum">
               <a:rPr lang="en-US" smtClean="0"/>
-              <a:t>‹Nr.›</a:t>
+              <a:t>‹#›</a:t>
             </a:fld>
             <a:endParaRPr lang="en-US"/>
           </a:p>
@@ -2338,7 +2338,7 @@
           <a:p>
             <a:fld id="{78E946C9-0300-47E7-B4AB-F2B5ED6A6A10}" type="datetime1">
               <a:rPr lang="en-US" smtClean="0"/>
-              <a:t>7/8/2015</a:t>
+              <a:t>8/7/2015</a:t>
             </a:fld>
             <a:endParaRPr lang="en-US"/>
           </a:p>
@@ -2380,7 +2380,7 @@
           <a:p>
             <a:fld id="{5B99597B-07E3-4F78-AC35-69A9544D51AD}" type="slidenum">
               <a:rPr lang="en-US" smtClean="0"/>
-              <a:t>‹Nr.›</a:t>
+              <a:t>‹#›</a:t>
             </a:fld>
             <a:endParaRPr lang="en-US"/>
           </a:p>
@@ -2679,7 +2679,7 @@
           <a:p>
             <a:fld id="{36174F5A-B9AE-442B-8E0C-362A74397D13}" type="datetime1">
               <a:rPr lang="en-US" smtClean="0"/>
-              <a:t>7/8/2015</a:t>
+              <a:t>8/7/2015</a:t>
             </a:fld>
             <a:endParaRPr lang="en-US"/>
           </a:p>
@@ -2721,7 +2721,7 @@
           <a:p>
             <a:fld id="{5B99597B-07E3-4F78-AC35-69A9544D51AD}" type="slidenum">
               <a:rPr lang="en-US" smtClean="0"/>
-              <a:t>‹Nr.›</a:t>
+              <a:t>‹#›</a:t>
             </a:fld>
             <a:endParaRPr lang="en-US"/>
           </a:p>
@@ -2993,7 +2993,7 @@
           <a:p>
             <a:fld id="{C4E46709-CBC1-4562-A2E6-AEF7E87EC09A}" type="datetime1">
               <a:rPr lang="en-US" smtClean="0"/>
-              <a:t>7/8/2015</a:t>
+              <a:t>8/7/2015</a:t>
             </a:fld>
             <a:endParaRPr lang="en-US"/>
           </a:p>
@@ -3035,7 +3035,7 @@
           <a:p>
             <a:fld id="{5B99597B-07E3-4F78-AC35-69A9544D51AD}" type="slidenum">
               <a:rPr lang="en-US" smtClean="0"/>
-              <a:t>‹Nr.›</a:t>
+              <a:t>‹#›</a:t>
             </a:fld>
             <a:endParaRPr lang="en-US"/>
           </a:p>
@@ -3386,7 +3386,7 @@
           <a:p>
             <a:fld id="{8F0F8E5B-BA6E-4CC4-A63F-C3AF07145EEC}" type="datetime1">
               <a:rPr lang="en-US" smtClean="0"/>
-              <a:t>7/8/2015</a:t>
+              <a:t>8/7/2015</a:t>
             </a:fld>
             <a:endParaRPr lang="en-US"/>
           </a:p>
@@ -3428,7 +3428,7 @@
           <a:p>
             <a:fld id="{5B99597B-07E3-4F78-AC35-69A9544D51AD}" type="slidenum">
               <a:rPr lang="en-US" smtClean="0"/>
-              <a:t>‹Nr.›</a:t>
+              <a:t>‹#›</a:t>
             </a:fld>
             <a:endParaRPr lang="en-US"/>
           </a:p>
@@ -3556,7 +3556,7 @@
           <a:p>
             <a:fld id="{72687BDB-B586-4D7C-B658-35F9D1B217F1}" type="datetime1">
               <a:rPr lang="en-US" smtClean="0"/>
-              <a:t>7/8/2015</a:t>
+              <a:t>8/7/2015</a:t>
             </a:fld>
             <a:endParaRPr lang="en-US"/>
           </a:p>
@@ -3598,7 +3598,7 @@
           <a:p>
             <a:fld id="{5B99597B-07E3-4F78-AC35-69A9544D51AD}" type="slidenum">
               <a:rPr lang="en-US" smtClean="0"/>
-              <a:t>‹Nr.›</a:t>
+              <a:t>‹#›</a:t>
             </a:fld>
             <a:endParaRPr lang="en-US"/>
           </a:p>
@@ -3736,7 +3736,7 @@
           <a:p>
             <a:fld id="{D359E52B-A2A0-4A6B-ADF1-8830B4851C09}" type="datetime1">
               <a:rPr lang="en-US" smtClean="0"/>
-              <a:t>7/8/2015</a:t>
+              <a:t>8/7/2015</a:t>
             </a:fld>
             <a:endParaRPr lang="en-US"/>
           </a:p>
@@ -3778,7 +3778,7 @@
           <a:p>
             <a:fld id="{5B99597B-07E3-4F78-AC35-69A9544D51AD}" type="slidenum">
               <a:rPr lang="en-US" smtClean="0"/>
-              <a:t>‹Nr.›</a:t>
+              <a:t>‹#›</a:t>
             </a:fld>
             <a:endParaRPr lang="en-US"/>
           </a:p>
@@ -3919,7 +3919,7 @@
           <a:p>
             <a:fld id="{A896EC0E-555A-40A9-B69D-D5228A02F840}" type="datetime1">
               <a:rPr lang="en-US" smtClean="0"/>
-              <a:t>7/8/2015</a:t>
+              <a:t>8/7/2015</a:t>
             </a:fld>
             <a:endParaRPr lang="en-US"/>
           </a:p>
@@ -3962,7 +3962,7 @@
             <a:fld id="{5B99597B-07E3-4F78-AC35-69A9544D51AD}" type="slidenum">
               <a:rPr lang="en-US" smtClean="0"/>
               <a:pPr/>
-              <a:t>‹Nr.›</a:t>
+              <a:t>‹#›</a:t>
             </a:fld>
             <a:r>
               <a:rPr lang="en-US" dirty="0" smtClean="0"/>
@@ -4178,7 +4178,7 @@
           <a:p>
             <a:fld id="{1770B8A0-D34B-4FA5-B93E-24DA761A968A}" type="datetime1">
               <a:rPr lang="en-US" smtClean="0"/>
-              <a:t>7/8/2015</a:t>
+              <a:t>8/7/2015</a:t>
             </a:fld>
             <a:endParaRPr lang="en-US"/>
           </a:p>
@@ -4220,7 +4220,7 @@
           <a:p>
             <a:fld id="{5B99597B-07E3-4F78-AC35-69A9544D51AD}" type="slidenum">
               <a:rPr lang="en-US" smtClean="0"/>
-              <a:t>‹Nr.›</a:t>
+              <a:t>‹#›</a:t>
             </a:fld>
             <a:endParaRPr lang="en-US"/>
           </a:p>
@@ -4417,7 +4417,7 @@
           <a:p>
             <a:fld id="{1EED6501-03F8-410C-AF14-B1A376829DEC}" type="datetime1">
               <a:rPr lang="en-US" smtClean="0"/>
-              <a:t>7/8/2015</a:t>
+              <a:t>8/7/2015</a:t>
             </a:fld>
             <a:endParaRPr lang="en-US"/>
           </a:p>
@@ -4459,7 +4459,7 @@
           <a:p>
             <a:fld id="{5B99597B-07E3-4F78-AC35-69A9544D51AD}" type="slidenum">
               <a:rPr lang="en-US" smtClean="0"/>
-              <a:t>‹Nr.›</a:t>
+              <a:t>‹#›</a:t>
             </a:fld>
             <a:endParaRPr lang="en-US"/>
           </a:p>
@@ -4791,7 +4791,7 @@
           <a:p>
             <a:fld id="{717F26B0-4A12-4513-A216-AD2841158341}" type="datetime1">
               <a:rPr lang="en-US" smtClean="0"/>
-              <a:t>7/8/2015</a:t>
+              <a:t>8/7/2015</a:t>
             </a:fld>
             <a:endParaRPr lang="en-US"/>
           </a:p>
@@ -4833,7 +4833,7 @@
           <a:p>
             <a:fld id="{5B99597B-07E3-4F78-AC35-69A9544D51AD}" type="slidenum">
               <a:rPr lang="en-US" smtClean="0"/>
-              <a:t>‹Nr.›</a:t>
+              <a:t>‹#›</a:t>
             </a:fld>
             <a:endParaRPr lang="en-US"/>
           </a:p>
@@ -4914,7 +4914,7 @@
           <a:p>
             <a:fld id="{55EA2914-6F61-4473-BDB1-38AB32F358A3}" type="datetime1">
               <a:rPr lang="en-US" smtClean="0"/>
-              <a:t>7/8/2015</a:t>
+              <a:t>8/7/2015</a:t>
             </a:fld>
             <a:endParaRPr lang="en-US"/>
           </a:p>
@@ -4956,7 +4956,7 @@
           <a:p>
             <a:fld id="{5B99597B-07E3-4F78-AC35-69A9544D51AD}" type="slidenum">
               <a:rPr lang="en-US" smtClean="0"/>
-              <a:t>‹Nr.›</a:t>
+              <a:t>‹#›</a:t>
             </a:fld>
             <a:endParaRPr lang="en-US"/>
           </a:p>
@@ -5009,7 +5009,7 @@
           <a:p>
             <a:fld id="{AB97AA6C-032C-4064-A787-9F610791F4AF}" type="datetime1">
               <a:rPr lang="en-US" smtClean="0"/>
-              <a:t>7/8/2015</a:t>
+              <a:t>8/7/2015</a:t>
             </a:fld>
             <a:endParaRPr lang="en-US"/>
           </a:p>
@@ -5051,7 +5051,7 @@
           <a:p>
             <a:fld id="{5B99597B-07E3-4F78-AC35-69A9544D51AD}" type="slidenum">
               <a:rPr lang="en-US" smtClean="0"/>
-              <a:t>‹Nr.›</a:t>
+              <a:t>‹#›</a:t>
             </a:fld>
             <a:endParaRPr lang="en-US"/>
           </a:p>
@@ -5264,7 +5264,7 @@
           <a:p>
             <a:fld id="{2F1E71C1-AFE5-4F5C-A429-92741E987410}" type="datetime1">
               <a:rPr lang="en-US" smtClean="0"/>
-              <a:t>7/8/2015</a:t>
+              <a:t>8/7/2015</a:t>
             </a:fld>
             <a:endParaRPr lang="en-US"/>
           </a:p>
@@ -5306,7 +5306,7 @@
           <a:p>
             <a:fld id="{5B99597B-07E3-4F78-AC35-69A9544D51AD}" type="slidenum">
               <a:rPr lang="en-US" smtClean="0"/>
-              <a:t>‹Nr.›</a:t>
+              <a:t>‹#›</a:t>
             </a:fld>
             <a:endParaRPr lang="en-US"/>
           </a:p>
@@ -5527,7 +5527,7 @@
           <a:p>
             <a:fld id="{EAD9C191-BEE7-4102-8593-B3B8770435DF}" type="datetime1">
               <a:rPr lang="en-US" smtClean="0"/>
-              <a:t>7/8/2015</a:t>
+              <a:t>8/7/2015</a:t>
             </a:fld>
             <a:endParaRPr lang="en-US"/>
           </a:p>
@@ -5569,7 +5569,7 @@
           <a:p>
             <a:fld id="{5B99597B-07E3-4F78-AC35-69A9544D51AD}" type="slidenum">
               <a:rPr lang="en-US" smtClean="0"/>
-              <a:t>‹Nr.›</a:t>
+              <a:t>‹#›</a:t>
             </a:fld>
             <a:endParaRPr lang="en-US"/>
           </a:p>
@@ -6270,7 +6270,7 @@
           <a:p>
             <a:fld id="{CDCE79DA-BB38-4EB2-97E1-81BA7E2A9CA8}" type="datetime1">
               <a:rPr lang="en-US" smtClean="0"/>
-              <a:t>7/8/2015</a:t>
+              <a:t>8/7/2015</a:t>
             </a:fld>
             <a:endParaRPr lang="en-US"/>
           </a:p>
@@ -6347,7 +6347,7 @@
             <a:fld id="{5B99597B-07E3-4F78-AC35-69A9544D51AD}" type="slidenum">
               <a:rPr lang="en-US" smtClean="0"/>
               <a:pPr/>
-              <a:t>‹Nr.›</a:t>
+              <a:t>‹#›</a:t>
             </a:fld>
             <a:r>
               <a:rPr lang="en-US" dirty="0" smtClean="0"/>
@@ -13738,8 +13738,8 @@
           </a:p>
         </p:txBody>
       </p:sp>
-      <mc:AlternateContent xmlns:mc="http://schemas.openxmlformats.org/markup-compatibility/2006">
-        <mc:Choice xmlns:a14="http://schemas.microsoft.com/office/drawing/2010/main" Requires="a14">
+      <mc:AlternateContent xmlns:mc="http://schemas.openxmlformats.org/markup-compatibility/2006" xmlns:a14="http://schemas.microsoft.com/office/drawing/2010/main">
+        <mc:Choice Requires="a14">
           <p:sp>
             <p:nvSpPr>
               <p:cNvPr id="3" name="Content Placeholder 2"/>
@@ -13825,23 +13825,7 @@
               <a:p>
                 <a:r>
                   <a:rPr lang="de-DE" noProof="0" dirty="0" smtClean="0"/>
-                  <a:t>Das ganze wird mit </a:t>
-                </a:r>
-                <a:r>
-                  <a:rPr lang="de-DE" noProof="0" dirty="0" smtClean="0"/>
-                  <a:t>0,75 </a:t>
-                </a:r>
-                <a:r>
-                  <a:rPr lang="de-DE" noProof="0" dirty="0" smtClean="0"/>
-                  <a:t>multipliziert </a:t>
-                </a:r>
-                <a:r>
-                  <a:rPr lang="de-DE" noProof="0" dirty="0" smtClean="0"/>
-                  <a:t>da dies </a:t>
-                </a:r>
-                <a:r>
-                  <a:rPr lang="de-DE" noProof="0" dirty="0" smtClean="0"/>
-                  <a:t>die </a:t>
+                  <a:t>Das ganze wird mit 0,75 multipliziert da dies die </a:t>
                 </a:r>
                 <a:r>
                   <a:rPr lang="de-DE" dirty="0" smtClean="0"/>
@@ -13860,7 +13844,7 @@
             </p:txBody>
           </p:sp>
         </mc:Choice>
-        <mc:Fallback>
+        <mc:Fallback xmlns="">
           <p:sp>
             <p:nvSpPr>
               <p:cNvPr id="3" name="Content Placeholder 2"/>
@@ -15210,7 +15194,11 @@
               <a:pPr algn="ctr"/>
               <a:r>
                 <a:rPr lang="de-DE" sz="1400" dirty="0" smtClean="0"/>
-                <a:t>Vergrößerung (</a:t>
+                <a:t>Vergrößerung </a:t>
+              </a:r>
+              <a:r>
+                <a:rPr lang="de-DE" sz="1400" dirty="0" smtClean="0"/>
+                <a:t>(</a:t>
               </a:r>
               <a:r>
                 <a:rPr lang="de-DE" sz="1400" dirty="0" err="1" smtClean="0"/>
@@ -15380,41 +15368,6 @@
             </a:p>
           </p:txBody>
         </p:sp>
-        <p:cxnSp>
-          <p:nvCxnSpPr>
-            <p:cNvPr id="10" name="Gerade Verbindung mit Pfeil 9"/>
-            <p:cNvCxnSpPr>
-              <a:stCxn id="6" idx="2"/>
-            </p:cNvCxnSpPr>
-            <p:nvPr/>
-          </p:nvCxnSpPr>
-          <p:spPr>
-            <a:xfrm flipH="1" flipV="1">
-              <a:off x="5889937" y="1071176"/>
-              <a:ext cx="373307" cy="341995"/>
-            </a:xfrm>
-            <a:prstGeom prst="straightConnector1">
-              <a:avLst/>
-            </a:prstGeom>
-            <a:ln>
-              <a:tailEnd type="triangle"/>
-            </a:ln>
-          </p:spPr>
-          <p:style>
-            <a:lnRef idx="1">
-              <a:schemeClr val="accent1"/>
-            </a:lnRef>
-            <a:fillRef idx="0">
-              <a:schemeClr val="accent1"/>
-            </a:fillRef>
-            <a:effectRef idx="0">
-              <a:schemeClr val="accent1"/>
-            </a:effectRef>
-            <a:fontRef idx="minor">
-              <a:schemeClr val="tx1"/>
-            </a:fontRef>
-          </p:style>
-        </p:cxnSp>
         <p:cxnSp>
           <p:nvCxnSpPr>
             <p:cNvPr id="11" name="Gerade Verbindung mit Pfeil 10"/>

--- a/Wang-Müller.pptx
+++ b/Wang-Müller.pptx
@@ -372,7 +372,7 @@
           <a:p>
             <a:fld id="{94626CDE-96AB-47F3-83F8-702B4FAB0956}" type="slidenum">
               <a:rPr lang="de-DE" smtClean="0"/>
-              <a:t>‹#›</a:t>
+              <a:t>‹Nr.›</a:t>
             </a:fld>
             <a:endParaRPr lang="de-DE"/>
           </a:p>
@@ -1789,7 +1789,7 @@
           <a:p>
             <a:fld id="{2CE4E6E9-A8D3-4EFD-B6E5-8FAD5746A6FF}" type="datetime1">
               <a:rPr lang="en-US" smtClean="0"/>
-              <a:t>8/7/2015</a:t>
+              <a:t>7/8/2015</a:t>
             </a:fld>
             <a:endParaRPr lang="en-US"/>
           </a:p>
@@ -2024,7 +2024,7 @@
           <a:p>
             <a:fld id="{3A74BF67-7FCA-47E9-A5B6-F501EFF78D2D}" type="datetime1">
               <a:rPr lang="en-US" smtClean="0"/>
-              <a:t>8/7/2015</a:t>
+              <a:t>7/8/2015</a:t>
             </a:fld>
             <a:endParaRPr lang="en-US"/>
           </a:p>
@@ -2066,7 +2066,7 @@
           <a:p>
             <a:fld id="{5B99597B-07E3-4F78-AC35-69A9544D51AD}" type="slidenum">
               <a:rPr lang="en-US" smtClean="0"/>
-              <a:t>‹#›</a:t>
+              <a:t>‹Nr.›</a:t>
             </a:fld>
             <a:endParaRPr lang="en-US"/>
           </a:p>
@@ -2338,7 +2338,7 @@
           <a:p>
             <a:fld id="{78E946C9-0300-47E7-B4AB-F2B5ED6A6A10}" type="datetime1">
               <a:rPr lang="en-US" smtClean="0"/>
-              <a:t>8/7/2015</a:t>
+              <a:t>7/8/2015</a:t>
             </a:fld>
             <a:endParaRPr lang="en-US"/>
           </a:p>
@@ -2380,7 +2380,7 @@
           <a:p>
             <a:fld id="{5B99597B-07E3-4F78-AC35-69A9544D51AD}" type="slidenum">
               <a:rPr lang="en-US" smtClean="0"/>
-              <a:t>‹#›</a:t>
+              <a:t>‹Nr.›</a:t>
             </a:fld>
             <a:endParaRPr lang="en-US"/>
           </a:p>
@@ -2679,7 +2679,7 @@
           <a:p>
             <a:fld id="{36174F5A-B9AE-442B-8E0C-362A74397D13}" type="datetime1">
               <a:rPr lang="en-US" smtClean="0"/>
-              <a:t>8/7/2015</a:t>
+              <a:t>7/8/2015</a:t>
             </a:fld>
             <a:endParaRPr lang="en-US"/>
           </a:p>
@@ -2721,7 +2721,7 @@
           <a:p>
             <a:fld id="{5B99597B-07E3-4F78-AC35-69A9544D51AD}" type="slidenum">
               <a:rPr lang="en-US" smtClean="0"/>
-              <a:t>‹#›</a:t>
+              <a:t>‹Nr.›</a:t>
             </a:fld>
             <a:endParaRPr lang="en-US"/>
           </a:p>
@@ -2993,7 +2993,7 @@
           <a:p>
             <a:fld id="{C4E46709-CBC1-4562-A2E6-AEF7E87EC09A}" type="datetime1">
               <a:rPr lang="en-US" smtClean="0"/>
-              <a:t>8/7/2015</a:t>
+              <a:t>7/8/2015</a:t>
             </a:fld>
             <a:endParaRPr lang="en-US"/>
           </a:p>
@@ -3035,7 +3035,7 @@
           <a:p>
             <a:fld id="{5B99597B-07E3-4F78-AC35-69A9544D51AD}" type="slidenum">
               <a:rPr lang="en-US" smtClean="0"/>
-              <a:t>‹#›</a:t>
+              <a:t>‹Nr.›</a:t>
             </a:fld>
             <a:endParaRPr lang="en-US"/>
           </a:p>
@@ -3386,7 +3386,7 @@
           <a:p>
             <a:fld id="{8F0F8E5B-BA6E-4CC4-A63F-C3AF07145EEC}" type="datetime1">
               <a:rPr lang="en-US" smtClean="0"/>
-              <a:t>8/7/2015</a:t>
+              <a:t>7/8/2015</a:t>
             </a:fld>
             <a:endParaRPr lang="en-US"/>
           </a:p>
@@ -3428,7 +3428,7 @@
           <a:p>
             <a:fld id="{5B99597B-07E3-4F78-AC35-69A9544D51AD}" type="slidenum">
               <a:rPr lang="en-US" smtClean="0"/>
-              <a:t>‹#›</a:t>
+              <a:t>‹Nr.›</a:t>
             </a:fld>
             <a:endParaRPr lang="en-US"/>
           </a:p>
@@ -3556,7 +3556,7 @@
           <a:p>
             <a:fld id="{72687BDB-B586-4D7C-B658-35F9D1B217F1}" type="datetime1">
               <a:rPr lang="en-US" smtClean="0"/>
-              <a:t>8/7/2015</a:t>
+              <a:t>7/8/2015</a:t>
             </a:fld>
             <a:endParaRPr lang="en-US"/>
           </a:p>
@@ -3598,7 +3598,7 @@
           <a:p>
             <a:fld id="{5B99597B-07E3-4F78-AC35-69A9544D51AD}" type="slidenum">
               <a:rPr lang="en-US" smtClean="0"/>
-              <a:t>‹#›</a:t>
+              <a:t>‹Nr.›</a:t>
             </a:fld>
             <a:endParaRPr lang="en-US"/>
           </a:p>
@@ -3736,7 +3736,7 @@
           <a:p>
             <a:fld id="{D359E52B-A2A0-4A6B-ADF1-8830B4851C09}" type="datetime1">
               <a:rPr lang="en-US" smtClean="0"/>
-              <a:t>8/7/2015</a:t>
+              <a:t>7/8/2015</a:t>
             </a:fld>
             <a:endParaRPr lang="en-US"/>
           </a:p>
@@ -3778,7 +3778,7 @@
           <a:p>
             <a:fld id="{5B99597B-07E3-4F78-AC35-69A9544D51AD}" type="slidenum">
               <a:rPr lang="en-US" smtClean="0"/>
-              <a:t>‹#›</a:t>
+              <a:t>‹Nr.›</a:t>
             </a:fld>
             <a:endParaRPr lang="en-US"/>
           </a:p>
@@ -3919,7 +3919,7 @@
           <a:p>
             <a:fld id="{A896EC0E-555A-40A9-B69D-D5228A02F840}" type="datetime1">
               <a:rPr lang="en-US" smtClean="0"/>
-              <a:t>8/7/2015</a:t>
+              <a:t>7/8/2015</a:t>
             </a:fld>
             <a:endParaRPr lang="en-US"/>
           </a:p>
@@ -3962,7 +3962,7 @@
             <a:fld id="{5B99597B-07E3-4F78-AC35-69A9544D51AD}" type="slidenum">
               <a:rPr lang="en-US" smtClean="0"/>
               <a:pPr/>
-              <a:t>‹#›</a:t>
+              <a:t>‹Nr.›</a:t>
             </a:fld>
             <a:r>
               <a:rPr lang="en-US" dirty="0" smtClean="0"/>
@@ -4178,7 +4178,7 @@
           <a:p>
             <a:fld id="{1770B8A0-D34B-4FA5-B93E-24DA761A968A}" type="datetime1">
               <a:rPr lang="en-US" smtClean="0"/>
-              <a:t>8/7/2015</a:t>
+              <a:t>7/8/2015</a:t>
             </a:fld>
             <a:endParaRPr lang="en-US"/>
           </a:p>
@@ -4220,7 +4220,7 @@
           <a:p>
             <a:fld id="{5B99597B-07E3-4F78-AC35-69A9544D51AD}" type="slidenum">
               <a:rPr lang="en-US" smtClean="0"/>
-              <a:t>‹#›</a:t>
+              <a:t>‹Nr.›</a:t>
             </a:fld>
             <a:endParaRPr lang="en-US"/>
           </a:p>
@@ -4417,7 +4417,7 @@
           <a:p>
             <a:fld id="{1EED6501-03F8-410C-AF14-B1A376829DEC}" type="datetime1">
               <a:rPr lang="en-US" smtClean="0"/>
-              <a:t>8/7/2015</a:t>
+              <a:t>7/8/2015</a:t>
             </a:fld>
             <a:endParaRPr lang="en-US"/>
           </a:p>
@@ -4459,7 +4459,7 @@
           <a:p>
             <a:fld id="{5B99597B-07E3-4F78-AC35-69A9544D51AD}" type="slidenum">
               <a:rPr lang="en-US" smtClean="0"/>
-              <a:t>‹#›</a:t>
+              <a:t>‹Nr.›</a:t>
             </a:fld>
             <a:endParaRPr lang="en-US"/>
           </a:p>
@@ -4791,7 +4791,7 @@
           <a:p>
             <a:fld id="{717F26B0-4A12-4513-A216-AD2841158341}" type="datetime1">
               <a:rPr lang="en-US" smtClean="0"/>
-              <a:t>8/7/2015</a:t>
+              <a:t>7/8/2015</a:t>
             </a:fld>
             <a:endParaRPr lang="en-US"/>
           </a:p>
@@ -4833,7 +4833,7 @@
           <a:p>
             <a:fld id="{5B99597B-07E3-4F78-AC35-69A9544D51AD}" type="slidenum">
               <a:rPr lang="en-US" smtClean="0"/>
-              <a:t>‹#›</a:t>
+              <a:t>‹Nr.›</a:t>
             </a:fld>
             <a:endParaRPr lang="en-US"/>
           </a:p>
@@ -4914,7 +4914,7 @@
           <a:p>
             <a:fld id="{55EA2914-6F61-4473-BDB1-38AB32F358A3}" type="datetime1">
               <a:rPr lang="en-US" smtClean="0"/>
-              <a:t>8/7/2015</a:t>
+              <a:t>7/8/2015</a:t>
             </a:fld>
             <a:endParaRPr lang="en-US"/>
           </a:p>
@@ -4956,7 +4956,7 @@
           <a:p>
             <a:fld id="{5B99597B-07E3-4F78-AC35-69A9544D51AD}" type="slidenum">
               <a:rPr lang="en-US" smtClean="0"/>
-              <a:t>‹#›</a:t>
+              <a:t>‹Nr.›</a:t>
             </a:fld>
             <a:endParaRPr lang="en-US"/>
           </a:p>
@@ -5009,7 +5009,7 @@
           <a:p>
             <a:fld id="{AB97AA6C-032C-4064-A787-9F610791F4AF}" type="datetime1">
               <a:rPr lang="en-US" smtClean="0"/>
-              <a:t>8/7/2015</a:t>
+              <a:t>7/8/2015</a:t>
             </a:fld>
             <a:endParaRPr lang="en-US"/>
           </a:p>
@@ -5051,7 +5051,7 @@
           <a:p>
             <a:fld id="{5B99597B-07E3-4F78-AC35-69A9544D51AD}" type="slidenum">
               <a:rPr lang="en-US" smtClean="0"/>
-              <a:t>‹#›</a:t>
+              <a:t>‹Nr.›</a:t>
             </a:fld>
             <a:endParaRPr lang="en-US"/>
           </a:p>
@@ -5264,7 +5264,7 @@
           <a:p>
             <a:fld id="{2F1E71C1-AFE5-4F5C-A429-92741E987410}" type="datetime1">
               <a:rPr lang="en-US" smtClean="0"/>
-              <a:t>8/7/2015</a:t>
+              <a:t>7/8/2015</a:t>
             </a:fld>
             <a:endParaRPr lang="en-US"/>
           </a:p>
@@ -5306,7 +5306,7 @@
           <a:p>
             <a:fld id="{5B99597B-07E3-4F78-AC35-69A9544D51AD}" type="slidenum">
               <a:rPr lang="en-US" smtClean="0"/>
-              <a:t>‹#›</a:t>
+              <a:t>‹Nr.›</a:t>
             </a:fld>
             <a:endParaRPr lang="en-US"/>
           </a:p>
@@ -5527,7 +5527,7 @@
           <a:p>
             <a:fld id="{EAD9C191-BEE7-4102-8593-B3B8770435DF}" type="datetime1">
               <a:rPr lang="en-US" smtClean="0"/>
-              <a:t>8/7/2015</a:t>
+              <a:t>7/8/2015</a:t>
             </a:fld>
             <a:endParaRPr lang="en-US"/>
           </a:p>
@@ -5569,7 +5569,7 @@
           <a:p>
             <a:fld id="{5B99597B-07E3-4F78-AC35-69A9544D51AD}" type="slidenum">
               <a:rPr lang="en-US" smtClean="0"/>
-              <a:t>‹#›</a:t>
+              <a:t>‹Nr.›</a:t>
             </a:fld>
             <a:endParaRPr lang="en-US"/>
           </a:p>
@@ -6270,7 +6270,7 @@
           <a:p>
             <a:fld id="{CDCE79DA-BB38-4EB2-97E1-81BA7E2A9CA8}" type="datetime1">
               <a:rPr lang="en-US" smtClean="0"/>
-              <a:t>8/7/2015</a:t>
+              <a:t>7/8/2015</a:t>
             </a:fld>
             <a:endParaRPr lang="en-US"/>
           </a:p>
@@ -6347,7 +6347,7 @@
             <a:fld id="{5B99597B-07E3-4F78-AC35-69A9544D51AD}" type="slidenum">
               <a:rPr lang="en-US" smtClean="0"/>
               <a:pPr/>
-              <a:t>‹#›</a:t>
+              <a:t>‹Nr.›</a:t>
             </a:fld>
             <a:r>
               <a:rPr lang="en-US" dirty="0" smtClean="0"/>
@@ -11458,8 +11458,13 @@
             <a:pPr lvl="1"/>
             <a:r>
               <a:rPr lang="de-DE" dirty="0" smtClean="0"/>
-              <a:t>Benachbarte ähnliche Biegungen mit Größe unter einem gewissen Grenzwert sollen als eine kombiniert werden, und drei als zwei</a:t>
-            </a:r>
+              <a:t>Benachbarte ähnliche Biegungen </a:t>
+            </a:r>
+            <a:r>
+              <a:rPr lang="de-DE" dirty="0" smtClean="0"/>
+              <a:t>werden kombiniert</a:t>
+            </a:r>
+            <a:endParaRPr lang="de-DE" dirty="0" smtClean="0"/>
           </a:p>
           <a:p>
             <a:pPr lvl="1"/>
@@ -11472,7 +11477,11 @@
             <a:pPr lvl="1"/>
             <a:r>
               <a:rPr lang="de-DE" dirty="0" smtClean="0"/>
-              <a:t>Isolierte Biegungen von der Größe des oben erwähnten Grenzwertes sollen vergrößert werden</a:t>
+              <a:t>Isolierte Biegungen </a:t>
+            </a:r>
+            <a:r>
+              <a:rPr lang="de-DE" smtClean="0"/>
+              <a:t>werden vergrößert</a:t>
             </a:r>
             <a:endParaRPr lang="de-DE" noProof="0" dirty="0" smtClean="0"/>
           </a:p>
@@ -15194,11 +15203,7 @@
               <a:pPr algn="ctr"/>
               <a:r>
                 <a:rPr lang="de-DE" sz="1400" dirty="0" smtClean="0"/>
-                <a:t>Vergrößerung </a:t>
-              </a:r>
-              <a:r>
-                <a:rPr lang="de-DE" sz="1400" dirty="0" smtClean="0"/>
-                <a:t>(</a:t>
+                <a:t>Vergrößerung (</a:t>
               </a:r>
               <a:r>
                 <a:rPr lang="de-DE" sz="1400" dirty="0" err="1" smtClean="0"/>
